--- a/39_Context2.pptx
+++ b/39_Context2.pptx
@@ -5,24 +5,31 @@
     <p:sldMasterId id="2147483648" r:id="rId1"/>
   </p:sldMasterIdLst>
   <p:notesMasterIdLst>
-    <p:notesMasterId r:id="rId17"/>
+    <p:notesMasterId r:id="rId24"/>
   </p:notesMasterIdLst>
   <p:sldIdLst>
     <p:sldId id="256" r:id="rId2"/>
     <p:sldId id="263" r:id="rId3"/>
-    <p:sldId id="268" r:id="rId4"/>
-    <p:sldId id="265" r:id="rId5"/>
-    <p:sldId id="267" r:id="rId6"/>
-    <p:sldId id="269" r:id="rId7"/>
-    <p:sldId id="271" r:id="rId8"/>
-    <p:sldId id="270" r:id="rId9"/>
-    <p:sldId id="272" r:id="rId10"/>
-    <p:sldId id="273" r:id="rId11"/>
-    <p:sldId id="274" r:id="rId12"/>
-    <p:sldId id="275" r:id="rId13"/>
-    <p:sldId id="276" r:id="rId14"/>
-    <p:sldId id="277" r:id="rId15"/>
-    <p:sldId id="259" r:id="rId16"/>
+    <p:sldId id="278" r:id="rId4"/>
+    <p:sldId id="268" r:id="rId5"/>
+    <p:sldId id="265" r:id="rId6"/>
+    <p:sldId id="267" r:id="rId7"/>
+    <p:sldId id="269" r:id="rId8"/>
+    <p:sldId id="271" r:id="rId9"/>
+    <p:sldId id="270" r:id="rId10"/>
+    <p:sldId id="280" r:id="rId11"/>
+    <p:sldId id="279" r:id="rId12"/>
+    <p:sldId id="281" r:id="rId13"/>
+    <p:sldId id="272" r:id="rId14"/>
+    <p:sldId id="282" r:id="rId15"/>
+    <p:sldId id="273" r:id="rId16"/>
+    <p:sldId id="283" r:id="rId17"/>
+    <p:sldId id="274" r:id="rId18"/>
+    <p:sldId id="284" r:id="rId19"/>
+    <p:sldId id="275" r:id="rId20"/>
+    <p:sldId id="276" r:id="rId21"/>
+    <p:sldId id="277" r:id="rId22"/>
+    <p:sldId id="259" r:id="rId23"/>
   </p:sldIdLst>
   <p:sldSz cx="9144000" cy="6858000" type="screen4x3"/>
   <p:notesSz cx="6858000" cy="9144000"/>
@@ -223,7 +230,7 @@
             <a:fld id="{6837EDA8-41C8-4B24-A206-13C08A65A6D7}" type="datetimeFigureOut">
               <a:rPr lang="zh-TW" altLang="en-US" smtClean="0"/>
               <a:pPr/>
-              <a:t>2020/4/10</a:t>
+              <a:t>2020/5/25</a:t>
             </a:fld>
             <a:endParaRPr lang="zh-TW" altLang="en-US"/>
           </a:p>
@@ -676,7 +683,7 @@
             <a:fld id="{8B85509C-BD4F-47BF-9B1E-FC2E949B3621}" type="datetime1">
               <a:rPr lang="zh-TW" altLang="en-US" smtClean="0"/>
               <a:pPr/>
-              <a:t>2020/4/10</a:t>
+              <a:t>2020/5/25</a:t>
             </a:fld>
             <a:endParaRPr lang="zh-TW" altLang="en-US"/>
           </a:p>
@@ -849,7 +856,7 @@
             <a:fld id="{42251B24-F787-4C15-8A0F-7AEC20C70069}" type="datetime1">
               <a:rPr lang="zh-TW" altLang="en-US" smtClean="0"/>
               <a:pPr/>
-              <a:t>2020/4/10</a:t>
+              <a:t>2020/5/25</a:t>
             </a:fld>
             <a:endParaRPr lang="zh-TW" altLang="en-US"/>
           </a:p>
@@ -1024,7 +1031,7 @@
             <a:fld id="{9CA0D33C-CE2B-45F1-B8D4-FFD1F131F331}" type="datetime1">
               <a:rPr lang="zh-TW" altLang="en-US" smtClean="0"/>
               <a:pPr/>
-              <a:t>2020/4/10</a:t>
+              <a:t>2020/5/25</a:t>
             </a:fld>
             <a:endParaRPr lang="zh-TW" altLang="en-US"/>
           </a:p>
@@ -1189,7 +1196,7 @@
             <a:fld id="{50B99440-D9EF-40CC-9B52-F6428D9B2C76}" type="datetime1">
               <a:rPr lang="zh-TW" altLang="en-US" smtClean="0"/>
               <a:pPr/>
-              <a:t>2020/4/10</a:t>
+              <a:t>2020/5/25</a:t>
             </a:fld>
             <a:endParaRPr lang="zh-TW" altLang="en-US"/>
           </a:p>
@@ -1431,7 +1438,7 @@
             <a:fld id="{0871BF52-5C6C-4959-8E27-CECB68D39FE4}" type="datetime1">
               <a:rPr lang="zh-TW" altLang="en-US" smtClean="0"/>
               <a:pPr/>
-              <a:t>2020/4/10</a:t>
+              <a:t>2020/5/25</a:t>
             </a:fld>
             <a:endParaRPr lang="zh-TW" altLang="en-US"/>
           </a:p>
@@ -1713,7 +1720,7 @@
             <a:fld id="{DF863F05-2DD9-4EB1-A827-12FD992DE9DC}" type="datetime1">
               <a:rPr lang="zh-TW" altLang="en-US" smtClean="0"/>
               <a:pPr/>
-              <a:t>2020/4/10</a:t>
+              <a:t>2020/5/25</a:t>
             </a:fld>
             <a:endParaRPr lang="zh-TW" altLang="en-US"/>
           </a:p>
@@ -2129,7 +2136,7 @@
             <a:fld id="{6339AF51-4491-4873-A096-75DB6CE47516}" type="datetime1">
               <a:rPr lang="zh-TW" altLang="en-US" smtClean="0"/>
               <a:pPr/>
-              <a:t>2020/4/10</a:t>
+              <a:t>2020/5/25</a:t>
             </a:fld>
             <a:endParaRPr lang="zh-TW" altLang="en-US"/>
           </a:p>
@@ -2243,7 +2250,7 @@
             <a:fld id="{EE4AD9C8-8B9E-40FF-ABE2-858AC2057BBB}" type="datetime1">
               <a:rPr lang="zh-TW" altLang="en-US" smtClean="0"/>
               <a:pPr/>
-              <a:t>2020/4/10</a:t>
+              <a:t>2020/5/25</a:t>
             </a:fld>
             <a:endParaRPr lang="zh-TW" altLang="en-US"/>
           </a:p>
@@ -2335,7 +2342,7 @@
             <a:fld id="{B4784999-BBBE-4BE4-A8D0-877E7D1D66CC}" type="datetime1">
               <a:rPr lang="zh-TW" altLang="en-US" smtClean="0"/>
               <a:pPr/>
-              <a:t>2020/4/10</a:t>
+              <a:t>2020/5/25</a:t>
             </a:fld>
             <a:endParaRPr lang="zh-TW" altLang="en-US"/>
           </a:p>
@@ -2607,7 +2614,7 @@
             <a:fld id="{E88D17E6-02BD-4944-B9FE-7BFCCBF83D48}" type="datetime1">
               <a:rPr lang="zh-TW" altLang="en-US" smtClean="0"/>
               <a:pPr/>
-              <a:t>2020/4/10</a:t>
+              <a:t>2020/5/25</a:t>
             </a:fld>
             <a:endParaRPr lang="zh-TW" altLang="en-US"/>
           </a:p>
@@ -2856,7 +2863,7 @@
             <a:fld id="{3C13E23D-1FEF-4D78-A3A3-3D6F2BB31954}" type="datetime1">
               <a:rPr lang="zh-TW" altLang="en-US" smtClean="0"/>
               <a:pPr/>
-              <a:t>2020/4/10</a:t>
+              <a:t>2020/5/25</a:t>
             </a:fld>
             <a:endParaRPr lang="zh-TW" altLang="en-US"/>
           </a:p>
@@ -3064,7 +3071,7 @@
             <a:fld id="{06197F35-AD6F-4594-8B50-334492D2E7E8}" type="datetime1">
               <a:rPr lang="zh-TW" altLang="en-US" smtClean="0"/>
               <a:pPr/>
-              <a:t>2020/4/10</a:t>
+              <a:t>2020/5/25</a:t>
             </a:fld>
             <a:endParaRPr lang="zh-TW" altLang="en-US"/>
           </a:p>
@@ -3525,7 +3532,7 @@
             <a:fld id="{C389EDC9-19E3-47AC-9C57-C6A24DEA81AD}" type="datetime1">
               <a:rPr lang="zh-TW" altLang="en-US" smtClean="0"/>
               <a:pPr/>
-              <a:t>2020/4/10</a:t>
+              <a:t>2020/5/25</a:t>
             </a:fld>
             <a:endParaRPr lang="zh-TW" altLang="en-US"/>
           </a:p>
@@ -3624,6 +3631,157 @@
         </p:nvSpPr>
         <p:spPr>
           <a:xfrm>
+            <a:off x="0" y="2130425"/>
+            <a:ext cx="9144000" cy="1470025"/>
+          </a:xfrm>
+          <a:solidFill>
+            <a:srgbClr val="00B0F0"/>
+          </a:solidFill>
+        </p:spPr>
+        <p:txBody>
+          <a:bodyPr>
+            <a:normAutofit/>
+          </a:bodyPr>
+          <a:lstStyle/>
+          <a:p>
+            <a:r>
+              <a:rPr lang="en-US" altLang="zh-TW" sz="4800" b="1" dirty="0">
+                <a:solidFill>
+                  <a:srgbClr val="FFFF00"/>
+                </a:solidFill>
+              </a:rPr>
+              <a:t>39.2 Three Steps of Context</a:t>
+            </a:r>
+            <a:endParaRPr lang="zh-TW" altLang="en-US" sz="4800" b="1" dirty="0">
+              <a:solidFill>
+                <a:srgbClr val="FFFF00"/>
+              </a:solidFill>
+            </a:endParaRPr>
+          </a:p>
+        </p:txBody>
+      </p:sp>
+      <p:sp>
+        <p:nvSpPr>
+          <p:cNvPr id="5" name="日期版面配置區 4"/>
+          <p:cNvSpPr>
+            <a:spLocks noGrp="1"/>
+          </p:cNvSpPr>
+          <p:nvPr>
+            <p:ph type="dt" sz="half" idx="10"/>
+          </p:nvPr>
+        </p:nvSpPr>
+        <p:spPr/>
+        <p:txBody>
+          <a:bodyPr/>
+          <a:lstStyle/>
+          <a:p>
+            <a:fld id="{C389EDC9-19E3-47AC-9C57-C6A24DEA81AD}" type="datetime1">
+              <a:rPr lang="zh-TW" altLang="en-US" smtClean="0"/>
+              <a:pPr/>
+              <a:t>2020/5/25</a:t>
+            </a:fld>
+            <a:endParaRPr lang="zh-TW" altLang="en-US"/>
+          </a:p>
+        </p:txBody>
+      </p:sp>
+      <p:sp>
+        <p:nvSpPr>
+          <p:cNvPr id="6" name="投影片編號版面配置區 5"/>
+          <p:cNvSpPr>
+            <a:spLocks noGrp="1"/>
+          </p:cNvSpPr>
+          <p:nvPr>
+            <p:ph type="sldNum" sz="quarter" idx="12"/>
+          </p:nvPr>
+        </p:nvSpPr>
+        <p:spPr/>
+        <p:txBody>
+          <a:bodyPr/>
+          <a:lstStyle/>
+          <a:p>
+            <a:fld id="{E4D7E63D-91F2-4366-A2C4-1B00C9E2590E}" type="slidenum">
+              <a:rPr lang="zh-TW" altLang="en-US" smtClean="0"/>
+              <a:pPr/>
+              <a:t>10</a:t>
+            </a:fld>
+            <a:endParaRPr lang="zh-TW" altLang="en-US"/>
+          </a:p>
+        </p:txBody>
+      </p:sp>
+      <p:pic>
+        <p:nvPicPr>
+          <p:cNvPr id="2050" name="Picture 2"/>
+          <p:cNvPicPr>
+            <a:picLocks noChangeAspect="1" noChangeArrowheads="1"/>
+          </p:cNvPicPr>
+          <p:nvPr/>
+        </p:nvPicPr>
+        <p:blipFill>
+          <a:blip r:embed="rId2" cstate="print"/>
+          <a:srcRect/>
+          <a:stretch>
+            <a:fillRect/>
+          </a:stretch>
+        </p:blipFill>
+        <p:spPr bwMode="auto">
+          <a:xfrm>
+            <a:off x="4283968" y="3717032"/>
+            <a:ext cx="713805" cy="644588"/>
+          </a:xfrm>
+          <a:prstGeom prst="rect">
+            <a:avLst/>
+          </a:prstGeom>
+          <a:noFill/>
+          <a:ln w="9525">
+            <a:noFill/>
+            <a:miter lim="800000"/>
+            <a:headEnd/>
+            <a:tailEnd/>
+          </a:ln>
+        </p:spPr>
+      </p:pic>
+    </p:spTree>
+    <p:extLst>
+      <p:ext uri="{BB962C8B-B14F-4D97-AF65-F5344CB8AC3E}">
+        <p14:creationId xmlns:p14="http://schemas.microsoft.com/office/powerpoint/2010/main" val="1452769396"/>
+      </p:ext>
+    </p:extLst>
+  </p:cSld>
+  <p:clrMapOvr>
+    <a:masterClrMapping/>
+  </p:clrMapOvr>
+</p:sld>
+</file>
+
+<file path=ppt/slides/slide11.xml><?xml version="1.0" encoding="utf-8"?>
+<p:sld xmlns:a="http://schemas.openxmlformats.org/drawingml/2006/main" xmlns:r="http://schemas.openxmlformats.org/officeDocument/2006/relationships" xmlns:p="http://schemas.openxmlformats.org/presentationml/2006/main">
+  <p:cSld>
+    <p:spTree>
+      <p:nvGrpSpPr>
+        <p:cNvPr id="1" name=""/>
+        <p:cNvGrpSpPr/>
+        <p:nvPr/>
+      </p:nvGrpSpPr>
+      <p:grpSpPr>
+        <a:xfrm>
+          <a:off x="0" y="0"/>
+          <a:ext cx="0" cy="0"/>
+          <a:chOff x="0" y="0"/>
+          <a:chExt cx="0" cy="0"/>
+        </a:xfrm>
+      </p:grpSpPr>
+      <p:sp>
+        <p:nvSpPr>
+          <p:cNvPr id="2" name="標題 1"/>
+          <p:cNvSpPr>
+            <a:spLocks noGrp="1"/>
+          </p:cNvSpPr>
+          <p:nvPr>
+            <p:ph type="ctrTitle"/>
+          </p:nvPr>
+        </p:nvSpPr>
+        <p:spPr>
+          <a:xfrm>
             <a:off x="0" y="1"/>
             <a:ext cx="9144000" cy="764704"/>
           </a:xfrm>
@@ -3667,7 +3825,7 @@
                   <a:srgbClr val="FFFF00"/>
                 </a:solidFill>
               </a:rPr>
-              <a:t>39.1 React Context 2</a:t>
+              <a:t>39.2 Three Steps of Context</a:t>
             </a:r>
             <a:endParaRPr lang="zh-TW" altLang="en-US" b="1" dirty="0">
               <a:solidFill>
@@ -3689,8 +3847,8 @@
         </p:nvSpPr>
         <p:spPr>
           <a:xfrm>
-            <a:off x="467545" y="1340764"/>
-            <a:ext cx="4248472" cy="4032452"/>
+            <a:off x="467544" y="1340767"/>
+            <a:ext cx="8219256" cy="1728194"/>
           </a:xfrm>
           <a:ln>
             <a:solidFill>
@@ -3732,13 +3890,70 @@
               <a:buChar char="u"/>
             </a:pPr>
             <a:r>
-              <a:rPr lang="en-US" altLang="zh-TW" sz="1800" b="1" dirty="0">
+              <a:rPr lang="en-US" altLang="zh-TW" sz="1800" dirty="0">
                 <a:solidFill>
                   <a:schemeClr val="tx1"/>
                 </a:solidFill>
                 <a:latin typeface="+mj-lt"/>
               </a:rPr>
-              <a:t>2. User Provider </a:t>
+              <a:t>There are three steps to implement when making use of context.</a:t>
+            </a:r>
+          </a:p>
+          <a:p>
+            <a:pPr marL="342900" indent="-342900" algn="l">
+              <a:buClr>
+                <a:srgbClr val="0070C0"/>
+              </a:buClr>
+              <a:buSzPct val="80000"/>
+              <a:buFont typeface="+mj-lt"/>
+              <a:buAutoNum type="arabicPeriod"/>
+            </a:pPr>
+            <a:r>
+              <a:rPr lang="en-US" altLang="zh-TW" sz="1800" b="1" dirty="0">
+                <a:solidFill>
+                  <a:srgbClr val="C00000"/>
+                </a:solidFill>
+                <a:latin typeface="+mj-lt"/>
+              </a:rPr>
+              <a:t>Create the context.</a:t>
+            </a:r>
+          </a:p>
+          <a:p>
+            <a:pPr marL="342900" indent="-342900" algn="l">
+              <a:buClr>
+                <a:srgbClr val="0070C0"/>
+              </a:buClr>
+              <a:buSzPct val="80000"/>
+              <a:buFont typeface="+mj-lt"/>
+              <a:buAutoNum type="arabicPeriod"/>
+            </a:pPr>
+            <a:r>
+              <a:rPr lang="en-US" altLang="zh-TW" sz="1800" b="1" dirty="0">
+                <a:solidFill>
+                  <a:srgbClr val="C00000"/>
+                </a:solidFill>
+                <a:latin typeface="+mj-lt"/>
+              </a:rPr>
+              <a:t>Provide a context value.</a:t>
+            </a:r>
+          </a:p>
+          <a:p>
+            <a:pPr marL="342900" indent="-342900" algn="l">
+              <a:buClr>
+                <a:srgbClr val="0070C0"/>
+              </a:buClr>
+              <a:buSzPct val="80000"/>
+              <a:buFont typeface="+mj-lt"/>
+              <a:buAutoNum type="arabicPeriod"/>
+            </a:pPr>
+            <a:r>
+              <a:rPr lang="en-US" altLang="zh-TW" sz="1800" b="1" dirty="0">
+                <a:solidFill>
+                  <a:srgbClr val="C00000"/>
+                </a:solidFill>
+                <a:latin typeface="+mj-lt"/>
+              </a:rPr>
+              <a:t>Consume the context value in the necessary component.</a:t>
             </a:r>
           </a:p>
           <a:p>
@@ -3750,127 +3965,12 @@
               <a:buFont typeface="Wingdings" pitchFamily="2" charset="2"/>
               <a:buChar char="u"/>
             </a:pPr>
-            <a:r>
-              <a:rPr lang="en-US" altLang="zh-TW" sz="1800" b="1" dirty="0">
-                <a:solidFill>
-                  <a:schemeClr val="tx1"/>
-                </a:solidFill>
-                <a:latin typeface="+mj-lt"/>
-              </a:rPr>
-              <a:t>We need to provide this user context.</a:t>
-            </a:r>
-          </a:p>
-          <a:p>
-            <a:pPr marL="342900" indent="-342900" algn="l">
-              <a:buClr>
-                <a:srgbClr val="0070C0"/>
-              </a:buClr>
-              <a:buSzPct val="80000"/>
-              <a:buFont typeface="Wingdings" pitchFamily="2" charset="2"/>
-              <a:buChar char="u"/>
-            </a:pPr>
-            <a:r>
-              <a:rPr lang="en-US" altLang="zh-TW" sz="1800" b="1" dirty="0">
-                <a:solidFill>
-                  <a:schemeClr val="tx1"/>
-                </a:solidFill>
-                <a:latin typeface="+mj-lt"/>
-              </a:rPr>
-              <a:t>The place you provide the is import because only the descendent component can consume it.</a:t>
-            </a:r>
-          </a:p>
-          <a:p>
-            <a:pPr marL="342900" indent="-342900" algn="l">
-              <a:buClr>
-                <a:srgbClr val="0070C0"/>
-              </a:buClr>
-              <a:buSzPct val="80000"/>
-              <a:buFont typeface="Wingdings" pitchFamily="2" charset="2"/>
-              <a:buChar char="u"/>
-            </a:pPr>
-            <a:r>
-              <a:rPr lang="en-US" altLang="zh-TW" sz="1800" b="1" dirty="0">
-                <a:solidFill>
-                  <a:schemeClr val="tx1"/>
-                </a:solidFill>
-                <a:latin typeface="+mj-lt"/>
-              </a:rPr>
-              <a:t>App Component is a good place because all components are under the App. </a:t>
-            </a:r>
-          </a:p>
-          <a:p>
-            <a:pPr marL="342900" indent="-342900" algn="l">
-              <a:buClr>
-                <a:srgbClr val="0070C0"/>
-              </a:buClr>
-              <a:buSzPct val="80000"/>
-              <a:buFont typeface="Wingdings" pitchFamily="2" charset="2"/>
-              <a:buChar char="u"/>
-            </a:pPr>
-            <a:r>
-              <a:rPr lang="en-US" altLang="zh-TW" sz="1800" b="1" dirty="0">
-                <a:solidFill>
-                  <a:schemeClr val="tx1"/>
-                </a:solidFill>
-                <a:latin typeface="+mj-lt"/>
-              </a:rPr>
-              <a:t>We use the component &lt;</a:t>
-            </a:r>
-            <a:r>
-              <a:rPr lang="en-US" altLang="zh-TW" sz="1800" b="1" dirty="0" err="1">
-                <a:solidFill>
-                  <a:schemeClr val="tx1"/>
-                </a:solidFill>
-                <a:latin typeface="+mj-lt"/>
-              </a:rPr>
-              <a:t>UserProvider</a:t>
-            </a:r>
-            <a:r>
-              <a:rPr lang="en-US" altLang="zh-TW" sz="1800" b="1" dirty="0">
-                <a:solidFill>
-                  <a:schemeClr val="tx1"/>
-                </a:solidFill>
-                <a:latin typeface="+mj-lt"/>
-              </a:rPr>
-              <a:t>&gt; to wrap the </a:t>
-            </a:r>
-            <a:r>
-              <a:rPr lang="en-US" altLang="zh-TW" sz="1800" b="1" dirty="0" err="1">
-                <a:solidFill>
-                  <a:schemeClr val="tx1"/>
-                </a:solidFill>
-                <a:latin typeface="+mj-lt"/>
-              </a:rPr>
-              <a:t>ComponentC</a:t>
-            </a:r>
-            <a:r>
-              <a:rPr lang="en-US" altLang="zh-TW" sz="1800" b="1" dirty="0">
-                <a:solidFill>
-                  <a:schemeClr val="tx1"/>
-                </a:solidFill>
-                <a:latin typeface="+mj-lt"/>
-              </a:rPr>
-              <a:t> and pass the data value=“peter”.</a:t>
-            </a:r>
-          </a:p>
-          <a:p>
-            <a:pPr marL="342900" indent="-342900" algn="l">
-              <a:buClr>
-                <a:srgbClr val="0070C0"/>
-              </a:buClr>
-              <a:buSzPct val="80000"/>
-              <a:buFont typeface="Wingdings" pitchFamily="2" charset="2"/>
-              <a:buChar char="u"/>
-            </a:pPr>
-            <a:r>
-              <a:rPr lang="en-US" altLang="zh-TW" sz="1800" b="1" dirty="0">
-                <a:solidFill>
-                  <a:schemeClr val="tx1"/>
-                </a:solidFill>
-                <a:latin typeface="+mj-lt"/>
-              </a:rPr>
-              <a:t>We complete the step 2.</a:t>
-            </a:r>
+            <a:endParaRPr lang="en-US" altLang="zh-TW" sz="1800" b="1" dirty="0">
+              <a:solidFill>
+                <a:schemeClr val="tx1"/>
+              </a:solidFill>
+              <a:latin typeface="+mj-lt"/>
+            </a:endParaRPr>
           </a:p>
         </p:txBody>
       </p:sp>
@@ -3956,7 +4056,7 @@
             <a:fld id="{A4F910E6-8D00-4BAF-8C48-9688E0B449D3}" type="datetime1">
               <a:rPr lang="zh-TW" altLang="en-US" smtClean="0"/>
               <a:pPr/>
-              <a:t>2020/4/10</a:t>
+              <a:t>2020/5/25</a:t>
             </a:fld>
             <a:endParaRPr lang="zh-TW" altLang="en-US"/>
           </a:p>
@@ -3985,51 +4085,16 @@
             <a:fld id="{E4D7E63D-91F2-4366-A2C4-1B00C9E2590E}" type="slidenum">
               <a:rPr lang="zh-TW" altLang="en-US" smtClean="0"/>
               <a:pPr/>
-              <a:t>10</a:t>
+              <a:t>11</a:t>
             </a:fld>
             <a:endParaRPr lang="zh-TW" altLang="en-US"/>
           </a:p>
         </p:txBody>
       </p:sp>
-      <p:pic>
-        <p:nvPicPr>
-          <p:cNvPr id="8" name="Picture 7">
-            <a:extLst>
-              <a:ext uri="{FF2B5EF4-FFF2-40B4-BE49-F238E27FC236}">
-                <a16:creationId xmlns:a16="http://schemas.microsoft.com/office/drawing/2014/main" id="{E12A0BA4-9476-4AEB-8180-C34B845DAF10}"/>
-              </a:ext>
-            </a:extLst>
-          </p:cNvPr>
-          <p:cNvPicPr>
-            <a:picLocks noChangeAspect="1"/>
-          </p:cNvPicPr>
-          <p:nvPr/>
-        </p:nvPicPr>
-        <p:blipFill>
-          <a:blip r:embed="rId3"/>
-          <a:stretch>
-            <a:fillRect/>
-          </a:stretch>
-        </p:blipFill>
-        <p:spPr>
-          <a:xfrm>
-            <a:off x="4860032" y="1369000"/>
-            <a:ext cx="4019831" cy="3672737"/>
-          </a:xfrm>
-          <a:prstGeom prst="rect">
-            <a:avLst/>
-          </a:prstGeom>
-          <a:ln>
-            <a:solidFill>
-              <a:srgbClr val="C00000"/>
-            </a:solidFill>
-          </a:ln>
-        </p:spPr>
-      </p:pic>
     </p:spTree>
     <p:extLst>
       <p:ext uri="{BB962C8B-B14F-4D97-AF65-F5344CB8AC3E}">
-        <p14:creationId xmlns:p14="http://schemas.microsoft.com/office/powerpoint/2010/main" val="1897099674"/>
+        <p14:creationId xmlns:p14="http://schemas.microsoft.com/office/powerpoint/2010/main" val="2083189259"/>
       </p:ext>
     </p:extLst>
   </p:cSld>
@@ -4039,7 +4104,158 @@
 </p:sld>
 </file>
 
-<file path=ppt/slides/slide11.xml><?xml version="1.0" encoding="utf-8"?>
+<file path=ppt/slides/slide12.xml><?xml version="1.0" encoding="utf-8"?>
+<p:sld xmlns:a="http://schemas.openxmlformats.org/drawingml/2006/main" xmlns:r="http://schemas.openxmlformats.org/officeDocument/2006/relationships" xmlns:p="http://schemas.openxmlformats.org/presentationml/2006/main">
+  <p:cSld>
+    <p:spTree>
+      <p:nvGrpSpPr>
+        <p:cNvPr id="1" name=""/>
+        <p:cNvGrpSpPr/>
+        <p:nvPr/>
+      </p:nvGrpSpPr>
+      <p:grpSpPr>
+        <a:xfrm>
+          <a:off x="0" y="0"/>
+          <a:ext cx="0" cy="0"/>
+          <a:chOff x="0" y="0"/>
+          <a:chExt cx="0" cy="0"/>
+        </a:xfrm>
+      </p:grpSpPr>
+      <p:sp>
+        <p:nvSpPr>
+          <p:cNvPr id="2" name="標題 1"/>
+          <p:cNvSpPr>
+            <a:spLocks noGrp="1"/>
+          </p:cNvSpPr>
+          <p:nvPr>
+            <p:ph type="ctrTitle"/>
+          </p:nvPr>
+        </p:nvSpPr>
+        <p:spPr>
+          <a:xfrm>
+            <a:off x="0" y="2130425"/>
+            <a:ext cx="9144000" cy="1470025"/>
+          </a:xfrm>
+          <a:solidFill>
+            <a:srgbClr val="00B0F0"/>
+          </a:solidFill>
+        </p:spPr>
+        <p:txBody>
+          <a:bodyPr>
+            <a:normAutofit/>
+          </a:bodyPr>
+          <a:lstStyle/>
+          <a:p>
+            <a:r>
+              <a:rPr lang="en-US" altLang="zh-TW" sz="4800" b="1" dirty="0">
+                <a:solidFill>
+                  <a:srgbClr val="FFFF00"/>
+                </a:solidFill>
+              </a:rPr>
+              <a:t>39.3 Step 1: Create Context</a:t>
+            </a:r>
+            <a:endParaRPr lang="zh-TW" altLang="en-US" sz="4800" b="1" dirty="0">
+              <a:solidFill>
+                <a:srgbClr val="FFFF00"/>
+              </a:solidFill>
+            </a:endParaRPr>
+          </a:p>
+        </p:txBody>
+      </p:sp>
+      <p:sp>
+        <p:nvSpPr>
+          <p:cNvPr id="5" name="日期版面配置區 4"/>
+          <p:cNvSpPr>
+            <a:spLocks noGrp="1"/>
+          </p:cNvSpPr>
+          <p:nvPr>
+            <p:ph type="dt" sz="half" idx="10"/>
+          </p:nvPr>
+        </p:nvSpPr>
+        <p:spPr/>
+        <p:txBody>
+          <a:bodyPr/>
+          <a:lstStyle/>
+          <a:p>
+            <a:fld id="{C389EDC9-19E3-47AC-9C57-C6A24DEA81AD}" type="datetime1">
+              <a:rPr lang="zh-TW" altLang="en-US" smtClean="0"/>
+              <a:pPr/>
+              <a:t>2020/5/25</a:t>
+            </a:fld>
+            <a:endParaRPr lang="zh-TW" altLang="en-US"/>
+          </a:p>
+        </p:txBody>
+      </p:sp>
+      <p:sp>
+        <p:nvSpPr>
+          <p:cNvPr id="6" name="投影片編號版面配置區 5"/>
+          <p:cNvSpPr>
+            <a:spLocks noGrp="1"/>
+          </p:cNvSpPr>
+          <p:nvPr>
+            <p:ph type="sldNum" sz="quarter" idx="12"/>
+          </p:nvPr>
+        </p:nvSpPr>
+        <p:spPr/>
+        <p:txBody>
+          <a:bodyPr/>
+          <a:lstStyle/>
+          <a:p>
+            <a:fld id="{E4D7E63D-91F2-4366-A2C4-1B00C9E2590E}" type="slidenum">
+              <a:rPr lang="zh-TW" altLang="en-US" smtClean="0"/>
+              <a:pPr/>
+              <a:t>12</a:t>
+            </a:fld>
+            <a:endParaRPr lang="zh-TW" altLang="en-US"/>
+          </a:p>
+        </p:txBody>
+      </p:sp>
+      <p:pic>
+        <p:nvPicPr>
+          <p:cNvPr id="2050" name="Picture 2"/>
+          <p:cNvPicPr>
+            <a:picLocks noChangeAspect="1" noChangeArrowheads="1"/>
+          </p:cNvPicPr>
+          <p:nvPr/>
+        </p:nvPicPr>
+        <p:blipFill>
+          <a:blip r:embed="rId2" cstate="print"/>
+          <a:srcRect/>
+          <a:stretch>
+            <a:fillRect/>
+          </a:stretch>
+        </p:blipFill>
+        <p:spPr bwMode="auto">
+          <a:xfrm>
+            <a:off x="4283968" y="3717032"/>
+            <a:ext cx="713805" cy="644588"/>
+          </a:xfrm>
+          <a:prstGeom prst="rect">
+            <a:avLst/>
+          </a:prstGeom>
+          <a:noFill/>
+          <a:ln w="9525">
+            <a:noFill/>
+            <a:miter lim="800000"/>
+            <a:headEnd/>
+            <a:tailEnd/>
+          </a:ln>
+        </p:spPr>
+      </p:pic>
+    </p:spTree>
+    <p:extLst>
+      <p:ext uri="{BB962C8B-B14F-4D97-AF65-F5344CB8AC3E}">
+        <p14:creationId xmlns:p14="http://schemas.microsoft.com/office/powerpoint/2010/main" val="762102962"/>
+      </p:ext>
+    </p:extLst>
+  </p:cSld>
+  <p:clrMapOvr>
+    <a:masterClrMapping/>
+  </p:clrMapOvr>
+</p:sld>
+</file>
+
+<file path=ppt/slides/slide13.xml><?xml version="1.0" encoding="utf-8"?>
 <p:sld xmlns:a="http://schemas.openxmlformats.org/drawingml/2006/main" xmlns:r="http://schemas.openxmlformats.org/officeDocument/2006/relationships" xmlns:p="http://schemas.openxmlformats.org/presentationml/2006/main">
   <p:cSld>
     <p:spTree>
@@ -4111,7 +4327,7 @@
                   <a:srgbClr val="FFFF00"/>
                 </a:solidFill>
               </a:rPr>
-              <a:t>39.1 React Context 2</a:t>
+              <a:t>39.3 Step 1: Create Context</a:t>
             </a:r>
             <a:endParaRPr lang="zh-TW" altLang="en-US" b="1" dirty="0">
               <a:solidFill>
@@ -4133,8 +4349,8 @@
         </p:nvSpPr>
         <p:spPr>
           <a:xfrm>
-            <a:off x="467545" y="1340764"/>
-            <a:ext cx="3528391" cy="3096348"/>
+            <a:off x="467544" y="1340766"/>
+            <a:ext cx="4933705" cy="1584178"/>
           </a:xfrm>
           <a:ln>
             <a:solidFill>
@@ -4176,13 +4392,13 @@
               <a:buChar char="u"/>
             </a:pPr>
             <a:r>
-              <a:rPr lang="en-US" altLang="zh-TW" sz="1800" b="1" dirty="0">
+              <a:rPr lang="en-US" altLang="zh-TW" sz="1800" dirty="0">
                 <a:solidFill>
                   <a:schemeClr val="tx1"/>
                 </a:solidFill>
                 <a:latin typeface="+mj-lt"/>
               </a:rPr>
-              <a:t>3. Consume Data</a:t>
+              <a:t>Let’s begin with step 1:</a:t>
             </a:r>
           </a:p>
           <a:p>
@@ -4195,13 +4411,31 @@
               <a:buChar char="u"/>
             </a:pPr>
             <a:r>
-              <a:rPr lang="en-US" altLang="zh-TW" sz="1800" b="1" dirty="0">
+              <a:rPr lang="en-US" altLang="zh-TW" sz="1800" dirty="0">
                 <a:solidFill>
                   <a:schemeClr val="tx1"/>
                 </a:solidFill>
                 <a:latin typeface="+mj-lt"/>
               </a:rPr>
-              <a:t>Final step is to consume the username in the desired component.</a:t>
+              <a:t>1. </a:t>
+            </a:r>
+            <a:r>
+              <a:rPr lang="en-US" altLang="zh-TW" sz="1800" dirty="0" err="1">
+                <a:solidFill>
+                  <a:schemeClr val="tx1"/>
+                </a:solidFill>
+                <a:latin typeface="+mj-lt"/>
+              </a:rPr>
+              <a:t>userCreate</a:t>
+            </a:r>
+            <a:r>
+              <a:rPr lang="en-US" altLang="zh-TW" sz="1800" dirty="0">
+                <a:solidFill>
+                  <a:schemeClr val="tx1"/>
+                </a:solidFill>
+                <a:latin typeface="+mj-lt"/>
+              </a:rPr>
+              <a:t> Conext.js</a:t>
             </a:r>
           </a:p>
           <a:p>
@@ -4214,31 +4448,13 @@
               <a:buChar char="u"/>
             </a:pPr>
             <a:r>
-              <a:rPr lang="en-US" altLang="zh-TW" sz="1800" b="1" dirty="0">
+              <a:rPr lang="en-US" altLang="zh-TW" sz="1800" dirty="0">
                 <a:solidFill>
                   <a:schemeClr val="tx1"/>
                 </a:solidFill>
                 <a:latin typeface="+mj-lt"/>
               </a:rPr>
-              <a:t>For our example, we have to consume the username value in </a:t>
-            </a:r>
-            <a:r>
-              <a:rPr lang="en-US" altLang="zh-TW" sz="1800" b="1" dirty="0" err="1">
-                <a:solidFill>
-                  <a:schemeClr val="tx1"/>
-                </a:solidFill>
-                <a:latin typeface="+mj-lt"/>
-              </a:rPr>
-              <a:t>ComponentF</a:t>
-            </a:r>
-            <a:r>
-              <a:rPr lang="en-US" altLang="zh-TW" sz="1800" b="1" dirty="0">
-                <a:solidFill>
-                  <a:schemeClr val="tx1"/>
-                </a:solidFill>
-                <a:latin typeface="+mj-lt"/>
-              </a:rPr>
-              <a:t>.</a:t>
+              <a:t>Create and export the User Provider and User Consumer</a:t>
             </a:r>
           </a:p>
           <a:p>
@@ -4250,24 +4466,6 @@
               <a:buFont typeface="Wingdings" pitchFamily="2" charset="2"/>
               <a:buChar char="u"/>
             </a:pPr>
-            <a:r>
-              <a:rPr lang="en-US" altLang="zh-TW" sz="1800" b="1" dirty="0">
-                <a:solidFill>
-                  <a:schemeClr val="tx1"/>
-                </a:solidFill>
-                <a:latin typeface="+mj-lt"/>
-              </a:rPr>
-              <a:t>In ComponentF.js, we need to user </a:t>
-            </a:r>
-            <a:r>
-              <a:rPr lang="en-US" altLang="zh-TW" sz="1800" b="1">
-                <a:solidFill>
-                  <a:schemeClr val="tx1"/>
-                </a:solidFill>
-                <a:latin typeface="+mj-lt"/>
-              </a:rPr>
-              <a:t>consumer components.</a:t>
-            </a:r>
             <a:endParaRPr lang="en-US" altLang="zh-TW" sz="1800" b="1" dirty="0">
               <a:solidFill>
                 <a:schemeClr val="tx1"/>
@@ -4359,7 +4557,7 @@
             <a:fld id="{A4F910E6-8D00-4BAF-8C48-9688E0B449D3}" type="datetime1">
               <a:rPr lang="zh-TW" altLang="en-US" smtClean="0"/>
               <a:pPr/>
-              <a:t>2020/4/10</a:t>
+              <a:t>2020/5/25</a:t>
             </a:fld>
             <a:endParaRPr lang="zh-TW" altLang="en-US"/>
           </a:p>
@@ -4388,18 +4586,578 @@
             <a:fld id="{E4D7E63D-91F2-4366-A2C4-1B00C9E2590E}" type="slidenum">
               <a:rPr lang="zh-TW" altLang="en-US" smtClean="0"/>
               <a:pPr/>
-              <a:t>11</a:t>
+              <a:t>13</a:t>
             </a:fld>
             <a:endParaRPr lang="zh-TW" altLang="en-US"/>
           </a:p>
         </p:txBody>
       </p:sp>
+      <p:sp>
+        <p:nvSpPr>
+          <p:cNvPr id="12" name="Rectangle 11">
+            <a:extLst>
+              <a:ext uri="{FF2B5EF4-FFF2-40B4-BE49-F238E27FC236}">
+                <a16:creationId xmlns:a16="http://schemas.microsoft.com/office/drawing/2014/main" id="{3A7BE3B0-C63E-4A2F-93AD-7B063F2A34CF}"/>
+              </a:ext>
+            </a:extLst>
+          </p:cNvPr>
+          <p:cNvSpPr/>
+          <p:nvPr/>
+        </p:nvSpPr>
+        <p:spPr>
+          <a:xfrm>
+            <a:off x="5937475" y="1440759"/>
+            <a:ext cx="1656184" cy="432048"/>
+          </a:xfrm>
+          <a:prstGeom prst="rect">
+            <a:avLst/>
+          </a:prstGeom>
+          <a:solidFill>
+            <a:schemeClr val="accent2">
+              <a:lumMod val="75000"/>
+            </a:schemeClr>
+          </a:solidFill>
+        </p:spPr>
+        <p:style>
+          <a:lnRef idx="2">
+            <a:schemeClr val="accent1">
+              <a:shade val="50000"/>
+            </a:schemeClr>
+          </a:lnRef>
+          <a:fillRef idx="1">
+            <a:schemeClr val="accent1"/>
+          </a:fillRef>
+          <a:effectRef idx="0">
+            <a:schemeClr val="accent1"/>
+          </a:effectRef>
+          <a:fontRef idx="minor">
+            <a:schemeClr val="lt1"/>
+          </a:fontRef>
+        </p:style>
+        <p:txBody>
+          <a:bodyPr rtlCol="0" anchor="ctr"/>
+          <a:lstStyle/>
+          <a:p>
+            <a:pPr algn="ctr"/>
+            <a:r>
+              <a:rPr lang="en-US" dirty="0" err="1"/>
+              <a:t>AppComponent</a:t>
+            </a:r>
+            <a:endParaRPr lang="en-US" dirty="0"/>
+          </a:p>
+        </p:txBody>
+      </p:sp>
+      <p:sp>
+        <p:nvSpPr>
+          <p:cNvPr id="17" name="Rectangle 16">
+            <a:extLst>
+              <a:ext uri="{FF2B5EF4-FFF2-40B4-BE49-F238E27FC236}">
+                <a16:creationId xmlns:a16="http://schemas.microsoft.com/office/drawing/2014/main" id="{2AFDC503-0347-4313-B5BC-1ED9677F4053}"/>
+              </a:ext>
+            </a:extLst>
+          </p:cNvPr>
+          <p:cNvSpPr/>
+          <p:nvPr/>
+        </p:nvSpPr>
+        <p:spPr>
+          <a:xfrm>
+            <a:off x="6303866" y="2422456"/>
+            <a:ext cx="936104" cy="404246"/>
+          </a:xfrm>
+          <a:prstGeom prst="rect">
+            <a:avLst/>
+          </a:prstGeom>
+          <a:solidFill>
+            <a:srgbClr val="92D050"/>
+          </a:solidFill>
+        </p:spPr>
+        <p:style>
+          <a:lnRef idx="2">
+            <a:schemeClr val="accent1">
+              <a:shade val="50000"/>
+            </a:schemeClr>
+          </a:lnRef>
+          <a:fillRef idx="1">
+            <a:schemeClr val="accent1"/>
+          </a:fillRef>
+          <a:effectRef idx="0">
+            <a:schemeClr val="accent1"/>
+          </a:effectRef>
+          <a:fontRef idx="minor">
+            <a:schemeClr val="lt1"/>
+          </a:fontRef>
+        </p:style>
+        <p:txBody>
+          <a:bodyPr rtlCol="0" anchor="ctr"/>
+          <a:lstStyle/>
+          <a:p>
+            <a:pPr algn="ctr"/>
+            <a:r>
+              <a:rPr lang="en-US" dirty="0"/>
+              <a:t>C</a:t>
+            </a:r>
+          </a:p>
+        </p:txBody>
+      </p:sp>
+      <p:cxnSp>
+        <p:nvCxnSpPr>
+          <p:cNvPr id="18" name="Connector: Elbow 17">
+            <a:extLst>
+              <a:ext uri="{FF2B5EF4-FFF2-40B4-BE49-F238E27FC236}">
+                <a16:creationId xmlns:a16="http://schemas.microsoft.com/office/drawing/2014/main" id="{DF9A5A7B-3151-4201-B5EB-698754093163}"/>
+              </a:ext>
+            </a:extLst>
+          </p:cNvPr>
+          <p:cNvCxnSpPr>
+            <a:stCxn id="12" idx="2"/>
+            <a:endCxn id="17" idx="0"/>
+          </p:cNvCxnSpPr>
+          <p:nvPr/>
+        </p:nvCxnSpPr>
+        <p:spPr>
+          <a:xfrm rot="16200000" flipH="1">
+            <a:off x="6493918" y="2144455"/>
+            <a:ext cx="549649" cy="6351"/>
+          </a:xfrm>
+          <a:prstGeom prst="bentConnector3">
+            <a:avLst/>
+          </a:prstGeom>
+          <a:ln>
+            <a:tailEnd type="triangle"/>
+          </a:ln>
+        </p:spPr>
+        <p:style>
+          <a:lnRef idx="1">
+            <a:schemeClr val="accent1"/>
+          </a:lnRef>
+          <a:fillRef idx="0">
+            <a:schemeClr val="accent1"/>
+          </a:fillRef>
+          <a:effectRef idx="0">
+            <a:schemeClr val="accent1"/>
+          </a:effectRef>
+          <a:fontRef idx="minor">
+            <a:schemeClr val="tx1"/>
+          </a:fontRef>
+        </p:style>
+      </p:cxnSp>
+      <p:sp>
+        <p:nvSpPr>
+          <p:cNvPr id="20" name="Rectangle 19">
+            <a:extLst>
+              <a:ext uri="{FF2B5EF4-FFF2-40B4-BE49-F238E27FC236}">
+                <a16:creationId xmlns:a16="http://schemas.microsoft.com/office/drawing/2014/main" id="{EE151B12-151C-4C05-9754-0030C6F65B44}"/>
+              </a:ext>
+            </a:extLst>
+          </p:cNvPr>
+          <p:cNvSpPr/>
+          <p:nvPr/>
+        </p:nvSpPr>
+        <p:spPr>
+          <a:xfrm>
+            <a:off x="6303866" y="3221250"/>
+            <a:ext cx="936104" cy="404246"/>
+          </a:xfrm>
+          <a:prstGeom prst="rect">
+            <a:avLst/>
+          </a:prstGeom>
+          <a:solidFill>
+            <a:srgbClr val="92D050"/>
+          </a:solidFill>
+        </p:spPr>
+        <p:style>
+          <a:lnRef idx="2">
+            <a:schemeClr val="accent1">
+              <a:shade val="50000"/>
+            </a:schemeClr>
+          </a:lnRef>
+          <a:fillRef idx="1">
+            <a:schemeClr val="accent1"/>
+          </a:fillRef>
+          <a:effectRef idx="0">
+            <a:schemeClr val="accent1"/>
+          </a:effectRef>
+          <a:fontRef idx="minor">
+            <a:schemeClr val="lt1"/>
+          </a:fontRef>
+        </p:style>
+        <p:txBody>
+          <a:bodyPr rtlCol="0" anchor="ctr"/>
+          <a:lstStyle/>
+          <a:p>
+            <a:pPr algn="ctr"/>
+            <a:r>
+              <a:rPr lang="en-US" dirty="0"/>
+              <a:t>E</a:t>
+            </a:r>
+          </a:p>
+        </p:txBody>
+      </p:sp>
+      <p:sp>
+        <p:nvSpPr>
+          <p:cNvPr id="21" name="Rectangle 20">
+            <a:extLst>
+              <a:ext uri="{FF2B5EF4-FFF2-40B4-BE49-F238E27FC236}">
+                <a16:creationId xmlns:a16="http://schemas.microsoft.com/office/drawing/2014/main" id="{7EE0CF29-B1D2-4F77-BF5B-5F25224B063B}"/>
+              </a:ext>
+            </a:extLst>
+          </p:cNvPr>
+          <p:cNvSpPr/>
+          <p:nvPr/>
+        </p:nvSpPr>
+        <p:spPr>
+          <a:xfrm>
+            <a:off x="6303866" y="4013338"/>
+            <a:ext cx="936104" cy="404246"/>
+          </a:xfrm>
+          <a:prstGeom prst="rect">
+            <a:avLst/>
+          </a:prstGeom>
+          <a:solidFill>
+            <a:srgbClr val="0070C0"/>
+          </a:solidFill>
+        </p:spPr>
+        <p:style>
+          <a:lnRef idx="2">
+            <a:schemeClr val="accent1">
+              <a:shade val="50000"/>
+            </a:schemeClr>
+          </a:lnRef>
+          <a:fillRef idx="1">
+            <a:schemeClr val="accent1"/>
+          </a:fillRef>
+          <a:effectRef idx="0">
+            <a:schemeClr val="accent1"/>
+          </a:effectRef>
+          <a:fontRef idx="minor">
+            <a:schemeClr val="lt1"/>
+          </a:fontRef>
+        </p:style>
+        <p:txBody>
+          <a:bodyPr rtlCol="0" anchor="ctr"/>
+          <a:lstStyle/>
+          <a:p>
+            <a:pPr algn="ctr"/>
+            <a:r>
+              <a:rPr lang="en-US" dirty="0"/>
+              <a:t>F</a:t>
+            </a:r>
+          </a:p>
+        </p:txBody>
+      </p:sp>
+      <p:cxnSp>
+        <p:nvCxnSpPr>
+          <p:cNvPr id="23" name="Connector: Elbow 22">
+            <a:extLst>
+              <a:ext uri="{FF2B5EF4-FFF2-40B4-BE49-F238E27FC236}">
+                <a16:creationId xmlns:a16="http://schemas.microsoft.com/office/drawing/2014/main" id="{CFEBFD66-D5E7-4C7C-8553-8D3319A2E610}"/>
+              </a:ext>
+            </a:extLst>
+          </p:cNvPr>
+          <p:cNvCxnSpPr>
+            <a:stCxn id="17" idx="2"/>
+            <a:endCxn id="20" idx="0"/>
+          </p:cNvCxnSpPr>
+          <p:nvPr/>
+        </p:nvCxnSpPr>
+        <p:spPr>
+          <a:xfrm rot="5400000">
+            <a:off x="6574644" y="3023976"/>
+            <a:ext cx="394548" cy="12700"/>
+          </a:xfrm>
+          <a:prstGeom prst="bentConnector3">
+            <a:avLst/>
+          </a:prstGeom>
+          <a:ln>
+            <a:tailEnd type="triangle"/>
+          </a:ln>
+        </p:spPr>
+        <p:style>
+          <a:lnRef idx="1">
+            <a:schemeClr val="accent1"/>
+          </a:lnRef>
+          <a:fillRef idx="0">
+            <a:schemeClr val="accent1"/>
+          </a:fillRef>
+          <a:effectRef idx="0">
+            <a:schemeClr val="accent1"/>
+          </a:effectRef>
+          <a:fontRef idx="minor">
+            <a:schemeClr val="tx1"/>
+          </a:fontRef>
+        </p:style>
+      </p:cxnSp>
+      <p:cxnSp>
+        <p:nvCxnSpPr>
+          <p:cNvPr id="24" name="Connector: Elbow 23">
+            <a:extLst>
+              <a:ext uri="{FF2B5EF4-FFF2-40B4-BE49-F238E27FC236}">
+                <a16:creationId xmlns:a16="http://schemas.microsoft.com/office/drawing/2014/main" id="{47FD5801-5B27-4214-8377-A478F93D156E}"/>
+              </a:ext>
+            </a:extLst>
+          </p:cNvPr>
+          <p:cNvCxnSpPr>
+            <a:stCxn id="20" idx="2"/>
+            <a:endCxn id="21" idx="0"/>
+          </p:cNvCxnSpPr>
+          <p:nvPr/>
+        </p:nvCxnSpPr>
+        <p:spPr>
+          <a:xfrm rot="5400000">
+            <a:off x="6577997" y="3819417"/>
+            <a:ext cx="387842" cy="12700"/>
+          </a:xfrm>
+          <a:prstGeom prst="bentConnector3">
+            <a:avLst/>
+          </a:prstGeom>
+          <a:ln>
+            <a:tailEnd type="triangle"/>
+          </a:ln>
+        </p:spPr>
+        <p:style>
+          <a:lnRef idx="1">
+            <a:schemeClr val="accent1"/>
+          </a:lnRef>
+          <a:fillRef idx="0">
+            <a:schemeClr val="accent1"/>
+          </a:fillRef>
+          <a:effectRef idx="0">
+            <a:schemeClr val="accent1"/>
+          </a:effectRef>
+          <a:fontRef idx="minor">
+            <a:schemeClr val="tx1"/>
+          </a:fontRef>
+        </p:style>
+      </p:cxnSp>
+      <p:sp>
+        <p:nvSpPr>
+          <p:cNvPr id="25" name="Rectangle 24">
+            <a:extLst>
+              <a:ext uri="{FF2B5EF4-FFF2-40B4-BE49-F238E27FC236}">
+                <a16:creationId xmlns:a16="http://schemas.microsoft.com/office/drawing/2014/main" id="{18FC6730-78A5-410F-8584-D65E8D491623}"/>
+              </a:ext>
+            </a:extLst>
+          </p:cNvPr>
+          <p:cNvSpPr/>
+          <p:nvPr/>
+        </p:nvSpPr>
+        <p:spPr>
+          <a:xfrm>
+            <a:off x="7672017" y="1607087"/>
+            <a:ext cx="1152128" cy="300431"/>
+          </a:xfrm>
+          <a:prstGeom prst="rect">
+            <a:avLst/>
+          </a:prstGeom>
+          <a:solidFill>
+            <a:srgbClr val="00B0F0"/>
+          </a:solidFill>
+        </p:spPr>
+        <p:style>
+          <a:lnRef idx="2">
+            <a:schemeClr val="accent1">
+              <a:shade val="50000"/>
+            </a:schemeClr>
+          </a:lnRef>
+          <a:fillRef idx="1">
+            <a:schemeClr val="accent1"/>
+          </a:fillRef>
+          <a:effectRef idx="0">
+            <a:schemeClr val="accent1"/>
+          </a:effectRef>
+          <a:fontRef idx="minor">
+            <a:schemeClr val="lt1"/>
+          </a:fontRef>
+        </p:style>
+        <p:txBody>
+          <a:bodyPr rtlCol="0" anchor="ctr"/>
+          <a:lstStyle/>
+          <a:p>
+            <a:pPr algn="ctr"/>
+            <a:r>
+              <a:rPr lang="en-US" dirty="0"/>
+              <a:t>username</a:t>
+            </a:r>
+          </a:p>
+        </p:txBody>
+      </p:sp>
+      <p:sp>
+        <p:nvSpPr>
+          <p:cNvPr id="26" name="Rectangle 25">
+            <a:extLst>
+              <a:ext uri="{FF2B5EF4-FFF2-40B4-BE49-F238E27FC236}">
+                <a16:creationId xmlns:a16="http://schemas.microsoft.com/office/drawing/2014/main" id="{8DBE41CE-2B15-4483-BE63-E69BE04C6EA7}"/>
+              </a:ext>
+            </a:extLst>
+          </p:cNvPr>
+          <p:cNvSpPr/>
+          <p:nvPr/>
+        </p:nvSpPr>
+        <p:spPr>
+          <a:xfrm>
+            <a:off x="6865492" y="2128403"/>
+            <a:ext cx="910704" cy="300431"/>
+          </a:xfrm>
+          <a:prstGeom prst="rect">
+            <a:avLst/>
+          </a:prstGeom>
+          <a:noFill/>
+          <a:ln>
+            <a:noFill/>
+          </a:ln>
+        </p:spPr>
+        <p:style>
+          <a:lnRef idx="2">
+            <a:schemeClr val="accent1">
+              <a:shade val="50000"/>
+            </a:schemeClr>
+          </a:lnRef>
+          <a:fillRef idx="1">
+            <a:schemeClr val="accent1"/>
+          </a:fillRef>
+          <a:effectRef idx="0">
+            <a:schemeClr val="accent1"/>
+          </a:effectRef>
+          <a:fontRef idx="minor">
+            <a:schemeClr val="lt1"/>
+          </a:fontRef>
+        </p:style>
+        <p:txBody>
+          <a:bodyPr rtlCol="0" anchor="ctr"/>
+          <a:lstStyle/>
+          <a:p>
+            <a:pPr algn="ctr"/>
+            <a:r>
+              <a:rPr lang="en-US" sz="1400" dirty="0">
+                <a:solidFill>
+                  <a:schemeClr val="tx1"/>
+                </a:solidFill>
+              </a:rPr>
+              <a:t>username</a:t>
+            </a:r>
+          </a:p>
+        </p:txBody>
+      </p:sp>
+      <p:sp>
+        <p:nvSpPr>
+          <p:cNvPr id="27" name="Rectangle 26">
+            <a:extLst>
+              <a:ext uri="{FF2B5EF4-FFF2-40B4-BE49-F238E27FC236}">
+                <a16:creationId xmlns:a16="http://schemas.microsoft.com/office/drawing/2014/main" id="{468A5711-0DEB-4395-ACAD-B1CE56647B6B}"/>
+              </a:ext>
+            </a:extLst>
+          </p:cNvPr>
+          <p:cNvSpPr/>
+          <p:nvPr/>
+        </p:nvSpPr>
+        <p:spPr>
+          <a:xfrm>
+            <a:off x="6859966" y="2861210"/>
+            <a:ext cx="910704" cy="300431"/>
+          </a:xfrm>
+          <a:prstGeom prst="rect">
+            <a:avLst/>
+          </a:prstGeom>
+          <a:noFill/>
+          <a:ln>
+            <a:noFill/>
+          </a:ln>
+        </p:spPr>
+        <p:style>
+          <a:lnRef idx="2">
+            <a:schemeClr val="accent1">
+              <a:shade val="50000"/>
+            </a:schemeClr>
+          </a:lnRef>
+          <a:fillRef idx="1">
+            <a:schemeClr val="accent1"/>
+          </a:fillRef>
+          <a:effectRef idx="0">
+            <a:schemeClr val="accent1"/>
+          </a:effectRef>
+          <a:fontRef idx="minor">
+            <a:schemeClr val="lt1"/>
+          </a:fontRef>
+        </p:style>
+        <p:txBody>
+          <a:bodyPr rtlCol="0" anchor="ctr"/>
+          <a:lstStyle/>
+          <a:p>
+            <a:pPr algn="ctr"/>
+            <a:r>
+              <a:rPr lang="en-US" sz="1400" dirty="0">
+                <a:solidFill>
+                  <a:schemeClr val="tx1"/>
+                </a:solidFill>
+              </a:rPr>
+              <a:t>username</a:t>
+            </a:r>
+          </a:p>
+        </p:txBody>
+      </p:sp>
+      <p:sp>
+        <p:nvSpPr>
+          <p:cNvPr id="28" name="Rectangle 27">
+            <a:extLst>
+              <a:ext uri="{FF2B5EF4-FFF2-40B4-BE49-F238E27FC236}">
+                <a16:creationId xmlns:a16="http://schemas.microsoft.com/office/drawing/2014/main" id="{62FCC91B-1F57-484A-95D1-D98C91FB8219}"/>
+              </a:ext>
+            </a:extLst>
+          </p:cNvPr>
+          <p:cNvSpPr/>
+          <p:nvPr/>
+        </p:nvSpPr>
+        <p:spPr>
+          <a:xfrm>
+            <a:off x="6859966" y="3653298"/>
+            <a:ext cx="910704" cy="300431"/>
+          </a:xfrm>
+          <a:prstGeom prst="rect">
+            <a:avLst/>
+          </a:prstGeom>
+          <a:noFill/>
+          <a:ln>
+            <a:noFill/>
+          </a:ln>
+        </p:spPr>
+        <p:style>
+          <a:lnRef idx="2">
+            <a:schemeClr val="accent1">
+              <a:shade val="50000"/>
+            </a:schemeClr>
+          </a:lnRef>
+          <a:fillRef idx="1">
+            <a:schemeClr val="accent1"/>
+          </a:fillRef>
+          <a:effectRef idx="0">
+            <a:schemeClr val="accent1"/>
+          </a:effectRef>
+          <a:fontRef idx="minor">
+            <a:schemeClr val="lt1"/>
+          </a:fontRef>
+        </p:style>
+        <p:txBody>
+          <a:bodyPr rtlCol="0" anchor="ctr"/>
+          <a:lstStyle/>
+          <a:p>
+            <a:pPr algn="ctr"/>
+            <a:r>
+              <a:rPr lang="en-US" sz="1400" dirty="0">
+                <a:solidFill>
+                  <a:schemeClr val="tx1"/>
+                </a:solidFill>
+              </a:rPr>
+              <a:t>username</a:t>
+            </a:r>
+          </a:p>
+        </p:txBody>
+      </p:sp>
       <p:pic>
         <p:nvPicPr>
-          <p:cNvPr id="9" name="Picture 8">
+          <p:cNvPr id="7" name="Picture 6">
             <a:extLst>
               <a:ext uri="{FF2B5EF4-FFF2-40B4-BE49-F238E27FC236}">
-                <a16:creationId xmlns:a16="http://schemas.microsoft.com/office/drawing/2014/main" id="{6252D8DF-A69F-4787-B0BA-D7F41E5DB9D1}"/>
+                <a16:creationId xmlns:a16="http://schemas.microsoft.com/office/drawing/2014/main" id="{6C04B97D-3B86-43AB-BB17-66FA3DE73F75}"/>
               </a:ext>
             </a:extLst>
           </p:cNvPr>
@@ -4416,8 +5174,8 @@
         </p:blipFill>
         <p:spPr>
           <a:xfrm>
-            <a:off x="4251161" y="1340764"/>
-            <a:ext cx="4425294" cy="3188815"/>
+            <a:off x="823788" y="3220319"/>
+            <a:ext cx="3933825" cy="1876425"/>
           </a:xfrm>
           <a:prstGeom prst="rect">
             <a:avLst/>
@@ -4432,7 +5190,7 @@
     </p:spTree>
     <p:extLst>
       <p:ext uri="{BB962C8B-B14F-4D97-AF65-F5344CB8AC3E}">
-        <p14:creationId xmlns:p14="http://schemas.microsoft.com/office/powerpoint/2010/main" val="361930650"/>
+        <p14:creationId xmlns:p14="http://schemas.microsoft.com/office/powerpoint/2010/main" val="4207580471"/>
       </p:ext>
     </p:extLst>
   </p:cSld>
@@ -4442,7 +5200,158 @@
 </p:sld>
 </file>
 
-<file path=ppt/slides/slide12.xml><?xml version="1.0" encoding="utf-8"?>
+<file path=ppt/slides/slide14.xml><?xml version="1.0" encoding="utf-8"?>
+<p:sld xmlns:a="http://schemas.openxmlformats.org/drawingml/2006/main" xmlns:r="http://schemas.openxmlformats.org/officeDocument/2006/relationships" xmlns:p="http://schemas.openxmlformats.org/presentationml/2006/main">
+  <p:cSld>
+    <p:spTree>
+      <p:nvGrpSpPr>
+        <p:cNvPr id="1" name=""/>
+        <p:cNvGrpSpPr/>
+        <p:nvPr/>
+      </p:nvGrpSpPr>
+      <p:grpSpPr>
+        <a:xfrm>
+          <a:off x="0" y="0"/>
+          <a:ext cx="0" cy="0"/>
+          <a:chOff x="0" y="0"/>
+          <a:chExt cx="0" cy="0"/>
+        </a:xfrm>
+      </p:grpSpPr>
+      <p:sp>
+        <p:nvSpPr>
+          <p:cNvPr id="2" name="標題 1"/>
+          <p:cNvSpPr>
+            <a:spLocks noGrp="1"/>
+          </p:cNvSpPr>
+          <p:nvPr>
+            <p:ph type="ctrTitle"/>
+          </p:nvPr>
+        </p:nvSpPr>
+        <p:spPr>
+          <a:xfrm>
+            <a:off x="0" y="2130425"/>
+            <a:ext cx="9144000" cy="1470025"/>
+          </a:xfrm>
+          <a:solidFill>
+            <a:srgbClr val="00B0F0"/>
+          </a:solidFill>
+        </p:spPr>
+        <p:txBody>
+          <a:bodyPr>
+            <a:normAutofit/>
+          </a:bodyPr>
+          <a:lstStyle/>
+          <a:p>
+            <a:r>
+              <a:rPr lang="en-US" altLang="zh-TW" sz="4800" b="1" dirty="0">
+                <a:solidFill>
+                  <a:srgbClr val="FFFF00"/>
+                </a:solidFill>
+              </a:rPr>
+              <a:t>39.4 Step 2: Provide Data</a:t>
+            </a:r>
+            <a:endParaRPr lang="zh-TW" altLang="en-US" sz="4800" b="1" dirty="0">
+              <a:solidFill>
+                <a:srgbClr val="FFFF00"/>
+              </a:solidFill>
+            </a:endParaRPr>
+          </a:p>
+        </p:txBody>
+      </p:sp>
+      <p:sp>
+        <p:nvSpPr>
+          <p:cNvPr id="5" name="日期版面配置區 4"/>
+          <p:cNvSpPr>
+            <a:spLocks noGrp="1"/>
+          </p:cNvSpPr>
+          <p:nvPr>
+            <p:ph type="dt" sz="half" idx="10"/>
+          </p:nvPr>
+        </p:nvSpPr>
+        <p:spPr/>
+        <p:txBody>
+          <a:bodyPr/>
+          <a:lstStyle/>
+          <a:p>
+            <a:fld id="{C389EDC9-19E3-47AC-9C57-C6A24DEA81AD}" type="datetime1">
+              <a:rPr lang="zh-TW" altLang="en-US" smtClean="0"/>
+              <a:pPr/>
+              <a:t>2020/5/25</a:t>
+            </a:fld>
+            <a:endParaRPr lang="zh-TW" altLang="en-US"/>
+          </a:p>
+        </p:txBody>
+      </p:sp>
+      <p:sp>
+        <p:nvSpPr>
+          <p:cNvPr id="6" name="投影片編號版面配置區 5"/>
+          <p:cNvSpPr>
+            <a:spLocks noGrp="1"/>
+          </p:cNvSpPr>
+          <p:nvPr>
+            <p:ph type="sldNum" sz="quarter" idx="12"/>
+          </p:nvPr>
+        </p:nvSpPr>
+        <p:spPr/>
+        <p:txBody>
+          <a:bodyPr/>
+          <a:lstStyle/>
+          <a:p>
+            <a:fld id="{E4D7E63D-91F2-4366-A2C4-1B00C9E2590E}" type="slidenum">
+              <a:rPr lang="zh-TW" altLang="en-US" smtClean="0"/>
+              <a:pPr/>
+              <a:t>14</a:t>
+            </a:fld>
+            <a:endParaRPr lang="zh-TW" altLang="en-US"/>
+          </a:p>
+        </p:txBody>
+      </p:sp>
+      <p:pic>
+        <p:nvPicPr>
+          <p:cNvPr id="2050" name="Picture 2"/>
+          <p:cNvPicPr>
+            <a:picLocks noChangeAspect="1" noChangeArrowheads="1"/>
+          </p:cNvPicPr>
+          <p:nvPr/>
+        </p:nvPicPr>
+        <p:blipFill>
+          <a:blip r:embed="rId2" cstate="print"/>
+          <a:srcRect/>
+          <a:stretch>
+            <a:fillRect/>
+          </a:stretch>
+        </p:blipFill>
+        <p:spPr bwMode="auto">
+          <a:xfrm>
+            <a:off x="4283968" y="3717032"/>
+            <a:ext cx="713805" cy="644588"/>
+          </a:xfrm>
+          <a:prstGeom prst="rect">
+            <a:avLst/>
+          </a:prstGeom>
+          <a:noFill/>
+          <a:ln w="9525">
+            <a:noFill/>
+            <a:miter lim="800000"/>
+            <a:headEnd/>
+            <a:tailEnd/>
+          </a:ln>
+        </p:spPr>
+      </p:pic>
+    </p:spTree>
+    <p:extLst>
+      <p:ext uri="{BB962C8B-B14F-4D97-AF65-F5344CB8AC3E}">
+        <p14:creationId xmlns:p14="http://schemas.microsoft.com/office/powerpoint/2010/main" val="3035102279"/>
+      </p:ext>
+    </p:extLst>
+  </p:cSld>
+  <p:clrMapOvr>
+    <a:masterClrMapping/>
+  </p:clrMapOvr>
+</p:sld>
+</file>
+
+<file path=ppt/slides/slide15.xml><?xml version="1.0" encoding="utf-8"?>
 <p:sld xmlns:a="http://schemas.openxmlformats.org/drawingml/2006/main" xmlns:r="http://schemas.openxmlformats.org/officeDocument/2006/relationships" xmlns:p="http://schemas.openxmlformats.org/presentationml/2006/main">
   <p:cSld>
     <p:spTree>
@@ -4514,7 +5423,7 @@
                   <a:srgbClr val="FFFF00"/>
                 </a:solidFill>
               </a:rPr>
-              <a:t>39.1 React Context 2</a:t>
+              <a:t>39.4 Step 2: Provide Data</a:t>
             </a:r>
             <a:endParaRPr lang="zh-TW" altLang="en-US" b="1" dirty="0">
               <a:solidFill>
@@ -4537,7 +5446,7 @@
         <p:spPr>
           <a:xfrm>
             <a:off x="467545" y="1340764"/>
-            <a:ext cx="8064895" cy="792092"/>
+            <a:ext cx="4248472" cy="4032452"/>
           </a:xfrm>
           <a:ln>
             <a:solidFill>
@@ -4579,31 +5488,144 @@
               <a:buChar char="u"/>
             </a:pPr>
             <a:r>
-              <a:rPr lang="en-US" altLang="zh-TW" sz="1800" b="1" dirty="0">
+              <a:rPr lang="en-US" altLang="zh-TW" sz="1800" dirty="0">
                 <a:solidFill>
                   <a:schemeClr val="tx1"/>
                 </a:solidFill>
                 <a:latin typeface="+mj-lt"/>
               </a:rPr>
-              <a:t>&gt; </a:t>
-            </a:r>
-            <a:r>
-              <a:rPr lang="en-US" altLang="zh-TW" sz="1800" b="1" dirty="0" err="1">
+              <a:t>2. User Provider </a:t>
+            </a:r>
+          </a:p>
+          <a:p>
+            <a:pPr marL="342900" indent="-342900" algn="l">
+              <a:buClr>
+                <a:srgbClr val="0070C0"/>
+              </a:buClr>
+              <a:buSzPct val="80000"/>
+              <a:buFont typeface="Wingdings" pitchFamily="2" charset="2"/>
+              <a:buChar char="u"/>
+            </a:pPr>
+            <a:r>
+              <a:rPr lang="en-US" altLang="zh-TW" sz="1800" dirty="0">
                 <a:solidFill>
                   <a:schemeClr val="tx1"/>
                 </a:solidFill>
                 <a:latin typeface="+mj-lt"/>
               </a:rPr>
-              <a:t>npm</a:t>
-            </a:r>
-            <a:r>
-              <a:rPr lang="en-US" altLang="zh-TW" sz="1800" b="1" dirty="0">
+              <a:t>We need to provide this user context.</a:t>
+            </a:r>
+          </a:p>
+          <a:p>
+            <a:pPr marL="342900" indent="-342900" algn="l">
+              <a:buClr>
+                <a:srgbClr val="0070C0"/>
+              </a:buClr>
+              <a:buSzPct val="80000"/>
+              <a:buFont typeface="Wingdings" pitchFamily="2" charset="2"/>
+              <a:buChar char="u"/>
+            </a:pPr>
+            <a:r>
+              <a:rPr lang="en-US" altLang="zh-TW" sz="1800" dirty="0">
                 <a:solidFill>
                   <a:schemeClr val="tx1"/>
                 </a:solidFill>
                 <a:latin typeface="+mj-lt"/>
               </a:rPr>
-              <a:t> start</a:t>
+              <a:t>The place you provide the is import because only the descendent component can consume it.</a:t>
+            </a:r>
+          </a:p>
+          <a:p>
+            <a:pPr marL="342900" indent="-342900" algn="l">
+              <a:buClr>
+                <a:srgbClr val="0070C0"/>
+              </a:buClr>
+              <a:buSzPct val="80000"/>
+              <a:buFont typeface="Wingdings" pitchFamily="2" charset="2"/>
+              <a:buChar char="u"/>
+            </a:pPr>
+            <a:r>
+              <a:rPr lang="en-US" altLang="zh-TW" sz="1800" dirty="0">
+                <a:solidFill>
+                  <a:schemeClr val="tx1"/>
+                </a:solidFill>
+                <a:latin typeface="+mj-lt"/>
+              </a:rPr>
+              <a:t>App Component is a good place because all components are under the App. </a:t>
+            </a:r>
+          </a:p>
+          <a:p>
+            <a:pPr marL="342900" indent="-342900" algn="l">
+              <a:buClr>
+                <a:srgbClr val="0070C0"/>
+              </a:buClr>
+              <a:buSzPct val="80000"/>
+              <a:buFont typeface="Wingdings" pitchFamily="2" charset="2"/>
+              <a:buChar char="u"/>
+            </a:pPr>
+            <a:r>
+              <a:rPr lang="en-US" altLang="zh-TW" sz="1800" dirty="0">
+                <a:solidFill>
+                  <a:schemeClr val="tx1"/>
+                </a:solidFill>
+                <a:latin typeface="+mj-lt"/>
+              </a:rPr>
+              <a:t>We use the component &lt;</a:t>
+            </a:r>
+            <a:r>
+              <a:rPr lang="en-US" altLang="zh-TW" sz="1800" dirty="0" err="1">
+                <a:solidFill>
+                  <a:schemeClr val="tx1"/>
+                </a:solidFill>
+                <a:latin typeface="+mj-lt"/>
+              </a:rPr>
+              <a:t>UserProvider</a:t>
+            </a:r>
+            <a:r>
+              <a:rPr lang="en-US" altLang="zh-TW" sz="1800" dirty="0">
+                <a:solidFill>
+                  <a:schemeClr val="tx1"/>
+                </a:solidFill>
+                <a:latin typeface="+mj-lt"/>
+              </a:rPr>
+              <a:t>&gt; to wrap the </a:t>
+            </a:r>
+            <a:r>
+              <a:rPr lang="en-US" altLang="zh-TW" sz="1800" dirty="0" err="1">
+                <a:solidFill>
+                  <a:schemeClr val="tx1"/>
+                </a:solidFill>
+                <a:latin typeface="+mj-lt"/>
+              </a:rPr>
+              <a:t>ComponentC</a:t>
+            </a:r>
+            <a:r>
+              <a:rPr lang="en-US" altLang="zh-TW" sz="1800" dirty="0">
+                <a:solidFill>
+                  <a:schemeClr val="tx1"/>
+                </a:solidFill>
+                <a:latin typeface="+mj-lt"/>
+              </a:rPr>
+              <a:t> and pass the data value=“peter”.</a:t>
+            </a:r>
+          </a:p>
+          <a:p>
+            <a:pPr marL="342900" indent="-342900" algn="l">
+              <a:buClr>
+                <a:srgbClr val="0070C0"/>
+              </a:buClr>
+              <a:buSzPct val="80000"/>
+              <a:buFont typeface="Wingdings" pitchFamily="2" charset="2"/>
+              <a:buChar char="u"/>
+            </a:pPr>
+            <a:r>
+              <a:rPr lang="en-US" altLang="zh-TW" sz="1800" dirty="0">
+                <a:solidFill>
+                  <a:schemeClr val="tx1"/>
+                </a:solidFill>
+                <a:latin typeface="+mj-lt"/>
+              </a:rPr>
+              <a:t>We complete the step 2.</a:t>
             </a:r>
           </a:p>
         </p:txBody>
@@ -4690,7 +5712,7 @@
             <a:fld id="{A4F910E6-8D00-4BAF-8C48-9688E0B449D3}" type="datetime1">
               <a:rPr lang="zh-TW" altLang="en-US" smtClean="0"/>
               <a:pPr/>
-              <a:t>2020/4/10</a:t>
+              <a:t>2020/5/25</a:t>
             </a:fld>
             <a:endParaRPr lang="zh-TW" altLang="en-US"/>
           </a:p>
@@ -4719,7 +5741,7 @@
             <a:fld id="{E4D7E63D-91F2-4366-A2C4-1B00C9E2590E}" type="slidenum">
               <a:rPr lang="zh-TW" altLang="en-US" smtClean="0"/>
               <a:pPr/>
-              <a:t>12</a:t>
+              <a:t>15</a:t>
             </a:fld>
             <a:endParaRPr lang="zh-TW" altLang="en-US"/>
           </a:p>
@@ -4727,10 +5749,10 @@
       </p:sp>
       <p:pic>
         <p:nvPicPr>
-          <p:cNvPr id="7" name="Picture 6">
+          <p:cNvPr id="8" name="Picture 7">
             <a:extLst>
               <a:ext uri="{FF2B5EF4-FFF2-40B4-BE49-F238E27FC236}">
-                <a16:creationId xmlns:a16="http://schemas.microsoft.com/office/drawing/2014/main" id="{6D19A47C-3302-4BA4-93EC-15E1DC4DC534}"/>
+                <a16:creationId xmlns:a16="http://schemas.microsoft.com/office/drawing/2014/main" id="{E12A0BA4-9476-4AEB-8180-C34B845DAF10}"/>
               </a:ext>
             </a:extLst>
           </p:cNvPr>
@@ -4747,8 +5769,8 @@
         </p:blipFill>
         <p:spPr>
           <a:xfrm>
-            <a:off x="2771800" y="2295777"/>
-            <a:ext cx="2505075" cy="1371600"/>
+            <a:off x="4860032" y="1369000"/>
+            <a:ext cx="4019831" cy="3672737"/>
           </a:xfrm>
           <a:prstGeom prst="rect">
             <a:avLst/>
@@ -4763,7 +5785,7 @@
     </p:spTree>
     <p:extLst>
       <p:ext uri="{BB962C8B-B14F-4D97-AF65-F5344CB8AC3E}">
-        <p14:creationId xmlns:p14="http://schemas.microsoft.com/office/powerpoint/2010/main" val="704992007"/>
+        <p14:creationId xmlns:p14="http://schemas.microsoft.com/office/powerpoint/2010/main" val="1897099674"/>
       </p:ext>
     </p:extLst>
   </p:cSld>
@@ -4773,7 +5795,7 @@
 </p:sld>
 </file>
 
-<file path=ppt/slides/slide13.xml><?xml version="1.0" encoding="utf-8"?>
+<file path=ppt/slides/slide16.xml><?xml version="1.0" encoding="utf-8"?>
 <p:sld xmlns:a="http://schemas.openxmlformats.org/drawingml/2006/main" xmlns:r="http://schemas.openxmlformats.org/officeDocument/2006/relationships" xmlns:p="http://schemas.openxmlformats.org/presentationml/2006/main">
   <p:cSld>
     <p:spTree>
@@ -4821,7 +5843,7 @@
                   <a:srgbClr val="FFFF00"/>
                 </a:solidFill>
               </a:rPr>
-              <a:t>39.2 Summary of Context</a:t>
+              <a:t>39.5 Step 3: Consume Data</a:t>
             </a:r>
             <a:endParaRPr lang="zh-TW" altLang="en-US" sz="4800" b="1" dirty="0">
               <a:solidFill>
@@ -4849,7 +5871,7 @@
             <a:fld id="{C389EDC9-19E3-47AC-9C57-C6A24DEA81AD}" type="datetime1">
               <a:rPr lang="zh-TW" altLang="en-US" smtClean="0"/>
               <a:pPr/>
-              <a:t>2020/4/10</a:t>
+              <a:t>2020/5/25</a:t>
             </a:fld>
             <a:endParaRPr lang="zh-TW" altLang="en-US"/>
           </a:p>
@@ -4873,7 +5895,7 @@
             <a:fld id="{E4D7E63D-91F2-4366-A2C4-1B00C9E2590E}" type="slidenum">
               <a:rPr lang="zh-TW" altLang="en-US" smtClean="0"/>
               <a:pPr/>
-              <a:t>13</a:t>
+              <a:t>16</a:t>
             </a:fld>
             <a:endParaRPr lang="zh-TW" altLang="en-US"/>
           </a:p>
@@ -4914,7 +5936,7 @@
     </p:spTree>
     <p:extLst>
       <p:ext uri="{BB962C8B-B14F-4D97-AF65-F5344CB8AC3E}">
-        <p14:creationId xmlns:p14="http://schemas.microsoft.com/office/powerpoint/2010/main" val="3018326202"/>
+        <p14:creationId xmlns:p14="http://schemas.microsoft.com/office/powerpoint/2010/main" val="2766314055"/>
       </p:ext>
     </p:extLst>
   </p:cSld>
@@ -4924,7 +5946,7 @@
 </p:sld>
 </file>
 
-<file path=ppt/slides/slide14.xml><?xml version="1.0" encoding="utf-8"?>
+<file path=ppt/slides/slide17.xml><?xml version="1.0" encoding="utf-8"?>
 <p:sld xmlns:a="http://schemas.openxmlformats.org/drawingml/2006/main" xmlns:r="http://schemas.openxmlformats.org/officeDocument/2006/relationships" xmlns:p="http://schemas.openxmlformats.org/presentationml/2006/main">
   <p:cSld>
     <p:spTree>
@@ -4996,7 +6018,7 @@
                   <a:srgbClr val="FFFF00"/>
                 </a:solidFill>
               </a:rPr>
-              <a:t>39.2 Summary of Context</a:t>
+              <a:t>39.5 Step 3: Consume Data</a:t>
             </a:r>
             <a:endParaRPr lang="zh-TW" altLang="en-US" b="1" dirty="0">
               <a:solidFill>
@@ -5018,8 +6040,8 @@
         </p:nvSpPr>
         <p:spPr>
           <a:xfrm>
-            <a:off x="467544" y="1340767"/>
-            <a:ext cx="4933705" cy="2312532"/>
+            <a:off x="467545" y="1340764"/>
+            <a:ext cx="3528391" cy="3096348"/>
           </a:xfrm>
           <a:ln>
             <a:solidFill>
@@ -5048,7 +6070,7 @@
                 </a:solidFill>
                 <a:latin typeface="+mj-lt"/>
               </a:rPr>
-              <a:t>Summary Creation of Context of Component Tree:</a:t>
+              <a:t>Component Tree:</a:t>
             </a:r>
           </a:p>
           <a:p>
@@ -5061,70 +6083,13 @@
               <a:buChar char="u"/>
             </a:pPr>
             <a:r>
-              <a:rPr lang="en-US" altLang="zh-TW" sz="1800" b="1" dirty="0">
+              <a:rPr lang="en-US" altLang="zh-TW" sz="1800" dirty="0">
                 <a:solidFill>
                   <a:schemeClr val="tx1"/>
                 </a:solidFill>
                 <a:latin typeface="+mj-lt"/>
               </a:rPr>
-              <a:t>There are three steps </a:t>
-            </a:r>
-          </a:p>
-          <a:p>
-            <a:pPr marL="342900" indent="-342900" algn="l">
-              <a:buClr>
-                <a:srgbClr val="0070C0"/>
-              </a:buClr>
-              <a:buSzPct val="80000"/>
-              <a:buFont typeface="+mj-lt"/>
-              <a:buAutoNum type="arabicPeriod"/>
-            </a:pPr>
-            <a:r>
-              <a:rPr lang="en-US" altLang="zh-TW" sz="1800" b="1" dirty="0">
-                <a:solidFill>
-                  <a:schemeClr val="tx1"/>
-                </a:solidFill>
-                <a:latin typeface="+mj-lt"/>
-              </a:rPr>
-              <a:t>Create the context.</a:t>
-            </a:r>
-          </a:p>
-          <a:p>
-            <a:pPr marL="342900" indent="-342900" algn="l">
-              <a:buClr>
-                <a:srgbClr val="0070C0"/>
-              </a:buClr>
-              <a:buSzPct val="80000"/>
-              <a:buFont typeface="+mj-lt"/>
-              <a:buAutoNum type="arabicPeriod"/>
-            </a:pPr>
-            <a:r>
-              <a:rPr lang="en-US" altLang="zh-TW" sz="1800" b="1" dirty="0">
-                <a:solidFill>
-                  <a:schemeClr val="tx1"/>
-                </a:solidFill>
-                <a:latin typeface="+mj-lt"/>
-              </a:rPr>
-              <a:t>Provide a context value.</a:t>
-            </a:r>
-          </a:p>
-          <a:p>
-            <a:pPr marL="342900" indent="-342900" algn="l">
-              <a:buClr>
-                <a:srgbClr val="0070C0"/>
-              </a:buClr>
-              <a:buSzPct val="80000"/>
-              <a:buFont typeface="+mj-lt"/>
-              <a:buAutoNum type="arabicPeriod"/>
-            </a:pPr>
-            <a:r>
-              <a:rPr lang="en-US" altLang="zh-TW" sz="1800" b="1" dirty="0">
-                <a:solidFill>
-                  <a:schemeClr val="tx1"/>
-                </a:solidFill>
-                <a:latin typeface="+mj-lt"/>
-              </a:rPr>
-              <a:t>Consume the context value in the necessary component.</a:t>
+              <a:t>3. Consume Data</a:t>
             </a:r>
           </a:p>
           <a:p>
@@ -5136,12 +6101,80 @@
               <a:buFont typeface="Wingdings" pitchFamily="2" charset="2"/>
               <a:buChar char="u"/>
             </a:pPr>
-            <a:endParaRPr lang="en-US" altLang="zh-TW" sz="1800" b="1" dirty="0">
-              <a:solidFill>
-                <a:schemeClr val="tx1"/>
-              </a:solidFill>
-              <a:latin typeface="+mj-lt"/>
-            </a:endParaRPr>
+            <a:r>
+              <a:rPr lang="en-US" altLang="zh-TW" sz="1800" dirty="0">
+                <a:solidFill>
+                  <a:schemeClr val="tx1"/>
+                </a:solidFill>
+                <a:latin typeface="+mj-lt"/>
+              </a:rPr>
+              <a:t>Final step is to consume the username in the desired component.</a:t>
+            </a:r>
+          </a:p>
+          <a:p>
+            <a:pPr marL="342900" indent="-342900" algn="l">
+              <a:buClr>
+                <a:srgbClr val="0070C0"/>
+              </a:buClr>
+              <a:buSzPct val="80000"/>
+              <a:buFont typeface="Wingdings" pitchFamily="2" charset="2"/>
+              <a:buChar char="u"/>
+            </a:pPr>
+            <a:r>
+              <a:rPr lang="en-US" altLang="zh-TW" sz="1800" dirty="0">
+                <a:solidFill>
+                  <a:schemeClr val="tx1"/>
+                </a:solidFill>
+                <a:latin typeface="+mj-lt"/>
+              </a:rPr>
+              <a:t>For our example, we have to consume the username value in </a:t>
+            </a:r>
+            <a:r>
+              <a:rPr lang="en-US" altLang="zh-TW" sz="1800" dirty="0" err="1">
+                <a:solidFill>
+                  <a:schemeClr val="tx1"/>
+                </a:solidFill>
+                <a:latin typeface="+mj-lt"/>
+              </a:rPr>
+              <a:t>ComponentF</a:t>
+            </a:r>
+            <a:r>
+              <a:rPr lang="en-US" altLang="zh-TW" sz="1800" dirty="0">
+                <a:solidFill>
+                  <a:schemeClr val="tx1"/>
+                </a:solidFill>
+                <a:latin typeface="+mj-lt"/>
+              </a:rPr>
+              <a:t>.</a:t>
+            </a:r>
+          </a:p>
+          <a:p>
+            <a:pPr marL="342900" indent="-342900" algn="l">
+              <a:buClr>
+                <a:srgbClr val="0070C0"/>
+              </a:buClr>
+              <a:buSzPct val="80000"/>
+              <a:buFont typeface="Wingdings" pitchFamily="2" charset="2"/>
+              <a:buChar char="u"/>
+            </a:pPr>
+            <a:r>
+              <a:rPr lang="en-US" altLang="zh-TW" sz="1800" dirty="0">
+                <a:solidFill>
+                  <a:schemeClr val="tx1"/>
+                </a:solidFill>
+                <a:latin typeface="+mj-lt"/>
+              </a:rPr>
+              <a:t>In ComponentF.js, we need to user consumer components</a:t>
+            </a:r>
+            <a:r>
+              <a:rPr lang="en-US" altLang="zh-TW" sz="1800" b="1" dirty="0">
+                <a:solidFill>
+                  <a:schemeClr val="tx1"/>
+                </a:solidFill>
+                <a:latin typeface="+mj-lt"/>
+              </a:rPr>
+              <a:t>.</a:t>
+            </a:r>
           </a:p>
         </p:txBody>
       </p:sp>
@@ -5227,7 +6260,7 @@
             <a:fld id="{A4F910E6-8D00-4BAF-8C48-9688E0B449D3}" type="datetime1">
               <a:rPr lang="zh-TW" altLang="en-US" smtClean="0"/>
               <a:pPr/>
-              <a:t>2020/4/10</a:t>
+              <a:t>2020/5/25</a:t>
             </a:fld>
             <a:endParaRPr lang="zh-TW" altLang="en-US"/>
           </a:p>
@@ -5256,462 +6289,51 @@
             <a:fld id="{E4D7E63D-91F2-4366-A2C4-1B00C9E2590E}" type="slidenum">
               <a:rPr lang="zh-TW" altLang="en-US" smtClean="0"/>
               <a:pPr/>
-              <a:t>14</a:t>
+              <a:t>17</a:t>
             </a:fld>
             <a:endParaRPr lang="zh-TW" altLang="en-US"/>
           </a:p>
         </p:txBody>
       </p:sp>
-      <p:sp>
-        <p:nvSpPr>
-          <p:cNvPr id="12" name="Rectangle 11">
+      <p:pic>
+        <p:nvPicPr>
+          <p:cNvPr id="9" name="Picture 8">
             <a:extLst>
               <a:ext uri="{FF2B5EF4-FFF2-40B4-BE49-F238E27FC236}">
-                <a16:creationId xmlns:a16="http://schemas.microsoft.com/office/drawing/2014/main" id="{3A7BE3B0-C63E-4A2F-93AD-7B063F2A34CF}"/>
+                <a16:creationId xmlns:a16="http://schemas.microsoft.com/office/drawing/2014/main" id="{6252D8DF-A69F-4787-B0BA-D7F41E5DB9D1}"/>
               </a:ext>
             </a:extLst>
           </p:cNvPr>
-          <p:cNvSpPr/>
+          <p:cNvPicPr>
+            <a:picLocks noChangeAspect="1"/>
+          </p:cNvPicPr>
           <p:nvPr/>
-        </p:nvSpPr>
-        <p:spPr>
-          <a:xfrm>
-            <a:off x="5937475" y="1440759"/>
-            <a:ext cx="1656184" cy="432048"/>
+        </p:nvPicPr>
+        <p:blipFill>
+          <a:blip r:embed="rId3"/>
+          <a:stretch>
+            <a:fillRect/>
+          </a:stretch>
+        </p:blipFill>
+        <p:spPr>
+          <a:xfrm>
+            <a:off x="4251161" y="1340764"/>
+            <a:ext cx="4425294" cy="3188815"/>
           </a:xfrm>
           <a:prstGeom prst="rect">
             <a:avLst/>
           </a:prstGeom>
-          <a:solidFill>
-            <a:schemeClr val="accent2">
-              <a:lumMod val="75000"/>
-            </a:schemeClr>
-          </a:solidFill>
-        </p:spPr>
-        <p:style>
-          <a:lnRef idx="2">
-            <a:schemeClr val="accent1">
-              <a:shade val="50000"/>
-            </a:schemeClr>
-          </a:lnRef>
-          <a:fillRef idx="1">
-            <a:schemeClr val="accent1"/>
-          </a:fillRef>
-          <a:effectRef idx="0">
-            <a:schemeClr val="accent1"/>
-          </a:effectRef>
-          <a:fontRef idx="minor">
-            <a:schemeClr val="lt1"/>
-          </a:fontRef>
-        </p:style>
-        <p:txBody>
-          <a:bodyPr rtlCol="0" anchor="ctr"/>
-          <a:lstStyle/>
-          <a:p>
-            <a:pPr algn="ctr"/>
-            <a:r>
-              <a:rPr lang="en-US" dirty="0" err="1"/>
-              <a:t>AppComponent</a:t>
-            </a:r>
-            <a:endParaRPr lang="en-US" dirty="0"/>
-          </a:p>
-        </p:txBody>
-      </p:sp>
-      <p:sp>
-        <p:nvSpPr>
-          <p:cNvPr id="17" name="Rectangle 16">
-            <a:extLst>
-              <a:ext uri="{FF2B5EF4-FFF2-40B4-BE49-F238E27FC236}">
-                <a16:creationId xmlns:a16="http://schemas.microsoft.com/office/drawing/2014/main" id="{2AFDC503-0347-4313-B5BC-1ED9677F4053}"/>
-              </a:ext>
-            </a:extLst>
-          </p:cNvPr>
-          <p:cNvSpPr/>
-          <p:nvPr/>
-        </p:nvSpPr>
-        <p:spPr>
-          <a:xfrm>
-            <a:off x="6303866" y="2422456"/>
-            <a:ext cx="936104" cy="404246"/>
-          </a:xfrm>
-          <a:prstGeom prst="rect">
-            <a:avLst/>
-          </a:prstGeom>
-          <a:solidFill>
-            <a:srgbClr val="92D050"/>
-          </a:solidFill>
-        </p:spPr>
-        <p:style>
-          <a:lnRef idx="2">
-            <a:schemeClr val="accent1">
-              <a:shade val="50000"/>
-            </a:schemeClr>
-          </a:lnRef>
-          <a:fillRef idx="1">
-            <a:schemeClr val="accent1"/>
-          </a:fillRef>
-          <a:effectRef idx="0">
-            <a:schemeClr val="accent1"/>
-          </a:effectRef>
-          <a:fontRef idx="minor">
-            <a:schemeClr val="lt1"/>
-          </a:fontRef>
-        </p:style>
-        <p:txBody>
-          <a:bodyPr rtlCol="0" anchor="ctr"/>
-          <a:lstStyle/>
-          <a:p>
-            <a:pPr algn="ctr"/>
-            <a:r>
-              <a:rPr lang="en-US" dirty="0"/>
-              <a:t>C</a:t>
-            </a:r>
-          </a:p>
-        </p:txBody>
-      </p:sp>
-      <p:cxnSp>
-        <p:nvCxnSpPr>
-          <p:cNvPr id="18" name="Connector: Elbow 17">
-            <a:extLst>
-              <a:ext uri="{FF2B5EF4-FFF2-40B4-BE49-F238E27FC236}">
-                <a16:creationId xmlns:a16="http://schemas.microsoft.com/office/drawing/2014/main" id="{DF9A5A7B-3151-4201-B5EB-698754093163}"/>
-              </a:ext>
-            </a:extLst>
-          </p:cNvPr>
-          <p:cNvCxnSpPr>
-            <a:stCxn id="12" idx="2"/>
-            <a:endCxn id="17" idx="0"/>
-          </p:cNvCxnSpPr>
-          <p:nvPr/>
-        </p:nvCxnSpPr>
-        <p:spPr>
-          <a:xfrm rot="16200000" flipH="1">
-            <a:off x="6493918" y="2144455"/>
-            <a:ext cx="549649" cy="6351"/>
-          </a:xfrm>
-          <a:prstGeom prst="bentConnector3">
-            <a:avLst/>
-          </a:prstGeom>
           <a:ln>
-            <a:tailEnd type="triangle"/>
+            <a:solidFill>
+              <a:srgbClr val="C00000"/>
+            </a:solidFill>
           </a:ln>
         </p:spPr>
-        <p:style>
-          <a:lnRef idx="1">
-            <a:schemeClr val="accent1"/>
-          </a:lnRef>
-          <a:fillRef idx="0">
-            <a:schemeClr val="accent1"/>
-          </a:fillRef>
-          <a:effectRef idx="0">
-            <a:schemeClr val="accent1"/>
-          </a:effectRef>
-          <a:fontRef idx="minor">
-            <a:schemeClr val="tx1"/>
-          </a:fontRef>
-        </p:style>
-      </p:cxnSp>
-      <p:sp>
-        <p:nvSpPr>
-          <p:cNvPr id="20" name="Rectangle 19">
-            <a:extLst>
-              <a:ext uri="{FF2B5EF4-FFF2-40B4-BE49-F238E27FC236}">
-                <a16:creationId xmlns:a16="http://schemas.microsoft.com/office/drawing/2014/main" id="{EE151B12-151C-4C05-9754-0030C6F65B44}"/>
-              </a:ext>
-            </a:extLst>
-          </p:cNvPr>
-          <p:cNvSpPr/>
-          <p:nvPr/>
-        </p:nvSpPr>
-        <p:spPr>
-          <a:xfrm>
-            <a:off x="6303866" y="3221250"/>
-            <a:ext cx="936104" cy="404246"/>
-          </a:xfrm>
-          <a:prstGeom prst="rect">
-            <a:avLst/>
-          </a:prstGeom>
-          <a:solidFill>
-            <a:srgbClr val="92D050"/>
-          </a:solidFill>
-        </p:spPr>
-        <p:style>
-          <a:lnRef idx="2">
-            <a:schemeClr val="accent1">
-              <a:shade val="50000"/>
-            </a:schemeClr>
-          </a:lnRef>
-          <a:fillRef idx="1">
-            <a:schemeClr val="accent1"/>
-          </a:fillRef>
-          <a:effectRef idx="0">
-            <a:schemeClr val="accent1"/>
-          </a:effectRef>
-          <a:fontRef idx="minor">
-            <a:schemeClr val="lt1"/>
-          </a:fontRef>
-        </p:style>
-        <p:txBody>
-          <a:bodyPr rtlCol="0" anchor="ctr"/>
-          <a:lstStyle/>
-          <a:p>
-            <a:pPr algn="ctr"/>
-            <a:r>
-              <a:rPr lang="en-US" dirty="0"/>
-              <a:t>E</a:t>
-            </a:r>
-          </a:p>
-        </p:txBody>
-      </p:sp>
-      <p:sp>
-        <p:nvSpPr>
-          <p:cNvPr id="21" name="Rectangle 20">
-            <a:extLst>
-              <a:ext uri="{FF2B5EF4-FFF2-40B4-BE49-F238E27FC236}">
-                <a16:creationId xmlns:a16="http://schemas.microsoft.com/office/drawing/2014/main" id="{7EE0CF29-B1D2-4F77-BF5B-5F25224B063B}"/>
-              </a:ext>
-            </a:extLst>
-          </p:cNvPr>
-          <p:cNvSpPr/>
-          <p:nvPr/>
-        </p:nvSpPr>
-        <p:spPr>
-          <a:xfrm>
-            <a:off x="6303866" y="4013338"/>
-            <a:ext cx="936104" cy="404246"/>
-          </a:xfrm>
-          <a:prstGeom prst="rect">
-            <a:avLst/>
-          </a:prstGeom>
-          <a:solidFill>
-            <a:srgbClr val="0070C0"/>
-          </a:solidFill>
-        </p:spPr>
-        <p:style>
-          <a:lnRef idx="2">
-            <a:schemeClr val="accent1">
-              <a:shade val="50000"/>
-            </a:schemeClr>
-          </a:lnRef>
-          <a:fillRef idx="1">
-            <a:schemeClr val="accent1"/>
-          </a:fillRef>
-          <a:effectRef idx="0">
-            <a:schemeClr val="accent1"/>
-          </a:effectRef>
-          <a:fontRef idx="minor">
-            <a:schemeClr val="lt1"/>
-          </a:fontRef>
-        </p:style>
-        <p:txBody>
-          <a:bodyPr rtlCol="0" anchor="ctr"/>
-          <a:lstStyle/>
-          <a:p>
-            <a:pPr algn="ctr"/>
-            <a:r>
-              <a:rPr lang="en-US" dirty="0"/>
-              <a:t>F</a:t>
-            </a:r>
-          </a:p>
-        </p:txBody>
-      </p:sp>
-      <p:cxnSp>
-        <p:nvCxnSpPr>
-          <p:cNvPr id="23" name="Connector: Elbow 22">
-            <a:extLst>
-              <a:ext uri="{FF2B5EF4-FFF2-40B4-BE49-F238E27FC236}">
-                <a16:creationId xmlns:a16="http://schemas.microsoft.com/office/drawing/2014/main" id="{CFEBFD66-D5E7-4C7C-8553-8D3319A2E610}"/>
-              </a:ext>
-            </a:extLst>
-          </p:cNvPr>
-          <p:cNvCxnSpPr>
-            <a:stCxn id="17" idx="2"/>
-            <a:endCxn id="20" idx="0"/>
-          </p:cNvCxnSpPr>
-          <p:nvPr/>
-        </p:nvCxnSpPr>
-        <p:spPr>
-          <a:xfrm rot="5400000">
-            <a:off x="6574644" y="3023976"/>
-            <a:ext cx="394548" cy="12700"/>
-          </a:xfrm>
-          <a:prstGeom prst="bentConnector3">
-            <a:avLst/>
-          </a:prstGeom>
-          <a:ln>
-            <a:tailEnd type="triangle"/>
-          </a:ln>
-        </p:spPr>
-        <p:style>
-          <a:lnRef idx="1">
-            <a:schemeClr val="accent1"/>
-          </a:lnRef>
-          <a:fillRef idx="0">
-            <a:schemeClr val="accent1"/>
-          </a:fillRef>
-          <a:effectRef idx="0">
-            <a:schemeClr val="accent1"/>
-          </a:effectRef>
-          <a:fontRef idx="minor">
-            <a:schemeClr val="tx1"/>
-          </a:fontRef>
-        </p:style>
-      </p:cxnSp>
-      <p:cxnSp>
-        <p:nvCxnSpPr>
-          <p:cNvPr id="24" name="Connector: Elbow 23">
-            <a:extLst>
-              <a:ext uri="{FF2B5EF4-FFF2-40B4-BE49-F238E27FC236}">
-                <a16:creationId xmlns:a16="http://schemas.microsoft.com/office/drawing/2014/main" id="{47FD5801-5B27-4214-8377-A478F93D156E}"/>
-              </a:ext>
-            </a:extLst>
-          </p:cNvPr>
-          <p:cNvCxnSpPr>
-            <a:stCxn id="20" idx="2"/>
-            <a:endCxn id="21" idx="0"/>
-          </p:cNvCxnSpPr>
-          <p:nvPr/>
-        </p:nvCxnSpPr>
-        <p:spPr>
-          <a:xfrm rot="5400000">
-            <a:off x="6577997" y="3819417"/>
-            <a:ext cx="387842" cy="12700"/>
-          </a:xfrm>
-          <a:prstGeom prst="bentConnector3">
-            <a:avLst/>
-          </a:prstGeom>
-          <a:ln>
-            <a:tailEnd type="triangle"/>
-          </a:ln>
-        </p:spPr>
-        <p:style>
-          <a:lnRef idx="1">
-            <a:schemeClr val="accent1"/>
-          </a:lnRef>
-          <a:fillRef idx="0">
-            <a:schemeClr val="accent1"/>
-          </a:fillRef>
-          <a:effectRef idx="0">
-            <a:schemeClr val="accent1"/>
-          </a:effectRef>
-          <a:fontRef idx="minor">
-            <a:schemeClr val="tx1"/>
-          </a:fontRef>
-        </p:style>
-      </p:cxnSp>
-      <p:sp>
-        <p:nvSpPr>
-          <p:cNvPr id="25" name="Rectangle 24">
-            <a:extLst>
-              <a:ext uri="{FF2B5EF4-FFF2-40B4-BE49-F238E27FC236}">
-                <a16:creationId xmlns:a16="http://schemas.microsoft.com/office/drawing/2014/main" id="{18FC6730-78A5-410F-8584-D65E8D491623}"/>
-              </a:ext>
-            </a:extLst>
-          </p:cNvPr>
-          <p:cNvSpPr/>
-          <p:nvPr/>
-        </p:nvSpPr>
-        <p:spPr>
-          <a:xfrm>
-            <a:off x="7672017" y="1607087"/>
-            <a:ext cx="1152128" cy="300431"/>
-          </a:xfrm>
-          <a:prstGeom prst="rect">
-            <a:avLst/>
-          </a:prstGeom>
-          <a:solidFill>
-            <a:srgbClr val="00B0F0"/>
-          </a:solidFill>
-        </p:spPr>
-        <p:style>
-          <a:lnRef idx="2">
-            <a:schemeClr val="accent1">
-              <a:shade val="50000"/>
-            </a:schemeClr>
-          </a:lnRef>
-          <a:fillRef idx="1">
-            <a:schemeClr val="accent1"/>
-          </a:fillRef>
-          <a:effectRef idx="0">
-            <a:schemeClr val="accent1"/>
-          </a:effectRef>
-          <a:fontRef idx="minor">
-            <a:schemeClr val="lt1"/>
-          </a:fontRef>
-        </p:style>
-        <p:txBody>
-          <a:bodyPr rtlCol="0" anchor="ctr"/>
-          <a:lstStyle/>
-          <a:p>
-            <a:pPr algn="ctr"/>
-            <a:r>
-              <a:rPr lang="en-US" dirty="0"/>
-              <a:t>username</a:t>
-            </a:r>
-          </a:p>
-        </p:txBody>
-      </p:sp>
-      <p:sp>
-        <p:nvSpPr>
-          <p:cNvPr id="28" name="Rectangle 27">
-            <a:extLst>
-              <a:ext uri="{FF2B5EF4-FFF2-40B4-BE49-F238E27FC236}">
-                <a16:creationId xmlns:a16="http://schemas.microsoft.com/office/drawing/2014/main" id="{62FCC91B-1F57-484A-95D1-D98C91FB8219}"/>
-              </a:ext>
-            </a:extLst>
-          </p:cNvPr>
-          <p:cNvSpPr/>
-          <p:nvPr/>
-        </p:nvSpPr>
-        <p:spPr>
-          <a:xfrm>
-            <a:off x="6859966" y="3653298"/>
-            <a:ext cx="910704" cy="300431"/>
-          </a:xfrm>
-          <a:prstGeom prst="rect">
-            <a:avLst/>
-          </a:prstGeom>
-          <a:noFill/>
-          <a:ln>
-            <a:noFill/>
-          </a:ln>
-        </p:spPr>
-        <p:style>
-          <a:lnRef idx="2">
-            <a:schemeClr val="accent1">
-              <a:shade val="50000"/>
-            </a:schemeClr>
-          </a:lnRef>
-          <a:fillRef idx="1">
-            <a:schemeClr val="accent1"/>
-          </a:fillRef>
-          <a:effectRef idx="0">
-            <a:schemeClr val="accent1"/>
-          </a:effectRef>
-          <a:fontRef idx="minor">
-            <a:schemeClr val="lt1"/>
-          </a:fontRef>
-        </p:style>
-        <p:txBody>
-          <a:bodyPr rtlCol="0" anchor="ctr"/>
-          <a:lstStyle/>
-          <a:p>
-            <a:pPr algn="ctr"/>
-            <a:r>
-              <a:rPr lang="en-US" sz="1400" dirty="0">
-                <a:solidFill>
-                  <a:schemeClr val="tx1"/>
-                </a:solidFill>
-              </a:rPr>
-              <a:t>username</a:t>
-            </a:r>
-          </a:p>
-        </p:txBody>
-      </p:sp>
+      </p:pic>
     </p:spTree>
     <p:extLst>
       <p:ext uri="{BB962C8B-B14F-4D97-AF65-F5344CB8AC3E}">
-        <p14:creationId xmlns:p14="http://schemas.microsoft.com/office/powerpoint/2010/main" val="1661678331"/>
+        <p14:creationId xmlns:p14="http://schemas.microsoft.com/office/powerpoint/2010/main" val="361930650"/>
       </p:ext>
     </p:extLst>
   </p:cSld>
@@ -5721,7 +6343,7 @@
 </p:sld>
 </file>
 
-<file path=ppt/slides/slide15.xml><?xml version="1.0" encoding="utf-8"?>
+<file path=ppt/slides/slide18.xml><?xml version="1.0" encoding="utf-8"?>
 <p:sld xmlns:a="http://schemas.openxmlformats.org/drawingml/2006/main" xmlns:r="http://schemas.openxmlformats.org/officeDocument/2006/relationships" xmlns:p="http://schemas.openxmlformats.org/presentationml/2006/main">
   <p:cSld>
     <p:spTree>
@@ -5750,35 +6372,12 @@
         </p:nvSpPr>
         <p:spPr>
           <a:xfrm>
-            <a:off x="0" y="2130425"/>
+            <a:off x="0" y="2132856"/>
             <a:ext cx="9144000" cy="1470025"/>
           </a:xfrm>
-          <a:gradFill flip="none" rotWithShape="1">
-            <a:gsLst>
-              <a:gs pos="0">
-                <a:srgbClr val="00B0F0">
-                  <a:shade val="30000"/>
-                  <a:satMod val="115000"/>
-                </a:srgbClr>
-              </a:gs>
-              <a:gs pos="50000">
-                <a:srgbClr val="00B0F0">
-                  <a:shade val="67500"/>
-                  <a:satMod val="115000"/>
-                </a:srgbClr>
-              </a:gs>
-              <a:gs pos="100000">
-                <a:srgbClr val="00B0F0">
-                  <a:shade val="100000"/>
-                  <a:satMod val="115000"/>
-                </a:srgbClr>
-              </a:gs>
-            </a:gsLst>
-            <a:path path="circle">
-              <a:fillToRect t="100000" r="100000"/>
-            </a:path>
-            <a:tileRect l="-100000" b="-100000"/>
-          </a:gradFill>
+          <a:solidFill>
+            <a:srgbClr val="00B0F0"/>
+          </a:solidFill>
         </p:spPr>
         <p:txBody>
           <a:bodyPr>
@@ -5787,14 +6386,14 @@
           <a:lstStyle/>
           <a:p>
             <a:r>
-              <a:rPr lang="en-US" altLang="zh-TW" sz="6000" b="1" dirty="0">
+              <a:rPr lang="en-US" altLang="zh-TW" sz="4800" b="1" dirty="0">
                 <a:solidFill>
                   <a:srgbClr val="FFFF00"/>
                 </a:solidFill>
               </a:rPr>
-              <a:t>End of Chapter</a:t>
-            </a:r>
-            <a:endParaRPr lang="zh-TW" altLang="en-US" sz="6000" b="1" dirty="0">
+              <a:t>39.6 Verify Context Display</a:t>
+            </a:r>
+            <a:endParaRPr lang="zh-TW" altLang="en-US" sz="4800" b="1" dirty="0">
               <a:solidFill>
                 <a:srgbClr val="FFFF00"/>
               </a:solidFill>
@@ -5817,10 +6416,10 @@
           <a:bodyPr/>
           <a:lstStyle/>
           <a:p>
-            <a:fld id="{4E46BE27-E923-4EC2-B046-3272AE2A3E5C}" type="datetime1">
+            <a:fld id="{C389EDC9-19E3-47AC-9C57-C6A24DEA81AD}" type="datetime1">
               <a:rPr lang="zh-TW" altLang="en-US" smtClean="0"/>
               <a:pPr/>
-              <a:t>2020/4/10</a:t>
+              <a:t>2020/5/25</a:t>
             </a:fld>
             <a:endParaRPr lang="zh-TW" altLang="en-US"/>
           </a:p>
@@ -5844,13 +6443,50 @@
             <a:fld id="{E4D7E63D-91F2-4366-A2C4-1B00C9E2590E}" type="slidenum">
               <a:rPr lang="zh-TW" altLang="en-US" smtClean="0"/>
               <a:pPr/>
-              <a:t>15</a:t>
+              <a:t>18</a:t>
             </a:fld>
             <a:endParaRPr lang="zh-TW" altLang="en-US"/>
           </a:p>
         </p:txBody>
       </p:sp>
+      <p:pic>
+        <p:nvPicPr>
+          <p:cNvPr id="2050" name="Picture 2"/>
+          <p:cNvPicPr>
+            <a:picLocks noChangeAspect="1" noChangeArrowheads="1"/>
+          </p:cNvPicPr>
+          <p:nvPr/>
+        </p:nvPicPr>
+        <p:blipFill>
+          <a:blip r:embed="rId2" cstate="print"/>
+          <a:srcRect/>
+          <a:stretch>
+            <a:fillRect/>
+          </a:stretch>
+        </p:blipFill>
+        <p:spPr bwMode="auto">
+          <a:xfrm>
+            <a:off x="4283968" y="3717032"/>
+            <a:ext cx="713805" cy="644588"/>
+          </a:xfrm>
+          <a:prstGeom prst="rect">
+            <a:avLst/>
+          </a:prstGeom>
+          <a:noFill/>
+          <a:ln w="9525">
+            <a:noFill/>
+            <a:miter lim="800000"/>
+            <a:headEnd/>
+            <a:tailEnd/>
+          </a:ln>
+        </p:spPr>
+      </p:pic>
     </p:spTree>
+    <p:extLst>
+      <p:ext uri="{BB962C8B-B14F-4D97-AF65-F5344CB8AC3E}">
+        <p14:creationId xmlns:p14="http://schemas.microsoft.com/office/powerpoint/2010/main" val="2887817993"/>
+      </p:ext>
+    </p:extLst>
   </p:cSld>
   <p:clrMapOvr>
     <a:masterClrMapping/>
@@ -5858,7 +6494,7 @@
 </p:sld>
 </file>
 
-<file path=ppt/slides/slide2.xml><?xml version="1.0" encoding="utf-8"?>
+<file path=ppt/slides/slide19.xml><?xml version="1.0" encoding="utf-8"?>
 <p:sld xmlns:a="http://schemas.openxmlformats.org/drawingml/2006/main" xmlns:r="http://schemas.openxmlformats.org/officeDocument/2006/relationships" xmlns:p="http://schemas.openxmlformats.org/presentationml/2006/main">
   <p:cSld>
     <p:spTree>
@@ -5930,7 +6566,7 @@
                   <a:srgbClr val="FFFF00"/>
                 </a:solidFill>
               </a:rPr>
-              <a:t>39 Context 2</a:t>
+              <a:t>39.6 Verify Context Display</a:t>
             </a:r>
             <a:endParaRPr lang="zh-TW" altLang="en-US" b="1" dirty="0">
               <a:solidFill>
@@ -5952,8 +6588,8 @@
         </p:nvSpPr>
         <p:spPr>
           <a:xfrm>
-            <a:off x="467544" y="1340766"/>
-            <a:ext cx="8352928" cy="1306456"/>
+            <a:off x="467545" y="1340764"/>
+            <a:ext cx="8064895" cy="792092"/>
           </a:xfrm>
           <a:ln>
             <a:solidFill>
@@ -5982,7 +6618,7 @@
                 </a:solidFill>
                 <a:latin typeface="+mj-lt"/>
               </a:rPr>
-              <a:t>React Context</a:t>
+              <a:t>Component Tree:</a:t>
             </a:r>
           </a:p>
           <a:p>
@@ -6001,15 +6637,16 @@
                 </a:solidFill>
                 <a:latin typeface="+mj-lt"/>
               </a:rPr>
-              <a:t>The context (con: together, text: weave) </a:t>
-            </a:r>
-            <a:r>
-              <a:rPr lang="en-US" altLang="zh-TW" sz="1800" b="1" dirty="0">
+              <a:t>&gt; </a:t>
+            </a:r>
+            <a:r>
+              <a:rPr lang="en-US" altLang="zh-TW" sz="1800" b="1" dirty="0" err="1">
                 <a:solidFill>
                   <a:schemeClr val="tx1"/>
                 </a:solidFill>
+                <a:latin typeface="+mj-lt"/>
               </a:rPr>
-              <a:t>means connect together </a:t>
+              <a:t>npm</a:t>
             </a:r>
             <a:r>
               <a:rPr lang="en-US" altLang="zh-TW" sz="1800" b="1" dirty="0">
@@ -6018,26 +6655,7 @@
                 </a:solidFill>
                 <a:latin typeface="+mj-lt"/>
               </a:rPr>
-              <a:t>.</a:t>
-            </a:r>
-          </a:p>
-          <a:p>
-            <a:pPr marL="342900" indent="-342900" algn="l">
-              <a:buClr>
-                <a:srgbClr val="0070C0"/>
-              </a:buClr>
-              <a:buSzPct val="80000"/>
-              <a:buFont typeface="Wingdings" pitchFamily="2" charset="2"/>
-              <a:buChar char="u"/>
-            </a:pPr>
-            <a:r>
-              <a:rPr lang="en-US" altLang="zh-TW" sz="1800" b="1" dirty="0">
-                <a:solidFill>
-                  <a:schemeClr val="tx1"/>
-                </a:solidFill>
-                <a:latin typeface="+mj-lt"/>
-              </a:rPr>
-              <a:t>Context provides a way to pass data through the component tree without having to pass props down manually at every level.</a:t>
+              <a:t> start</a:t>
             </a:r>
           </a:p>
         </p:txBody>
@@ -6124,7 +6742,7 @@
             <a:fld id="{A4F910E6-8D00-4BAF-8C48-9688E0B449D3}" type="datetime1">
               <a:rPr lang="zh-TW" altLang="en-US" smtClean="0"/>
               <a:pPr/>
-              <a:t>2020/4/10</a:t>
+              <a:t>2020/5/25</a:t>
             </a:fld>
             <a:endParaRPr lang="zh-TW" altLang="en-US"/>
           </a:p>
@@ -6153,1026 +6771,53 @@
             <a:fld id="{E4D7E63D-91F2-4366-A2C4-1B00C9E2590E}" type="slidenum">
               <a:rPr lang="zh-TW" altLang="en-US" smtClean="0"/>
               <a:pPr/>
-              <a:t>2</a:t>
+              <a:t>19</a:t>
             </a:fld>
             <a:endParaRPr lang="zh-TW" altLang="en-US"/>
           </a:p>
         </p:txBody>
       </p:sp>
-      <p:sp>
-        <p:nvSpPr>
-          <p:cNvPr id="24" name="Rectangle 23">
+      <p:pic>
+        <p:nvPicPr>
+          <p:cNvPr id="7" name="Picture 6">
             <a:extLst>
               <a:ext uri="{FF2B5EF4-FFF2-40B4-BE49-F238E27FC236}">
-                <a16:creationId xmlns:a16="http://schemas.microsoft.com/office/drawing/2014/main" id="{9CCAA40D-461A-4D1B-80C2-6C413AA991EA}"/>
+                <a16:creationId xmlns:a16="http://schemas.microsoft.com/office/drawing/2014/main" id="{6D19A47C-3302-4BA4-93EC-15E1DC4DC534}"/>
               </a:ext>
             </a:extLst>
           </p:cNvPr>
-          <p:cNvSpPr/>
+          <p:cNvPicPr>
+            <a:picLocks noChangeAspect="1"/>
+          </p:cNvPicPr>
           <p:nvPr/>
-        </p:nvSpPr>
-        <p:spPr>
-          <a:xfrm>
-            <a:off x="3419872" y="2996952"/>
-            <a:ext cx="1656184" cy="432048"/>
+        </p:nvPicPr>
+        <p:blipFill>
+          <a:blip r:embed="rId3"/>
+          <a:stretch>
+            <a:fillRect/>
+          </a:stretch>
+        </p:blipFill>
+        <p:spPr>
+          <a:xfrm>
+            <a:off x="2771800" y="2295777"/>
+            <a:ext cx="2505075" cy="1371600"/>
           </a:xfrm>
           <a:prstGeom prst="rect">
             <a:avLst/>
           </a:prstGeom>
-          <a:solidFill>
-            <a:schemeClr val="accent2">
-              <a:lumMod val="75000"/>
-            </a:schemeClr>
-          </a:solidFill>
-        </p:spPr>
-        <p:style>
-          <a:lnRef idx="2">
-            <a:schemeClr val="accent1">
-              <a:shade val="50000"/>
-            </a:schemeClr>
-          </a:lnRef>
-          <a:fillRef idx="1">
-            <a:schemeClr val="accent1"/>
-          </a:fillRef>
-          <a:effectRef idx="0">
-            <a:schemeClr val="accent1"/>
-          </a:effectRef>
-          <a:fontRef idx="minor">
-            <a:schemeClr val="lt1"/>
-          </a:fontRef>
-        </p:style>
-        <p:txBody>
-          <a:bodyPr rtlCol="0" anchor="ctr"/>
-          <a:lstStyle/>
-          <a:p>
-            <a:pPr algn="ctr"/>
-            <a:r>
-              <a:rPr lang="en-US" dirty="0" err="1"/>
-              <a:t>AppComponent</a:t>
-            </a:r>
-            <a:endParaRPr lang="en-US" dirty="0"/>
-          </a:p>
-        </p:txBody>
-      </p:sp>
-      <p:sp>
-        <p:nvSpPr>
-          <p:cNvPr id="26" name="Rectangle 25">
-            <a:extLst>
-              <a:ext uri="{FF2B5EF4-FFF2-40B4-BE49-F238E27FC236}">
-                <a16:creationId xmlns:a16="http://schemas.microsoft.com/office/drawing/2014/main" id="{A42CECEE-56B4-4DC9-B0C0-A2475F1C4073}"/>
-              </a:ext>
-            </a:extLst>
-          </p:cNvPr>
-          <p:cNvSpPr/>
-          <p:nvPr/>
-        </p:nvSpPr>
-        <p:spPr>
-          <a:xfrm>
-            <a:off x="1259632" y="4195632"/>
-            <a:ext cx="936104" cy="404246"/>
-          </a:xfrm>
-          <a:prstGeom prst="rect">
-            <a:avLst/>
-          </a:prstGeom>
-          <a:solidFill>
-            <a:srgbClr val="0070C0"/>
-          </a:solidFill>
-        </p:spPr>
-        <p:style>
-          <a:lnRef idx="2">
-            <a:schemeClr val="accent1">
-              <a:shade val="50000"/>
-            </a:schemeClr>
-          </a:lnRef>
-          <a:fillRef idx="1">
-            <a:schemeClr val="accent1"/>
-          </a:fillRef>
-          <a:effectRef idx="0">
-            <a:schemeClr val="accent1"/>
-          </a:effectRef>
-          <a:fontRef idx="minor">
-            <a:schemeClr val="lt1"/>
-          </a:fontRef>
-        </p:style>
-        <p:txBody>
-          <a:bodyPr rtlCol="0" anchor="ctr"/>
-          <a:lstStyle/>
-          <a:p>
-            <a:pPr algn="ctr"/>
-            <a:r>
-              <a:rPr lang="en-US" dirty="0"/>
-              <a:t>A</a:t>
-            </a:r>
-          </a:p>
-        </p:txBody>
-      </p:sp>
-      <p:cxnSp>
-        <p:nvCxnSpPr>
-          <p:cNvPr id="28" name="Connector: Elbow 27">
-            <a:extLst>
-              <a:ext uri="{FF2B5EF4-FFF2-40B4-BE49-F238E27FC236}">
-                <a16:creationId xmlns:a16="http://schemas.microsoft.com/office/drawing/2014/main" id="{C4BC840D-CB30-491A-93AE-546B0FDF9CF1}"/>
-              </a:ext>
-            </a:extLst>
-          </p:cNvPr>
-          <p:cNvCxnSpPr>
-            <a:stCxn id="24" idx="2"/>
-            <a:endCxn id="26" idx="0"/>
-          </p:cNvCxnSpPr>
-          <p:nvPr/>
-        </p:nvCxnSpPr>
-        <p:spPr>
-          <a:xfrm rot="5400000">
-            <a:off x="2604508" y="2552176"/>
-            <a:ext cx="766632" cy="2520280"/>
-          </a:xfrm>
-          <a:prstGeom prst="bentConnector3">
-            <a:avLst/>
-          </a:prstGeom>
           <a:ln>
-            <a:tailEnd type="triangle"/>
+            <a:solidFill>
+              <a:srgbClr val="C00000"/>
+            </a:solidFill>
           </a:ln>
         </p:spPr>
-        <p:style>
-          <a:lnRef idx="1">
-            <a:schemeClr val="accent1"/>
-          </a:lnRef>
-          <a:fillRef idx="0">
-            <a:schemeClr val="accent1"/>
-          </a:fillRef>
-          <a:effectRef idx="0">
-            <a:schemeClr val="accent1"/>
-          </a:effectRef>
-          <a:fontRef idx="minor">
-            <a:schemeClr val="tx1"/>
-          </a:fontRef>
-        </p:style>
-      </p:cxnSp>
-      <p:sp>
-        <p:nvSpPr>
-          <p:cNvPr id="30" name="Rectangle 29">
-            <a:extLst>
-              <a:ext uri="{FF2B5EF4-FFF2-40B4-BE49-F238E27FC236}">
-                <a16:creationId xmlns:a16="http://schemas.microsoft.com/office/drawing/2014/main" id="{6B5E86AA-6CD0-4606-A854-EC910D547DCF}"/>
-              </a:ext>
-            </a:extLst>
-          </p:cNvPr>
-          <p:cNvSpPr/>
-          <p:nvPr/>
-        </p:nvSpPr>
-        <p:spPr>
-          <a:xfrm>
-            <a:off x="3779912" y="4195632"/>
-            <a:ext cx="936104" cy="404246"/>
-          </a:xfrm>
-          <a:prstGeom prst="rect">
-            <a:avLst/>
-          </a:prstGeom>
-          <a:solidFill>
-            <a:srgbClr val="92D050"/>
-          </a:solidFill>
-        </p:spPr>
-        <p:style>
-          <a:lnRef idx="2">
-            <a:schemeClr val="accent1">
-              <a:shade val="50000"/>
-            </a:schemeClr>
-          </a:lnRef>
-          <a:fillRef idx="1">
-            <a:schemeClr val="accent1"/>
-          </a:fillRef>
-          <a:effectRef idx="0">
-            <a:schemeClr val="accent1"/>
-          </a:effectRef>
-          <a:fontRef idx="minor">
-            <a:schemeClr val="lt1"/>
-          </a:fontRef>
-        </p:style>
-        <p:txBody>
-          <a:bodyPr rtlCol="0" anchor="ctr"/>
-          <a:lstStyle/>
-          <a:p>
-            <a:pPr algn="ctr"/>
-            <a:r>
-              <a:rPr lang="en-US" dirty="0"/>
-              <a:t>B</a:t>
-            </a:r>
-          </a:p>
-        </p:txBody>
-      </p:sp>
-      <p:cxnSp>
-        <p:nvCxnSpPr>
-          <p:cNvPr id="31" name="Connector: Elbow 30">
-            <a:extLst>
-              <a:ext uri="{FF2B5EF4-FFF2-40B4-BE49-F238E27FC236}">
-                <a16:creationId xmlns:a16="http://schemas.microsoft.com/office/drawing/2014/main" id="{533C100D-77C3-4457-97F2-747BF48C2EC1}"/>
-              </a:ext>
-            </a:extLst>
-          </p:cNvPr>
-          <p:cNvCxnSpPr>
-            <a:stCxn id="24" idx="2"/>
-            <a:endCxn id="30" idx="0"/>
-          </p:cNvCxnSpPr>
-          <p:nvPr/>
-        </p:nvCxnSpPr>
-        <p:spPr>
-          <a:xfrm rot="5400000">
-            <a:off x="3864648" y="3812316"/>
-            <a:ext cx="766632" cy="12700"/>
-          </a:xfrm>
-          <a:prstGeom prst="bentConnector3">
-            <a:avLst/>
-          </a:prstGeom>
-          <a:ln>
-            <a:tailEnd type="triangle"/>
-          </a:ln>
-        </p:spPr>
-        <p:style>
-          <a:lnRef idx="1">
-            <a:schemeClr val="accent1"/>
-          </a:lnRef>
-          <a:fillRef idx="0">
-            <a:schemeClr val="accent1"/>
-          </a:fillRef>
-          <a:effectRef idx="0">
-            <a:schemeClr val="accent1"/>
-          </a:effectRef>
-          <a:fontRef idx="minor">
-            <a:schemeClr val="tx1"/>
-          </a:fontRef>
-        </p:style>
-      </p:cxnSp>
-      <p:sp>
-        <p:nvSpPr>
-          <p:cNvPr id="32" name="Rectangle 31">
-            <a:extLst>
-              <a:ext uri="{FF2B5EF4-FFF2-40B4-BE49-F238E27FC236}">
-                <a16:creationId xmlns:a16="http://schemas.microsoft.com/office/drawing/2014/main" id="{D7FFE257-612A-412A-83FC-0A9843316AFC}"/>
-              </a:ext>
-            </a:extLst>
-          </p:cNvPr>
-          <p:cNvSpPr/>
-          <p:nvPr/>
-        </p:nvSpPr>
-        <p:spPr>
-          <a:xfrm>
-            <a:off x="6300192" y="4195632"/>
-            <a:ext cx="936104" cy="404246"/>
-          </a:xfrm>
-          <a:prstGeom prst="rect">
-            <a:avLst/>
-          </a:prstGeom>
-          <a:solidFill>
-            <a:srgbClr val="92D050"/>
-          </a:solidFill>
-        </p:spPr>
-        <p:style>
-          <a:lnRef idx="2">
-            <a:schemeClr val="accent1">
-              <a:shade val="50000"/>
-            </a:schemeClr>
-          </a:lnRef>
-          <a:fillRef idx="1">
-            <a:schemeClr val="accent1"/>
-          </a:fillRef>
-          <a:effectRef idx="0">
-            <a:schemeClr val="accent1"/>
-          </a:effectRef>
-          <a:fontRef idx="minor">
-            <a:schemeClr val="lt1"/>
-          </a:fontRef>
-        </p:style>
-        <p:txBody>
-          <a:bodyPr rtlCol="0" anchor="ctr"/>
-          <a:lstStyle/>
-          <a:p>
-            <a:pPr algn="ctr"/>
-            <a:r>
-              <a:rPr lang="en-US" dirty="0"/>
-              <a:t>C</a:t>
-            </a:r>
-          </a:p>
-        </p:txBody>
-      </p:sp>
-      <p:cxnSp>
-        <p:nvCxnSpPr>
-          <p:cNvPr id="33" name="Connector: Elbow 32">
-            <a:extLst>
-              <a:ext uri="{FF2B5EF4-FFF2-40B4-BE49-F238E27FC236}">
-                <a16:creationId xmlns:a16="http://schemas.microsoft.com/office/drawing/2014/main" id="{0B8015FC-AAF2-408A-836D-DA8BE2901AA0}"/>
-              </a:ext>
-            </a:extLst>
-          </p:cNvPr>
-          <p:cNvCxnSpPr>
-            <a:stCxn id="24" idx="2"/>
-            <a:endCxn id="32" idx="0"/>
-          </p:cNvCxnSpPr>
-          <p:nvPr/>
-        </p:nvCxnSpPr>
-        <p:spPr>
-          <a:xfrm rot="16200000" flipH="1">
-            <a:off x="5124788" y="2552176"/>
-            <a:ext cx="766632" cy="2520280"/>
-          </a:xfrm>
-          <a:prstGeom prst="bentConnector3">
-            <a:avLst/>
-          </a:prstGeom>
-          <a:ln>
-            <a:tailEnd type="triangle"/>
-          </a:ln>
-        </p:spPr>
-        <p:style>
-          <a:lnRef idx="1">
-            <a:schemeClr val="accent1"/>
-          </a:lnRef>
-          <a:fillRef idx="0">
-            <a:schemeClr val="accent1"/>
-          </a:fillRef>
-          <a:effectRef idx="0">
-            <a:schemeClr val="accent1"/>
-          </a:effectRef>
-          <a:fontRef idx="minor">
-            <a:schemeClr val="tx1"/>
-          </a:fontRef>
-        </p:style>
-      </p:cxnSp>
-      <p:sp>
-        <p:nvSpPr>
-          <p:cNvPr id="34" name="Rectangle 33">
-            <a:extLst>
-              <a:ext uri="{FF2B5EF4-FFF2-40B4-BE49-F238E27FC236}">
-                <a16:creationId xmlns:a16="http://schemas.microsoft.com/office/drawing/2014/main" id="{78174E95-B79E-447B-9CD0-12A6EDD05393}"/>
-              </a:ext>
-            </a:extLst>
-          </p:cNvPr>
-          <p:cNvSpPr/>
-          <p:nvPr/>
-        </p:nvSpPr>
-        <p:spPr>
-          <a:xfrm>
-            <a:off x="3779912" y="5005212"/>
-            <a:ext cx="936104" cy="404246"/>
-          </a:xfrm>
-          <a:prstGeom prst="rect">
-            <a:avLst/>
-          </a:prstGeom>
-          <a:solidFill>
-            <a:srgbClr val="0070C0"/>
-          </a:solidFill>
-        </p:spPr>
-        <p:style>
-          <a:lnRef idx="2">
-            <a:schemeClr val="accent1">
-              <a:shade val="50000"/>
-            </a:schemeClr>
-          </a:lnRef>
-          <a:fillRef idx="1">
-            <a:schemeClr val="accent1"/>
-          </a:fillRef>
-          <a:effectRef idx="0">
-            <a:schemeClr val="accent1"/>
-          </a:effectRef>
-          <a:fontRef idx="minor">
-            <a:schemeClr val="lt1"/>
-          </a:fontRef>
-        </p:style>
-        <p:txBody>
-          <a:bodyPr rtlCol="0" anchor="ctr"/>
-          <a:lstStyle/>
-          <a:p>
-            <a:pPr algn="ctr"/>
-            <a:r>
-              <a:rPr lang="en-US" dirty="0"/>
-              <a:t>D</a:t>
-            </a:r>
-          </a:p>
-        </p:txBody>
-      </p:sp>
-      <p:sp>
-        <p:nvSpPr>
-          <p:cNvPr id="35" name="Rectangle 34">
-            <a:extLst>
-              <a:ext uri="{FF2B5EF4-FFF2-40B4-BE49-F238E27FC236}">
-                <a16:creationId xmlns:a16="http://schemas.microsoft.com/office/drawing/2014/main" id="{486DC219-EE54-4BC6-AFEB-8FD0E2D6976D}"/>
-              </a:ext>
-            </a:extLst>
-          </p:cNvPr>
-          <p:cNvSpPr/>
-          <p:nvPr/>
-        </p:nvSpPr>
-        <p:spPr>
-          <a:xfrm>
-            <a:off x="6300192" y="4994426"/>
-            <a:ext cx="936104" cy="404246"/>
-          </a:xfrm>
-          <a:prstGeom prst="rect">
-            <a:avLst/>
-          </a:prstGeom>
-          <a:solidFill>
-            <a:srgbClr val="92D050"/>
-          </a:solidFill>
-        </p:spPr>
-        <p:style>
-          <a:lnRef idx="2">
-            <a:schemeClr val="accent1">
-              <a:shade val="50000"/>
-            </a:schemeClr>
-          </a:lnRef>
-          <a:fillRef idx="1">
-            <a:schemeClr val="accent1"/>
-          </a:fillRef>
-          <a:effectRef idx="0">
-            <a:schemeClr val="accent1"/>
-          </a:effectRef>
-          <a:fontRef idx="minor">
-            <a:schemeClr val="lt1"/>
-          </a:fontRef>
-        </p:style>
-        <p:txBody>
-          <a:bodyPr rtlCol="0" anchor="ctr"/>
-          <a:lstStyle/>
-          <a:p>
-            <a:pPr algn="ctr"/>
-            <a:r>
-              <a:rPr lang="en-US" dirty="0"/>
-              <a:t>E</a:t>
-            </a:r>
-          </a:p>
-        </p:txBody>
-      </p:sp>
-      <p:sp>
-        <p:nvSpPr>
-          <p:cNvPr id="36" name="Rectangle 35">
-            <a:extLst>
-              <a:ext uri="{FF2B5EF4-FFF2-40B4-BE49-F238E27FC236}">
-                <a16:creationId xmlns:a16="http://schemas.microsoft.com/office/drawing/2014/main" id="{E1B89379-B441-4536-9FCA-D276B19A661C}"/>
-              </a:ext>
-            </a:extLst>
-          </p:cNvPr>
-          <p:cNvSpPr/>
-          <p:nvPr/>
-        </p:nvSpPr>
-        <p:spPr>
-          <a:xfrm>
-            <a:off x="6300192" y="5786514"/>
-            <a:ext cx="936104" cy="404246"/>
-          </a:xfrm>
-          <a:prstGeom prst="rect">
-            <a:avLst/>
-          </a:prstGeom>
-          <a:solidFill>
-            <a:srgbClr val="0070C0"/>
-          </a:solidFill>
-        </p:spPr>
-        <p:style>
-          <a:lnRef idx="2">
-            <a:schemeClr val="accent1">
-              <a:shade val="50000"/>
-            </a:schemeClr>
-          </a:lnRef>
-          <a:fillRef idx="1">
-            <a:schemeClr val="accent1"/>
-          </a:fillRef>
-          <a:effectRef idx="0">
-            <a:schemeClr val="accent1"/>
-          </a:effectRef>
-          <a:fontRef idx="minor">
-            <a:schemeClr val="lt1"/>
-          </a:fontRef>
-        </p:style>
-        <p:txBody>
-          <a:bodyPr rtlCol="0" anchor="ctr"/>
-          <a:lstStyle/>
-          <a:p>
-            <a:pPr algn="ctr"/>
-            <a:r>
-              <a:rPr lang="en-US" dirty="0"/>
-              <a:t>F</a:t>
-            </a:r>
-          </a:p>
-        </p:txBody>
-      </p:sp>
-      <p:cxnSp>
-        <p:nvCxnSpPr>
-          <p:cNvPr id="37" name="Connector: Elbow 36">
-            <a:extLst>
-              <a:ext uri="{FF2B5EF4-FFF2-40B4-BE49-F238E27FC236}">
-                <a16:creationId xmlns:a16="http://schemas.microsoft.com/office/drawing/2014/main" id="{B5433448-B505-4B7A-8042-F4D6B5B9F27D}"/>
-              </a:ext>
-            </a:extLst>
-          </p:cNvPr>
-          <p:cNvCxnSpPr>
-            <a:stCxn id="30" idx="2"/>
-            <a:endCxn id="34" idx="0"/>
-          </p:cNvCxnSpPr>
-          <p:nvPr/>
-        </p:nvCxnSpPr>
-        <p:spPr>
-          <a:xfrm rot="5400000">
-            <a:off x="4045297" y="4802545"/>
-            <a:ext cx="405334" cy="12700"/>
-          </a:xfrm>
-          <a:prstGeom prst="bentConnector3">
-            <a:avLst/>
-          </a:prstGeom>
-          <a:ln>
-            <a:tailEnd type="triangle"/>
-          </a:ln>
-        </p:spPr>
-        <p:style>
-          <a:lnRef idx="1">
-            <a:schemeClr val="accent1"/>
-          </a:lnRef>
-          <a:fillRef idx="0">
-            <a:schemeClr val="accent1"/>
-          </a:fillRef>
-          <a:effectRef idx="0">
-            <a:schemeClr val="accent1"/>
-          </a:effectRef>
-          <a:fontRef idx="minor">
-            <a:schemeClr val="tx1"/>
-          </a:fontRef>
-        </p:style>
-      </p:cxnSp>
-      <p:cxnSp>
-        <p:nvCxnSpPr>
-          <p:cNvPr id="38" name="Connector: Elbow 37">
-            <a:extLst>
-              <a:ext uri="{FF2B5EF4-FFF2-40B4-BE49-F238E27FC236}">
-                <a16:creationId xmlns:a16="http://schemas.microsoft.com/office/drawing/2014/main" id="{41CA6787-2A9E-4B3C-A1CA-A4C1A9B06063}"/>
-              </a:ext>
-            </a:extLst>
-          </p:cNvPr>
-          <p:cNvCxnSpPr>
-            <a:stCxn id="32" idx="2"/>
-            <a:endCxn id="35" idx="0"/>
-          </p:cNvCxnSpPr>
-          <p:nvPr/>
-        </p:nvCxnSpPr>
-        <p:spPr>
-          <a:xfrm rot="5400000">
-            <a:off x="6570970" y="4797152"/>
-            <a:ext cx="394548" cy="12700"/>
-          </a:xfrm>
-          <a:prstGeom prst="bentConnector3">
-            <a:avLst/>
-          </a:prstGeom>
-          <a:ln>
-            <a:tailEnd type="triangle"/>
-          </a:ln>
-        </p:spPr>
-        <p:style>
-          <a:lnRef idx="1">
-            <a:schemeClr val="accent1"/>
-          </a:lnRef>
-          <a:fillRef idx="0">
-            <a:schemeClr val="accent1"/>
-          </a:fillRef>
-          <a:effectRef idx="0">
-            <a:schemeClr val="accent1"/>
-          </a:effectRef>
-          <a:fontRef idx="minor">
-            <a:schemeClr val="tx1"/>
-          </a:fontRef>
-        </p:style>
-      </p:cxnSp>
-      <p:cxnSp>
-        <p:nvCxnSpPr>
-          <p:cNvPr id="39" name="Connector: Elbow 38">
-            <a:extLst>
-              <a:ext uri="{FF2B5EF4-FFF2-40B4-BE49-F238E27FC236}">
-                <a16:creationId xmlns:a16="http://schemas.microsoft.com/office/drawing/2014/main" id="{0EF21853-4375-437A-8C99-513C7EEC351C}"/>
-              </a:ext>
-            </a:extLst>
-          </p:cNvPr>
-          <p:cNvCxnSpPr>
-            <a:stCxn id="35" idx="2"/>
-            <a:endCxn id="36" idx="0"/>
-          </p:cNvCxnSpPr>
-          <p:nvPr/>
-        </p:nvCxnSpPr>
-        <p:spPr>
-          <a:xfrm rot="5400000">
-            <a:off x="6574323" y="5592593"/>
-            <a:ext cx="387842" cy="12700"/>
-          </a:xfrm>
-          <a:prstGeom prst="bentConnector3">
-            <a:avLst/>
-          </a:prstGeom>
-          <a:ln>
-            <a:tailEnd type="triangle"/>
-          </a:ln>
-        </p:spPr>
-        <p:style>
-          <a:lnRef idx="1">
-            <a:schemeClr val="accent1"/>
-          </a:lnRef>
-          <a:fillRef idx="0">
-            <a:schemeClr val="accent1"/>
-          </a:fillRef>
-          <a:effectRef idx="0">
-            <a:schemeClr val="accent1"/>
-          </a:effectRef>
-          <a:fontRef idx="minor">
-            <a:schemeClr val="tx1"/>
-          </a:fontRef>
-        </p:style>
-      </p:cxnSp>
-      <p:sp>
-        <p:nvSpPr>
-          <p:cNvPr id="40" name="Rectangle 39">
-            <a:extLst>
-              <a:ext uri="{FF2B5EF4-FFF2-40B4-BE49-F238E27FC236}">
-                <a16:creationId xmlns:a16="http://schemas.microsoft.com/office/drawing/2014/main" id="{62B61C8D-273C-407A-B04C-FACFE1043CED}"/>
-              </a:ext>
-            </a:extLst>
-          </p:cNvPr>
-          <p:cNvSpPr/>
-          <p:nvPr/>
-        </p:nvSpPr>
-        <p:spPr>
-          <a:xfrm>
-            <a:off x="5292080" y="3122218"/>
-            <a:ext cx="1152128" cy="300431"/>
-          </a:xfrm>
-          <a:prstGeom prst="rect">
-            <a:avLst/>
-          </a:prstGeom>
-          <a:solidFill>
-            <a:srgbClr val="00B0F0"/>
-          </a:solidFill>
-        </p:spPr>
-        <p:style>
-          <a:lnRef idx="2">
-            <a:schemeClr val="accent1">
-              <a:shade val="50000"/>
-            </a:schemeClr>
-          </a:lnRef>
-          <a:fillRef idx="1">
-            <a:schemeClr val="accent1"/>
-          </a:fillRef>
-          <a:effectRef idx="0">
-            <a:schemeClr val="accent1"/>
-          </a:effectRef>
-          <a:fontRef idx="minor">
-            <a:schemeClr val="lt1"/>
-          </a:fontRef>
-        </p:style>
-        <p:txBody>
-          <a:bodyPr rtlCol="0" anchor="ctr"/>
-          <a:lstStyle/>
-          <a:p>
-            <a:pPr algn="ctr"/>
-            <a:r>
-              <a:rPr lang="en-US" dirty="0"/>
-              <a:t>username</a:t>
-            </a:r>
-          </a:p>
-        </p:txBody>
-      </p:sp>
-      <p:sp>
-        <p:nvSpPr>
-          <p:cNvPr id="41" name="Rectangle 40">
-            <a:extLst>
-              <a:ext uri="{FF2B5EF4-FFF2-40B4-BE49-F238E27FC236}">
-                <a16:creationId xmlns:a16="http://schemas.microsoft.com/office/drawing/2014/main" id="{6E62E055-113B-4F88-B021-9725D9467FB7}"/>
-              </a:ext>
-            </a:extLst>
-          </p:cNvPr>
-          <p:cNvSpPr/>
-          <p:nvPr/>
-        </p:nvSpPr>
-        <p:spPr>
-          <a:xfrm>
-            <a:off x="2014736" y="3830228"/>
-            <a:ext cx="910704" cy="300431"/>
-          </a:xfrm>
-          <a:prstGeom prst="rect">
-            <a:avLst/>
-          </a:prstGeom>
-          <a:noFill/>
-          <a:ln>
-            <a:noFill/>
-          </a:ln>
-        </p:spPr>
-        <p:style>
-          <a:lnRef idx="2">
-            <a:schemeClr val="accent1">
-              <a:shade val="50000"/>
-            </a:schemeClr>
-          </a:lnRef>
-          <a:fillRef idx="1">
-            <a:schemeClr val="accent1"/>
-          </a:fillRef>
-          <a:effectRef idx="0">
-            <a:schemeClr val="accent1"/>
-          </a:effectRef>
-          <a:fontRef idx="minor">
-            <a:schemeClr val="lt1"/>
-          </a:fontRef>
-        </p:style>
-        <p:txBody>
-          <a:bodyPr rtlCol="0" anchor="ctr"/>
-          <a:lstStyle/>
-          <a:p>
-            <a:pPr algn="ctr"/>
-            <a:r>
-              <a:rPr lang="en-US" sz="1400" dirty="0">
-                <a:solidFill>
-                  <a:schemeClr val="tx1"/>
-                </a:solidFill>
-              </a:rPr>
-              <a:t>username</a:t>
-            </a:r>
-          </a:p>
-        </p:txBody>
-      </p:sp>
-      <p:sp>
-        <p:nvSpPr>
-          <p:cNvPr id="42" name="Rectangle 41">
-            <a:extLst>
-              <a:ext uri="{FF2B5EF4-FFF2-40B4-BE49-F238E27FC236}">
-                <a16:creationId xmlns:a16="http://schemas.microsoft.com/office/drawing/2014/main" id="{05D67F2A-AAB3-4DB9-87E0-597B1D820703}"/>
-              </a:ext>
-            </a:extLst>
-          </p:cNvPr>
-          <p:cNvSpPr/>
-          <p:nvPr/>
-        </p:nvSpPr>
-        <p:spPr>
-          <a:xfrm>
-            <a:off x="4267014" y="3895201"/>
-            <a:ext cx="910704" cy="300431"/>
-          </a:xfrm>
-          <a:prstGeom prst="rect">
-            <a:avLst/>
-          </a:prstGeom>
-          <a:noFill/>
-          <a:ln>
-            <a:noFill/>
-          </a:ln>
-        </p:spPr>
-        <p:style>
-          <a:lnRef idx="2">
-            <a:schemeClr val="accent1">
-              <a:shade val="50000"/>
-            </a:schemeClr>
-          </a:lnRef>
-          <a:fillRef idx="1">
-            <a:schemeClr val="accent1"/>
-          </a:fillRef>
-          <a:effectRef idx="0">
-            <a:schemeClr val="accent1"/>
-          </a:effectRef>
-          <a:fontRef idx="minor">
-            <a:schemeClr val="lt1"/>
-          </a:fontRef>
-        </p:style>
-        <p:txBody>
-          <a:bodyPr rtlCol="0" anchor="ctr"/>
-          <a:lstStyle/>
-          <a:p>
-            <a:pPr algn="ctr"/>
-            <a:r>
-              <a:rPr lang="en-US" sz="1400" dirty="0">
-                <a:solidFill>
-                  <a:schemeClr val="tx1"/>
-                </a:solidFill>
-              </a:rPr>
-              <a:t>username</a:t>
-            </a:r>
-          </a:p>
-        </p:txBody>
-      </p:sp>
-      <p:sp>
-        <p:nvSpPr>
-          <p:cNvPr id="43" name="Rectangle 42">
-            <a:extLst>
-              <a:ext uri="{FF2B5EF4-FFF2-40B4-BE49-F238E27FC236}">
-                <a16:creationId xmlns:a16="http://schemas.microsoft.com/office/drawing/2014/main" id="{CC7E470E-9064-470A-92D9-25997DC53474}"/>
-              </a:ext>
-            </a:extLst>
-          </p:cNvPr>
-          <p:cNvSpPr/>
-          <p:nvPr/>
-        </p:nvSpPr>
-        <p:spPr>
-          <a:xfrm>
-            <a:off x="4298410" y="4700345"/>
-            <a:ext cx="910704" cy="300431"/>
-          </a:xfrm>
-          <a:prstGeom prst="rect">
-            <a:avLst/>
-          </a:prstGeom>
-          <a:noFill/>
-          <a:ln>
-            <a:noFill/>
-          </a:ln>
-        </p:spPr>
-        <p:style>
-          <a:lnRef idx="2">
-            <a:schemeClr val="accent1">
-              <a:shade val="50000"/>
-            </a:schemeClr>
-          </a:lnRef>
-          <a:fillRef idx="1">
-            <a:schemeClr val="accent1"/>
-          </a:fillRef>
-          <a:effectRef idx="0">
-            <a:schemeClr val="accent1"/>
-          </a:effectRef>
-          <a:fontRef idx="minor">
-            <a:schemeClr val="lt1"/>
-          </a:fontRef>
-        </p:style>
-        <p:txBody>
-          <a:bodyPr rtlCol="0" anchor="ctr"/>
-          <a:lstStyle/>
-          <a:p>
-            <a:pPr algn="ctr"/>
-            <a:r>
-              <a:rPr lang="en-US" sz="1400" dirty="0">
-                <a:solidFill>
-                  <a:schemeClr val="tx1"/>
-                </a:solidFill>
-              </a:rPr>
-              <a:t>username</a:t>
-            </a:r>
-          </a:p>
-        </p:txBody>
-      </p:sp>
-      <p:sp>
-        <p:nvSpPr>
-          <p:cNvPr id="44" name="Rectangle 43">
-            <a:extLst>
-              <a:ext uri="{FF2B5EF4-FFF2-40B4-BE49-F238E27FC236}">
-                <a16:creationId xmlns:a16="http://schemas.microsoft.com/office/drawing/2014/main" id="{3B594D66-A462-4765-BC8A-D32D09F32D19}"/>
-              </a:ext>
-            </a:extLst>
-          </p:cNvPr>
-          <p:cNvSpPr/>
-          <p:nvPr/>
-        </p:nvSpPr>
-        <p:spPr>
-          <a:xfrm>
-            <a:off x="6861818" y="3901579"/>
-            <a:ext cx="910704" cy="300431"/>
-          </a:xfrm>
-          <a:prstGeom prst="rect">
-            <a:avLst/>
-          </a:prstGeom>
-          <a:noFill/>
-          <a:ln>
-            <a:noFill/>
-          </a:ln>
-        </p:spPr>
-        <p:style>
-          <a:lnRef idx="2">
-            <a:schemeClr val="accent1">
-              <a:shade val="50000"/>
-            </a:schemeClr>
-          </a:lnRef>
-          <a:fillRef idx="1">
-            <a:schemeClr val="accent1"/>
-          </a:fillRef>
-          <a:effectRef idx="0">
-            <a:schemeClr val="accent1"/>
-          </a:effectRef>
-          <a:fontRef idx="minor">
-            <a:schemeClr val="lt1"/>
-          </a:fontRef>
-        </p:style>
-        <p:txBody>
-          <a:bodyPr rtlCol="0" anchor="ctr"/>
-          <a:lstStyle/>
-          <a:p>
-            <a:pPr algn="ctr"/>
-            <a:r>
-              <a:rPr lang="en-US" sz="1400" dirty="0">
-                <a:solidFill>
-                  <a:schemeClr val="tx1"/>
-                </a:solidFill>
-              </a:rPr>
-              <a:t>username</a:t>
-            </a:r>
-          </a:p>
-        </p:txBody>
-      </p:sp>
-      <p:sp>
-        <p:nvSpPr>
-          <p:cNvPr id="45" name="Rectangle 44">
-            <a:extLst>
-              <a:ext uri="{FF2B5EF4-FFF2-40B4-BE49-F238E27FC236}">
-                <a16:creationId xmlns:a16="http://schemas.microsoft.com/office/drawing/2014/main" id="{14AD1F1D-EE6C-48B3-9D5D-29DAFBC781D0}"/>
-              </a:ext>
-            </a:extLst>
-          </p:cNvPr>
-          <p:cNvSpPr/>
-          <p:nvPr/>
-        </p:nvSpPr>
-        <p:spPr>
-          <a:xfrm>
-            <a:off x="6856292" y="4634386"/>
-            <a:ext cx="910704" cy="300431"/>
-          </a:xfrm>
-          <a:prstGeom prst="rect">
-            <a:avLst/>
-          </a:prstGeom>
-          <a:noFill/>
-          <a:ln>
-            <a:noFill/>
-          </a:ln>
-        </p:spPr>
-        <p:style>
-          <a:lnRef idx="2">
-            <a:schemeClr val="accent1">
-              <a:shade val="50000"/>
-            </a:schemeClr>
-          </a:lnRef>
-          <a:fillRef idx="1">
-            <a:schemeClr val="accent1"/>
-          </a:fillRef>
-          <a:effectRef idx="0">
-            <a:schemeClr val="accent1"/>
-          </a:effectRef>
-          <a:fontRef idx="minor">
-            <a:schemeClr val="lt1"/>
-          </a:fontRef>
-        </p:style>
-        <p:txBody>
-          <a:bodyPr rtlCol="0" anchor="ctr"/>
-          <a:lstStyle/>
-          <a:p>
-            <a:pPr algn="ctr"/>
-            <a:r>
-              <a:rPr lang="en-US" sz="1400" dirty="0">
-                <a:solidFill>
-                  <a:schemeClr val="tx1"/>
-                </a:solidFill>
-              </a:rPr>
-              <a:t>username</a:t>
-            </a:r>
-          </a:p>
-        </p:txBody>
-      </p:sp>
-      <p:sp>
-        <p:nvSpPr>
-          <p:cNvPr id="46" name="Rectangle 45">
-            <a:extLst>
-              <a:ext uri="{FF2B5EF4-FFF2-40B4-BE49-F238E27FC236}">
-                <a16:creationId xmlns:a16="http://schemas.microsoft.com/office/drawing/2014/main" id="{2B3D4996-6C7F-4D68-86BC-E3B39D99819D}"/>
-              </a:ext>
-            </a:extLst>
-          </p:cNvPr>
-          <p:cNvSpPr/>
-          <p:nvPr/>
-        </p:nvSpPr>
-        <p:spPr>
-          <a:xfrm>
-            <a:off x="6856292" y="5426474"/>
-            <a:ext cx="910704" cy="300431"/>
-          </a:xfrm>
-          <a:prstGeom prst="rect">
-            <a:avLst/>
-          </a:prstGeom>
-          <a:noFill/>
-          <a:ln>
-            <a:noFill/>
-          </a:ln>
-        </p:spPr>
-        <p:style>
-          <a:lnRef idx="2">
-            <a:schemeClr val="accent1">
-              <a:shade val="50000"/>
-            </a:schemeClr>
-          </a:lnRef>
-          <a:fillRef idx="1">
-            <a:schemeClr val="accent1"/>
-          </a:fillRef>
-          <a:effectRef idx="0">
-            <a:schemeClr val="accent1"/>
-          </a:effectRef>
-          <a:fontRef idx="minor">
-            <a:schemeClr val="lt1"/>
-          </a:fontRef>
-        </p:style>
-        <p:txBody>
-          <a:bodyPr rtlCol="0" anchor="ctr"/>
-          <a:lstStyle/>
-          <a:p>
-            <a:pPr algn="ctr"/>
-            <a:r>
-              <a:rPr lang="en-US" sz="1400" dirty="0">
-                <a:solidFill>
-                  <a:schemeClr val="tx1"/>
-                </a:solidFill>
-              </a:rPr>
-              <a:t>username</a:t>
-            </a:r>
-          </a:p>
-        </p:txBody>
-      </p:sp>
+      </p:pic>
     </p:spTree>
+    <p:extLst>
+      <p:ext uri="{BB962C8B-B14F-4D97-AF65-F5344CB8AC3E}">
+        <p14:creationId xmlns:p14="http://schemas.microsoft.com/office/powerpoint/2010/main" val="704992007"/>
+      </p:ext>
+    </p:extLst>
   </p:cSld>
   <p:clrMapOvr>
     <a:masterClrMapping/>
@@ -7180,7 +6825,7 @@
 </p:sld>
 </file>
 
-<file path=ppt/slides/slide3.xml><?xml version="1.0" encoding="utf-8"?>
+<file path=ppt/slides/slide2.xml><?xml version="1.0" encoding="utf-8"?>
 <p:sld xmlns:a="http://schemas.openxmlformats.org/drawingml/2006/main" xmlns:r="http://schemas.openxmlformats.org/officeDocument/2006/relationships" xmlns:p="http://schemas.openxmlformats.org/presentationml/2006/main">
   <p:cSld>
     <p:spTree>
@@ -7275,7 +6920,7 @@
         <p:spPr>
           <a:xfrm>
             <a:off x="467544" y="1340765"/>
-            <a:ext cx="8352928" cy="2232251"/>
+            <a:ext cx="8352928" cy="982659"/>
           </a:xfrm>
           <a:ln>
             <a:solidFill>
@@ -7317,87 +6962,13 @@
               <a:buChar char="u"/>
             </a:pPr>
             <a:r>
-              <a:rPr lang="en-US" altLang="zh-TW" sz="1800" b="1" dirty="0">
+              <a:rPr lang="en-US" altLang="zh-TW" sz="1800" dirty="0">
                 <a:solidFill>
                   <a:schemeClr val="tx1"/>
                 </a:solidFill>
                 <a:latin typeface="+mj-lt"/>
               </a:rPr>
-              <a:t>In this discussion, we will implement a user context which will enable every level to read a prop that is passed at the top level.</a:t>
-            </a:r>
-          </a:p>
-          <a:p>
-            <a:pPr marL="342900" indent="-342900" algn="l">
-              <a:buClr>
-                <a:srgbClr val="0070C0"/>
-              </a:buClr>
-              <a:buSzPct val="80000"/>
-              <a:buFont typeface="Wingdings" pitchFamily="2" charset="2"/>
-              <a:buChar char="u"/>
-            </a:pPr>
-            <a:r>
-              <a:rPr lang="en-US" altLang="zh-TW" sz="1800" b="1" dirty="0">
-                <a:solidFill>
-                  <a:schemeClr val="tx1"/>
-                </a:solidFill>
-                <a:latin typeface="+mj-lt"/>
-              </a:rPr>
-              <a:t>We will consider the rightmost part of the component tree that is </a:t>
-            </a:r>
-            <a:r>
-              <a:rPr lang="en-US" altLang="zh-TW" sz="1800" b="1" dirty="0" err="1">
-                <a:solidFill>
-                  <a:schemeClr val="tx1"/>
-                </a:solidFill>
-                <a:latin typeface="+mj-lt"/>
-              </a:rPr>
-              <a:t>compoents</a:t>
-            </a:r>
-            <a:r>
-              <a:rPr lang="en-US" altLang="zh-TW" sz="1800" b="1" dirty="0">
-                <a:solidFill>
-                  <a:schemeClr val="tx1"/>
-                </a:solidFill>
-                <a:latin typeface="+mj-lt"/>
-              </a:rPr>
-              <a:t>, C, E, and F. </a:t>
-            </a:r>
-          </a:p>
-          <a:p>
-            <a:pPr marL="342900" indent="-342900" algn="l">
-              <a:buClr>
-                <a:srgbClr val="0070C0"/>
-              </a:buClr>
-              <a:buSzPct val="80000"/>
-              <a:buFont typeface="Wingdings" pitchFamily="2" charset="2"/>
-              <a:buChar char="u"/>
-            </a:pPr>
-            <a:r>
-              <a:rPr lang="en-US" altLang="zh-TW" sz="1800" b="1" dirty="0">
-                <a:solidFill>
-                  <a:schemeClr val="tx1"/>
-                </a:solidFill>
-                <a:latin typeface="+mj-lt"/>
-              </a:rPr>
-              <a:t>We will pass username value from </a:t>
-            </a:r>
-            <a:r>
-              <a:rPr lang="en-US" altLang="zh-TW" sz="1800" b="1" dirty="0" err="1">
-                <a:solidFill>
-                  <a:schemeClr val="tx1"/>
-                </a:solidFill>
-                <a:latin typeface="+mj-lt"/>
-              </a:rPr>
-              <a:t>AppComponent</a:t>
-            </a:r>
-            <a:r>
-              <a:rPr lang="en-US" altLang="zh-TW" sz="1800" b="1" dirty="0">
-                <a:solidFill>
-                  <a:schemeClr val="tx1"/>
-                </a:solidFill>
-                <a:latin typeface="+mj-lt"/>
-              </a:rPr>
-              <a:t> and read that value in component F using context.</a:t>
+              <a:t>We discussed that is can be a problem of the passing props through several levels in the component tree.</a:t>
             </a:r>
           </a:p>
         </p:txBody>
@@ -7484,7 +7055,7 @@
             <a:fld id="{A4F910E6-8D00-4BAF-8C48-9688E0B449D3}" type="datetime1">
               <a:rPr lang="zh-TW" altLang="en-US" smtClean="0"/>
               <a:pPr/>
-              <a:t>2020/4/10</a:t>
+              <a:t>2020/5/25</a:t>
             </a:fld>
             <a:endParaRPr lang="zh-TW" altLang="en-US"/>
           </a:p>
@@ -7513,7 +7084,7 @@
             <a:fld id="{E4D7E63D-91F2-4366-A2C4-1B00C9E2590E}" type="slidenum">
               <a:rPr lang="zh-TW" altLang="en-US" smtClean="0"/>
               <a:pPr/>
-              <a:t>3</a:t>
+              <a:t>2</a:t>
             </a:fld>
             <a:endParaRPr lang="zh-TW" altLang="en-US"/>
           </a:p>
@@ -7533,7 +7104,7 @@
         </p:nvSpPr>
         <p:spPr>
           <a:xfrm>
-            <a:off x="3419872" y="3691576"/>
+            <a:off x="3275856" y="2636912"/>
             <a:ext cx="1656184" cy="432048"/>
           </a:xfrm>
           <a:prstGeom prst="rect">
@@ -7588,7 +7159,7 @@
         </p:nvSpPr>
         <p:spPr>
           <a:xfrm>
-            <a:off x="1259632" y="4890256"/>
+            <a:off x="1115616" y="3835592"/>
             <a:ext cx="936104" cy="404246"/>
           </a:xfrm>
           <a:prstGeom prst="rect">
@@ -7643,7 +7214,7 @@
         </p:nvCxnSpPr>
         <p:spPr>
           <a:xfrm rot="5400000">
-            <a:off x="2604508" y="3246800"/>
+            <a:off x="2460492" y="2192136"/>
             <a:ext cx="766632" cy="2520280"/>
           </a:xfrm>
           <a:prstGeom prst="bentConnector3">
@@ -7682,7 +7253,7 @@
         </p:nvSpPr>
         <p:spPr>
           <a:xfrm>
-            <a:off x="3779912" y="4890256"/>
+            <a:off x="3635896" y="3835592"/>
             <a:ext cx="936104" cy="404246"/>
           </a:xfrm>
           <a:prstGeom prst="rect">
@@ -7737,7 +7308,7 @@
         </p:nvCxnSpPr>
         <p:spPr>
           <a:xfrm rot="5400000">
-            <a:off x="3864648" y="4506940"/>
+            <a:off x="3720632" y="3452276"/>
             <a:ext cx="766632" cy="12700"/>
           </a:xfrm>
           <a:prstGeom prst="bentConnector3">
@@ -7776,7 +7347,7 @@
         </p:nvSpPr>
         <p:spPr>
           <a:xfrm>
-            <a:off x="6300192" y="4890256"/>
+            <a:off x="6156176" y="3835592"/>
             <a:ext cx="936104" cy="404246"/>
           </a:xfrm>
           <a:prstGeom prst="rect">
@@ -7831,7 +7402,7 @@
         </p:nvCxnSpPr>
         <p:spPr>
           <a:xfrm rot="16200000" flipH="1">
-            <a:off x="5124788" y="3246800"/>
+            <a:off x="4980772" y="2192136"/>
             <a:ext cx="766632" cy="2520280"/>
           </a:xfrm>
           <a:prstGeom prst="bentConnector3">
@@ -7870,14 +7441,14 @@
         </p:nvSpPr>
         <p:spPr>
           <a:xfrm>
-            <a:off x="3779912" y="5699836"/>
+            <a:off x="3635896" y="4645172"/>
             <a:ext cx="936104" cy="404246"/>
           </a:xfrm>
           <a:prstGeom prst="rect">
             <a:avLst/>
           </a:prstGeom>
           <a:solidFill>
-            <a:srgbClr val="92D050"/>
+            <a:srgbClr val="0070C0"/>
           </a:solidFill>
         </p:spPr>
         <p:style>
@@ -7922,7 +7493,7 @@
         </p:nvSpPr>
         <p:spPr>
           <a:xfrm>
-            <a:off x="6300192" y="5689050"/>
+            <a:off x="6156176" y="4634386"/>
             <a:ext cx="936104" cy="404246"/>
           </a:xfrm>
           <a:prstGeom prst="rect">
@@ -7974,7 +7545,7 @@
         </p:nvSpPr>
         <p:spPr>
           <a:xfrm>
-            <a:off x="6300192" y="6481138"/>
+            <a:off x="6156176" y="5426474"/>
             <a:ext cx="936104" cy="404246"/>
           </a:xfrm>
           <a:prstGeom prst="rect">
@@ -8029,7 +7600,7 @@
         </p:nvCxnSpPr>
         <p:spPr>
           <a:xfrm rot="5400000">
-            <a:off x="4045297" y="5497169"/>
+            <a:off x="3901281" y="4442505"/>
             <a:ext cx="405334" cy="12700"/>
           </a:xfrm>
           <a:prstGeom prst="bentConnector3">
@@ -8071,7 +7642,7 @@
         </p:nvCxnSpPr>
         <p:spPr>
           <a:xfrm rot="5400000">
-            <a:off x="6570970" y="5491776"/>
+            <a:off x="6426954" y="4437112"/>
             <a:ext cx="394548" cy="12700"/>
           </a:xfrm>
           <a:prstGeom prst="bentConnector3">
@@ -8113,7 +7684,7 @@
         </p:nvCxnSpPr>
         <p:spPr>
           <a:xfrm rot="5400000">
-            <a:off x="6574323" y="6287217"/>
+            <a:off x="6430307" y="5232553"/>
             <a:ext cx="387842" cy="12700"/>
           </a:xfrm>
           <a:prstGeom prst="bentConnector3">
@@ -8152,7 +7723,7 @@
         </p:nvSpPr>
         <p:spPr>
           <a:xfrm>
-            <a:off x="5292080" y="3816842"/>
+            <a:off x="5148064" y="2762178"/>
             <a:ext cx="1152128" cy="300431"/>
           </a:xfrm>
           <a:prstGeom prst="rect">
@@ -8185,6 +7756,177 @@
             <a:pPr algn="ctr"/>
             <a:r>
               <a:rPr lang="en-US" dirty="0"/>
+              <a:t>username</a:t>
+            </a:r>
+          </a:p>
+        </p:txBody>
+      </p:sp>
+      <p:sp>
+        <p:nvSpPr>
+          <p:cNvPr id="41" name="Rectangle 40">
+            <a:extLst>
+              <a:ext uri="{FF2B5EF4-FFF2-40B4-BE49-F238E27FC236}">
+                <a16:creationId xmlns:a16="http://schemas.microsoft.com/office/drawing/2014/main" id="{6E62E055-113B-4F88-B021-9725D9467FB7}"/>
+              </a:ext>
+            </a:extLst>
+          </p:cNvPr>
+          <p:cNvSpPr/>
+          <p:nvPr/>
+        </p:nvSpPr>
+        <p:spPr>
+          <a:xfrm>
+            <a:off x="1870720" y="3470188"/>
+            <a:ext cx="910704" cy="300431"/>
+          </a:xfrm>
+          <a:prstGeom prst="rect">
+            <a:avLst/>
+          </a:prstGeom>
+          <a:noFill/>
+          <a:ln>
+            <a:noFill/>
+          </a:ln>
+        </p:spPr>
+        <p:style>
+          <a:lnRef idx="2">
+            <a:schemeClr val="accent1">
+              <a:shade val="50000"/>
+            </a:schemeClr>
+          </a:lnRef>
+          <a:fillRef idx="1">
+            <a:schemeClr val="accent1"/>
+          </a:fillRef>
+          <a:effectRef idx="0">
+            <a:schemeClr val="accent1"/>
+          </a:effectRef>
+          <a:fontRef idx="minor">
+            <a:schemeClr val="lt1"/>
+          </a:fontRef>
+        </p:style>
+        <p:txBody>
+          <a:bodyPr rtlCol="0" anchor="ctr"/>
+          <a:lstStyle/>
+          <a:p>
+            <a:pPr algn="ctr"/>
+            <a:r>
+              <a:rPr lang="en-US" sz="1400" dirty="0">
+                <a:solidFill>
+                  <a:schemeClr val="tx1"/>
+                </a:solidFill>
+              </a:rPr>
+              <a:t>username</a:t>
+            </a:r>
+          </a:p>
+        </p:txBody>
+      </p:sp>
+      <p:sp>
+        <p:nvSpPr>
+          <p:cNvPr id="42" name="Rectangle 41">
+            <a:extLst>
+              <a:ext uri="{FF2B5EF4-FFF2-40B4-BE49-F238E27FC236}">
+                <a16:creationId xmlns:a16="http://schemas.microsoft.com/office/drawing/2014/main" id="{05D67F2A-AAB3-4DB9-87E0-597B1D820703}"/>
+              </a:ext>
+            </a:extLst>
+          </p:cNvPr>
+          <p:cNvSpPr/>
+          <p:nvPr/>
+        </p:nvSpPr>
+        <p:spPr>
+          <a:xfrm>
+            <a:off x="4122998" y="3535161"/>
+            <a:ext cx="910704" cy="300431"/>
+          </a:xfrm>
+          <a:prstGeom prst="rect">
+            <a:avLst/>
+          </a:prstGeom>
+          <a:noFill/>
+          <a:ln>
+            <a:noFill/>
+          </a:ln>
+        </p:spPr>
+        <p:style>
+          <a:lnRef idx="2">
+            <a:schemeClr val="accent1">
+              <a:shade val="50000"/>
+            </a:schemeClr>
+          </a:lnRef>
+          <a:fillRef idx="1">
+            <a:schemeClr val="accent1"/>
+          </a:fillRef>
+          <a:effectRef idx="0">
+            <a:schemeClr val="accent1"/>
+          </a:effectRef>
+          <a:fontRef idx="minor">
+            <a:schemeClr val="lt1"/>
+          </a:fontRef>
+        </p:style>
+        <p:txBody>
+          <a:bodyPr rtlCol="0" anchor="ctr"/>
+          <a:lstStyle/>
+          <a:p>
+            <a:pPr algn="ctr"/>
+            <a:r>
+              <a:rPr lang="en-US" sz="1400" dirty="0">
+                <a:solidFill>
+                  <a:schemeClr val="tx1"/>
+                </a:solidFill>
+              </a:rPr>
+              <a:t>username</a:t>
+            </a:r>
+          </a:p>
+        </p:txBody>
+      </p:sp>
+      <p:sp>
+        <p:nvSpPr>
+          <p:cNvPr id="43" name="Rectangle 42">
+            <a:extLst>
+              <a:ext uri="{FF2B5EF4-FFF2-40B4-BE49-F238E27FC236}">
+                <a16:creationId xmlns:a16="http://schemas.microsoft.com/office/drawing/2014/main" id="{CC7E470E-9064-470A-92D9-25997DC53474}"/>
+              </a:ext>
+            </a:extLst>
+          </p:cNvPr>
+          <p:cNvSpPr/>
+          <p:nvPr/>
+        </p:nvSpPr>
+        <p:spPr>
+          <a:xfrm>
+            <a:off x="4154394" y="4340305"/>
+            <a:ext cx="910704" cy="300431"/>
+          </a:xfrm>
+          <a:prstGeom prst="rect">
+            <a:avLst/>
+          </a:prstGeom>
+          <a:noFill/>
+          <a:ln>
+            <a:noFill/>
+          </a:ln>
+        </p:spPr>
+        <p:style>
+          <a:lnRef idx="2">
+            <a:schemeClr val="accent1">
+              <a:shade val="50000"/>
+            </a:schemeClr>
+          </a:lnRef>
+          <a:fillRef idx="1">
+            <a:schemeClr val="accent1"/>
+          </a:fillRef>
+          <a:effectRef idx="0">
+            <a:schemeClr val="accent1"/>
+          </a:effectRef>
+          <a:fontRef idx="minor">
+            <a:schemeClr val="lt1"/>
+          </a:fontRef>
+        </p:style>
+        <p:txBody>
+          <a:bodyPr rtlCol="0" anchor="ctr"/>
+          <a:lstStyle/>
+          <a:p>
+            <a:pPr algn="ctr"/>
+            <a:r>
+              <a:rPr lang="en-US" sz="1400" dirty="0">
+                <a:solidFill>
+                  <a:schemeClr val="tx1"/>
+                </a:solidFill>
+              </a:rPr>
               <a:t>username</a:t>
             </a:r>
           </a:p>
@@ -8204,7 +7946,7 @@
         </p:nvSpPr>
         <p:spPr>
           <a:xfrm>
-            <a:off x="6861818" y="4596203"/>
+            <a:off x="6717802" y="3541539"/>
             <a:ext cx="910704" cy="300431"/>
           </a:xfrm>
           <a:prstGeom prst="rect">
@@ -8261,7 +8003,7 @@
         </p:nvSpPr>
         <p:spPr>
           <a:xfrm>
-            <a:off x="6856292" y="5329010"/>
+            <a:off x="6712276" y="4274346"/>
             <a:ext cx="910704" cy="300431"/>
           </a:xfrm>
           <a:prstGeom prst="rect">
@@ -8318,7 +8060,7 @@
         </p:nvSpPr>
         <p:spPr>
           <a:xfrm>
-            <a:off x="6856292" y="6121098"/>
+            <a:off x="6712276" y="5066434"/>
             <a:ext cx="910704" cy="300431"/>
           </a:xfrm>
           <a:prstGeom prst="rect">
@@ -8362,11 +8104,6 @@
         </p:txBody>
       </p:sp>
     </p:spTree>
-    <p:extLst>
-      <p:ext uri="{BB962C8B-B14F-4D97-AF65-F5344CB8AC3E}">
-        <p14:creationId xmlns:p14="http://schemas.microsoft.com/office/powerpoint/2010/main" val="1042545463"/>
-      </p:ext>
-    </p:extLst>
   </p:cSld>
   <p:clrMapOvr>
     <a:masterClrMapping/>
@@ -8374,7 +8111,7 @@
 </p:sld>
 </file>
 
-<file path=ppt/slides/slide4.xml><?xml version="1.0" encoding="utf-8"?>
+<file path=ppt/slides/slide20.xml><?xml version="1.0" encoding="utf-8"?>
 <p:sld xmlns:a="http://schemas.openxmlformats.org/drawingml/2006/main" xmlns:r="http://schemas.openxmlformats.org/officeDocument/2006/relationships" xmlns:p="http://schemas.openxmlformats.org/presentationml/2006/main">
   <p:cSld>
     <p:spTree>
@@ -8422,7 +8159,7 @@
                   <a:srgbClr val="FFFF00"/>
                 </a:solidFill>
               </a:rPr>
-              <a:t>39.1 Create Component Tree</a:t>
+              <a:t>39.7 Summary of Context</a:t>
             </a:r>
             <a:endParaRPr lang="zh-TW" altLang="en-US" sz="4800" b="1" dirty="0">
               <a:solidFill>
@@ -8450,7 +8187,7 @@
             <a:fld id="{C389EDC9-19E3-47AC-9C57-C6A24DEA81AD}" type="datetime1">
               <a:rPr lang="zh-TW" altLang="en-US" smtClean="0"/>
               <a:pPr/>
-              <a:t>2020/4/10</a:t>
+              <a:t>2020/5/25</a:t>
             </a:fld>
             <a:endParaRPr lang="zh-TW" altLang="en-US"/>
           </a:p>
@@ -8474,7 +8211,7 @@
             <a:fld id="{E4D7E63D-91F2-4366-A2C4-1B00C9E2590E}" type="slidenum">
               <a:rPr lang="zh-TW" altLang="en-US" smtClean="0"/>
               <a:pPr/>
-              <a:t>4</a:t>
+              <a:t>20</a:t>
             </a:fld>
             <a:endParaRPr lang="zh-TW" altLang="en-US"/>
           </a:p>
@@ -8515,7 +8252,7 @@
     </p:spTree>
     <p:extLst>
       <p:ext uri="{BB962C8B-B14F-4D97-AF65-F5344CB8AC3E}">
-        <p14:creationId xmlns:p14="http://schemas.microsoft.com/office/powerpoint/2010/main" val="3248808944"/>
+        <p14:creationId xmlns:p14="http://schemas.microsoft.com/office/powerpoint/2010/main" val="3018326202"/>
       </p:ext>
     </p:extLst>
   </p:cSld>
@@ -8525,7 +8262,7 @@
 </p:sld>
 </file>
 
-<file path=ppt/slides/slide5.xml><?xml version="1.0" encoding="utf-8"?>
+<file path=ppt/slides/slide21.xml><?xml version="1.0" encoding="utf-8"?>
 <p:sld xmlns:a="http://schemas.openxmlformats.org/drawingml/2006/main" xmlns:r="http://schemas.openxmlformats.org/officeDocument/2006/relationships" xmlns:p="http://schemas.openxmlformats.org/presentationml/2006/main">
   <p:cSld>
     <p:spTree>
@@ -8597,7 +8334,7 @@
                   <a:srgbClr val="FFFF00"/>
                 </a:solidFill>
               </a:rPr>
-              <a:t>39.1 React Context 2</a:t>
+              <a:t>39.7 Summary of Context</a:t>
             </a:r>
             <a:endParaRPr lang="zh-TW" altLang="en-US" b="1" dirty="0">
               <a:solidFill>
@@ -8620,7 +8357,7 @@
         <p:spPr>
           <a:xfrm>
             <a:off x="467544" y="1340767"/>
-            <a:ext cx="8352928" cy="971927"/>
+            <a:ext cx="4933705" cy="2312532"/>
           </a:xfrm>
           <a:ln>
             <a:solidFill>
@@ -8649,7 +8386,7 @@
                 </a:solidFill>
                 <a:latin typeface="+mj-lt"/>
               </a:rPr>
-              <a:t>Component Tree:</a:t>
+              <a:t>Summary Creation of Context of Component Tree:</a:t>
             </a:r>
           </a:p>
           <a:p>
@@ -8662,13 +8399,70 @@
               <a:buChar char="u"/>
             </a:pPr>
             <a:r>
-              <a:rPr lang="en-US" altLang="zh-TW" sz="1800" b="1" dirty="0">
+              <a:rPr lang="en-US" altLang="zh-TW" sz="1800" dirty="0">
                 <a:solidFill>
                   <a:schemeClr val="tx1"/>
                 </a:solidFill>
                 <a:latin typeface="+mj-lt"/>
               </a:rPr>
-              <a:t>Create ComponentC.js, CompoentE.js, and ComponentF.js.</a:t>
+              <a:t>There are three steps </a:t>
+            </a:r>
+          </a:p>
+          <a:p>
+            <a:pPr marL="342900" indent="-342900" algn="l">
+              <a:buClr>
+                <a:srgbClr val="0070C0"/>
+              </a:buClr>
+              <a:buSzPct val="80000"/>
+              <a:buFont typeface="+mj-lt"/>
+              <a:buAutoNum type="arabicPeriod"/>
+            </a:pPr>
+            <a:r>
+              <a:rPr lang="en-US" altLang="zh-TW" sz="1800" dirty="0">
+                <a:solidFill>
+                  <a:schemeClr val="tx1"/>
+                </a:solidFill>
+                <a:latin typeface="+mj-lt"/>
+              </a:rPr>
+              <a:t>Create the context.</a:t>
+            </a:r>
+          </a:p>
+          <a:p>
+            <a:pPr marL="342900" indent="-342900" algn="l">
+              <a:buClr>
+                <a:srgbClr val="0070C0"/>
+              </a:buClr>
+              <a:buSzPct val="80000"/>
+              <a:buFont typeface="+mj-lt"/>
+              <a:buAutoNum type="arabicPeriod"/>
+            </a:pPr>
+            <a:r>
+              <a:rPr lang="en-US" altLang="zh-TW" sz="1800" dirty="0">
+                <a:solidFill>
+                  <a:schemeClr val="tx1"/>
+                </a:solidFill>
+                <a:latin typeface="+mj-lt"/>
+              </a:rPr>
+              <a:t>Provide a context value.</a:t>
+            </a:r>
+          </a:p>
+          <a:p>
+            <a:pPr marL="342900" indent="-342900" algn="l">
+              <a:buClr>
+                <a:srgbClr val="0070C0"/>
+              </a:buClr>
+              <a:buSzPct val="80000"/>
+              <a:buFont typeface="+mj-lt"/>
+              <a:buAutoNum type="arabicPeriod"/>
+            </a:pPr>
+            <a:r>
+              <a:rPr lang="en-US" altLang="zh-TW" sz="1800" dirty="0">
+                <a:solidFill>
+                  <a:schemeClr val="tx1"/>
+                </a:solidFill>
+                <a:latin typeface="+mj-lt"/>
+              </a:rPr>
+              <a:t>Consume the context value in the necessary component.</a:t>
             </a:r>
           </a:p>
           <a:p>
@@ -8680,51 +8474,12 @@
               <a:buFont typeface="Wingdings" pitchFamily="2" charset="2"/>
               <a:buChar char="u"/>
             </a:pPr>
-            <a:r>
-              <a:rPr lang="en-US" altLang="zh-TW" sz="1800" b="1" dirty="0">
-                <a:solidFill>
-                  <a:schemeClr val="tx1"/>
-                </a:solidFill>
-                <a:latin typeface="+mj-lt"/>
-              </a:rPr>
-              <a:t>In App.js, we have </a:t>
-            </a:r>
-            <a:r>
-              <a:rPr lang="en-US" altLang="zh-TW" sz="1800" b="1" dirty="0" err="1">
-                <a:solidFill>
-                  <a:schemeClr val="tx1"/>
-                </a:solidFill>
-                <a:latin typeface="+mj-lt"/>
-              </a:rPr>
-              <a:t>ComponentC</a:t>
-            </a:r>
-            <a:r>
-              <a:rPr lang="en-US" altLang="zh-TW" sz="1800" b="1" dirty="0">
-                <a:solidFill>
-                  <a:schemeClr val="tx1"/>
-                </a:solidFill>
-                <a:latin typeface="+mj-lt"/>
-              </a:rPr>
-              <a:t>. In </a:t>
-            </a:r>
-            <a:r>
-              <a:rPr lang="en-US" altLang="zh-TW" sz="1800" b="1" dirty="0" err="1">
-                <a:solidFill>
-                  <a:schemeClr val="tx1"/>
-                </a:solidFill>
-                <a:latin typeface="+mj-lt"/>
-              </a:rPr>
-              <a:t>ComponentC</a:t>
-            </a:r>
-            <a:r>
-              <a:rPr lang="en-US" altLang="zh-TW" sz="1800" b="1" dirty="0">
-                <a:solidFill>
-                  <a:schemeClr val="tx1"/>
-                </a:solidFill>
-                <a:latin typeface="+mj-lt"/>
-              </a:rPr>
-              <a:t>, we have Component E.</a:t>
-            </a:r>
+            <a:endParaRPr lang="en-US" altLang="zh-TW" sz="1800" b="1" dirty="0">
+              <a:solidFill>
+                <a:schemeClr val="tx1"/>
+              </a:solidFill>
+              <a:latin typeface="+mj-lt"/>
+            </a:endParaRPr>
           </a:p>
         </p:txBody>
       </p:sp>
@@ -8810,7 +8565,7 @@
             <a:fld id="{A4F910E6-8D00-4BAF-8C48-9688E0B449D3}" type="datetime1">
               <a:rPr lang="zh-TW" altLang="en-US" smtClean="0"/>
               <a:pPr/>
-              <a:t>2020/4/10</a:t>
+              <a:t>2020/5/25</a:t>
             </a:fld>
             <a:endParaRPr lang="zh-TW" altLang="en-US"/>
           </a:p>
@@ -8839,86 +8594,462 @@
             <a:fld id="{E4D7E63D-91F2-4366-A2C4-1B00C9E2590E}" type="slidenum">
               <a:rPr lang="zh-TW" altLang="en-US" smtClean="0"/>
               <a:pPr/>
-              <a:t>5</a:t>
+              <a:t>21</a:t>
             </a:fld>
             <a:endParaRPr lang="zh-TW" altLang="en-US"/>
           </a:p>
         </p:txBody>
       </p:sp>
-      <p:pic>
-        <p:nvPicPr>
-          <p:cNvPr id="7" name="Picture 6">
+      <p:sp>
+        <p:nvSpPr>
+          <p:cNvPr id="12" name="Rectangle 11">
             <a:extLst>
               <a:ext uri="{FF2B5EF4-FFF2-40B4-BE49-F238E27FC236}">
-                <a16:creationId xmlns:a16="http://schemas.microsoft.com/office/drawing/2014/main" id="{186CC305-4F46-455B-9FA9-948A19C372D6}"/>
+                <a16:creationId xmlns:a16="http://schemas.microsoft.com/office/drawing/2014/main" id="{3A7BE3B0-C63E-4A2F-93AD-7B063F2A34CF}"/>
               </a:ext>
             </a:extLst>
           </p:cNvPr>
-          <p:cNvPicPr>
-            <a:picLocks noChangeAspect="1"/>
-          </p:cNvPicPr>
+          <p:cNvSpPr/>
           <p:nvPr/>
-        </p:nvPicPr>
-        <p:blipFill>
-          <a:blip r:embed="rId3"/>
-          <a:stretch>
-            <a:fillRect/>
-          </a:stretch>
-        </p:blipFill>
-        <p:spPr>
-          <a:xfrm>
-            <a:off x="487506" y="2581922"/>
-            <a:ext cx="4123265" cy="2719286"/>
+        </p:nvSpPr>
+        <p:spPr>
+          <a:xfrm>
+            <a:off x="5937475" y="1440759"/>
+            <a:ext cx="1656184" cy="432048"/>
           </a:xfrm>
           <a:prstGeom prst="rect">
             <a:avLst/>
           </a:prstGeom>
-          <a:ln>
-            <a:solidFill>
-              <a:srgbClr val="C00000"/>
-            </a:solidFill>
-          </a:ln>
-        </p:spPr>
-      </p:pic>
-      <p:pic>
-        <p:nvPicPr>
-          <p:cNvPr id="8" name="Picture 7">
+          <a:solidFill>
+            <a:schemeClr val="accent2">
+              <a:lumMod val="75000"/>
+            </a:schemeClr>
+          </a:solidFill>
+        </p:spPr>
+        <p:style>
+          <a:lnRef idx="2">
+            <a:schemeClr val="accent1">
+              <a:shade val="50000"/>
+            </a:schemeClr>
+          </a:lnRef>
+          <a:fillRef idx="1">
+            <a:schemeClr val="accent1"/>
+          </a:fillRef>
+          <a:effectRef idx="0">
+            <a:schemeClr val="accent1"/>
+          </a:effectRef>
+          <a:fontRef idx="minor">
+            <a:schemeClr val="lt1"/>
+          </a:fontRef>
+        </p:style>
+        <p:txBody>
+          <a:bodyPr rtlCol="0" anchor="ctr"/>
+          <a:lstStyle/>
+          <a:p>
+            <a:pPr algn="ctr"/>
+            <a:r>
+              <a:rPr lang="en-US" dirty="0" err="1"/>
+              <a:t>AppComponent</a:t>
+            </a:r>
+            <a:endParaRPr lang="en-US" dirty="0"/>
+          </a:p>
+        </p:txBody>
+      </p:sp>
+      <p:sp>
+        <p:nvSpPr>
+          <p:cNvPr id="17" name="Rectangle 16">
             <a:extLst>
               <a:ext uri="{FF2B5EF4-FFF2-40B4-BE49-F238E27FC236}">
-                <a16:creationId xmlns:a16="http://schemas.microsoft.com/office/drawing/2014/main" id="{7226244F-B85D-48C4-B20F-4AA8E68290CF}"/>
+                <a16:creationId xmlns:a16="http://schemas.microsoft.com/office/drawing/2014/main" id="{2AFDC503-0347-4313-B5BC-1ED9677F4053}"/>
               </a:ext>
             </a:extLst>
           </p:cNvPr>
-          <p:cNvPicPr>
-            <a:picLocks noChangeAspect="1"/>
-          </p:cNvPicPr>
+          <p:cNvSpPr/>
           <p:nvPr/>
-        </p:nvPicPr>
-        <p:blipFill>
-          <a:blip r:embed="rId4"/>
-          <a:stretch>
-            <a:fillRect/>
-          </a:stretch>
-        </p:blipFill>
-        <p:spPr>
-          <a:xfrm>
-            <a:off x="4704473" y="2581923"/>
-            <a:ext cx="3611944" cy="2822636"/>
+        </p:nvSpPr>
+        <p:spPr>
+          <a:xfrm>
+            <a:off x="6303866" y="2422456"/>
+            <a:ext cx="936104" cy="404246"/>
           </a:xfrm>
           <a:prstGeom prst="rect">
             <a:avLst/>
           </a:prstGeom>
+          <a:solidFill>
+            <a:srgbClr val="92D050"/>
+          </a:solidFill>
+        </p:spPr>
+        <p:style>
+          <a:lnRef idx="2">
+            <a:schemeClr val="accent1">
+              <a:shade val="50000"/>
+            </a:schemeClr>
+          </a:lnRef>
+          <a:fillRef idx="1">
+            <a:schemeClr val="accent1"/>
+          </a:fillRef>
+          <a:effectRef idx="0">
+            <a:schemeClr val="accent1"/>
+          </a:effectRef>
+          <a:fontRef idx="minor">
+            <a:schemeClr val="lt1"/>
+          </a:fontRef>
+        </p:style>
+        <p:txBody>
+          <a:bodyPr rtlCol="0" anchor="ctr"/>
+          <a:lstStyle/>
+          <a:p>
+            <a:pPr algn="ctr"/>
+            <a:r>
+              <a:rPr lang="en-US" dirty="0"/>
+              <a:t>C</a:t>
+            </a:r>
+          </a:p>
+        </p:txBody>
+      </p:sp>
+      <p:cxnSp>
+        <p:nvCxnSpPr>
+          <p:cNvPr id="18" name="Connector: Elbow 17">
+            <a:extLst>
+              <a:ext uri="{FF2B5EF4-FFF2-40B4-BE49-F238E27FC236}">
+                <a16:creationId xmlns:a16="http://schemas.microsoft.com/office/drawing/2014/main" id="{DF9A5A7B-3151-4201-B5EB-698754093163}"/>
+              </a:ext>
+            </a:extLst>
+          </p:cNvPr>
+          <p:cNvCxnSpPr>
+            <a:stCxn id="12" idx="2"/>
+            <a:endCxn id="17" idx="0"/>
+          </p:cNvCxnSpPr>
+          <p:nvPr/>
+        </p:nvCxnSpPr>
+        <p:spPr>
+          <a:xfrm rot="16200000" flipH="1">
+            <a:off x="6493918" y="2144455"/>
+            <a:ext cx="549649" cy="6351"/>
+          </a:xfrm>
+          <a:prstGeom prst="bentConnector3">
+            <a:avLst/>
+          </a:prstGeom>
           <a:ln>
-            <a:solidFill>
-              <a:srgbClr val="C00000"/>
-            </a:solidFill>
+            <a:tailEnd type="triangle"/>
           </a:ln>
         </p:spPr>
-      </p:pic>
+        <p:style>
+          <a:lnRef idx="1">
+            <a:schemeClr val="accent1"/>
+          </a:lnRef>
+          <a:fillRef idx="0">
+            <a:schemeClr val="accent1"/>
+          </a:fillRef>
+          <a:effectRef idx="0">
+            <a:schemeClr val="accent1"/>
+          </a:effectRef>
+          <a:fontRef idx="minor">
+            <a:schemeClr val="tx1"/>
+          </a:fontRef>
+        </p:style>
+      </p:cxnSp>
+      <p:sp>
+        <p:nvSpPr>
+          <p:cNvPr id="20" name="Rectangle 19">
+            <a:extLst>
+              <a:ext uri="{FF2B5EF4-FFF2-40B4-BE49-F238E27FC236}">
+                <a16:creationId xmlns:a16="http://schemas.microsoft.com/office/drawing/2014/main" id="{EE151B12-151C-4C05-9754-0030C6F65B44}"/>
+              </a:ext>
+            </a:extLst>
+          </p:cNvPr>
+          <p:cNvSpPr/>
+          <p:nvPr/>
+        </p:nvSpPr>
+        <p:spPr>
+          <a:xfrm>
+            <a:off x="6303866" y="3221250"/>
+            <a:ext cx="936104" cy="404246"/>
+          </a:xfrm>
+          <a:prstGeom prst="rect">
+            <a:avLst/>
+          </a:prstGeom>
+          <a:solidFill>
+            <a:srgbClr val="92D050"/>
+          </a:solidFill>
+        </p:spPr>
+        <p:style>
+          <a:lnRef idx="2">
+            <a:schemeClr val="accent1">
+              <a:shade val="50000"/>
+            </a:schemeClr>
+          </a:lnRef>
+          <a:fillRef idx="1">
+            <a:schemeClr val="accent1"/>
+          </a:fillRef>
+          <a:effectRef idx="0">
+            <a:schemeClr val="accent1"/>
+          </a:effectRef>
+          <a:fontRef idx="minor">
+            <a:schemeClr val="lt1"/>
+          </a:fontRef>
+        </p:style>
+        <p:txBody>
+          <a:bodyPr rtlCol="0" anchor="ctr"/>
+          <a:lstStyle/>
+          <a:p>
+            <a:pPr algn="ctr"/>
+            <a:r>
+              <a:rPr lang="en-US" dirty="0"/>
+              <a:t>E</a:t>
+            </a:r>
+          </a:p>
+        </p:txBody>
+      </p:sp>
+      <p:sp>
+        <p:nvSpPr>
+          <p:cNvPr id="21" name="Rectangle 20">
+            <a:extLst>
+              <a:ext uri="{FF2B5EF4-FFF2-40B4-BE49-F238E27FC236}">
+                <a16:creationId xmlns:a16="http://schemas.microsoft.com/office/drawing/2014/main" id="{7EE0CF29-B1D2-4F77-BF5B-5F25224B063B}"/>
+              </a:ext>
+            </a:extLst>
+          </p:cNvPr>
+          <p:cNvSpPr/>
+          <p:nvPr/>
+        </p:nvSpPr>
+        <p:spPr>
+          <a:xfrm>
+            <a:off x="6303866" y="4013338"/>
+            <a:ext cx="936104" cy="404246"/>
+          </a:xfrm>
+          <a:prstGeom prst="rect">
+            <a:avLst/>
+          </a:prstGeom>
+          <a:solidFill>
+            <a:srgbClr val="0070C0"/>
+          </a:solidFill>
+        </p:spPr>
+        <p:style>
+          <a:lnRef idx="2">
+            <a:schemeClr val="accent1">
+              <a:shade val="50000"/>
+            </a:schemeClr>
+          </a:lnRef>
+          <a:fillRef idx="1">
+            <a:schemeClr val="accent1"/>
+          </a:fillRef>
+          <a:effectRef idx="0">
+            <a:schemeClr val="accent1"/>
+          </a:effectRef>
+          <a:fontRef idx="minor">
+            <a:schemeClr val="lt1"/>
+          </a:fontRef>
+        </p:style>
+        <p:txBody>
+          <a:bodyPr rtlCol="0" anchor="ctr"/>
+          <a:lstStyle/>
+          <a:p>
+            <a:pPr algn="ctr"/>
+            <a:r>
+              <a:rPr lang="en-US" dirty="0"/>
+              <a:t>F</a:t>
+            </a:r>
+          </a:p>
+        </p:txBody>
+      </p:sp>
+      <p:cxnSp>
+        <p:nvCxnSpPr>
+          <p:cNvPr id="23" name="Connector: Elbow 22">
+            <a:extLst>
+              <a:ext uri="{FF2B5EF4-FFF2-40B4-BE49-F238E27FC236}">
+                <a16:creationId xmlns:a16="http://schemas.microsoft.com/office/drawing/2014/main" id="{CFEBFD66-D5E7-4C7C-8553-8D3319A2E610}"/>
+              </a:ext>
+            </a:extLst>
+          </p:cNvPr>
+          <p:cNvCxnSpPr>
+            <a:stCxn id="17" idx="2"/>
+            <a:endCxn id="20" idx="0"/>
+          </p:cNvCxnSpPr>
+          <p:nvPr/>
+        </p:nvCxnSpPr>
+        <p:spPr>
+          <a:xfrm rot="5400000">
+            <a:off x="6574644" y="3023976"/>
+            <a:ext cx="394548" cy="12700"/>
+          </a:xfrm>
+          <a:prstGeom prst="bentConnector3">
+            <a:avLst/>
+          </a:prstGeom>
+          <a:ln>
+            <a:tailEnd type="triangle"/>
+          </a:ln>
+        </p:spPr>
+        <p:style>
+          <a:lnRef idx="1">
+            <a:schemeClr val="accent1"/>
+          </a:lnRef>
+          <a:fillRef idx="0">
+            <a:schemeClr val="accent1"/>
+          </a:fillRef>
+          <a:effectRef idx="0">
+            <a:schemeClr val="accent1"/>
+          </a:effectRef>
+          <a:fontRef idx="minor">
+            <a:schemeClr val="tx1"/>
+          </a:fontRef>
+        </p:style>
+      </p:cxnSp>
+      <p:cxnSp>
+        <p:nvCxnSpPr>
+          <p:cNvPr id="24" name="Connector: Elbow 23">
+            <a:extLst>
+              <a:ext uri="{FF2B5EF4-FFF2-40B4-BE49-F238E27FC236}">
+                <a16:creationId xmlns:a16="http://schemas.microsoft.com/office/drawing/2014/main" id="{47FD5801-5B27-4214-8377-A478F93D156E}"/>
+              </a:ext>
+            </a:extLst>
+          </p:cNvPr>
+          <p:cNvCxnSpPr>
+            <a:stCxn id="20" idx="2"/>
+            <a:endCxn id="21" idx="0"/>
+          </p:cNvCxnSpPr>
+          <p:nvPr/>
+        </p:nvCxnSpPr>
+        <p:spPr>
+          <a:xfrm rot="5400000">
+            <a:off x="6577997" y="3819417"/>
+            <a:ext cx="387842" cy="12700"/>
+          </a:xfrm>
+          <a:prstGeom prst="bentConnector3">
+            <a:avLst/>
+          </a:prstGeom>
+          <a:ln>
+            <a:tailEnd type="triangle"/>
+          </a:ln>
+        </p:spPr>
+        <p:style>
+          <a:lnRef idx="1">
+            <a:schemeClr val="accent1"/>
+          </a:lnRef>
+          <a:fillRef idx="0">
+            <a:schemeClr val="accent1"/>
+          </a:fillRef>
+          <a:effectRef idx="0">
+            <a:schemeClr val="accent1"/>
+          </a:effectRef>
+          <a:fontRef idx="minor">
+            <a:schemeClr val="tx1"/>
+          </a:fontRef>
+        </p:style>
+      </p:cxnSp>
+      <p:sp>
+        <p:nvSpPr>
+          <p:cNvPr id="25" name="Rectangle 24">
+            <a:extLst>
+              <a:ext uri="{FF2B5EF4-FFF2-40B4-BE49-F238E27FC236}">
+                <a16:creationId xmlns:a16="http://schemas.microsoft.com/office/drawing/2014/main" id="{18FC6730-78A5-410F-8584-D65E8D491623}"/>
+              </a:ext>
+            </a:extLst>
+          </p:cNvPr>
+          <p:cNvSpPr/>
+          <p:nvPr/>
+        </p:nvSpPr>
+        <p:spPr>
+          <a:xfrm>
+            <a:off x="7672017" y="1607087"/>
+            <a:ext cx="1152128" cy="300431"/>
+          </a:xfrm>
+          <a:prstGeom prst="rect">
+            <a:avLst/>
+          </a:prstGeom>
+          <a:solidFill>
+            <a:srgbClr val="00B0F0"/>
+          </a:solidFill>
+        </p:spPr>
+        <p:style>
+          <a:lnRef idx="2">
+            <a:schemeClr val="accent1">
+              <a:shade val="50000"/>
+            </a:schemeClr>
+          </a:lnRef>
+          <a:fillRef idx="1">
+            <a:schemeClr val="accent1"/>
+          </a:fillRef>
+          <a:effectRef idx="0">
+            <a:schemeClr val="accent1"/>
+          </a:effectRef>
+          <a:fontRef idx="minor">
+            <a:schemeClr val="lt1"/>
+          </a:fontRef>
+        </p:style>
+        <p:txBody>
+          <a:bodyPr rtlCol="0" anchor="ctr"/>
+          <a:lstStyle/>
+          <a:p>
+            <a:pPr algn="ctr"/>
+            <a:r>
+              <a:rPr lang="en-US" dirty="0"/>
+              <a:t>username</a:t>
+            </a:r>
+          </a:p>
+        </p:txBody>
+      </p:sp>
+      <p:sp>
+        <p:nvSpPr>
+          <p:cNvPr id="28" name="Rectangle 27">
+            <a:extLst>
+              <a:ext uri="{FF2B5EF4-FFF2-40B4-BE49-F238E27FC236}">
+                <a16:creationId xmlns:a16="http://schemas.microsoft.com/office/drawing/2014/main" id="{62FCC91B-1F57-484A-95D1-D98C91FB8219}"/>
+              </a:ext>
+            </a:extLst>
+          </p:cNvPr>
+          <p:cNvSpPr/>
+          <p:nvPr/>
+        </p:nvSpPr>
+        <p:spPr>
+          <a:xfrm>
+            <a:off x="6859966" y="3653298"/>
+            <a:ext cx="910704" cy="300431"/>
+          </a:xfrm>
+          <a:prstGeom prst="rect">
+            <a:avLst/>
+          </a:prstGeom>
+          <a:noFill/>
+          <a:ln>
+            <a:noFill/>
+          </a:ln>
+        </p:spPr>
+        <p:style>
+          <a:lnRef idx="2">
+            <a:schemeClr val="accent1">
+              <a:shade val="50000"/>
+            </a:schemeClr>
+          </a:lnRef>
+          <a:fillRef idx="1">
+            <a:schemeClr val="accent1"/>
+          </a:fillRef>
+          <a:effectRef idx="0">
+            <a:schemeClr val="accent1"/>
+          </a:effectRef>
+          <a:fontRef idx="minor">
+            <a:schemeClr val="lt1"/>
+          </a:fontRef>
+        </p:style>
+        <p:txBody>
+          <a:bodyPr rtlCol="0" anchor="ctr"/>
+          <a:lstStyle/>
+          <a:p>
+            <a:pPr algn="ctr"/>
+            <a:r>
+              <a:rPr lang="en-US" sz="1400" dirty="0">
+                <a:solidFill>
+                  <a:schemeClr val="tx1"/>
+                </a:solidFill>
+              </a:rPr>
+              <a:t>username</a:t>
+            </a:r>
+          </a:p>
+        </p:txBody>
+      </p:sp>
     </p:spTree>
     <p:extLst>
       <p:ext uri="{BB962C8B-B14F-4D97-AF65-F5344CB8AC3E}">
-        <p14:creationId xmlns:p14="http://schemas.microsoft.com/office/powerpoint/2010/main" val="4249032118"/>
+        <p14:creationId xmlns:p14="http://schemas.microsoft.com/office/powerpoint/2010/main" val="1661678331"/>
       </p:ext>
     </p:extLst>
   </p:cSld>
@@ -8928,7 +9059,144 @@
 </p:sld>
 </file>
 
-<file path=ppt/slides/slide6.xml><?xml version="1.0" encoding="utf-8"?>
+<file path=ppt/slides/slide22.xml><?xml version="1.0" encoding="utf-8"?>
+<p:sld xmlns:a="http://schemas.openxmlformats.org/drawingml/2006/main" xmlns:r="http://schemas.openxmlformats.org/officeDocument/2006/relationships" xmlns:p="http://schemas.openxmlformats.org/presentationml/2006/main">
+  <p:cSld>
+    <p:spTree>
+      <p:nvGrpSpPr>
+        <p:cNvPr id="1" name=""/>
+        <p:cNvGrpSpPr/>
+        <p:nvPr/>
+      </p:nvGrpSpPr>
+      <p:grpSpPr>
+        <a:xfrm>
+          <a:off x="0" y="0"/>
+          <a:ext cx="0" cy="0"/>
+          <a:chOff x="0" y="0"/>
+          <a:chExt cx="0" cy="0"/>
+        </a:xfrm>
+      </p:grpSpPr>
+      <p:sp>
+        <p:nvSpPr>
+          <p:cNvPr id="2" name="標題 1"/>
+          <p:cNvSpPr>
+            <a:spLocks noGrp="1"/>
+          </p:cNvSpPr>
+          <p:nvPr>
+            <p:ph type="ctrTitle"/>
+          </p:nvPr>
+        </p:nvSpPr>
+        <p:spPr>
+          <a:xfrm>
+            <a:off x="0" y="2130425"/>
+            <a:ext cx="9144000" cy="1470025"/>
+          </a:xfrm>
+          <a:gradFill flip="none" rotWithShape="1">
+            <a:gsLst>
+              <a:gs pos="0">
+                <a:srgbClr val="00B0F0">
+                  <a:shade val="30000"/>
+                  <a:satMod val="115000"/>
+                </a:srgbClr>
+              </a:gs>
+              <a:gs pos="50000">
+                <a:srgbClr val="00B0F0">
+                  <a:shade val="67500"/>
+                  <a:satMod val="115000"/>
+                </a:srgbClr>
+              </a:gs>
+              <a:gs pos="100000">
+                <a:srgbClr val="00B0F0">
+                  <a:shade val="100000"/>
+                  <a:satMod val="115000"/>
+                </a:srgbClr>
+              </a:gs>
+            </a:gsLst>
+            <a:path path="circle">
+              <a:fillToRect t="100000" r="100000"/>
+            </a:path>
+            <a:tileRect l="-100000" b="-100000"/>
+          </a:gradFill>
+        </p:spPr>
+        <p:txBody>
+          <a:bodyPr>
+            <a:normAutofit/>
+          </a:bodyPr>
+          <a:lstStyle/>
+          <a:p>
+            <a:r>
+              <a:rPr lang="en-US" altLang="zh-TW" sz="6000" b="1" dirty="0">
+                <a:solidFill>
+                  <a:srgbClr val="FFFF00"/>
+                </a:solidFill>
+              </a:rPr>
+              <a:t>End of Chapter</a:t>
+            </a:r>
+            <a:endParaRPr lang="zh-TW" altLang="en-US" sz="6000" b="1" dirty="0">
+              <a:solidFill>
+                <a:srgbClr val="FFFF00"/>
+              </a:solidFill>
+            </a:endParaRPr>
+          </a:p>
+        </p:txBody>
+      </p:sp>
+      <p:sp>
+        <p:nvSpPr>
+          <p:cNvPr id="5" name="日期版面配置區 4"/>
+          <p:cNvSpPr>
+            <a:spLocks noGrp="1"/>
+          </p:cNvSpPr>
+          <p:nvPr>
+            <p:ph type="dt" sz="half" idx="10"/>
+          </p:nvPr>
+        </p:nvSpPr>
+        <p:spPr/>
+        <p:txBody>
+          <a:bodyPr/>
+          <a:lstStyle/>
+          <a:p>
+            <a:fld id="{4E46BE27-E923-4EC2-B046-3272AE2A3E5C}" type="datetime1">
+              <a:rPr lang="zh-TW" altLang="en-US" smtClean="0"/>
+              <a:pPr/>
+              <a:t>2020/5/25</a:t>
+            </a:fld>
+            <a:endParaRPr lang="zh-TW" altLang="en-US"/>
+          </a:p>
+        </p:txBody>
+      </p:sp>
+      <p:sp>
+        <p:nvSpPr>
+          <p:cNvPr id="6" name="投影片編號版面配置區 5"/>
+          <p:cNvSpPr>
+            <a:spLocks noGrp="1"/>
+          </p:cNvSpPr>
+          <p:nvPr>
+            <p:ph type="sldNum" sz="quarter" idx="12"/>
+          </p:nvPr>
+        </p:nvSpPr>
+        <p:spPr/>
+        <p:txBody>
+          <a:bodyPr/>
+          <a:lstStyle/>
+          <a:p>
+            <a:fld id="{E4D7E63D-91F2-4366-A2C4-1B00C9E2590E}" type="slidenum">
+              <a:rPr lang="zh-TW" altLang="en-US" smtClean="0"/>
+              <a:pPr/>
+              <a:t>22</a:t>
+            </a:fld>
+            <a:endParaRPr lang="zh-TW" altLang="en-US"/>
+          </a:p>
+        </p:txBody>
+      </p:sp>
+    </p:spTree>
+  </p:cSld>
+  <p:clrMapOvr>
+    <a:masterClrMapping/>
+  </p:clrMapOvr>
+</p:sld>
+</file>
+
+<file path=ppt/slides/slide3.xml><?xml version="1.0" encoding="utf-8"?>
 <p:sld xmlns:a="http://schemas.openxmlformats.org/drawingml/2006/main" xmlns:r="http://schemas.openxmlformats.org/officeDocument/2006/relationships" xmlns:p="http://schemas.openxmlformats.org/presentationml/2006/main">
   <p:cSld>
     <p:spTree>
@@ -9000,7 +9268,7 @@
                   <a:srgbClr val="FFFF00"/>
                 </a:solidFill>
               </a:rPr>
-              <a:t>39.1 React Context 2</a:t>
+              <a:t>39 Context 2</a:t>
             </a:r>
             <a:endParaRPr lang="zh-TW" altLang="en-US" b="1" dirty="0">
               <a:solidFill>
@@ -9022,8 +9290,8 @@
         </p:nvSpPr>
         <p:spPr>
           <a:xfrm>
-            <a:off x="467544" y="1340767"/>
-            <a:ext cx="8352928" cy="971927"/>
+            <a:off x="467544" y="1340765"/>
+            <a:ext cx="8352928" cy="1728195"/>
           </a:xfrm>
           <a:ln>
             <a:solidFill>
@@ -9052,7 +9320,7 @@
                 </a:solidFill>
                 <a:latin typeface="+mj-lt"/>
               </a:rPr>
-              <a:t>Component Tree:</a:t>
+              <a:t>React Context</a:t>
             </a:r>
           </a:p>
           <a:p>
@@ -9065,49 +9333,13 @@
               <a:buChar char="u"/>
             </a:pPr>
             <a:r>
-              <a:rPr lang="en-US" altLang="zh-TW" sz="1800" b="1" dirty="0">
+              <a:rPr lang="en-US" altLang="zh-TW" sz="1800" dirty="0">
                 <a:solidFill>
                   <a:schemeClr val="tx1"/>
                 </a:solidFill>
                 <a:latin typeface="+mj-lt"/>
               </a:rPr>
-              <a:t>In </a:t>
-            </a:r>
-            <a:r>
-              <a:rPr lang="en-US" altLang="zh-TW" sz="1800" b="1" dirty="0" err="1">
-                <a:solidFill>
-                  <a:schemeClr val="tx1"/>
-                </a:solidFill>
-                <a:latin typeface="+mj-lt"/>
-              </a:rPr>
-              <a:t>ComponentE</a:t>
-            </a:r>
-            <a:r>
-              <a:rPr lang="en-US" altLang="zh-TW" sz="1800" b="1" dirty="0">
-                <a:solidFill>
-                  <a:schemeClr val="tx1"/>
-                </a:solidFill>
-                <a:latin typeface="+mj-lt"/>
-              </a:rPr>
-              <a:t>, we have </a:t>
-            </a:r>
-            <a:r>
-              <a:rPr lang="en-US" altLang="zh-TW" sz="1800" b="1" dirty="0" err="1">
-                <a:solidFill>
-                  <a:schemeClr val="tx1"/>
-                </a:solidFill>
-                <a:latin typeface="+mj-lt"/>
-              </a:rPr>
-              <a:t>ComponentF</a:t>
-            </a:r>
-            <a:r>
-              <a:rPr lang="en-US" altLang="zh-TW" sz="1800" b="1" dirty="0">
-                <a:solidFill>
-                  <a:schemeClr val="tx1"/>
-                </a:solidFill>
-                <a:latin typeface="+mj-lt"/>
-              </a:rPr>
-              <a:t>. </a:t>
+              <a:t>We also mentioned that </a:t>
             </a:r>
           </a:p>
           <a:p>
@@ -9122,29 +9354,30 @@
             <a:r>
               <a:rPr lang="en-US" altLang="zh-TW" sz="1800" b="1" dirty="0">
                 <a:solidFill>
-                  <a:schemeClr val="tx1"/>
+                  <a:srgbClr val="C00000"/>
                 </a:solidFill>
                 <a:latin typeface="+mj-lt"/>
               </a:rPr>
-              <a:t>In </a:t>
-            </a:r>
-            <a:r>
-              <a:rPr lang="en-US" altLang="zh-TW" sz="1800" b="1" dirty="0" err="1">
+              <a:t>Context provides a way to pass data through the component tree without having to pass props down manually at every level.</a:t>
+            </a:r>
+          </a:p>
+          <a:p>
+            <a:pPr marL="342900" indent="-342900" algn="l">
+              <a:buClr>
+                <a:srgbClr val="0070C0"/>
+              </a:buClr>
+              <a:buSzPct val="80000"/>
+              <a:buFont typeface="Wingdings" pitchFamily="2" charset="2"/>
+              <a:buChar char="u"/>
+            </a:pPr>
+            <a:r>
+              <a:rPr lang="en-US" altLang="zh-TW" sz="1800" dirty="0">
                 <a:solidFill>
                   <a:schemeClr val="tx1"/>
                 </a:solidFill>
                 <a:latin typeface="+mj-lt"/>
               </a:rPr>
-              <a:t>ComponentF</a:t>
-            </a:r>
-            <a:r>
-              <a:rPr lang="en-US" altLang="zh-TW" sz="1800" b="1" dirty="0">
-                <a:solidFill>
-                  <a:schemeClr val="tx1"/>
-                </a:solidFill>
-                <a:latin typeface="+mj-lt"/>
-              </a:rPr>
-              <a:t>, we display Component F.</a:t>
+              <a:t>The context API will help solve that problem.</a:t>
             </a:r>
           </a:p>
         </p:txBody>
@@ -9231,7 +9464,7 @@
             <a:fld id="{A4F910E6-8D00-4BAF-8C48-9688E0B449D3}" type="datetime1">
               <a:rPr lang="zh-TW" altLang="en-US" smtClean="0"/>
               <a:pPr/>
-              <a:t>2020/4/10</a:t>
+              <a:t>2020/5/25</a:t>
             </a:fld>
             <a:endParaRPr lang="zh-TW" altLang="en-US"/>
           </a:p>
@@ -9260,86 +9493,16 @@
             <a:fld id="{E4D7E63D-91F2-4366-A2C4-1B00C9E2590E}" type="slidenum">
               <a:rPr lang="zh-TW" altLang="en-US" smtClean="0"/>
               <a:pPr/>
-              <a:t>6</a:t>
+              <a:t>3</a:t>
             </a:fld>
             <a:endParaRPr lang="zh-TW" altLang="en-US"/>
           </a:p>
         </p:txBody>
       </p:sp>
-      <p:pic>
-        <p:nvPicPr>
-          <p:cNvPr id="9" name="Picture 8">
-            <a:extLst>
-              <a:ext uri="{FF2B5EF4-FFF2-40B4-BE49-F238E27FC236}">
-                <a16:creationId xmlns:a16="http://schemas.microsoft.com/office/drawing/2014/main" id="{A70A9BCA-F1FA-43D9-8F36-053D8FF40466}"/>
-              </a:ext>
-            </a:extLst>
-          </p:cNvPr>
-          <p:cNvPicPr>
-            <a:picLocks noChangeAspect="1"/>
-          </p:cNvPicPr>
-          <p:nvPr/>
-        </p:nvPicPr>
-        <p:blipFill>
-          <a:blip r:embed="rId3"/>
-          <a:stretch>
-            <a:fillRect/>
-          </a:stretch>
-        </p:blipFill>
-        <p:spPr>
-          <a:xfrm>
-            <a:off x="473264" y="2494316"/>
-            <a:ext cx="3590925" cy="3152775"/>
-          </a:xfrm>
-          <a:prstGeom prst="rect">
-            <a:avLst/>
-          </a:prstGeom>
-          <a:ln>
-            <a:solidFill>
-              <a:srgbClr val="C00000"/>
-            </a:solidFill>
-          </a:ln>
-        </p:spPr>
-      </p:pic>
-      <p:pic>
-        <p:nvPicPr>
-          <p:cNvPr id="10" name="Picture 9">
-            <a:extLst>
-              <a:ext uri="{FF2B5EF4-FFF2-40B4-BE49-F238E27FC236}">
-                <a16:creationId xmlns:a16="http://schemas.microsoft.com/office/drawing/2014/main" id="{44FFF26F-DF7E-49A0-9FA7-053DDC2F4E3F}"/>
-              </a:ext>
-            </a:extLst>
-          </p:cNvPr>
-          <p:cNvPicPr>
-            <a:picLocks noChangeAspect="1"/>
-          </p:cNvPicPr>
-          <p:nvPr/>
-        </p:nvPicPr>
-        <p:blipFill>
-          <a:blip r:embed="rId4"/>
-          <a:stretch>
-            <a:fillRect/>
-          </a:stretch>
-        </p:blipFill>
-        <p:spPr>
-          <a:xfrm>
-            <a:off x="4499992" y="2513816"/>
-            <a:ext cx="3847170" cy="2794726"/>
-          </a:xfrm>
-          <a:prstGeom prst="rect">
-            <a:avLst/>
-          </a:prstGeom>
-          <a:ln>
-            <a:solidFill>
-              <a:srgbClr val="C00000"/>
-            </a:solidFill>
-          </a:ln>
-        </p:spPr>
-      </p:pic>
     </p:spTree>
     <p:extLst>
       <p:ext uri="{BB962C8B-B14F-4D97-AF65-F5344CB8AC3E}">
-        <p14:creationId xmlns:p14="http://schemas.microsoft.com/office/powerpoint/2010/main" val="4146738327"/>
+        <p14:creationId xmlns:p14="http://schemas.microsoft.com/office/powerpoint/2010/main" val="509529807"/>
       </p:ext>
     </p:extLst>
   </p:cSld>
@@ -9349,7 +9512,7 @@
 </p:sld>
 </file>
 
-<file path=ppt/slides/slide7.xml><?xml version="1.0" encoding="utf-8"?>
+<file path=ppt/slides/slide4.xml><?xml version="1.0" encoding="utf-8"?>
 <p:sld xmlns:a="http://schemas.openxmlformats.org/drawingml/2006/main" xmlns:r="http://schemas.openxmlformats.org/officeDocument/2006/relationships" xmlns:p="http://schemas.openxmlformats.org/presentationml/2006/main">
   <p:cSld>
     <p:spTree>
@@ -9421,7 +9584,7 @@
                   <a:srgbClr val="FFFF00"/>
                 </a:solidFill>
               </a:rPr>
-              <a:t>39.1 React Context 2</a:t>
+              <a:t>39 Context 2</a:t>
             </a:r>
             <a:endParaRPr lang="zh-TW" altLang="en-US" b="1" dirty="0">
               <a:solidFill>
@@ -9443,8 +9606,8 @@
         </p:nvSpPr>
         <p:spPr>
           <a:xfrm>
-            <a:off x="467544" y="1340767"/>
-            <a:ext cx="8352928" cy="648073"/>
+            <a:off x="467544" y="1340765"/>
+            <a:ext cx="8352928" cy="2232251"/>
           </a:xfrm>
           <a:ln>
             <a:solidFill>
@@ -9473,7 +9636,7 @@
                 </a:solidFill>
                 <a:latin typeface="+mj-lt"/>
               </a:rPr>
-              <a:t>Component Tree:</a:t>
+              <a:t>React Context</a:t>
             </a:r>
           </a:p>
           <a:p>
@@ -9486,31 +9649,69 @@
               <a:buChar char="u"/>
             </a:pPr>
             <a:r>
-              <a:rPr lang="en-US" altLang="zh-TW" sz="1800" b="1" dirty="0">
+              <a:rPr lang="en-US" altLang="zh-TW" sz="1800" dirty="0">
                 <a:solidFill>
                   <a:schemeClr val="tx1"/>
                 </a:solidFill>
                 <a:latin typeface="+mj-lt"/>
               </a:rPr>
-              <a:t>&gt; </a:t>
-            </a:r>
-            <a:r>
-              <a:rPr lang="en-US" altLang="zh-TW" sz="1800" b="1" dirty="0" err="1">
+              <a:t>In this discussion, we will implement a user context which will enable every level to read a prop that is passed at the top level.</a:t>
+            </a:r>
+          </a:p>
+          <a:p>
+            <a:pPr marL="342900" indent="-342900" algn="l">
+              <a:buClr>
+                <a:srgbClr val="0070C0"/>
+              </a:buClr>
+              <a:buSzPct val="80000"/>
+              <a:buFont typeface="Wingdings" pitchFamily="2" charset="2"/>
+              <a:buChar char="u"/>
+            </a:pPr>
+            <a:r>
+              <a:rPr lang="en-US" altLang="zh-TW" sz="1800" dirty="0">
                 <a:solidFill>
                   <a:schemeClr val="tx1"/>
                 </a:solidFill>
                 <a:latin typeface="+mj-lt"/>
               </a:rPr>
-              <a:t>npm</a:t>
-            </a:r>
-            <a:r>
-              <a:rPr lang="en-US" altLang="zh-TW" sz="1800" b="1" dirty="0">
+              <a:t>To simply the example, we will use the rightmost part of the component tree, that is, components, C, E, and F. </a:t>
+            </a:r>
+          </a:p>
+          <a:p>
+            <a:pPr marL="342900" indent="-342900" algn="l">
+              <a:buClr>
+                <a:srgbClr val="0070C0"/>
+              </a:buClr>
+              <a:buSzPct val="80000"/>
+              <a:buFont typeface="Wingdings" pitchFamily="2" charset="2"/>
+              <a:buChar char="u"/>
+            </a:pPr>
+            <a:r>
+              <a:rPr lang="en-US" altLang="zh-TW" sz="1800" dirty="0">
                 <a:solidFill>
                   <a:schemeClr val="tx1"/>
                 </a:solidFill>
                 <a:latin typeface="+mj-lt"/>
               </a:rPr>
-              <a:t> start</a:t>
+              <a:t>Our goal is to pass the username value from </a:t>
+            </a:r>
+            <a:r>
+              <a:rPr lang="en-US" altLang="zh-TW" sz="1800" dirty="0" err="1">
+                <a:solidFill>
+                  <a:schemeClr val="tx1"/>
+                </a:solidFill>
+                <a:latin typeface="+mj-lt"/>
+              </a:rPr>
+              <a:t>AppComponent</a:t>
+            </a:r>
+            <a:r>
+              <a:rPr lang="en-US" altLang="zh-TW" sz="1800" dirty="0">
+                <a:solidFill>
+                  <a:schemeClr val="tx1"/>
+                </a:solidFill>
+                <a:latin typeface="+mj-lt"/>
+              </a:rPr>
+              <a:t> and read that value in component F using context.</a:t>
             </a:r>
           </a:p>
         </p:txBody>
@@ -9597,7 +9798,7 @@
             <a:fld id="{A4F910E6-8D00-4BAF-8C48-9688E0B449D3}" type="datetime1">
               <a:rPr lang="zh-TW" altLang="en-US" smtClean="0"/>
               <a:pPr/>
-              <a:t>2020/4/10</a:t>
+              <a:t>2020/5/25</a:t>
             </a:fld>
             <a:endParaRPr lang="zh-TW" altLang="en-US"/>
           </a:p>
@@ -9626,53 +9827,18 @@
             <a:fld id="{E4D7E63D-91F2-4366-A2C4-1B00C9E2590E}" type="slidenum">
               <a:rPr lang="zh-TW" altLang="en-US" smtClean="0"/>
               <a:pPr/>
-              <a:t>7</a:t>
+              <a:t>4</a:t>
             </a:fld>
             <a:endParaRPr lang="zh-TW" altLang="en-US"/>
           </a:p>
         </p:txBody>
       </p:sp>
-      <p:pic>
-        <p:nvPicPr>
-          <p:cNvPr id="11" name="Picture 10">
+      <p:sp>
+        <p:nvSpPr>
+          <p:cNvPr id="24" name="Rectangle 23">
             <a:extLst>
               <a:ext uri="{FF2B5EF4-FFF2-40B4-BE49-F238E27FC236}">
-                <a16:creationId xmlns:a16="http://schemas.microsoft.com/office/drawing/2014/main" id="{984BD0FB-701F-4A58-8AB8-B0FE85CDC09E}"/>
-              </a:ext>
-            </a:extLst>
-          </p:cNvPr>
-          <p:cNvPicPr>
-            <a:picLocks noChangeAspect="1"/>
-          </p:cNvPicPr>
-          <p:nvPr/>
-        </p:nvPicPr>
-        <p:blipFill>
-          <a:blip r:embed="rId3"/>
-          <a:stretch>
-            <a:fillRect/>
-          </a:stretch>
-        </p:blipFill>
-        <p:spPr>
-          <a:xfrm>
-            <a:off x="506725" y="2081375"/>
-            <a:ext cx="4066828" cy="1253197"/>
-          </a:xfrm>
-          <a:prstGeom prst="rect">
-            <a:avLst/>
-          </a:prstGeom>
-          <a:ln>
-            <a:solidFill>
-              <a:srgbClr val="C00000"/>
-            </a:solidFill>
-          </a:ln>
-        </p:spPr>
-      </p:pic>
-      <p:sp>
-        <p:nvSpPr>
-          <p:cNvPr id="12" name="Rectangle 11">
-            <a:extLst>
-              <a:ext uri="{FF2B5EF4-FFF2-40B4-BE49-F238E27FC236}">
-                <a16:creationId xmlns:a16="http://schemas.microsoft.com/office/drawing/2014/main" id="{3A7BE3B0-C63E-4A2F-93AD-7B063F2A34CF}"/>
+                <a16:creationId xmlns:a16="http://schemas.microsoft.com/office/drawing/2014/main" id="{9CCAA40D-461A-4D1B-80C2-6C413AA991EA}"/>
               </a:ext>
             </a:extLst>
           </p:cNvPr>
@@ -9681,7 +9847,7 @@
         </p:nvSpPr>
         <p:spPr>
           <a:xfrm>
-            <a:off x="5148064" y="2271422"/>
+            <a:off x="3419872" y="3691576"/>
             <a:ext cx="1656184" cy="432048"/>
           </a:xfrm>
           <a:prstGeom prst="rect">
@@ -9724,10 +9890,10 @@
       </p:sp>
       <p:sp>
         <p:nvSpPr>
-          <p:cNvPr id="17" name="Rectangle 16">
+          <p:cNvPr id="26" name="Rectangle 25">
             <a:extLst>
               <a:ext uri="{FF2B5EF4-FFF2-40B4-BE49-F238E27FC236}">
-                <a16:creationId xmlns:a16="http://schemas.microsoft.com/office/drawing/2014/main" id="{2AFDC503-0347-4313-B5BC-1ED9677F4053}"/>
+                <a16:creationId xmlns:a16="http://schemas.microsoft.com/office/drawing/2014/main" id="{A42CECEE-56B4-4DC9-B0C0-A2475F1C4073}"/>
               </a:ext>
             </a:extLst>
           </p:cNvPr>
@@ -9736,14 +9902,14 @@
         </p:nvSpPr>
         <p:spPr>
           <a:xfrm>
-            <a:off x="5514455" y="3253119"/>
+            <a:off x="1259632" y="4890256"/>
             <a:ext cx="936104" cy="404246"/>
           </a:xfrm>
           <a:prstGeom prst="rect">
             <a:avLst/>
           </a:prstGeom>
           <a:solidFill>
-            <a:srgbClr val="92D050"/>
+            <a:srgbClr val="0070C0"/>
           </a:solidFill>
         </p:spPr>
         <p:style>
@@ -9769,30 +9935,30 @@
             <a:pPr algn="ctr"/>
             <a:r>
               <a:rPr lang="en-US" dirty="0"/>
-              <a:t>C</a:t>
+              <a:t>A</a:t>
             </a:r>
           </a:p>
         </p:txBody>
       </p:sp>
       <p:cxnSp>
         <p:nvCxnSpPr>
-          <p:cNvPr id="18" name="Connector: Elbow 17">
+          <p:cNvPr id="28" name="Connector: Elbow 27">
             <a:extLst>
               <a:ext uri="{FF2B5EF4-FFF2-40B4-BE49-F238E27FC236}">
-                <a16:creationId xmlns:a16="http://schemas.microsoft.com/office/drawing/2014/main" id="{DF9A5A7B-3151-4201-B5EB-698754093163}"/>
+                <a16:creationId xmlns:a16="http://schemas.microsoft.com/office/drawing/2014/main" id="{C4BC840D-CB30-491A-93AE-546B0FDF9CF1}"/>
               </a:ext>
             </a:extLst>
           </p:cNvPr>
           <p:cNvCxnSpPr>
-            <a:stCxn id="12" idx="2"/>
-            <a:endCxn id="17" idx="0"/>
+            <a:stCxn id="24" idx="2"/>
+            <a:endCxn id="26" idx="0"/>
           </p:cNvCxnSpPr>
           <p:nvPr/>
         </p:nvCxnSpPr>
         <p:spPr>
-          <a:xfrm rot="16200000" flipH="1">
-            <a:off x="5704507" y="2975118"/>
-            <a:ext cx="549649" cy="6351"/>
+          <a:xfrm rot="5400000">
+            <a:off x="2604508" y="3246800"/>
+            <a:ext cx="766632" cy="2520280"/>
           </a:xfrm>
           <a:prstGeom prst="bentConnector3">
             <a:avLst/>
@@ -9818,10 +9984,10 @@
       </p:cxnSp>
       <p:sp>
         <p:nvSpPr>
-          <p:cNvPr id="20" name="Rectangle 19">
+          <p:cNvPr id="30" name="Rectangle 29">
             <a:extLst>
               <a:ext uri="{FF2B5EF4-FFF2-40B4-BE49-F238E27FC236}">
-                <a16:creationId xmlns:a16="http://schemas.microsoft.com/office/drawing/2014/main" id="{EE151B12-151C-4C05-9754-0030C6F65B44}"/>
+                <a16:creationId xmlns:a16="http://schemas.microsoft.com/office/drawing/2014/main" id="{6B5E86AA-6CD0-4606-A854-EC910D547DCF}"/>
               </a:ext>
             </a:extLst>
           </p:cNvPr>
@@ -9830,7 +9996,7 @@
         </p:nvSpPr>
         <p:spPr>
           <a:xfrm>
-            <a:off x="5514455" y="4051913"/>
+            <a:off x="3779912" y="4890256"/>
             <a:ext cx="936104" cy="404246"/>
           </a:xfrm>
           <a:prstGeom prst="rect">
@@ -9863,17 +10029,59 @@
             <a:pPr algn="ctr"/>
             <a:r>
               <a:rPr lang="en-US" dirty="0"/>
-              <a:t>E</a:t>
-            </a:r>
-          </a:p>
-        </p:txBody>
-      </p:sp>
-      <p:sp>
-        <p:nvSpPr>
-          <p:cNvPr id="21" name="Rectangle 20">
+              <a:t>B</a:t>
+            </a:r>
+          </a:p>
+        </p:txBody>
+      </p:sp>
+      <p:cxnSp>
+        <p:nvCxnSpPr>
+          <p:cNvPr id="31" name="Connector: Elbow 30">
             <a:extLst>
               <a:ext uri="{FF2B5EF4-FFF2-40B4-BE49-F238E27FC236}">
-                <a16:creationId xmlns:a16="http://schemas.microsoft.com/office/drawing/2014/main" id="{7EE0CF29-B1D2-4F77-BF5B-5F25224B063B}"/>
+                <a16:creationId xmlns:a16="http://schemas.microsoft.com/office/drawing/2014/main" id="{533C100D-77C3-4457-97F2-747BF48C2EC1}"/>
+              </a:ext>
+            </a:extLst>
+          </p:cNvPr>
+          <p:cNvCxnSpPr>
+            <a:stCxn id="24" idx="2"/>
+            <a:endCxn id="30" idx="0"/>
+          </p:cNvCxnSpPr>
+          <p:nvPr/>
+        </p:nvCxnSpPr>
+        <p:spPr>
+          <a:xfrm rot="5400000">
+            <a:off x="3864648" y="4506940"/>
+            <a:ext cx="766632" cy="12700"/>
+          </a:xfrm>
+          <a:prstGeom prst="bentConnector3">
+            <a:avLst/>
+          </a:prstGeom>
+          <a:ln>
+            <a:tailEnd type="triangle"/>
+          </a:ln>
+        </p:spPr>
+        <p:style>
+          <a:lnRef idx="1">
+            <a:schemeClr val="accent1"/>
+          </a:lnRef>
+          <a:fillRef idx="0">
+            <a:schemeClr val="accent1"/>
+          </a:fillRef>
+          <a:effectRef idx="0">
+            <a:schemeClr val="accent1"/>
+          </a:effectRef>
+          <a:fontRef idx="minor">
+            <a:schemeClr val="tx1"/>
+          </a:fontRef>
+        </p:style>
+      </p:cxnSp>
+      <p:sp>
+        <p:nvSpPr>
+          <p:cNvPr id="32" name="Rectangle 31">
+            <a:extLst>
+              <a:ext uri="{FF2B5EF4-FFF2-40B4-BE49-F238E27FC236}">
+                <a16:creationId xmlns:a16="http://schemas.microsoft.com/office/drawing/2014/main" id="{D7FFE257-612A-412A-83FC-0A9843316AFC}"/>
               </a:ext>
             </a:extLst>
           </p:cNvPr>
@@ -9882,14 +10090,14 @@
         </p:nvSpPr>
         <p:spPr>
           <a:xfrm>
-            <a:off x="5514455" y="4844001"/>
+            <a:off x="6300192" y="4890256"/>
             <a:ext cx="936104" cy="404246"/>
           </a:xfrm>
           <a:prstGeom prst="rect">
             <a:avLst/>
           </a:prstGeom>
           <a:solidFill>
-            <a:srgbClr val="0070C0"/>
+            <a:srgbClr val="92D050"/>
           </a:solidFill>
         </p:spPr>
         <p:style>
@@ -9915,30 +10123,228 @@
             <a:pPr algn="ctr"/>
             <a:r>
               <a:rPr lang="en-US" dirty="0"/>
-              <a:t>F</a:t>
+              <a:t>C</a:t>
             </a:r>
           </a:p>
         </p:txBody>
       </p:sp>
       <p:cxnSp>
         <p:nvCxnSpPr>
-          <p:cNvPr id="23" name="Connector: Elbow 22">
+          <p:cNvPr id="33" name="Connector: Elbow 32">
             <a:extLst>
               <a:ext uri="{FF2B5EF4-FFF2-40B4-BE49-F238E27FC236}">
-                <a16:creationId xmlns:a16="http://schemas.microsoft.com/office/drawing/2014/main" id="{CFEBFD66-D5E7-4C7C-8553-8D3319A2E610}"/>
+                <a16:creationId xmlns:a16="http://schemas.microsoft.com/office/drawing/2014/main" id="{0B8015FC-AAF2-408A-836D-DA8BE2901AA0}"/>
               </a:ext>
             </a:extLst>
           </p:cNvPr>
           <p:cNvCxnSpPr>
-            <a:stCxn id="17" idx="2"/>
-            <a:endCxn id="20" idx="0"/>
+            <a:stCxn id="24" idx="2"/>
+            <a:endCxn id="32" idx="0"/>
           </p:cNvCxnSpPr>
           <p:nvPr/>
         </p:nvCxnSpPr>
         <p:spPr>
+          <a:xfrm rot="16200000" flipH="1">
+            <a:off x="5124788" y="3246800"/>
+            <a:ext cx="766632" cy="2520280"/>
+          </a:xfrm>
+          <a:prstGeom prst="bentConnector3">
+            <a:avLst/>
+          </a:prstGeom>
+          <a:ln>
+            <a:tailEnd type="triangle"/>
+          </a:ln>
+        </p:spPr>
+        <p:style>
+          <a:lnRef idx="1">
+            <a:schemeClr val="accent1"/>
+          </a:lnRef>
+          <a:fillRef idx="0">
+            <a:schemeClr val="accent1"/>
+          </a:fillRef>
+          <a:effectRef idx="0">
+            <a:schemeClr val="accent1"/>
+          </a:effectRef>
+          <a:fontRef idx="minor">
+            <a:schemeClr val="tx1"/>
+          </a:fontRef>
+        </p:style>
+      </p:cxnSp>
+      <p:sp>
+        <p:nvSpPr>
+          <p:cNvPr id="34" name="Rectangle 33">
+            <a:extLst>
+              <a:ext uri="{FF2B5EF4-FFF2-40B4-BE49-F238E27FC236}">
+                <a16:creationId xmlns:a16="http://schemas.microsoft.com/office/drawing/2014/main" id="{78174E95-B79E-447B-9CD0-12A6EDD05393}"/>
+              </a:ext>
+            </a:extLst>
+          </p:cNvPr>
+          <p:cNvSpPr/>
+          <p:nvPr/>
+        </p:nvSpPr>
+        <p:spPr>
+          <a:xfrm>
+            <a:off x="3779912" y="5699836"/>
+            <a:ext cx="936104" cy="404246"/>
+          </a:xfrm>
+          <a:prstGeom prst="rect">
+            <a:avLst/>
+          </a:prstGeom>
+          <a:solidFill>
+            <a:srgbClr val="92D050"/>
+          </a:solidFill>
+        </p:spPr>
+        <p:style>
+          <a:lnRef idx="2">
+            <a:schemeClr val="accent1">
+              <a:shade val="50000"/>
+            </a:schemeClr>
+          </a:lnRef>
+          <a:fillRef idx="1">
+            <a:schemeClr val="accent1"/>
+          </a:fillRef>
+          <a:effectRef idx="0">
+            <a:schemeClr val="accent1"/>
+          </a:effectRef>
+          <a:fontRef idx="minor">
+            <a:schemeClr val="lt1"/>
+          </a:fontRef>
+        </p:style>
+        <p:txBody>
+          <a:bodyPr rtlCol="0" anchor="ctr"/>
+          <a:lstStyle/>
+          <a:p>
+            <a:pPr algn="ctr"/>
+            <a:r>
+              <a:rPr lang="en-US" dirty="0"/>
+              <a:t>D</a:t>
+            </a:r>
+          </a:p>
+        </p:txBody>
+      </p:sp>
+      <p:sp>
+        <p:nvSpPr>
+          <p:cNvPr id="35" name="Rectangle 34">
+            <a:extLst>
+              <a:ext uri="{FF2B5EF4-FFF2-40B4-BE49-F238E27FC236}">
+                <a16:creationId xmlns:a16="http://schemas.microsoft.com/office/drawing/2014/main" id="{486DC219-EE54-4BC6-AFEB-8FD0E2D6976D}"/>
+              </a:ext>
+            </a:extLst>
+          </p:cNvPr>
+          <p:cNvSpPr/>
+          <p:nvPr/>
+        </p:nvSpPr>
+        <p:spPr>
+          <a:xfrm>
+            <a:off x="6300192" y="5689050"/>
+            <a:ext cx="936104" cy="404246"/>
+          </a:xfrm>
+          <a:prstGeom prst="rect">
+            <a:avLst/>
+          </a:prstGeom>
+          <a:solidFill>
+            <a:srgbClr val="92D050"/>
+          </a:solidFill>
+        </p:spPr>
+        <p:style>
+          <a:lnRef idx="2">
+            <a:schemeClr val="accent1">
+              <a:shade val="50000"/>
+            </a:schemeClr>
+          </a:lnRef>
+          <a:fillRef idx="1">
+            <a:schemeClr val="accent1"/>
+          </a:fillRef>
+          <a:effectRef idx="0">
+            <a:schemeClr val="accent1"/>
+          </a:effectRef>
+          <a:fontRef idx="minor">
+            <a:schemeClr val="lt1"/>
+          </a:fontRef>
+        </p:style>
+        <p:txBody>
+          <a:bodyPr rtlCol="0" anchor="ctr"/>
+          <a:lstStyle/>
+          <a:p>
+            <a:pPr algn="ctr"/>
+            <a:r>
+              <a:rPr lang="en-US" dirty="0"/>
+              <a:t>E</a:t>
+            </a:r>
+          </a:p>
+        </p:txBody>
+      </p:sp>
+      <p:sp>
+        <p:nvSpPr>
+          <p:cNvPr id="36" name="Rectangle 35">
+            <a:extLst>
+              <a:ext uri="{FF2B5EF4-FFF2-40B4-BE49-F238E27FC236}">
+                <a16:creationId xmlns:a16="http://schemas.microsoft.com/office/drawing/2014/main" id="{E1B89379-B441-4536-9FCA-D276B19A661C}"/>
+              </a:ext>
+            </a:extLst>
+          </p:cNvPr>
+          <p:cNvSpPr/>
+          <p:nvPr/>
+        </p:nvSpPr>
+        <p:spPr>
+          <a:xfrm>
+            <a:off x="6300192" y="6481138"/>
+            <a:ext cx="936104" cy="404246"/>
+          </a:xfrm>
+          <a:prstGeom prst="rect">
+            <a:avLst/>
+          </a:prstGeom>
+          <a:solidFill>
+            <a:srgbClr val="0070C0"/>
+          </a:solidFill>
+        </p:spPr>
+        <p:style>
+          <a:lnRef idx="2">
+            <a:schemeClr val="accent1">
+              <a:shade val="50000"/>
+            </a:schemeClr>
+          </a:lnRef>
+          <a:fillRef idx="1">
+            <a:schemeClr val="accent1"/>
+          </a:fillRef>
+          <a:effectRef idx="0">
+            <a:schemeClr val="accent1"/>
+          </a:effectRef>
+          <a:fontRef idx="minor">
+            <a:schemeClr val="lt1"/>
+          </a:fontRef>
+        </p:style>
+        <p:txBody>
+          <a:bodyPr rtlCol="0" anchor="ctr"/>
+          <a:lstStyle/>
+          <a:p>
+            <a:pPr algn="ctr"/>
+            <a:r>
+              <a:rPr lang="en-US" dirty="0"/>
+              <a:t>F</a:t>
+            </a:r>
+          </a:p>
+        </p:txBody>
+      </p:sp>
+      <p:cxnSp>
+        <p:nvCxnSpPr>
+          <p:cNvPr id="37" name="Connector: Elbow 36">
+            <a:extLst>
+              <a:ext uri="{FF2B5EF4-FFF2-40B4-BE49-F238E27FC236}">
+                <a16:creationId xmlns:a16="http://schemas.microsoft.com/office/drawing/2014/main" id="{B5433448-B505-4B7A-8042-F4D6B5B9F27D}"/>
+              </a:ext>
+            </a:extLst>
+          </p:cNvPr>
+          <p:cNvCxnSpPr>
+            <a:stCxn id="30" idx="2"/>
+            <a:endCxn id="34" idx="0"/>
+          </p:cNvCxnSpPr>
+          <p:nvPr/>
+        </p:nvCxnSpPr>
+        <p:spPr>
           <a:xfrm rot="5400000">
-            <a:off x="5785233" y="3854639"/>
-            <a:ext cx="394548" cy="12700"/>
+            <a:off x="4045297" y="5497169"/>
+            <a:ext cx="405334" cy="12700"/>
           </a:xfrm>
           <a:prstGeom prst="bentConnector3">
             <a:avLst/>
@@ -9964,23 +10370,23 @@
       </p:cxnSp>
       <p:cxnSp>
         <p:nvCxnSpPr>
-          <p:cNvPr id="24" name="Connector: Elbow 23">
+          <p:cNvPr id="38" name="Connector: Elbow 37">
             <a:extLst>
               <a:ext uri="{FF2B5EF4-FFF2-40B4-BE49-F238E27FC236}">
-                <a16:creationId xmlns:a16="http://schemas.microsoft.com/office/drawing/2014/main" id="{47FD5801-5B27-4214-8377-A478F93D156E}"/>
+                <a16:creationId xmlns:a16="http://schemas.microsoft.com/office/drawing/2014/main" id="{41CA6787-2A9E-4B3C-A1CA-A4C1A9B06063}"/>
               </a:ext>
             </a:extLst>
           </p:cNvPr>
           <p:cNvCxnSpPr>
-            <a:stCxn id="20" idx="2"/>
-            <a:endCxn id="21" idx="0"/>
+            <a:stCxn id="32" idx="2"/>
+            <a:endCxn id="35" idx="0"/>
           </p:cNvCxnSpPr>
           <p:nvPr/>
         </p:nvCxnSpPr>
         <p:spPr>
           <a:xfrm rot="5400000">
-            <a:off x="5788586" y="4650080"/>
-            <a:ext cx="387842" cy="12700"/>
+            <a:off x="6570970" y="5491776"/>
+            <a:ext cx="394548" cy="12700"/>
           </a:xfrm>
           <a:prstGeom prst="bentConnector3">
             <a:avLst/>
@@ -10004,12 +10410,54 @@
           </a:fontRef>
         </p:style>
       </p:cxnSp>
-      <p:sp>
-        <p:nvSpPr>
-          <p:cNvPr id="25" name="Rectangle 24">
+      <p:cxnSp>
+        <p:nvCxnSpPr>
+          <p:cNvPr id="39" name="Connector: Elbow 38">
             <a:extLst>
               <a:ext uri="{FF2B5EF4-FFF2-40B4-BE49-F238E27FC236}">
-                <a16:creationId xmlns:a16="http://schemas.microsoft.com/office/drawing/2014/main" id="{18FC6730-78A5-410F-8584-D65E8D491623}"/>
+                <a16:creationId xmlns:a16="http://schemas.microsoft.com/office/drawing/2014/main" id="{0EF21853-4375-437A-8C99-513C7EEC351C}"/>
+              </a:ext>
+            </a:extLst>
+          </p:cNvPr>
+          <p:cNvCxnSpPr>
+            <a:stCxn id="35" idx="2"/>
+            <a:endCxn id="36" idx="0"/>
+          </p:cNvCxnSpPr>
+          <p:nvPr/>
+        </p:nvCxnSpPr>
+        <p:spPr>
+          <a:xfrm rot="5400000">
+            <a:off x="6574323" y="6287217"/>
+            <a:ext cx="387842" cy="12700"/>
+          </a:xfrm>
+          <a:prstGeom prst="bentConnector3">
+            <a:avLst/>
+          </a:prstGeom>
+          <a:ln>
+            <a:tailEnd type="triangle"/>
+          </a:ln>
+        </p:spPr>
+        <p:style>
+          <a:lnRef idx="1">
+            <a:schemeClr val="accent1"/>
+          </a:lnRef>
+          <a:fillRef idx="0">
+            <a:schemeClr val="accent1"/>
+          </a:fillRef>
+          <a:effectRef idx="0">
+            <a:schemeClr val="accent1"/>
+          </a:effectRef>
+          <a:fontRef idx="minor">
+            <a:schemeClr val="tx1"/>
+          </a:fontRef>
+        </p:style>
+      </p:cxnSp>
+      <p:sp>
+        <p:nvSpPr>
+          <p:cNvPr id="40" name="Rectangle 39">
+            <a:extLst>
+              <a:ext uri="{FF2B5EF4-FFF2-40B4-BE49-F238E27FC236}">
+                <a16:creationId xmlns:a16="http://schemas.microsoft.com/office/drawing/2014/main" id="{62B61C8D-273C-407A-B04C-FACFE1043CED}"/>
               </a:ext>
             </a:extLst>
           </p:cNvPr>
@@ -10018,7 +10466,7 @@
         </p:nvSpPr>
         <p:spPr>
           <a:xfrm>
-            <a:off x="6882606" y="2437750"/>
+            <a:off x="5292080" y="3816842"/>
             <a:ext cx="1152128" cy="300431"/>
           </a:xfrm>
           <a:prstGeom prst="rect">
@@ -10058,10 +10506,10 @@
       </p:sp>
       <p:sp>
         <p:nvSpPr>
-          <p:cNvPr id="26" name="Rectangle 25">
+          <p:cNvPr id="44" name="Rectangle 43">
             <a:extLst>
               <a:ext uri="{FF2B5EF4-FFF2-40B4-BE49-F238E27FC236}">
-                <a16:creationId xmlns:a16="http://schemas.microsoft.com/office/drawing/2014/main" id="{8DBE41CE-2B15-4483-BE63-E69BE04C6EA7}"/>
+                <a16:creationId xmlns:a16="http://schemas.microsoft.com/office/drawing/2014/main" id="{3B594D66-A462-4765-BC8A-D32D09F32D19}"/>
               </a:ext>
             </a:extLst>
           </p:cNvPr>
@@ -10070,7 +10518,7 @@
         </p:nvSpPr>
         <p:spPr>
           <a:xfrm>
-            <a:off x="6076081" y="2959066"/>
+            <a:off x="6861818" y="4596203"/>
             <a:ext cx="910704" cy="300431"/>
           </a:xfrm>
           <a:prstGeom prst="rect">
@@ -10115,10 +10563,10 @@
       </p:sp>
       <p:sp>
         <p:nvSpPr>
-          <p:cNvPr id="27" name="Rectangle 26">
+          <p:cNvPr id="45" name="Rectangle 44">
             <a:extLst>
               <a:ext uri="{FF2B5EF4-FFF2-40B4-BE49-F238E27FC236}">
-                <a16:creationId xmlns:a16="http://schemas.microsoft.com/office/drawing/2014/main" id="{468A5711-0DEB-4395-ACAD-B1CE56647B6B}"/>
+                <a16:creationId xmlns:a16="http://schemas.microsoft.com/office/drawing/2014/main" id="{14AD1F1D-EE6C-48B3-9D5D-29DAFBC781D0}"/>
               </a:ext>
             </a:extLst>
           </p:cNvPr>
@@ -10127,7 +10575,7 @@
         </p:nvSpPr>
         <p:spPr>
           <a:xfrm>
-            <a:off x="6070555" y="3691873"/>
+            <a:off x="6856292" y="5329010"/>
             <a:ext cx="910704" cy="300431"/>
           </a:xfrm>
           <a:prstGeom prst="rect">
@@ -10172,10 +10620,10 @@
       </p:sp>
       <p:sp>
         <p:nvSpPr>
-          <p:cNvPr id="28" name="Rectangle 27">
+          <p:cNvPr id="46" name="Rectangle 45">
             <a:extLst>
               <a:ext uri="{FF2B5EF4-FFF2-40B4-BE49-F238E27FC236}">
-                <a16:creationId xmlns:a16="http://schemas.microsoft.com/office/drawing/2014/main" id="{62FCC91B-1F57-484A-95D1-D98C91FB8219}"/>
+                <a16:creationId xmlns:a16="http://schemas.microsoft.com/office/drawing/2014/main" id="{2B3D4996-6C7F-4D68-86BC-E3B39D99819D}"/>
               </a:ext>
             </a:extLst>
           </p:cNvPr>
@@ -10184,7 +10632,7 @@
         </p:nvSpPr>
         <p:spPr>
           <a:xfrm>
-            <a:off x="6070555" y="4483961"/>
+            <a:off x="6856292" y="6121098"/>
             <a:ext cx="910704" cy="300431"/>
           </a:xfrm>
           <a:prstGeom prst="rect">
@@ -10230,7 +10678,7 @@
     </p:spTree>
     <p:extLst>
       <p:ext uri="{BB962C8B-B14F-4D97-AF65-F5344CB8AC3E}">
-        <p14:creationId xmlns:p14="http://schemas.microsoft.com/office/powerpoint/2010/main" val="2789627557"/>
+        <p14:creationId xmlns:p14="http://schemas.microsoft.com/office/powerpoint/2010/main" val="1042545463"/>
       </p:ext>
     </p:extLst>
   </p:cSld>
@@ -10240,7 +10688,158 @@
 </p:sld>
 </file>
 
-<file path=ppt/slides/slide8.xml><?xml version="1.0" encoding="utf-8"?>
+<file path=ppt/slides/slide5.xml><?xml version="1.0" encoding="utf-8"?>
+<p:sld xmlns:a="http://schemas.openxmlformats.org/drawingml/2006/main" xmlns:r="http://schemas.openxmlformats.org/officeDocument/2006/relationships" xmlns:p="http://schemas.openxmlformats.org/presentationml/2006/main">
+  <p:cSld>
+    <p:spTree>
+      <p:nvGrpSpPr>
+        <p:cNvPr id="1" name=""/>
+        <p:cNvGrpSpPr/>
+        <p:nvPr/>
+      </p:nvGrpSpPr>
+      <p:grpSpPr>
+        <a:xfrm>
+          <a:off x="0" y="0"/>
+          <a:ext cx="0" cy="0"/>
+          <a:chOff x="0" y="0"/>
+          <a:chExt cx="0" cy="0"/>
+        </a:xfrm>
+      </p:grpSpPr>
+      <p:sp>
+        <p:nvSpPr>
+          <p:cNvPr id="2" name="標題 1"/>
+          <p:cNvSpPr>
+            <a:spLocks noGrp="1"/>
+          </p:cNvSpPr>
+          <p:nvPr>
+            <p:ph type="ctrTitle"/>
+          </p:nvPr>
+        </p:nvSpPr>
+        <p:spPr>
+          <a:xfrm>
+            <a:off x="0" y="2130425"/>
+            <a:ext cx="9144000" cy="1470025"/>
+          </a:xfrm>
+          <a:solidFill>
+            <a:srgbClr val="00B0F0"/>
+          </a:solidFill>
+        </p:spPr>
+        <p:txBody>
+          <a:bodyPr>
+            <a:normAutofit/>
+          </a:bodyPr>
+          <a:lstStyle/>
+          <a:p>
+            <a:r>
+              <a:rPr lang="en-US" altLang="zh-TW" sz="4800" b="1" dirty="0">
+                <a:solidFill>
+                  <a:srgbClr val="FFFF00"/>
+                </a:solidFill>
+              </a:rPr>
+              <a:t>39.1 Create Component Tree</a:t>
+            </a:r>
+            <a:endParaRPr lang="zh-TW" altLang="en-US" sz="4800" b="1" dirty="0">
+              <a:solidFill>
+                <a:srgbClr val="FFFF00"/>
+              </a:solidFill>
+            </a:endParaRPr>
+          </a:p>
+        </p:txBody>
+      </p:sp>
+      <p:sp>
+        <p:nvSpPr>
+          <p:cNvPr id="5" name="日期版面配置區 4"/>
+          <p:cNvSpPr>
+            <a:spLocks noGrp="1"/>
+          </p:cNvSpPr>
+          <p:nvPr>
+            <p:ph type="dt" sz="half" idx="10"/>
+          </p:nvPr>
+        </p:nvSpPr>
+        <p:spPr/>
+        <p:txBody>
+          <a:bodyPr/>
+          <a:lstStyle/>
+          <a:p>
+            <a:fld id="{C389EDC9-19E3-47AC-9C57-C6A24DEA81AD}" type="datetime1">
+              <a:rPr lang="zh-TW" altLang="en-US" smtClean="0"/>
+              <a:pPr/>
+              <a:t>2020/5/25</a:t>
+            </a:fld>
+            <a:endParaRPr lang="zh-TW" altLang="en-US"/>
+          </a:p>
+        </p:txBody>
+      </p:sp>
+      <p:sp>
+        <p:nvSpPr>
+          <p:cNvPr id="6" name="投影片編號版面配置區 5"/>
+          <p:cNvSpPr>
+            <a:spLocks noGrp="1"/>
+          </p:cNvSpPr>
+          <p:nvPr>
+            <p:ph type="sldNum" sz="quarter" idx="12"/>
+          </p:nvPr>
+        </p:nvSpPr>
+        <p:spPr/>
+        <p:txBody>
+          <a:bodyPr/>
+          <a:lstStyle/>
+          <a:p>
+            <a:fld id="{E4D7E63D-91F2-4366-A2C4-1B00C9E2590E}" type="slidenum">
+              <a:rPr lang="zh-TW" altLang="en-US" smtClean="0"/>
+              <a:pPr/>
+              <a:t>5</a:t>
+            </a:fld>
+            <a:endParaRPr lang="zh-TW" altLang="en-US"/>
+          </a:p>
+        </p:txBody>
+      </p:sp>
+      <p:pic>
+        <p:nvPicPr>
+          <p:cNvPr id="2050" name="Picture 2"/>
+          <p:cNvPicPr>
+            <a:picLocks noChangeAspect="1" noChangeArrowheads="1"/>
+          </p:cNvPicPr>
+          <p:nvPr/>
+        </p:nvPicPr>
+        <p:blipFill>
+          <a:blip r:embed="rId2" cstate="print"/>
+          <a:srcRect/>
+          <a:stretch>
+            <a:fillRect/>
+          </a:stretch>
+        </p:blipFill>
+        <p:spPr bwMode="auto">
+          <a:xfrm>
+            <a:off x="4283968" y="3717032"/>
+            <a:ext cx="713805" cy="644588"/>
+          </a:xfrm>
+          <a:prstGeom prst="rect">
+            <a:avLst/>
+          </a:prstGeom>
+          <a:noFill/>
+          <a:ln w="9525">
+            <a:noFill/>
+            <a:miter lim="800000"/>
+            <a:headEnd/>
+            <a:tailEnd/>
+          </a:ln>
+        </p:spPr>
+      </p:pic>
+    </p:spTree>
+    <p:extLst>
+      <p:ext uri="{BB962C8B-B14F-4D97-AF65-F5344CB8AC3E}">
+        <p14:creationId xmlns:p14="http://schemas.microsoft.com/office/powerpoint/2010/main" val="3248808944"/>
+      </p:ext>
+    </p:extLst>
+  </p:cSld>
+  <p:clrMapOvr>
+    <a:masterClrMapping/>
+  </p:clrMapOvr>
+</p:sld>
+</file>
+
+<file path=ppt/slides/slide6.xml><?xml version="1.0" encoding="utf-8"?>
 <p:sld xmlns:a="http://schemas.openxmlformats.org/drawingml/2006/main" xmlns:r="http://schemas.openxmlformats.org/officeDocument/2006/relationships" xmlns:p="http://schemas.openxmlformats.org/presentationml/2006/main">
   <p:cSld>
     <p:spTree>
@@ -10334,8 +10933,8 @@
         </p:nvSpPr>
         <p:spPr>
           <a:xfrm>
-            <a:off x="467544" y="1340766"/>
-            <a:ext cx="4933705" cy="2880321"/>
+            <a:off x="467544" y="1340767"/>
+            <a:ext cx="8352928" cy="971927"/>
           </a:xfrm>
           <a:ln>
             <a:solidFill>
@@ -10377,31 +10976,13 @@
               <a:buChar char="u"/>
             </a:pPr>
             <a:r>
-              <a:rPr lang="en-US" altLang="zh-TW" sz="1800" b="1" dirty="0">
+              <a:rPr lang="en-US" altLang="zh-TW" sz="1800" dirty="0">
                 <a:solidFill>
                   <a:schemeClr val="tx1"/>
                 </a:solidFill>
                 <a:latin typeface="+mj-lt"/>
               </a:rPr>
-              <a:t>Now, how to pass data from App Component to </a:t>
-            </a:r>
-            <a:r>
-              <a:rPr lang="en-US" altLang="zh-TW" sz="1800" b="1" dirty="0" err="1">
-                <a:solidFill>
-                  <a:schemeClr val="tx1"/>
-                </a:solidFill>
-                <a:latin typeface="+mj-lt"/>
-              </a:rPr>
-              <a:t>ComponentF</a:t>
-            </a:r>
-            <a:r>
-              <a:rPr lang="en-US" altLang="zh-TW" sz="1800" b="1" dirty="0">
-                <a:solidFill>
-                  <a:schemeClr val="tx1"/>
-                </a:solidFill>
-                <a:latin typeface="+mj-lt"/>
-              </a:rPr>
-              <a:t> using context.</a:t>
+              <a:t>Create ComponentC.js, CompoentE.js, and ComponentF.js for appropriate level.</a:t>
             </a:r>
           </a:p>
           <a:p>
@@ -10414,87 +10995,50 @@
               <a:buChar char="u"/>
             </a:pPr>
             <a:r>
-              <a:rPr lang="en-US" altLang="zh-TW" sz="1800" b="1" dirty="0">
+              <a:rPr lang="en-US" altLang="zh-TW" sz="1800" dirty="0">
                 <a:solidFill>
                   <a:schemeClr val="tx1"/>
                 </a:solidFill>
                 <a:latin typeface="+mj-lt"/>
               </a:rPr>
-              <a:t>There are three steps to implement when making use of context.</a:t>
-            </a:r>
-          </a:p>
-          <a:p>
-            <a:pPr marL="342900" indent="-342900" algn="l">
-              <a:buClr>
-                <a:srgbClr val="0070C0"/>
-              </a:buClr>
-              <a:buSzPct val="80000"/>
-              <a:buFont typeface="+mj-lt"/>
-              <a:buAutoNum type="arabicPeriod"/>
-            </a:pPr>
-            <a:r>
-              <a:rPr lang="en-US" altLang="zh-TW" sz="1800" b="1" dirty="0">
+              <a:t>In App.js, we have </a:t>
+            </a:r>
+            <a:r>
+              <a:rPr lang="en-US" altLang="zh-TW" sz="1800" dirty="0" err="1">
                 <a:solidFill>
                   <a:schemeClr val="tx1"/>
                 </a:solidFill>
                 <a:latin typeface="+mj-lt"/>
               </a:rPr>
-              <a:t>Create the context.</a:t>
-            </a:r>
-          </a:p>
-          <a:p>
-            <a:pPr marL="342900" indent="-342900" algn="l">
-              <a:buClr>
-                <a:srgbClr val="0070C0"/>
-              </a:buClr>
-              <a:buSzPct val="80000"/>
-              <a:buFont typeface="+mj-lt"/>
-              <a:buAutoNum type="arabicPeriod"/>
-            </a:pPr>
-            <a:r>
-              <a:rPr lang="en-US" altLang="zh-TW" sz="1800" b="1" dirty="0">
+              <a:t>ComponentC</a:t>
+            </a:r>
+            <a:r>
+              <a:rPr lang="en-US" altLang="zh-TW" sz="1800" dirty="0">
                 <a:solidFill>
                   <a:schemeClr val="tx1"/>
                 </a:solidFill>
                 <a:latin typeface="+mj-lt"/>
               </a:rPr>
-              <a:t>Provide a context value.</a:t>
-            </a:r>
-          </a:p>
-          <a:p>
-            <a:pPr marL="342900" indent="-342900" algn="l">
-              <a:buClr>
-                <a:srgbClr val="0070C0"/>
-              </a:buClr>
-              <a:buSzPct val="80000"/>
-              <a:buFont typeface="+mj-lt"/>
-              <a:buAutoNum type="arabicPeriod"/>
-            </a:pPr>
-            <a:r>
-              <a:rPr lang="en-US" altLang="zh-TW" sz="1800" b="1" dirty="0">
+              <a:t>. In </a:t>
+            </a:r>
+            <a:r>
+              <a:rPr lang="en-US" altLang="zh-TW" sz="1800" dirty="0" err="1">
                 <a:solidFill>
                   <a:schemeClr val="tx1"/>
                 </a:solidFill>
                 <a:latin typeface="+mj-lt"/>
               </a:rPr>
-              <a:t>Consume the context value in the necessary component.</a:t>
-            </a:r>
-          </a:p>
-          <a:p>
-            <a:pPr marL="342900" indent="-342900" algn="l">
-              <a:buClr>
-                <a:srgbClr val="0070C0"/>
-              </a:buClr>
-              <a:buSzPct val="80000"/>
-              <a:buFont typeface="Wingdings" pitchFamily="2" charset="2"/>
-              <a:buChar char="u"/>
-            </a:pPr>
-            <a:endParaRPr lang="en-US" altLang="zh-TW" sz="1800" b="1" dirty="0">
-              <a:solidFill>
-                <a:schemeClr val="tx1"/>
-              </a:solidFill>
-              <a:latin typeface="+mj-lt"/>
-            </a:endParaRPr>
+              <a:t>ComponentC</a:t>
+            </a:r>
+            <a:r>
+              <a:rPr lang="en-US" altLang="zh-TW" sz="1800" dirty="0">
+                <a:solidFill>
+                  <a:schemeClr val="tx1"/>
+                </a:solidFill>
+                <a:latin typeface="+mj-lt"/>
+              </a:rPr>
+              <a:t>, we have Component E.</a:t>
+            </a:r>
           </a:p>
         </p:txBody>
       </p:sp>
@@ -10580,7 +11124,7 @@
             <a:fld id="{A4F910E6-8D00-4BAF-8C48-9688E0B449D3}" type="datetime1">
               <a:rPr lang="zh-TW" altLang="en-US" smtClean="0"/>
               <a:pPr/>
-              <a:t>2020/4/10</a:t>
+              <a:t>2020/5/25</a:t>
             </a:fld>
             <a:endParaRPr lang="zh-TW" altLang="en-US"/>
           </a:p>
@@ -10609,576 +11153,86 @@
             <a:fld id="{E4D7E63D-91F2-4366-A2C4-1B00C9E2590E}" type="slidenum">
               <a:rPr lang="zh-TW" altLang="en-US" smtClean="0"/>
               <a:pPr/>
-              <a:t>8</a:t>
+              <a:t>6</a:t>
             </a:fld>
             <a:endParaRPr lang="zh-TW" altLang="en-US"/>
           </a:p>
         </p:txBody>
       </p:sp>
-      <p:sp>
-        <p:nvSpPr>
-          <p:cNvPr id="12" name="Rectangle 11">
+      <p:pic>
+        <p:nvPicPr>
+          <p:cNvPr id="7" name="Picture 6">
             <a:extLst>
               <a:ext uri="{FF2B5EF4-FFF2-40B4-BE49-F238E27FC236}">
-                <a16:creationId xmlns:a16="http://schemas.microsoft.com/office/drawing/2014/main" id="{3A7BE3B0-C63E-4A2F-93AD-7B063F2A34CF}"/>
+                <a16:creationId xmlns:a16="http://schemas.microsoft.com/office/drawing/2014/main" id="{186CC305-4F46-455B-9FA9-948A19C372D6}"/>
               </a:ext>
             </a:extLst>
           </p:cNvPr>
-          <p:cNvSpPr/>
+          <p:cNvPicPr>
+            <a:picLocks noChangeAspect="1"/>
+          </p:cNvPicPr>
           <p:nvPr/>
-        </p:nvSpPr>
-        <p:spPr>
-          <a:xfrm>
-            <a:off x="5937475" y="1440759"/>
-            <a:ext cx="1656184" cy="432048"/>
+        </p:nvPicPr>
+        <p:blipFill>
+          <a:blip r:embed="rId3"/>
+          <a:stretch>
+            <a:fillRect/>
+          </a:stretch>
+        </p:blipFill>
+        <p:spPr>
+          <a:xfrm>
+            <a:off x="487506" y="2581922"/>
+            <a:ext cx="4123265" cy="2719286"/>
           </a:xfrm>
           <a:prstGeom prst="rect">
             <a:avLst/>
           </a:prstGeom>
-          <a:solidFill>
-            <a:schemeClr val="accent2">
-              <a:lumMod val="75000"/>
-            </a:schemeClr>
-          </a:solidFill>
-        </p:spPr>
-        <p:style>
-          <a:lnRef idx="2">
-            <a:schemeClr val="accent1">
-              <a:shade val="50000"/>
-            </a:schemeClr>
-          </a:lnRef>
-          <a:fillRef idx="1">
-            <a:schemeClr val="accent1"/>
-          </a:fillRef>
-          <a:effectRef idx="0">
-            <a:schemeClr val="accent1"/>
-          </a:effectRef>
-          <a:fontRef idx="minor">
-            <a:schemeClr val="lt1"/>
-          </a:fontRef>
-        </p:style>
-        <p:txBody>
-          <a:bodyPr rtlCol="0" anchor="ctr"/>
-          <a:lstStyle/>
-          <a:p>
-            <a:pPr algn="ctr"/>
-            <a:r>
-              <a:rPr lang="en-US" dirty="0" err="1"/>
-              <a:t>AppComponent</a:t>
-            </a:r>
-            <a:endParaRPr lang="en-US" dirty="0"/>
-          </a:p>
-        </p:txBody>
-      </p:sp>
-      <p:sp>
-        <p:nvSpPr>
-          <p:cNvPr id="17" name="Rectangle 16">
+          <a:ln>
+            <a:solidFill>
+              <a:srgbClr val="C00000"/>
+            </a:solidFill>
+          </a:ln>
+        </p:spPr>
+      </p:pic>
+      <p:pic>
+        <p:nvPicPr>
+          <p:cNvPr id="8" name="Picture 7">
             <a:extLst>
               <a:ext uri="{FF2B5EF4-FFF2-40B4-BE49-F238E27FC236}">
-                <a16:creationId xmlns:a16="http://schemas.microsoft.com/office/drawing/2014/main" id="{2AFDC503-0347-4313-B5BC-1ED9677F4053}"/>
+                <a16:creationId xmlns:a16="http://schemas.microsoft.com/office/drawing/2014/main" id="{7226244F-B85D-48C4-B20F-4AA8E68290CF}"/>
               </a:ext>
             </a:extLst>
           </p:cNvPr>
-          <p:cNvSpPr/>
+          <p:cNvPicPr>
+            <a:picLocks noChangeAspect="1"/>
+          </p:cNvPicPr>
           <p:nvPr/>
-        </p:nvSpPr>
-        <p:spPr>
-          <a:xfrm>
-            <a:off x="6303866" y="2422456"/>
-            <a:ext cx="936104" cy="404246"/>
+        </p:nvPicPr>
+        <p:blipFill>
+          <a:blip r:embed="rId4"/>
+          <a:stretch>
+            <a:fillRect/>
+          </a:stretch>
+        </p:blipFill>
+        <p:spPr>
+          <a:xfrm>
+            <a:off x="4704473" y="2581923"/>
+            <a:ext cx="3611944" cy="2822636"/>
           </a:xfrm>
           <a:prstGeom prst="rect">
             <a:avLst/>
           </a:prstGeom>
-          <a:solidFill>
-            <a:srgbClr val="92D050"/>
-          </a:solidFill>
-        </p:spPr>
-        <p:style>
-          <a:lnRef idx="2">
-            <a:schemeClr val="accent1">
-              <a:shade val="50000"/>
-            </a:schemeClr>
-          </a:lnRef>
-          <a:fillRef idx="1">
-            <a:schemeClr val="accent1"/>
-          </a:fillRef>
-          <a:effectRef idx="0">
-            <a:schemeClr val="accent1"/>
-          </a:effectRef>
-          <a:fontRef idx="minor">
-            <a:schemeClr val="lt1"/>
-          </a:fontRef>
-        </p:style>
-        <p:txBody>
-          <a:bodyPr rtlCol="0" anchor="ctr"/>
-          <a:lstStyle/>
-          <a:p>
-            <a:pPr algn="ctr"/>
-            <a:r>
-              <a:rPr lang="en-US" dirty="0"/>
-              <a:t>C</a:t>
-            </a:r>
-          </a:p>
-        </p:txBody>
-      </p:sp>
-      <p:cxnSp>
-        <p:nvCxnSpPr>
-          <p:cNvPr id="18" name="Connector: Elbow 17">
-            <a:extLst>
-              <a:ext uri="{FF2B5EF4-FFF2-40B4-BE49-F238E27FC236}">
-                <a16:creationId xmlns:a16="http://schemas.microsoft.com/office/drawing/2014/main" id="{DF9A5A7B-3151-4201-B5EB-698754093163}"/>
-              </a:ext>
-            </a:extLst>
-          </p:cNvPr>
-          <p:cNvCxnSpPr>
-            <a:stCxn id="12" idx="2"/>
-            <a:endCxn id="17" idx="0"/>
-          </p:cNvCxnSpPr>
-          <p:nvPr/>
-        </p:nvCxnSpPr>
-        <p:spPr>
-          <a:xfrm rot="16200000" flipH="1">
-            <a:off x="6493918" y="2144455"/>
-            <a:ext cx="549649" cy="6351"/>
-          </a:xfrm>
-          <a:prstGeom prst="bentConnector3">
-            <a:avLst/>
-          </a:prstGeom>
           <a:ln>
-            <a:tailEnd type="triangle"/>
+            <a:solidFill>
+              <a:srgbClr val="C00000"/>
+            </a:solidFill>
           </a:ln>
         </p:spPr>
-        <p:style>
-          <a:lnRef idx="1">
-            <a:schemeClr val="accent1"/>
-          </a:lnRef>
-          <a:fillRef idx="0">
-            <a:schemeClr val="accent1"/>
-          </a:fillRef>
-          <a:effectRef idx="0">
-            <a:schemeClr val="accent1"/>
-          </a:effectRef>
-          <a:fontRef idx="minor">
-            <a:schemeClr val="tx1"/>
-          </a:fontRef>
-        </p:style>
-      </p:cxnSp>
-      <p:sp>
-        <p:nvSpPr>
-          <p:cNvPr id="20" name="Rectangle 19">
-            <a:extLst>
-              <a:ext uri="{FF2B5EF4-FFF2-40B4-BE49-F238E27FC236}">
-                <a16:creationId xmlns:a16="http://schemas.microsoft.com/office/drawing/2014/main" id="{EE151B12-151C-4C05-9754-0030C6F65B44}"/>
-              </a:ext>
-            </a:extLst>
-          </p:cNvPr>
-          <p:cNvSpPr/>
-          <p:nvPr/>
-        </p:nvSpPr>
-        <p:spPr>
-          <a:xfrm>
-            <a:off x="6303866" y="3221250"/>
-            <a:ext cx="936104" cy="404246"/>
-          </a:xfrm>
-          <a:prstGeom prst="rect">
-            <a:avLst/>
-          </a:prstGeom>
-          <a:solidFill>
-            <a:srgbClr val="92D050"/>
-          </a:solidFill>
-        </p:spPr>
-        <p:style>
-          <a:lnRef idx="2">
-            <a:schemeClr val="accent1">
-              <a:shade val="50000"/>
-            </a:schemeClr>
-          </a:lnRef>
-          <a:fillRef idx="1">
-            <a:schemeClr val="accent1"/>
-          </a:fillRef>
-          <a:effectRef idx="0">
-            <a:schemeClr val="accent1"/>
-          </a:effectRef>
-          <a:fontRef idx="minor">
-            <a:schemeClr val="lt1"/>
-          </a:fontRef>
-        </p:style>
-        <p:txBody>
-          <a:bodyPr rtlCol="0" anchor="ctr"/>
-          <a:lstStyle/>
-          <a:p>
-            <a:pPr algn="ctr"/>
-            <a:r>
-              <a:rPr lang="en-US" dirty="0"/>
-              <a:t>E</a:t>
-            </a:r>
-          </a:p>
-        </p:txBody>
-      </p:sp>
-      <p:sp>
-        <p:nvSpPr>
-          <p:cNvPr id="21" name="Rectangle 20">
-            <a:extLst>
-              <a:ext uri="{FF2B5EF4-FFF2-40B4-BE49-F238E27FC236}">
-                <a16:creationId xmlns:a16="http://schemas.microsoft.com/office/drawing/2014/main" id="{7EE0CF29-B1D2-4F77-BF5B-5F25224B063B}"/>
-              </a:ext>
-            </a:extLst>
-          </p:cNvPr>
-          <p:cNvSpPr/>
-          <p:nvPr/>
-        </p:nvSpPr>
-        <p:spPr>
-          <a:xfrm>
-            <a:off x="6303866" y="4013338"/>
-            <a:ext cx="936104" cy="404246"/>
-          </a:xfrm>
-          <a:prstGeom prst="rect">
-            <a:avLst/>
-          </a:prstGeom>
-          <a:solidFill>
-            <a:srgbClr val="0070C0"/>
-          </a:solidFill>
-        </p:spPr>
-        <p:style>
-          <a:lnRef idx="2">
-            <a:schemeClr val="accent1">
-              <a:shade val="50000"/>
-            </a:schemeClr>
-          </a:lnRef>
-          <a:fillRef idx="1">
-            <a:schemeClr val="accent1"/>
-          </a:fillRef>
-          <a:effectRef idx="0">
-            <a:schemeClr val="accent1"/>
-          </a:effectRef>
-          <a:fontRef idx="minor">
-            <a:schemeClr val="lt1"/>
-          </a:fontRef>
-        </p:style>
-        <p:txBody>
-          <a:bodyPr rtlCol="0" anchor="ctr"/>
-          <a:lstStyle/>
-          <a:p>
-            <a:pPr algn="ctr"/>
-            <a:r>
-              <a:rPr lang="en-US" dirty="0"/>
-              <a:t>F</a:t>
-            </a:r>
-          </a:p>
-        </p:txBody>
-      </p:sp>
-      <p:cxnSp>
-        <p:nvCxnSpPr>
-          <p:cNvPr id="23" name="Connector: Elbow 22">
-            <a:extLst>
-              <a:ext uri="{FF2B5EF4-FFF2-40B4-BE49-F238E27FC236}">
-                <a16:creationId xmlns:a16="http://schemas.microsoft.com/office/drawing/2014/main" id="{CFEBFD66-D5E7-4C7C-8553-8D3319A2E610}"/>
-              </a:ext>
-            </a:extLst>
-          </p:cNvPr>
-          <p:cNvCxnSpPr>
-            <a:stCxn id="17" idx="2"/>
-            <a:endCxn id="20" idx="0"/>
-          </p:cNvCxnSpPr>
-          <p:nvPr/>
-        </p:nvCxnSpPr>
-        <p:spPr>
-          <a:xfrm rot="5400000">
-            <a:off x="6574644" y="3023976"/>
-            <a:ext cx="394548" cy="12700"/>
-          </a:xfrm>
-          <a:prstGeom prst="bentConnector3">
-            <a:avLst/>
-          </a:prstGeom>
-          <a:ln>
-            <a:tailEnd type="triangle"/>
-          </a:ln>
-        </p:spPr>
-        <p:style>
-          <a:lnRef idx="1">
-            <a:schemeClr val="accent1"/>
-          </a:lnRef>
-          <a:fillRef idx="0">
-            <a:schemeClr val="accent1"/>
-          </a:fillRef>
-          <a:effectRef idx="0">
-            <a:schemeClr val="accent1"/>
-          </a:effectRef>
-          <a:fontRef idx="minor">
-            <a:schemeClr val="tx1"/>
-          </a:fontRef>
-        </p:style>
-      </p:cxnSp>
-      <p:cxnSp>
-        <p:nvCxnSpPr>
-          <p:cNvPr id="24" name="Connector: Elbow 23">
-            <a:extLst>
-              <a:ext uri="{FF2B5EF4-FFF2-40B4-BE49-F238E27FC236}">
-                <a16:creationId xmlns:a16="http://schemas.microsoft.com/office/drawing/2014/main" id="{47FD5801-5B27-4214-8377-A478F93D156E}"/>
-              </a:ext>
-            </a:extLst>
-          </p:cNvPr>
-          <p:cNvCxnSpPr>
-            <a:stCxn id="20" idx="2"/>
-            <a:endCxn id="21" idx="0"/>
-          </p:cNvCxnSpPr>
-          <p:nvPr/>
-        </p:nvCxnSpPr>
-        <p:spPr>
-          <a:xfrm rot="5400000">
-            <a:off x="6577997" y="3819417"/>
-            <a:ext cx="387842" cy="12700"/>
-          </a:xfrm>
-          <a:prstGeom prst="bentConnector3">
-            <a:avLst/>
-          </a:prstGeom>
-          <a:ln>
-            <a:tailEnd type="triangle"/>
-          </a:ln>
-        </p:spPr>
-        <p:style>
-          <a:lnRef idx="1">
-            <a:schemeClr val="accent1"/>
-          </a:lnRef>
-          <a:fillRef idx="0">
-            <a:schemeClr val="accent1"/>
-          </a:fillRef>
-          <a:effectRef idx="0">
-            <a:schemeClr val="accent1"/>
-          </a:effectRef>
-          <a:fontRef idx="minor">
-            <a:schemeClr val="tx1"/>
-          </a:fontRef>
-        </p:style>
-      </p:cxnSp>
-      <p:sp>
-        <p:nvSpPr>
-          <p:cNvPr id="25" name="Rectangle 24">
-            <a:extLst>
-              <a:ext uri="{FF2B5EF4-FFF2-40B4-BE49-F238E27FC236}">
-                <a16:creationId xmlns:a16="http://schemas.microsoft.com/office/drawing/2014/main" id="{18FC6730-78A5-410F-8584-D65E8D491623}"/>
-              </a:ext>
-            </a:extLst>
-          </p:cNvPr>
-          <p:cNvSpPr/>
-          <p:nvPr/>
-        </p:nvSpPr>
-        <p:spPr>
-          <a:xfrm>
-            <a:off x="7672017" y="1607087"/>
-            <a:ext cx="1152128" cy="300431"/>
-          </a:xfrm>
-          <a:prstGeom prst="rect">
-            <a:avLst/>
-          </a:prstGeom>
-          <a:solidFill>
-            <a:srgbClr val="00B0F0"/>
-          </a:solidFill>
-        </p:spPr>
-        <p:style>
-          <a:lnRef idx="2">
-            <a:schemeClr val="accent1">
-              <a:shade val="50000"/>
-            </a:schemeClr>
-          </a:lnRef>
-          <a:fillRef idx="1">
-            <a:schemeClr val="accent1"/>
-          </a:fillRef>
-          <a:effectRef idx="0">
-            <a:schemeClr val="accent1"/>
-          </a:effectRef>
-          <a:fontRef idx="minor">
-            <a:schemeClr val="lt1"/>
-          </a:fontRef>
-        </p:style>
-        <p:txBody>
-          <a:bodyPr rtlCol="0" anchor="ctr"/>
-          <a:lstStyle/>
-          <a:p>
-            <a:pPr algn="ctr"/>
-            <a:r>
-              <a:rPr lang="en-US" dirty="0"/>
-              <a:t>username</a:t>
-            </a:r>
-          </a:p>
-        </p:txBody>
-      </p:sp>
-      <p:sp>
-        <p:nvSpPr>
-          <p:cNvPr id="26" name="Rectangle 25">
-            <a:extLst>
-              <a:ext uri="{FF2B5EF4-FFF2-40B4-BE49-F238E27FC236}">
-                <a16:creationId xmlns:a16="http://schemas.microsoft.com/office/drawing/2014/main" id="{8DBE41CE-2B15-4483-BE63-E69BE04C6EA7}"/>
-              </a:ext>
-            </a:extLst>
-          </p:cNvPr>
-          <p:cNvSpPr/>
-          <p:nvPr/>
-        </p:nvSpPr>
-        <p:spPr>
-          <a:xfrm>
-            <a:off x="6865492" y="2128403"/>
-            <a:ext cx="910704" cy="300431"/>
-          </a:xfrm>
-          <a:prstGeom prst="rect">
-            <a:avLst/>
-          </a:prstGeom>
-          <a:noFill/>
-          <a:ln>
-            <a:noFill/>
-          </a:ln>
-        </p:spPr>
-        <p:style>
-          <a:lnRef idx="2">
-            <a:schemeClr val="accent1">
-              <a:shade val="50000"/>
-            </a:schemeClr>
-          </a:lnRef>
-          <a:fillRef idx="1">
-            <a:schemeClr val="accent1"/>
-          </a:fillRef>
-          <a:effectRef idx="0">
-            <a:schemeClr val="accent1"/>
-          </a:effectRef>
-          <a:fontRef idx="minor">
-            <a:schemeClr val="lt1"/>
-          </a:fontRef>
-        </p:style>
-        <p:txBody>
-          <a:bodyPr rtlCol="0" anchor="ctr"/>
-          <a:lstStyle/>
-          <a:p>
-            <a:pPr algn="ctr"/>
-            <a:r>
-              <a:rPr lang="en-US" sz="1400" dirty="0">
-                <a:solidFill>
-                  <a:schemeClr val="tx1"/>
-                </a:solidFill>
-              </a:rPr>
-              <a:t>username</a:t>
-            </a:r>
-          </a:p>
-        </p:txBody>
-      </p:sp>
-      <p:sp>
-        <p:nvSpPr>
-          <p:cNvPr id="27" name="Rectangle 26">
-            <a:extLst>
-              <a:ext uri="{FF2B5EF4-FFF2-40B4-BE49-F238E27FC236}">
-                <a16:creationId xmlns:a16="http://schemas.microsoft.com/office/drawing/2014/main" id="{468A5711-0DEB-4395-ACAD-B1CE56647B6B}"/>
-              </a:ext>
-            </a:extLst>
-          </p:cNvPr>
-          <p:cNvSpPr/>
-          <p:nvPr/>
-        </p:nvSpPr>
-        <p:spPr>
-          <a:xfrm>
-            <a:off x="6859966" y="2861210"/>
-            <a:ext cx="910704" cy="300431"/>
-          </a:xfrm>
-          <a:prstGeom prst="rect">
-            <a:avLst/>
-          </a:prstGeom>
-          <a:noFill/>
-          <a:ln>
-            <a:noFill/>
-          </a:ln>
-        </p:spPr>
-        <p:style>
-          <a:lnRef idx="2">
-            <a:schemeClr val="accent1">
-              <a:shade val="50000"/>
-            </a:schemeClr>
-          </a:lnRef>
-          <a:fillRef idx="1">
-            <a:schemeClr val="accent1"/>
-          </a:fillRef>
-          <a:effectRef idx="0">
-            <a:schemeClr val="accent1"/>
-          </a:effectRef>
-          <a:fontRef idx="minor">
-            <a:schemeClr val="lt1"/>
-          </a:fontRef>
-        </p:style>
-        <p:txBody>
-          <a:bodyPr rtlCol="0" anchor="ctr"/>
-          <a:lstStyle/>
-          <a:p>
-            <a:pPr algn="ctr"/>
-            <a:r>
-              <a:rPr lang="en-US" sz="1400" dirty="0">
-                <a:solidFill>
-                  <a:schemeClr val="tx1"/>
-                </a:solidFill>
-              </a:rPr>
-              <a:t>username</a:t>
-            </a:r>
-          </a:p>
-        </p:txBody>
-      </p:sp>
-      <p:sp>
-        <p:nvSpPr>
-          <p:cNvPr id="28" name="Rectangle 27">
-            <a:extLst>
-              <a:ext uri="{FF2B5EF4-FFF2-40B4-BE49-F238E27FC236}">
-                <a16:creationId xmlns:a16="http://schemas.microsoft.com/office/drawing/2014/main" id="{62FCC91B-1F57-484A-95D1-D98C91FB8219}"/>
-              </a:ext>
-            </a:extLst>
-          </p:cNvPr>
-          <p:cNvSpPr/>
-          <p:nvPr/>
-        </p:nvSpPr>
-        <p:spPr>
-          <a:xfrm>
-            <a:off x="6859966" y="3653298"/>
-            <a:ext cx="910704" cy="300431"/>
-          </a:xfrm>
-          <a:prstGeom prst="rect">
-            <a:avLst/>
-          </a:prstGeom>
-          <a:noFill/>
-          <a:ln>
-            <a:noFill/>
-          </a:ln>
-        </p:spPr>
-        <p:style>
-          <a:lnRef idx="2">
-            <a:schemeClr val="accent1">
-              <a:shade val="50000"/>
-            </a:schemeClr>
-          </a:lnRef>
-          <a:fillRef idx="1">
-            <a:schemeClr val="accent1"/>
-          </a:fillRef>
-          <a:effectRef idx="0">
-            <a:schemeClr val="accent1"/>
-          </a:effectRef>
-          <a:fontRef idx="minor">
-            <a:schemeClr val="lt1"/>
-          </a:fontRef>
-        </p:style>
-        <p:txBody>
-          <a:bodyPr rtlCol="0" anchor="ctr"/>
-          <a:lstStyle/>
-          <a:p>
-            <a:pPr algn="ctr"/>
-            <a:r>
-              <a:rPr lang="en-US" sz="1400" dirty="0">
-                <a:solidFill>
-                  <a:schemeClr val="tx1"/>
-                </a:solidFill>
-              </a:rPr>
-              <a:t>username</a:t>
-            </a:r>
-          </a:p>
-        </p:txBody>
-      </p:sp>
+      </p:pic>
     </p:spTree>
     <p:extLst>
       <p:ext uri="{BB962C8B-B14F-4D97-AF65-F5344CB8AC3E}">
-        <p14:creationId xmlns:p14="http://schemas.microsoft.com/office/powerpoint/2010/main" val="3295848354"/>
+        <p14:creationId xmlns:p14="http://schemas.microsoft.com/office/powerpoint/2010/main" val="4249032118"/>
       </p:ext>
     </p:extLst>
   </p:cSld>
@@ -11188,7 +11242,7 @@
 </p:sld>
 </file>
 
-<file path=ppt/slides/slide9.xml><?xml version="1.0" encoding="utf-8"?>
+<file path=ppt/slides/slide7.xml><?xml version="1.0" encoding="utf-8"?>
 <p:sld xmlns:a="http://schemas.openxmlformats.org/drawingml/2006/main" xmlns:r="http://schemas.openxmlformats.org/officeDocument/2006/relationships" xmlns:p="http://schemas.openxmlformats.org/presentationml/2006/main">
   <p:cSld>
     <p:spTree>
@@ -11282,8 +11336,8 @@
         </p:nvSpPr>
         <p:spPr>
           <a:xfrm>
-            <a:off x="467544" y="1340766"/>
-            <a:ext cx="4933705" cy="1584178"/>
+            <a:off x="467544" y="1340767"/>
+            <a:ext cx="8352928" cy="971927"/>
           </a:xfrm>
           <a:ln>
             <a:solidFill>
@@ -11325,13 +11379,49 @@
               <a:buChar char="u"/>
             </a:pPr>
             <a:r>
-              <a:rPr lang="en-US" altLang="zh-TW" sz="1800" b="1" dirty="0">
+              <a:rPr lang="en-US" altLang="zh-TW" sz="1800" dirty="0">
                 <a:solidFill>
                   <a:schemeClr val="tx1"/>
                 </a:solidFill>
                 <a:latin typeface="+mj-lt"/>
               </a:rPr>
-              <a:t>Started from step 1:</a:t>
+              <a:t>In </a:t>
+            </a:r>
+            <a:r>
+              <a:rPr lang="en-US" altLang="zh-TW" sz="1800" dirty="0" err="1">
+                <a:solidFill>
+                  <a:schemeClr val="tx1"/>
+                </a:solidFill>
+                <a:latin typeface="+mj-lt"/>
+              </a:rPr>
+              <a:t>ComponentE</a:t>
+            </a:r>
+            <a:r>
+              <a:rPr lang="en-US" altLang="zh-TW" sz="1800" dirty="0">
+                <a:solidFill>
+                  <a:schemeClr val="tx1"/>
+                </a:solidFill>
+                <a:latin typeface="+mj-lt"/>
+              </a:rPr>
+              <a:t>, we have </a:t>
+            </a:r>
+            <a:r>
+              <a:rPr lang="en-US" altLang="zh-TW" sz="1800" dirty="0" err="1">
+                <a:solidFill>
+                  <a:schemeClr val="tx1"/>
+                </a:solidFill>
+                <a:latin typeface="+mj-lt"/>
+              </a:rPr>
+              <a:t>ComponentF</a:t>
+            </a:r>
+            <a:r>
+              <a:rPr lang="en-US" altLang="zh-TW" sz="1800" dirty="0">
+                <a:solidFill>
+                  <a:schemeClr val="tx1"/>
+                </a:solidFill>
+                <a:latin typeface="+mj-lt"/>
+              </a:rPr>
+              <a:t>. </a:t>
             </a:r>
           </a:p>
           <a:p>
@@ -11344,67 +11434,32 @@
               <a:buChar char="u"/>
             </a:pPr>
             <a:r>
-              <a:rPr lang="en-US" altLang="zh-TW" sz="1800" b="1" dirty="0">
+              <a:rPr lang="en-US" altLang="zh-TW" sz="1800" dirty="0">
                 <a:solidFill>
                   <a:schemeClr val="tx1"/>
                 </a:solidFill>
                 <a:latin typeface="+mj-lt"/>
               </a:rPr>
-              <a:t>1. </a:t>
-            </a:r>
-            <a:r>
-              <a:rPr lang="en-US" altLang="zh-TW" sz="1800" b="1" dirty="0" err="1">
+              <a:t>In </a:t>
+            </a:r>
+            <a:r>
+              <a:rPr lang="en-US" altLang="zh-TW" sz="1800" dirty="0" err="1">
                 <a:solidFill>
                   <a:schemeClr val="tx1"/>
                 </a:solidFill>
                 <a:latin typeface="+mj-lt"/>
               </a:rPr>
-              <a:t>userCreate</a:t>
-            </a:r>
-            <a:r>
-              <a:rPr lang="en-US" altLang="zh-TW" sz="1800" b="1" dirty="0">
+              <a:t>ComponentF</a:t>
+            </a:r>
+            <a:r>
+              <a:rPr lang="en-US" altLang="zh-TW" sz="1800" dirty="0">
                 <a:solidFill>
                   <a:schemeClr val="tx1"/>
                 </a:solidFill>
                 <a:latin typeface="+mj-lt"/>
               </a:rPr>
-              <a:t> Conext.js</a:t>
-            </a:r>
-          </a:p>
-          <a:p>
-            <a:pPr marL="342900" indent="-342900" algn="l">
-              <a:buClr>
-                <a:srgbClr val="0070C0"/>
-              </a:buClr>
-              <a:buSzPct val="80000"/>
-              <a:buFont typeface="Wingdings" pitchFamily="2" charset="2"/>
-              <a:buChar char="u"/>
-            </a:pPr>
-            <a:r>
-              <a:rPr lang="en-US" altLang="zh-TW" sz="1800" b="1" dirty="0">
-                <a:solidFill>
-                  <a:schemeClr val="tx1"/>
-                </a:solidFill>
-                <a:latin typeface="+mj-lt"/>
-              </a:rPr>
-              <a:t>Create and export the User Provider and User Consumer</a:t>
-            </a:r>
-          </a:p>
-          <a:p>
-            <a:pPr marL="342900" indent="-342900" algn="l">
-              <a:buClr>
-                <a:srgbClr val="0070C0"/>
-              </a:buClr>
-              <a:buSzPct val="80000"/>
-              <a:buFont typeface="Wingdings" pitchFamily="2" charset="2"/>
-              <a:buChar char="u"/>
-            </a:pPr>
-            <a:endParaRPr lang="en-US" altLang="zh-TW" sz="1800" b="1" dirty="0">
-              <a:solidFill>
-                <a:schemeClr val="tx1"/>
-              </a:solidFill>
-              <a:latin typeface="+mj-lt"/>
-            </a:endParaRPr>
+              <a:t>, we render the text in Component F.</a:t>
+            </a:r>
           </a:p>
         </p:txBody>
       </p:sp>
@@ -11490,7 +11545,7 @@
             <a:fld id="{A4F910E6-8D00-4BAF-8C48-9688E0B449D3}" type="datetime1">
               <a:rPr lang="zh-TW" altLang="en-US" smtClean="0"/>
               <a:pPr/>
-              <a:t>2020/4/10</a:t>
+              <a:t>2020/5/25</a:t>
             </a:fld>
             <a:endParaRPr lang="zh-TW" altLang="en-US"/>
           </a:p>
@@ -11519,12 +11574,413 @@
             <a:fld id="{E4D7E63D-91F2-4366-A2C4-1B00C9E2590E}" type="slidenum">
               <a:rPr lang="zh-TW" altLang="en-US" smtClean="0"/>
               <a:pPr/>
-              <a:t>9</a:t>
+              <a:t>7</a:t>
             </a:fld>
             <a:endParaRPr lang="zh-TW" altLang="en-US"/>
           </a:p>
         </p:txBody>
       </p:sp>
+      <p:pic>
+        <p:nvPicPr>
+          <p:cNvPr id="9" name="Picture 8">
+            <a:extLst>
+              <a:ext uri="{FF2B5EF4-FFF2-40B4-BE49-F238E27FC236}">
+                <a16:creationId xmlns:a16="http://schemas.microsoft.com/office/drawing/2014/main" id="{A70A9BCA-F1FA-43D9-8F36-053D8FF40466}"/>
+              </a:ext>
+            </a:extLst>
+          </p:cNvPr>
+          <p:cNvPicPr>
+            <a:picLocks noChangeAspect="1"/>
+          </p:cNvPicPr>
+          <p:nvPr/>
+        </p:nvPicPr>
+        <p:blipFill>
+          <a:blip r:embed="rId3"/>
+          <a:stretch>
+            <a:fillRect/>
+          </a:stretch>
+        </p:blipFill>
+        <p:spPr>
+          <a:xfrm>
+            <a:off x="473264" y="2494316"/>
+            <a:ext cx="3590925" cy="3152775"/>
+          </a:xfrm>
+          <a:prstGeom prst="rect">
+            <a:avLst/>
+          </a:prstGeom>
+          <a:ln>
+            <a:solidFill>
+              <a:srgbClr val="C00000"/>
+            </a:solidFill>
+          </a:ln>
+        </p:spPr>
+      </p:pic>
+      <p:pic>
+        <p:nvPicPr>
+          <p:cNvPr id="10" name="Picture 9">
+            <a:extLst>
+              <a:ext uri="{FF2B5EF4-FFF2-40B4-BE49-F238E27FC236}">
+                <a16:creationId xmlns:a16="http://schemas.microsoft.com/office/drawing/2014/main" id="{44FFF26F-DF7E-49A0-9FA7-053DDC2F4E3F}"/>
+              </a:ext>
+            </a:extLst>
+          </p:cNvPr>
+          <p:cNvPicPr>
+            <a:picLocks noChangeAspect="1"/>
+          </p:cNvPicPr>
+          <p:nvPr/>
+        </p:nvPicPr>
+        <p:blipFill>
+          <a:blip r:embed="rId4"/>
+          <a:stretch>
+            <a:fillRect/>
+          </a:stretch>
+        </p:blipFill>
+        <p:spPr>
+          <a:xfrm>
+            <a:off x="4499992" y="2513816"/>
+            <a:ext cx="3847170" cy="2794726"/>
+          </a:xfrm>
+          <a:prstGeom prst="rect">
+            <a:avLst/>
+          </a:prstGeom>
+          <a:ln>
+            <a:solidFill>
+              <a:srgbClr val="C00000"/>
+            </a:solidFill>
+          </a:ln>
+        </p:spPr>
+      </p:pic>
+    </p:spTree>
+    <p:extLst>
+      <p:ext uri="{BB962C8B-B14F-4D97-AF65-F5344CB8AC3E}">
+        <p14:creationId xmlns:p14="http://schemas.microsoft.com/office/powerpoint/2010/main" val="4146738327"/>
+      </p:ext>
+    </p:extLst>
+  </p:cSld>
+  <p:clrMapOvr>
+    <a:masterClrMapping/>
+  </p:clrMapOvr>
+</p:sld>
+</file>
+
+<file path=ppt/slides/slide8.xml><?xml version="1.0" encoding="utf-8"?>
+<p:sld xmlns:a="http://schemas.openxmlformats.org/drawingml/2006/main" xmlns:r="http://schemas.openxmlformats.org/officeDocument/2006/relationships" xmlns:p="http://schemas.openxmlformats.org/presentationml/2006/main">
+  <p:cSld>
+    <p:spTree>
+      <p:nvGrpSpPr>
+        <p:cNvPr id="1" name=""/>
+        <p:cNvGrpSpPr/>
+        <p:nvPr/>
+      </p:nvGrpSpPr>
+      <p:grpSpPr>
+        <a:xfrm>
+          <a:off x="0" y="0"/>
+          <a:ext cx="0" cy="0"/>
+          <a:chOff x="0" y="0"/>
+          <a:chExt cx="0" cy="0"/>
+        </a:xfrm>
+      </p:grpSpPr>
+      <p:sp>
+        <p:nvSpPr>
+          <p:cNvPr id="2" name="標題 1"/>
+          <p:cNvSpPr>
+            <a:spLocks noGrp="1"/>
+          </p:cNvSpPr>
+          <p:nvPr>
+            <p:ph type="ctrTitle"/>
+          </p:nvPr>
+        </p:nvSpPr>
+        <p:spPr>
+          <a:xfrm>
+            <a:off x="0" y="1"/>
+            <a:ext cx="9144000" cy="764704"/>
+          </a:xfrm>
+          <a:gradFill flip="none" rotWithShape="1">
+            <a:gsLst>
+              <a:gs pos="0">
+                <a:srgbClr val="C00000">
+                  <a:shade val="30000"/>
+                  <a:satMod val="115000"/>
+                </a:srgbClr>
+              </a:gs>
+              <a:gs pos="50000">
+                <a:srgbClr val="C00000">
+                  <a:shade val="67500"/>
+                  <a:satMod val="115000"/>
+                </a:srgbClr>
+              </a:gs>
+              <a:gs pos="100000">
+                <a:srgbClr val="C00000">
+                  <a:shade val="100000"/>
+                  <a:satMod val="115000"/>
+                </a:srgbClr>
+              </a:gs>
+            </a:gsLst>
+            <a:path path="circle">
+              <a:fillToRect t="100000" r="100000"/>
+            </a:path>
+            <a:tileRect l="-100000" b="-100000"/>
+          </a:gradFill>
+        </p:spPr>
+        <p:txBody>
+          <a:bodyPr>
+            <a:normAutofit/>
+          </a:bodyPr>
+          <a:lstStyle/>
+          <a:p>
+            <a:pPr algn="l"/>
+            <a:r>
+              <a:rPr lang="en-US" altLang="zh-TW" b="1" dirty="0">
+                <a:solidFill>
+                  <a:srgbClr val="FFFF00"/>
+                </a:solidFill>
+              </a:rPr>
+              <a:t>39.1 React Context 2</a:t>
+            </a:r>
+            <a:endParaRPr lang="zh-TW" altLang="en-US" b="1" dirty="0">
+              <a:solidFill>
+                <a:srgbClr val="FFFF00"/>
+              </a:solidFill>
+            </a:endParaRPr>
+          </a:p>
+        </p:txBody>
+      </p:sp>
+      <p:sp>
+        <p:nvSpPr>
+          <p:cNvPr id="3" name="副標題 2"/>
+          <p:cNvSpPr>
+            <a:spLocks noGrp="1"/>
+          </p:cNvSpPr>
+          <p:nvPr>
+            <p:ph type="subTitle" idx="1"/>
+          </p:nvPr>
+        </p:nvSpPr>
+        <p:spPr>
+          <a:xfrm>
+            <a:off x="467544" y="1340767"/>
+            <a:ext cx="8352928" cy="648073"/>
+          </a:xfrm>
+          <a:ln>
+            <a:solidFill>
+              <a:srgbClr val="C00000"/>
+            </a:solidFill>
+          </a:ln>
+        </p:spPr>
+        <p:txBody>
+          <a:bodyPr>
+            <a:noAutofit/>
+          </a:bodyPr>
+          <a:lstStyle/>
+          <a:p>
+            <a:pPr marL="342900" indent="-342900" algn="l">
+              <a:buClr>
+                <a:srgbClr val="0070C0"/>
+              </a:buClr>
+              <a:buSzPct val="80000"/>
+              <a:buFont typeface="Wingdings" pitchFamily="2" charset="2"/>
+              <a:buChar char="u"/>
+            </a:pPr>
+            <a:r>
+              <a:rPr lang="en-US" altLang="zh-TW" sz="1800" b="1" dirty="0">
+                <a:solidFill>
+                  <a:schemeClr val="tx1"/>
+                </a:solidFill>
+                <a:latin typeface="+mj-lt"/>
+              </a:rPr>
+              <a:t>Component Tree:</a:t>
+            </a:r>
+          </a:p>
+          <a:p>
+            <a:pPr marL="342900" indent="-342900" algn="l">
+              <a:buClr>
+                <a:srgbClr val="0070C0"/>
+              </a:buClr>
+              <a:buSzPct val="80000"/>
+              <a:buFont typeface="Wingdings" pitchFamily="2" charset="2"/>
+              <a:buChar char="u"/>
+            </a:pPr>
+            <a:r>
+              <a:rPr lang="en-US" altLang="zh-TW" sz="1800" b="1" dirty="0">
+                <a:solidFill>
+                  <a:schemeClr val="tx1"/>
+                </a:solidFill>
+                <a:latin typeface="+mj-lt"/>
+              </a:rPr>
+              <a:t>&gt; </a:t>
+            </a:r>
+            <a:r>
+              <a:rPr lang="en-US" altLang="zh-TW" sz="1800" b="1" dirty="0" err="1">
+                <a:solidFill>
+                  <a:schemeClr val="tx1"/>
+                </a:solidFill>
+                <a:latin typeface="+mj-lt"/>
+              </a:rPr>
+              <a:t>npm</a:t>
+            </a:r>
+            <a:r>
+              <a:rPr lang="en-US" altLang="zh-TW" sz="1800" b="1" dirty="0">
+                <a:solidFill>
+                  <a:schemeClr val="tx1"/>
+                </a:solidFill>
+                <a:latin typeface="+mj-lt"/>
+              </a:rPr>
+              <a:t> start</a:t>
+            </a:r>
+          </a:p>
+        </p:txBody>
+      </p:sp>
+      <p:sp>
+        <p:nvSpPr>
+          <p:cNvPr id="4" name="標題 1"/>
+          <p:cNvSpPr txBox="1">
+            <a:spLocks/>
+          </p:cNvSpPr>
+          <p:nvPr/>
+        </p:nvSpPr>
+        <p:spPr>
+          <a:xfrm>
+            <a:off x="0" y="764704"/>
+            <a:ext cx="9144000" cy="398616"/>
+          </a:xfrm>
+          <a:prstGeom prst="rect">
+            <a:avLst/>
+          </a:prstGeom>
+          <a:gradFill flip="none" rotWithShape="1">
+            <a:gsLst>
+              <a:gs pos="0">
+                <a:srgbClr val="00B0F0">
+                  <a:shade val="30000"/>
+                  <a:satMod val="115000"/>
+                </a:srgbClr>
+              </a:gs>
+              <a:gs pos="50000">
+                <a:srgbClr val="00B0F0">
+                  <a:shade val="67500"/>
+                  <a:satMod val="115000"/>
+                </a:srgbClr>
+              </a:gs>
+              <a:gs pos="100000">
+                <a:srgbClr val="00B0F0">
+                  <a:shade val="100000"/>
+                  <a:satMod val="115000"/>
+                </a:srgbClr>
+              </a:gs>
+            </a:gsLst>
+            <a:path path="circle">
+              <a:fillToRect t="100000" r="100000"/>
+            </a:path>
+            <a:tileRect l="-100000" b="-100000"/>
+          </a:gradFill>
+        </p:spPr>
+        <p:txBody>
+          <a:bodyPr vert="horz" lIns="91440" tIns="45720" rIns="91440" bIns="45720" rtlCol="0" anchor="ctr">
+            <a:normAutofit fontScale="92500"/>
+          </a:bodyPr>
+          <a:lstStyle/>
+          <a:p>
+            <a:r>
+              <a:rPr lang="en-US" sz="1600" dirty="0">
+                <a:hlinkClick r:id="rId2"/>
+              </a:rPr>
+              <a:t>https://www.youtube.com/watch?v=lTjQjWemKgE&amp;list=PLC3y8-rFHvwgg3vaYJgHGnModB54rxOk3&amp;index=39</a:t>
+            </a:r>
+            <a:endParaRPr lang="en-US" altLang="zh-TW" sz="1600" b="1" i="1" dirty="0"/>
+          </a:p>
+        </p:txBody>
+      </p:sp>
+      <p:sp>
+        <p:nvSpPr>
+          <p:cNvPr id="5" name="日期版面配置區 4"/>
+          <p:cNvSpPr>
+            <a:spLocks noGrp="1"/>
+          </p:cNvSpPr>
+          <p:nvPr>
+            <p:ph type="dt" sz="half" idx="10"/>
+          </p:nvPr>
+        </p:nvSpPr>
+        <p:spPr>
+          <a:xfrm>
+            <a:off x="457200" y="6356350"/>
+            <a:ext cx="2133600" cy="404246"/>
+          </a:xfrm>
+        </p:spPr>
+        <p:txBody>
+          <a:bodyPr/>
+          <a:lstStyle/>
+          <a:p>
+            <a:fld id="{A4F910E6-8D00-4BAF-8C48-9688E0B449D3}" type="datetime1">
+              <a:rPr lang="zh-TW" altLang="en-US" smtClean="0"/>
+              <a:pPr/>
+              <a:t>2020/5/25</a:t>
+            </a:fld>
+            <a:endParaRPr lang="zh-TW" altLang="en-US"/>
+          </a:p>
+        </p:txBody>
+      </p:sp>
+      <p:sp>
+        <p:nvSpPr>
+          <p:cNvPr id="6" name="投影片編號版面配置區 5"/>
+          <p:cNvSpPr>
+            <a:spLocks noGrp="1"/>
+          </p:cNvSpPr>
+          <p:nvPr>
+            <p:ph type="sldNum" sz="quarter" idx="12"/>
+          </p:nvPr>
+        </p:nvSpPr>
+        <p:spPr>
+          <a:xfrm>
+            <a:off x="6553200" y="6356350"/>
+            <a:ext cx="2133600" cy="404246"/>
+          </a:xfrm>
+        </p:spPr>
+        <p:txBody>
+          <a:bodyPr/>
+          <a:lstStyle/>
+          <a:p>
+            <a:fld id="{E4D7E63D-91F2-4366-A2C4-1B00C9E2590E}" type="slidenum">
+              <a:rPr lang="zh-TW" altLang="en-US" smtClean="0"/>
+              <a:pPr/>
+              <a:t>8</a:t>
+            </a:fld>
+            <a:endParaRPr lang="zh-TW" altLang="en-US"/>
+          </a:p>
+        </p:txBody>
+      </p:sp>
+      <p:pic>
+        <p:nvPicPr>
+          <p:cNvPr id="11" name="Picture 10">
+            <a:extLst>
+              <a:ext uri="{FF2B5EF4-FFF2-40B4-BE49-F238E27FC236}">
+                <a16:creationId xmlns:a16="http://schemas.microsoft.com/office/drawing/2014/main" id="{984BD0FB-701F-4A58-8AB8-B0FE85CDC09E}"/>
+              </a:ext>
+            </a:extLst>
+          </p:cNvPr>
+          <p:cNvPicPr>
+            <a:picLocks noChangeAspect="1"/>
+          </p:cNvPicPr>
+          <p:nvPr/>
+        </p:nvPicPr>
+        <p:blipFill>
+          <a:blip r:embed="rId3"/>
+          <a:stretch>
+            <a:fillRect/>
+          </a:stretch>
+        </p:blipFill>
+        <p:spPr>
+          <a:xfrm>
+            <a:off x="506725" y="2081375"/>
+            <a:ext cx="4066828" cy="1253197"/>
+          </a:xfrm>
+          <a:prstGeom prst="rect">
+            <a:avLst/>
+          </a:prstGeom>
+          <a:ln>
+            <a:solidFill>
+              <a:srgbClr val="C00000"/>
+            </a:solidFill>
+          </a:ln>
+        </p:spPr>
+      </p:pic>
       <p:sp>
         <p:nvSpPr>
           <p:cNvPr id="12" name="Rectangle 11">
@@ -11539,7 +11995,7 @@
         </p:nvSpPr>
         <p:spPr>
           <a:xfrm>
-            <a:off x="5937475" y="1440759"/>
+            <a:off x="5148064" y="2271422"/>
             <a:ext cx="1656184" cy="432048"/>
           </a:xfrm>
           <a:prstGeom prst="rect">
@@ -11594,7 +12050,7 @@
         </p:nvSpPr>
         <p:spPr>
           <a:xfrm>
-            <a:off x="6303866" y="2422456"/>
+            <a:off x="5514455" y="3253119"/>
             <a:ext cx="936104" cy="404246"/>
           </a:xfrm>
           <a:prstGeom prst="rect">
@@ -11649,7 +12105,7 @@
         </p:nvCxnSpPr>
         <p:spPr>
           <a:xfrm rot="16200000" flipH="1">
-            <a:off x="6493918" y="2144455"/>
+            <a:off x="5704507" y="2975118"/>
             <a:ext cx="549649" cy="6351"/>
           </a:xfrm>
           <a:prstGeom prst="bentConnector3">
@@ -11688,7 +12144,7 @@
         </p:nvSpPr>
         <p:spPr>
           <a:xfrm>
-            <a:off x="6303866" y="3221250"/>
+            <a:off x="5514455" y="4051913"/>
             <a:ext cx="936104" cy="404246"/>
           </a:xfrm>
           <a:prstGeom prst="rect">
@@ -11740,7 +12196,7 @@
         </p:nvSpPr>
         <p:spPr>
           <a:xfrm>
-            <a:off x="6303866" y="4013338"/>
+            <a:off x="5514455" y="4844001"/>
             <a:ext cx="936104" cy="404246"/>
           </a:xfrm>
           <a:prstGeom prst="rect">
@@ -11795,7 +12251,7 @@
         </p:nvCxnSpPr>
         <p:spPr>
           <a:xfrm rot="5400000">
-            <a:off x="6574644" y="3023976"/>
+            <a:off x="5785233" y="3854639"/>
             <a:ext cx="394548" cy="12700"/>
           </a:xfrm>
           <a:prstGeom prst="bentConnector3">
@@ -11837,7 +12293,7 @@
         </p:nvCxnSpPr>
         <p:spPr>
           <a:xfrm rot="5400000">
-            <a:off x="6577997" y="3819417"/>
+            <a:off x="5788586" y="4650080"/>
             <a:ext cx="387842" cy="12700"/>
           </a:xfrm>
           <a:prstGeom prst="bentConnector3">
@@ -11876,7 +12332,7 @@
         </p:nvSpPr>
         <p:spPr>
           <a:xfrm>
-            <a:off x="7672017" y="1607087"/>
+            <a:off x="6882606" y="2437750"/>
             <a:ext cx="1152128" cy="300431"/>
           </a:xfrm>
           <a:prstGeom prst="rect">
@@ -11928,7 +12384,7 @@
         </p:nvSpPr>
         <p:spPr>
           <a:xfrm>
-            <a:off x="6865492" y="2128403"/>
+            <a:off x="6076081" y="2959066"/>
             <a:ext cx="910704" cy="300431"/>
           </a:xfrm>
           <a:prstGeom prst="rect">
@@ -11985,7 +12441,7 @@
         </p:nvSpPr>
         <p:spPr>
           <a:xfrm>
-            <a:off x="6859966" y="2861210"/>
+            <a:off x="6070555" y="3691873"/>
             <a:ext cx="910704" cy="300431"/>
           </a:xfrm>
           <a:prstGeom prst="rect">
@@ -12042,7 +12498,7 @@
         </p:nvSpPr>
         <p:spPr>
           <a:xfrm>
-            <a:off x="6859966" y="3653298"/>
+            <a:off x="6070555" y="4483961"/>
             <a:ext cx="910704" cy="300431"/>
           </a:xfrm>
           <a:prstGeom prst="rect">
@@ -12085,45 +12541,882 @@
           </a:p>
         </p:txBody>
       </p:sp>
-      <p:pic>
-        <p:nvPicPr>
-          <p:cNvPr id="7" name="Picture 6">
-            <a:extLst>
-              <a:ext uri="{FF2B5EF4-FFF2-40B4-BE49-F238E27FC236}">
-                <a16:creationId xmlns:a16="http://schemas.microsoft.com/office/drawing/2014/main" id="{6C04B97D-3B86-43AB-BB17-66FA3DE73F75}"/>
-              </a:ext>
-            </a:extLst>
-          </p:cNvPr>
-          <p:cNvPicPr>
-            <a:picLocks noChangeAspect="1"/>
-          </p:cNvPicPr>
-          <p:nvPr/>
-        </p:nvPicPr>
-        <p:blipFill>
-          <a:blip r:embed="rId3"/>
-          <a:stretch>
-            <a:fillRect/>
-          </a:stretch>
-        </p:blipFill>
-        <p:spPr>
-          <a:xfrm>
-            <a:off x="823982" y="3423373"/>
-            <a:ext cx="3933825" cy="1876425"/>
-          </a:xfrm>
-          <a:prstGeom prst="rect">
-            <a:avLst/>
-          </a:prstGeom>
+    </p:spTree>
+    <p:extLst>
+      <p:ext uri="{BB962C8B-B14F-4D97-AF65-F5344CB8AC3E}">
+        <p14:creationId xmlns:p14="http://schemas.microsoft.com/office/powerpoint/2010/main" val="2789627557"/>
+      </p:ext>
+    </p:extLst>
+  </p:cSld>
+  <p:clrMapOvr>
+    <a:masterClrMapping/>
+  </p:clrMapOvr>
+</p:sld>
+</file>
+
+<file path=ppt/slides/slide9.xml><?xml version="1.0" encoding="utf-8"?>
+<p:sld xmlns:a="http://schemas.openxmlformats.org/drawingml/2006/main" xmlns:r="http://schemas.openxmlformats.org/officeDocument/2006/relationships" xmlns:p="http://schemas.openxmlformats.org/presentationml/2006/main">
+  <p:cSld>
+    <p:spTree>
+      <p:nvGrpSpPr>
+        <p:cNvPr id="1" name=""/>
+        <p:cNvGrpSpPr/>
+        <p:nvPr/>
+      </p:nvGrpSpPr>
+      <p:grpSpPr>
+        <a:xfrm>
+          <a:off x="0" y="0"/>
+          <a:ext cx="0" cy="0"/>
+          <a:chOff x="0" y="0"/>
+          <a:chExt cx="0" cy="0"/>
+        </a:xfrm>
+      </p:grpSpPr>
+      <p:sp>
+        <p:nvSpPr>
+          <p:cNvPr id="2" name="標題 1"/>
+          <p:cNvSpPr>
+            <a:spLocks noGrp="1"/>
+          </p:cNvSpPr>
+          <p:nvPr>
+            <p:ph type="ctrTitle"/>
+          </p:nvPr>
+        </p:nvSpPr>
+        <p:spPr>
+          <a:xfrm>
+            <a:off x="0" y="1"/>
+            <a:ext cx="9144000" cy="764704"/>
+          </a:xfrm>
+          <a:gradFill flip="none" rotWithShape="1">
+            <a:gsLst>
+              <a:gs pos="0">
+                <a:srgbClr val="C00000">
+                  <a:shade val="30000"/>
+                  <a:satMod val="115000"/>
+                </a:srgbClr>
+              </a:gs>
+              <a:gs pos="50000">
+                <a:srgbClr val="C00000">
+                  <a:shade val="67500"/>
+                  <a:satMod val="115000"/>
+                </a:srgbClr>
+              </a:gs>
+              <a:gs pos="100000">
+                <a:srgbClr val="C00000">
+                  <a:shade val="100000"/>
+                  <a:satMod val="115000"/>
+                </a:srgbClr>
+              </a:gs>
+            </a:gsLst>
+            <a:path path="circle">
+              <a:fillToRect t="100000" r="100000"/>
+            </a:path>
+            <a:tileRect l="-100000" b="-100000"/>
+          </a:gradFill>
+        </p:spPr>
+        <p:txBody>
+          <a:bodyPr>
+            <a:normAutofit/>
+          </a:bodyPr>
+          <a:lstStyle/>
+          <a:p>
+            <a:pPr algn="l"/>
+            <a:r>
+              <a:rPr lang="en-US" altLang="zh-TW" b="1" dirty="0">
+                <a:solidFill>
+                  <a:srgbClr val="FFFF00"/>
+                </a:solidFill>
+              </a:rPr>
+              <a:t>39.1 React Context 2</a:t>
+            </a:r>
+            <a:endParaRPr lang="zh-TW" altLang="en-US" b="1" dirty="0">
+              <a:solidFill>
+                <a:srgbClr val="FFFF00"/>
+              </a:solidFill>
+            </a:endParaRPr>
+          </a:p>
+        </p:txBody>
+      </p:sp>
+      <p:sp>
+        <p:nvSpPr>
+          <p:cNvPr id="3" name="副標題 2"/>
+          <p:cNvSpPr>
+            <a:spLocks noGrp="1"/>
+          </p:cNvSpPr>
+          <p:nvPr>
+            <p:ph type="subTitle" idx="1"/>
+          </p:nvPr>
+        </p:nvSpPr>
+        <p:spPr>
+          <a:xfrm>
+            <a:off x="467544" y="1340767"/>
+            <a:ext cx="4933705" cy="936106"/>
+          </a:xfrm>
           <a:ln>
             <a:solidFill>
               <a:srgbClr val="C00000"/>
             </a:solidFill>
           </a:ln>
         </p:spPr>
-      </p:pic>
+        <p:txBody>
+          <a:bodyPr>
+            <a:noAutofit/>
+          </a:bodyPr>
+          <a:lstStyle/>
+          <a:p>
+            <a:pPr marL="342900" indent="-342900" algn="l">
+              <a:buClr>
+                <a:srgbClr val="0070C0"/>
+              </a:buClr>
+              <a:buSzPct val="80000"/>
+              <a:buFont typeface="Wingdings" pitchFamily="2" charset="2"/>
+              <a:buChar char="u"/>
+            </a:pPr>
+            <a:r>
+              <a:rPr lang="en-US" altLang="zh-TW" sz="1800" b="1" dirty="0">
+                <a:solidFill>
+                  <a:schemeClr val="tx1"/>
+                </a:solidFill>
+                <a:latin typeface="+mj-lt"/>
+              </a:rPr>
+              <a:t>Component Tree:</a:t>
+            </a:r>
+          </a:p>
+          <a:p>
+            <a:pPr marL="342900" indent="-342900" algn="l">
+              <a:buClr>
+                <a:srgbClr val="0070C0"/>
+              </a:buClr>
+              <a:buSzPct val="80000"/>
+              <a:buFont typeface="Wingdings" pitchFamily="2" charset="2"/>
+              <a:buChar char="u"/>
+            </a:pPr>
+            <a:r>
+              <a:rPr lang="en-US" altLang="zh-TW" sz="1800" dirty="0">
+                <a:solidFill>
+                  <a:schemeClr val="tx1"/>
+                </a:solidFill>
+                <a:latin typeface="+mj-lt"/>
+              </a:rPr>
+              <a:t>Now, how to pass data from App Component to </a:t>
+            </a:r>
+            <a:r>
+              <a:rPr lang="en-US" altLang="zh-TW" sz="1800" dirty="0" err="1">
+                <a:solidFill>
+                  <a:schemeClr val="tx1"/>
+                </a:solidFill>
+                <a:latin typeface="+mj-lt"/>
+              </a:rPr>
+              <a:t>ComponentF</a:t>
+            </a:r>
+            <a:r>
+              <a:rPr lang="en-US" altLang="zh-TW" sz="1800" dirty="0">
+                <a:solidFill>
+                  <a:schemeClr val="tx1"/>
+                </a:solidFill>
+                <a:latin typeface="+mj-lt"/>
+              </a:rPr>
+              <a:t> using context.</a:t>
+            </a:r>
+          </a:p>
+          <a:p>
+            <a:pPr marL="342900" indent="-342900" algn="l">
+              <a:buClr>
+                <a:srgbClr val="0070C0"/>
+              </a:buClr>
+              <a:buSzPct val="80000"/>
+              <a:buFont typeface="Wingdings" pitchFamily="2" charset="2"/>
+              <a:buChar char="u"/>
+            </a:pPr>
+            <a:endParaRPr lang="en-US" altLang="zh-TW" sz="1800" b="1" dirty="0">
+              <a:solidFill>
+                <a:schemeClr val="tx1"/>
+              </a:solidFill>
+              <a:latin typeface="+mj-lt"/>
+            </a:endParaRPr>
+          </a:p>
+        </p:txBody>
+      </p:sp>
+      <p:sp>
+        <p:nvSpPr>
+          <p:cNvPr id="4" name="標題 1"/>
+          <p:cNvSpPr txBox="1">
+            <a:spLocks/>
+          </p:cNvSpPr>
+          <p:nvPr/>
+        </p:nvSpPr>
+        <p:spPr>
+          <a:xfrm>
+            <a:off x="0" y="764704"/>
+            <a:ext cx="9144000" cy="398616"/>
+          </a:xfrm>
+          <a:prstGeom prst="rect">
+            <a:avLst/>
+          </a:prstGeom>
+          <a:gradFill flip="none" rotWithShape="1">
+            <a:gsLst>
+              <a:gs pos="0">
+                <a:srgbClr val="00B0F0">
+                  <a:shade val="30000"/>
+                  <a:satMod val="115000"/>
+                </a:srgbClr>
+              </a:gs>
+              <a:gs pos="50000">
+                <a:srgbClr val="00B0F0">
+                  <a:shade val="67500"/>
+                  <a:satMod val="115000"/>
+                </a:srgbClr>
+              </a:gs>
+              <a:gs pos="100000">
+                <a:srgbClr val="00B0F0">
+                  <a:shade val="100000"/>
+                  <a:satMod val="115000"/>
+                </a:srgbClr>
+              </a:gs>
+            </a:gsLst>
+            <a:path path="circle">
+              <a:fillToRect t="100000" r="100000"/>
+            </a:path>
+            <a:tileRect l="-100000" b="-100000"/>
+          </a:gradFill>
+        </p:spPr>
+        <p:txBody>
+          <a:bodyPr vert="horz" lIns="91440" tIns="45720" rIns="91440" bIns="45720" rtlCol="0" anchor="ctr">
+            <a:normAutofit fontScale="92500"/>
+          </a:bodyPr>
+          <a:lstStyle/>
+          <a:p>
+            <a:r>
+              <a:rPr lang="en-US" sz="1600" dirty="0">
+                <a:hlinkClick r:id="rId2"/>
+              </a:rPr>
+              <a:t>https://www.youtube.com/watch?v=lTjQjWemKgE&amp;list=PLC3y8-rFHvwgg3vaYJgHGnModB54rxOk3&amp;index=39</a:t>
+            </a:r>
+            <a:endParaRPr lang="en-US" altLang="zh-TW" sz="1600" b="1" i="1" dirty="0"/>
+          </a:p>
+        </p:txBody>
+      </p:sp>
+      <p:sp>
+        <p:nvSpPr>
+          <p:cNvPr id="5" name="日期版面配置區 4"/>
+          <p:cNvSpPr>
+            <a:spLocks noGrp="1"/>
+          </p:cNvSpPr>
+          <p:nvPr>
+            <p:ph type="dt" sz="half" idx="10"/>
+          </p:nvPr>
+        </p:nvSpPr>
+        <p:spPr>
+          <a:xfrm>
+            <a:off x="457200" y="6356350"/>
+            <a:ext cx="2133600" cy="404246"/>
+          </a:xfrm>
+        </p:spPr>
+        <p:txBody>
+          <a:bodyPr/>
+          <a:lstStyle/>
+          <a:p>
+            <a:fld id="{A4F910E6-8D00-4BAF-8C48-9688E0B449D3}" type="datetime1">
+              <a:rPr lang="zh-TW" altLang="en-US" smtClean="0"/>
+              <a:pPr/>
+              <a:t>2020/5/25</a:t>
+            </a:fld>
+            <a:endParaRPr lang="zh-TW" altLang="en-US"/>
+          </a:p>
+        </p:txBody>
+      </p:sp>
+      <p:sp>
+        <p:nvSpPr>
+          <p:cNvPr id="6" name="投影片編號版面配置區 5"/>
+          <p:cNvSpPr>
+            <a:spLocks noGrp="1"/>
+          </p:cNvSpPr>
+          <p:nvPr>
+            <p:ph type="sldNum" sz="quarter" idx="12"/>
+          </p:nvPr>
+        </p:nvSpPr>
+        <p:spPr>
+          <a:xfrm>
+            <a:off x="6553200" y="6356350"/>
+            <a:ext cx="2133600" cy="404246"/>
+          </a:xfrm>
+        </p:spPr>
+        <p:txBody>
+          <a:bodyPr/>
+          <a:lstStyle/>
+          <a:p>
+            <a:fld id="{E4D7E63D-91F2-4366-A2C4-1B00C9E2590E}" type="slidenum">
+              <a:rPr lang="zh-TW" altLang="en-US" smtClean="0"/>
+              <a:pPr/>
+              <a:t>9</a:t>
+            </a:fld>
+            <a:endParaRPr lang="zh-TW" altLang="en-US"/>
+          </a:p>
+        </p:txBody>
+      </p:sp>
+      <p:sp>
+        <p:nvSpPr>
+          <p:cNvPr id="12" name="Rectangle 11">
+            <a:extLst>
+              <a:ext uri="{FF2B5EF4-FFF2-40B4-BE49-F238E27FC236}">
+                <a16:creationId xmlns:a16="http://schemas.microsoft.com/office/drawing/2014/main" id="{3A7BE3B0-C63E-4A2F-93AD-7B063F2A34CF}"/>
+              </a:ext>
+            </a:extLst>
+          </p:cNvPr>
+          <p:cNvSpPr/>
+          <p:nvPr/>
+        </p:nvSpPr>
+        <p:spPr>
+          <a:xfrm>
+            <a:off x="5937475" y="1440759"/>
+            <a:ext cx="1656184" cy="432048"/>
+          </a:xfrm>
+          <a:prstGeom prst="rect">
+            <a:avLst/>
+          </a:prstGeom>
+          <a:solidFill>
+            <a:schemeClr val="accent2">
+              <a:lumMod val="75000"/>
+            </a:schemeClr>
+          </a:solidFill>
+        </p:spPr>
+        <p:style>
+          <a:lnRef idx="2">
+            <a:schemeClr val="accent1">
+              <a:shade val="50000"/>
+            </a:schemeClr>
+          </a:lnRef>
+          <a:fillRef idx="1">
+            <a:schemeClr val="accent1"/>
+          </a:fillRef>
+          <a:effectRef idx="0">
+            <a:schemeClr val="accent1"/>
+          </a:effectRef>
+          <a:fontRef idx="minor">
+            <a:schemeClr val="lt1"/>
+          </a:fontRef>
+        </p:style>
+        <p:txBody>
+          <a:bodyPr rtlCol="0" anchor="ctr"/>
+          <a:lstStyle/>
+          <a:p>
+            <a:pPr algn="ctr"/>
+            <a:r>
+              <a:rPr lang="en-US" dirty="0" err="1"/>
+              <a:t>AppComponent</a:t>
+            </a:r>
+            <a:endParaRPr lang="en-US" dirty="0"/>
+          </a:p>
+        </p:txBody>
+      </p:sp>
+      <p:sp>
+        <p:nvSpPr>
+          <p:cNvPr id="17" name="Rectangle 16">
+            <a:extLst>
+              <a:ext uri="{FF2B5EF4-FFF2-40B4-BE49-F238E27FC236}">
+                <a16:creationId xmlns:a16="http://schemas.microsoft.com/office/drawing/2014/main" id="{2AFDC503-0347-4313-B5BC-1ED9677F4053}"/>
+              </a:ext>
+            </a:extLst>
+          </p:cNvPr>
+          <p:cNvSpPr/>
+          <p:nvPr/>
+        </p:nvSpPr>
+        <p:spPr>
+          <a:xfrm>
+            <a:off x="6303866" y="2422456"/>
+            <a:ext cx="936104" cy="404246"/>
+          </a:xfrm>
+          <a:prstGeom prst="rect">
+            <a:avLst/>
+          </a:prstGeom>
+          <a:solidFill>
+            <a:srgbClr val="92D050"/>
+          </a:solidFill>
+        </p:spPr>
+        <p:style>
+          <a:lnRef idx="2">
+            <a:schemeClr val="accent1">
+              <a:shade val="50000"/>
+            </a:schemeClr>
+          </a:lnRef>
+          <a:fillRef idx="1">
+            <a:schemeClr val="accent1"/>
+          </a:fillRef>
+          <a:effectRef idx="0">
+            <a:schemeClr val="accent1"/>
+          </a:effectRef>
+          <a:fontRef idx="minor">
+            <a:schemeClr val="lt1"/>
+          </a:fontRef>
+        </p:style>
+        <p:txBody>
+          <a:bodyPr rtlCol="0" anchor="ctr"/>
+          <a:lstStyle/>
+          <a:p>
+            <a:pPr algn="ctr"/>
+            <a:r>
+              <a:rPr lang="en-US" dirty="0"/>
+              <a:t>C</a:t>
+            </a:r>
+          </a:p>
+        </p:txBody>
+      </p:sp>
+      <p:cxnSp>
+        <p:nvCxnSpPr>
+          <p:cNvPr id="18" name="Connector: Elbow 17">
+            <a:extLst>
+              <a:ext uri="{FF2B5EF4-FFF2-40B4-BE49-F238E27FC236}">
+                <a16:creationId xmlns:a16="http://schemas.microsoft.com/office/drawing/2014/main" id="{DF9A5A7B-3151-4201-B5EB-698754093163}"/>
+              </a:ext>
+            </a:extLst>
+          </p:cNvPr>
+          <p:cNvCxnSpPr>
+            <a:stCxn id="12" idx="2"/>
+            <a:endCxn id="17" idx="0"/>
+          </p:cNvCxnSpPr>
+          <p:nvPr/>
+        </p:nvCxnSpPr>
+        <p:spPr>
+          <a:xfrm rot="16200000" flipH="1">
+            <a:off x="6493918" y="2144455"/>
+            <a:ext cx="549649" cy="6351"/>
+          </a:xfrm>
+          <a:prstGeom prst="bentConnector3">
+            <a:avLst/>
+          </a:prstGeom>
+          <a:ln>
+            <a:tailEnd type="triangle"/>
+          </a:ln>
+        </p:spPr>
+        <p:style>
+          <a:lnRef idx="1">
+            <a:schemeClr val="accent1"/>
+          </a:lnRef>
+          <a:fillRef idx="0">
+            <a:schemeClr val="accent1"/>
+          </a:fillRef>
+          <a:effectRef idx="0">
+            <a:schemeClr val="accent1"/>
+          </a:effectRef>
+          <a:fontRef idx="minor">
+            <a:schemeClr val="tx1"/>
+          </a:fontRef>
+        </p:style>
+      </p:cxnSp>
+      <p:sp>
+        <p:nvSpPr>
+          <p:cNvPr id="20" name="Rectangle 19">
+            <a:extLst>
+              <a:ext uri="{FF2B5EF4-FFF2-40B4-BE49-F238E27FC236}">
+                <a16:creationId xmlns:a16="http://schemas.microsoft.com/office/drawing/2014/main" id="{EE151B12-151C-4C05-9754-0030C6F65B44}"/>
+              </a:ext>
+            </a:extLst>
+          </p:cNvPr>
+          <p:cNvSpPr/>
+          <p:nvPr/>
+        </p:nvSpPr>
+        <p:spPr>
+          <a:xfrm>
+            <a:off x="6303866" y="3221250"/>
+            <a:ext cx="936104" cy="404246"/>
+          </a:xfrm>
+          <a:prstGeom prst="rect">
+            <a:avLst/>
+          </a:prstGeom>
+          <a:solidFill>
+            <a:srgbClr val="92D050"/>
+          </a:solidFill>
+        </p:spPr>
+        <p:style>
+          <a:lnRef idx="2">
+            <a:schemeClr val="accent1">
+              <a:shade val="50000"/>
+            </a:schemeClr>
+          </a:lnRef>
+          <a:fillRef idx="1">
+            <a:schemeClr val="accent1"/>
+          </a:fillRef>
+          <a:effectRef idx="0">
+            <a:schemeClr val="accent1"/>
+          </a:effectRef>
+          <a:fontRef idx="minor">
+            <a:schemeClr val="lt1"/>
+          </a:fontRef>
+        </p:style>
+        <p:txBody>
+          <a:bodyPr rtlCol="0" anchor="ctr"/>
+          <a:lstStyle/>
+          <a:p>
+            <a:pPr algn="ctr"/>
+            <a:r>
+              <a:rPr lang="en-US" dirty="0"/>
+              <a:t>E</a:t>
+            </a:r>
+          </a:p>
+        </p:txBody>
+      </p:sp>
+      <p:sp>
+        <p:nvSpPr>
+          <p:cNvPr id="21" name="Rectangle 20">
+            <a:extLst>
+              <a:ext uri="{FF2B5EF4-FFF2-40B4-BE49-F238E27FC236}">
+                <a16:creationId xmlns:a16="http://schemas.microsoft.com/office/drawing/2014/main" id="{7EE0CF29-B1D2-4F77-BF5B-5F25224B063B}"/>
+              </a:ext>
+            </a:extLst>
+          </p:cNvPr>
+          <p:cNvSpPr/>
+          <p:nvPr/>
+        </p:nvSpPr>
+        <p:spPr>
+          <a:xfrm>
+            <a:off x="6303866" y="4013338"/>
+            <a:ext cx="936104" cy="404246"/>
+          </a:xfrm>
+          <a:prstGeom prst="rect">
+            <a:avLst/>
+          </a:prstGeom>
+          <a:solidFill>
+            <a:srgbClr val="0070C0"/>
+          </a:solidFill>
+        </p:spPr>
+        <p:style>
+          <a:lnRef idx="2">
+            <a:schemeClr val="accent1">
+              <a:shade val="50000"/>
+            </a:schemeClr>
+          </a:lnRef>
+          <a:fillRef idx="1">
+            <a:schemeClr val="accent1"/>
+          </a:fillRef>
+          <a:effectRef idx="0">
+            <a:schemeClr val="accent1"/>
+          </a:effectRef>
+          <a:fontRef idx="minor">
+            <a:schemeClr val="lt1"/>
+          </a:fontRef>
+        </p:style>
+        <p:txBody>
+          <a:bodyPr rtlCol="0" anchor="ctr"/>
+          <a:lstStyle/>
+          <a:p>
+            <a:pPr algn="ctr"/>
+            <a:r>
+              <a:rPr lang="en-US" dirty="0"/>
+              <a:t>F</a:t>
+            </a:r>
+          </a:p>
+        </p:txBody>
+      </p:sp>
+      <p:cxnSp>
+        <p:nvCxnSpPr>
+          <p:cNvPr id="23" name="Connector: Elbow 22">
+            <a:extLst>
+              <a:ext uri="{FF2B5EF4-FFF2-40B4-BE49-F238E27FC236}">
+                <a16:creationId xmlns:a16="http://schemas.microsoft.com/office/drawing/2014/main" id="{CFEBFD66-D5E7-4C7C-8553-8D3319A2E610}"/>
+              </a:ext>
+            </a:extLst>
+          </p:cNvPr>
+          <p:cNvCxnSpPr>
+            <a:stCxn id="17" idx="2"/>
+            <a:endCxn id="20" idx="0"/>
+          </p:cNvCxnSpPr>
+          <p:nvPr/>
+        </p:nvCxnSpPr>
+        <p:spPr>
+          <a:xfrm rot="5400000">
+            <a:off x="6574644" y="3023976"/>
+            <a:ext cx="394548" cy="12700"/>
+          </a:xfrm>
+          <a:prstGeom prst="bentConnector3">
+            <a:avLst/>
+          </a:prstGeom>
+          <a:ln>
+            <a:tailEnd type="triangle"/>
+          </a:ln>
+        </p:spPr>
+        <p:style>
+          <a:lnRef idx="1">
+            <a:schemeClr val="accent1"/>
+          </a:lnRef>
+          <a:fillRef idx="0">
+            <a:schemeClr val="accent1"/>
+          </a:fillRef>
+          <a:effectRef idx="0">
+            <a:schemeClr val="accent1"/>
+          </a:effectRef>
+          <a:fontRef idx="minor">
+            <a:schemeClr val="tx1"/>
+          </a:fontRef>
+        </p:style>
+      </p:cxnSp>
+      <p:cxnSp>
+        <p:nvCxnSpPr>
+          <p:cNvPr id="24" name="Connector: Elbow 23">
+            <a:extLst>
+              <a:ext uri="{FF2B5EF4-FFF2-40B4-BE49-F238E27FC236}">
+                <a16:creationId xmlns:a16="http://schemas.microsoft.com/office/drawing/2014/main" id="{47FD5801-5B27-4214-8377-A478F93D156E}"/>
+              </a:ext>
+            </a:extLst>
+          </p:cNvPr>
+          <p:cNvCxnSpPr>
+            <a:stCxn id="20" idx="2"/>
+            <a:endCxn id="21" idx="0"/>
+          </p:cNvCxnSpPr>
+          <p:nvPr/>
+        </p:nvCxnSpPr>
+        <p:spPr>
+          <a:xfrm rot="5400000">
+            <a:off x="6577997" y="3819417"/>
+            <a:ext cx="387842" cy="12700"/>
+          </a:xfrm>
+          <a:prstGeom prst="bentConnector3">
+            <a:avLst/>
+          </a:prstGeom>
+          <a:ln>
+            <a:tailEnd type="triangle"/>
+          </a:ln>
+        </p:spPr>
+        <p:style>
+          <a:lnRef idx="1">
+            <a:schemeClr val="accent1"/>
+          </a:lnRef>
+          <a:fillRef idx="0">
+            <a:schemeClr val="accent1"/>
+          </a:fillRef>
+          <a:effectRef idx="0">
+            <a:schemeClr val="accent1"/>
+          </a:effectRef>
+          <a:fontRef idx="minor">
+            <a:schemeClr val="tx1"/>
+          </a:fontRef>
+        </p:style>
+      </p:cxnSp>
+      <p:sp>
+        <p:nvSpPr>
+          <p:cNvPr id="25" name="Rectangle 24">
+            <a:extLst>
+              <a:ext uri="{FF2B5EF4-FFF2-40B4-BE49-F238E27FC236}">
+                <a16:creationId xmlns:a16="http://schemas.microsoft.com/office/drawing/2014/main" id="{18FC6730-78A5-410F-8584-D65E8D491623}"/>
+              </a:ext>
+            </a:extLst>
+          </p:cNvPr>
+          <p:cNvSpPr/>
+          <p:nvPr/>
+        </p:nvSpPr>
+        <p:spPr>
+          <a:xfrm>
+            <a:off x="7672017" y="1607087"/>
+            <a:ext cx="1152128" cy="300431"/>
+          </a:xfrm>
+          <a:prstGeom prst="rect">
+            <a:avLst/>
+          </a:prstGeom>
+          <a:solidFill>
+            <a:srgbClr val="00B0F0"/>
+          </a:solidFill>
+        </p:spPr>
+        <p:style>
+          <a:lnRef idx="2">
+            <a:schemeClr val="accent1">
+              <a:shade val="50000"/>
+            </a:schemeClr>
+          </a:lnRef>
+          <a:fillRef idx="1">
+            <a:schemeClr val="accent1"/>
+          </a:fillRef>
+          <a:effectRef idx="0">
+            <a:schemeClr val="accent1"/>
+          </a:effectRef>
+          <a:fontRef idx="minor">
+            <a:schemeClr val="lt1"/>
+          </a:fontRef>
+        </p:style>
+        <p:txBody>
+          <a:bodyPr rtlCol="0" anchor="ctr"/>
+          <a:lstStyle/>
+          <a:p>
+            <a:pPr algn="ctr"/>
+            <a:r>
+              <a:rPr lang="en-US" dirty="0"/>
+              <a:t>username</a:t>
+            </a:r>
+          </a:p>
+        </p:txBody>
+      </p:sp>
+      <p:sp>
+        <p:nvSpPr>
+          <p:cNvPr id="26" name="Rectangle 25">
+            <a:extLst>
+              <a:ext uri="{FF2B5EF4-FFF2-40B4-BE49-F238E27FC236}">
+                <a16:creationId xmlns:a16="http://schemas.microsoft.com/office/drawing/2014/main" id="{8DBE41CE-2B15-4483-BE63-E69BE04C6EA7}"/>
+              </a:ext>
+            </a:extLst>
+          </p:cNvPr>
+          <p:cNvSpPr/>
+          <p:nvPr/>
+        </p:nvSpPr>
+        <p:spPr>
+          <a:xfrm>
+            <a:off x="6865492" y="2128403"/>
+            <a:ext cx="910704" cy="300431"/>
+          </a:xfrm>
+          <a:prstGeom prst="rect">
+            <a:avLst/>
+          </a:prstGeom>
+          <a:noFill/>
+          <a:ln>
+            <a:noFill/>
+          </a:ln>
+        </p:spPr>
+        <p:style>
+          <a:lnRef idx="2">
+            <a:schemeClr val="accent1">
+              <a:shade val="50000"/>
+            </a:schemeClr>
+          </a:lnRef>
+          <a:fillRef idx="1">
+            <a:schemeClr val="accent1"/>
+          </a:fillRef>
+          <a:effectRef idx="0">
+            <a:schemeClr val="accent1"/>
+          </a:effectRef>
+          <a:fontRef idx="minor">
+            <a:schemeClr val="lt1"/>
+          </a:fontRef>
+        </p:style>
+        <p:txBody>
+          <a:bodyPr rtlCol="0" anchor="ctr"/>
+          <a:lstStyle/>
+          <a:p>
+            <a:pPr algn="ctr"/>
+            <a:r>
+              <a:rPr lang="en-US" sz="1400" dirty="0">
+                <a:solidFill>
+                  <a:schemeClr val="tx1"/>
+                </a:solidFill>
+              </a:rPr>
+              <a:t>username</a:t>
+            </a:r>
+          </a:p>
+        </p:txBody>
+      </p:sp>
+      <p:sp>
+        <p:nvSpPr>
+          <p:cNvPr id="27" name="Rectangle 26">
+            <a:extLst>
+              <a:ext uri="{FF2B5EF4-FFF2-40B4-BE49-F238E27FC236}">
+                <a16:creationId xmlns:a16="http://schemas.microsoft.com/office/drawing/2014/main" id="{468A5711-0DEB-4395-ACAD-B1CE56647B6B}"/>
+              </a:ext>
+            </a:extLst>
+          </p:cNvPr>
+          <p:cNvSpPr/>
+          <p:nvPr/>
+        </p:nvSpPr>
+        <p:spPr>
+          <a:xfrm>
+            <a:off x="6859966" y="2861210"/>
+            <a:ext cx="910704" cy="300431"/>
+          </a:xfrm>
+          <a:prstGeom prst="rect">
+            <a:avLst/>
+          </a:prstGeom>
+          <a:noFill/>
+          <a:ln>
+            <a:noFill/>
+          </a:ln>
+        </p:spPr>
+        <p:style>
+          <a:lnRef idx="2">
+            <a:schemeClr val="accent1">
+              <a:shade val="50000"/>
+            </a:schemeClr>
+          </a:lnRef>
+          <a:fillRef idx="1">
+            <a:schemeClr val="accent1"/>
+          </a:fillRef>
+          <a:effectRef idx="0">
+            <a:schemeClr val="accent1"/>
+          </a:effectRef>
+          <a:fontRef idx="minor">
+            <a:schemeClr val="lt1"/>
+          </a:fontRef>
+        </p:style>
+        <p:txBody>
+          <a:bodyPr rtlCol="0" anchor="ctr"/>
+          <a:lstStyle/>
+          <a:p>
+            <a:pPr algn="ctr"/>
+            <a:r>
+              <a:rPr lang="en-US" sz="1400" dirty="0">
+                <a:solidFill>
+                  <a:schemeClr val="tx1"/>
+                </a:solidFill>
+              </a:rPr>
+              <a:t>username</a:t>
+            </a:r>
+          </a:p>
+        </p:txBody>
+      </p:sp>
+      <p:sp>
+        <p:nvSpPr>
+          <p:cNvPr id="28" name="Rectangle 27">
+            <a:extLst>
+              <a:ext uri="{FF2B5EF4-FFF2-40B4-BE49-F238E27FC236}">
+                <a16:creationId xmlns:a16="http://schemas.microsoft.com/office/drawing/2014/main" id="{62FCC91B-1F57-484A-95D1-D98C91FB8219}"/>
+              </a:ext>
+            </a:extLst>
+          </p:cNvPr>
+          <p:cNvSpPr/>
+          <p:nvPr/>
+        </p:nvSpPr>
+        <p:spPr>
+          <a:xfrm>
+            <a:off x="6859966" y="3653298"/>
+            <a:ext cx="910704" cy="300431"/>
+          </a:xfrm>
+          <a:prstGeom prst="rect">
+            <a:avLst/>
+          </a:prstGeom>
+          <a:noFill/>
+          <a:ln>
+            <a:noFill/>
+          </a:ln>
+        </p:spPr>
+        <p:style>
+          <a:lnRef idx="2">
+            <a:schemeClr val="accent1">
+              <a:shade val="50000"/>
+            </a:schemeClr>
+          </a:lnRef>
+          <a:fillRef idx="1">
+            <a:schemeClr val="accent1"/>
+          </a:fillRef>
+          <a:effectRef idx="0">
+            <a:schemeClr val="accent1"/>
+          </a:effectRef>
+          <a:fontRef idx="minor">
+            <a:schemeClr val="lt1"/>
+          </a:fontRef>
+        </p:style>
+        <p:txBody>
+          <a:bodyPr rtlCol="0" anchor="ctr"/>
+          <a:lstStyle/>
+          <a:p>
+            <a:pPr algn="ctr"/>
+            <a:r>
+              <a:rPr lang="en-US" sz="1400" dirty="0">
+                <a:solidFill>
+                  <a:schemeClr val="tx1"/>
+                </a:solidFill>
+              </a:rPr>
+              <a:t>username</a:t>
+            </a:r>
+          </a:p>
+        </p:txBody>
+      </p:sp>
     </p:spTree>
     <p:extLst>
       <p:ext uri="{BB962C8B-B14F-4D97-AF65-F5344CB8AC3E}">
-        <p14:creationId xmlns:p14="http://schemas.microsoft.com/office/powerpoint/2010/main" val="4207580471"/>
+        <p14:creationId xmlns:p14="http://schemas.microsoft.com/office/powerpoint/2010/main" val="3295848354"/>
       </p:ext>
     </p:extLst>
   </p:cSld>

--- a/39_Context2.pptx
+++ b/39_Context2.pptx
@@ -5,7 +5,7 @@
     <p:sldMasterId id="2147483648" r:id="rId1"/>
   </p:sldMasterIdLst>
   <p:notesMasterIdLst>
-    <p:notesMasterId r:id="rId24"/>
+    <p:notesMasterId r:id="rId26"/>
   </p:notesMasterIdLst>
   <p:sldIdLst>
     <p:sldId id="256" r:id="rId2"/>
@@ -29,7 +29,9 @@
     <p:sldId id="275" r:id="rId20"/>
     <p:sldId id="276" r:id="rId21"/>
     <p:sldId id="277" r:id="rId22"/>
-    <p:sldId id="259" r:id="rId23"/>
+    <p:sldId id="285" r:id="rId23"/>
+    <p:sldId id="286" r:id="rId24"/>
+    <p:sldId id="259" r:id="rId25"/>
   </p:sldIdLst>
   <p:sldSz cx="9144000" cy="6858000" type="screen4x3"/>
   <p:notesSz cx="6858000" cy="9144000"/>
@@ -230,7 +232,7 @@
             <a:fld id="{6837EDA8-41C8-4B24-A206-13C08A65A6D7}" type="datetimeFigureOut">
               <a:rPr lang="zh-TW" altLang="en-US" smtClean="0"/>
               <a:pPr/>
-              <a:t>2020/5/25</a:t>
+              <a:t>2020/6/29</a:t>
             </a:fld>
             <a:endParaRPr lang="zh-TW" altLang="en-US"/>
           </a:p>
@@ -683,7 +685,7 @@
             <a:fld id="{8B85509C-BD4F-47BF-9B1E-FC2E949B3621}" type="datetime1">
               <a:rPr lang="zh-TW" altLang="en-US" smtClean="0"/>
               <a:pPr/>
-              <a:t>2020/5/25</a:t>
+              <a:t>2020/6/29</a:t>
             </a:fld>
             <a:endParaRPr lang="zh-TW" altLang="en-US"/>
           </a:p>
@@ -856,7 +858,7 @@
             <a:fld id="{42251B24-F787-4C15-8A0F-7AEC20C70069}" type="datetime1">
               <a:rPr lang="zh-TW" altLang="en-US" smtClean="0"/>
               <a:pPr/>
-              <a:t>2020/5/25</a:t>
+              <a:t>2020/6/29</a:t>
             </a:fld>
             <a:endParaRPr lang="zh-TW" altLang="en-US"/>
           </a:p>
@@ -1031,7 +1033,7 @@
             <a:fld id="{9CA0D33C-CE2B-45F1-B8D4-FFD1F131F331}" type="datetime1">
               <a:rPr lang="zh-TW" altLang="en-US" smtClean="0"/>
               <a:pPr/>
-              <a:t>2020/5/25</a:t>
+              <a:t>2020/6/29</a:t>
             </a:fld>
             <a:endParaRPr lang="zh-TW" altLang="en-US"/>
           </a:p>
@@ -1196,7 +1198,7 @@
             <a:fld id="{50B99440-D9EF-40CC-9B52-F6428D9B2C76}" type="datetime1">
               <a:rPr lang="zh-TW" altLang="en-US" smtClean="0"/>
               <a:pPr/>
-              <a:t>2020/5/25</a:t>
+              <a:t>2020/6/29</a:t>
             </a:fld>
             <a:endParaRPr lang="zh-TW" altLang="en-US"/>
           </a:p>
@@ -1438,7 +1440,7 @@
             <a:fld id="{0871BF52-5C6C-4959-8E27-CECB68D39FE4}" type="datetime1">
               <a:rPr lang="zh-TW" altLang="en-US" smtClean="0"/>
               <a:pPr/>
-              <a:t>2020/5/25</a:t>
+              <a:t>2020/6/29</a:t>
             </a:fld>
             <a:endParaRPr lang="zh-TW" altLang="en-US"/>
           </a:p>
@@ -1720,7 +1722,7 @@
             <a:fld id="{DF863F05-2DD9-4EB1-A827-12FD992DE9DC}" type="datetime1">
               <a:rPr lang="zh-TW" altLang="en-US" smtClean="0"/>
               <a:pPr/>
-              <a:t>2020/5/25</a:t>
+              <a:t>2020/6/29</a:t>
             </a:fld>
             <a:endParaRPr lang="zh-TW" altLang="en-US"/>
           </a:p>
@@ -2136,7 +2138,7 @@
             <a:fld id="{6339AF51-4491-4873-A096-75DB6CE47516}" type="datetime1">
               <a:rPr lang="zh-TW" altLang="en-US" smtClean="0"/>
               <a:pPr/>
-              <a:t>2020/5/25</a:t>
+              <a:t>2020/6/29</a:t>
             </a:fld>
             <a:endParaRPr lang="zh-TW" altLang="en-US"/>
           </a:p>
@@ -2250,7 +2252,7 @@
             <a:fld id="{EE4AD9C8-8B9E-40FF-ABE2-858AC2057BBB}" type="datetime1">
               <a:rPr lang="zh-TW" altLang="en-US" smtClean="0"/>
               <a:pPr/>
-              <a:t>2020/5/25</a:t>
+              <a:t>2020/6/29</a:t>
             </a:fld>
             <a:endParaRPr lang="zh-TW" altLang="en-US"/>
           </a:p>
@@ -2342,7 +2344,7 @@
             <a:fld id="{B4784999-BBBE-4BE4-A8D0-877E7D1D66CC}" type="datetime1">
               <a:rPr lang="zh-TW" altLang="en-US" smtClean="0"/>
               <a:pPr/>
-              <a:t>2020/5/25</a:t>
+              <a:t>2020/6/29</a:t>
             </a:fld>
             <a:endParaRPr lang="zh-TW" altLang="en-US"/>
           </a:p>
@@ -2614,7 +2616,7 @@
             <a:fld id="{E88D17E6-02BD-4944-B9FE-7BFCCBF83D48}" type="datetime1">
               <a:rPr lang="zh-TW" altLang="en-US" smtClean="0"/>
               <a:pPr/>
-              <a:t>2020/5/25</a:t>
+              <a:t>2020/6/29</a:t>
             </a:fld>
             <a:endParaRPr lang="zh-TW" altLang="en-US"/>
           </a:p>
@@ -2863,7 +2865,7 @@
             <a:fld id="{3C13E23D-1FEF-4D78-A3A3-3D6F2BB31954}" type="datetime1">
               <a:rPr lang="zh-TW" altLang="en-US" smtClean="0"/>
               <a:pPr/>
-              <a:t>2020/5/25</a:t>
+              <a:t>2020/6/29</a:t>
             </a:fld>
             <a:endParaRPr lang="zh-TW" altLang="en-US"/>
           </a:p>
@@ -3071,7 +3073,7 @@
             <a:fld id="{06197F35-AD6F-4594-8B50-334492D2E7E8}" type="datetime1">
               <a:rPr lang="zh-TW" altLang="en-US" smtClean="0"/>
               <a:pPr/>
-              <a:t>2020/5/25</a:t>
+              <a:t>2020/6/29</a:t>
             </a:fld>
             <a:endParaRPr lang="zh-TW" altLang="en-US"/>
           </a:p>
@@ -3532,7 +3534,7 @@
             <a:fld id="{C389EDC9-19E3-47AC-9C57-C6A24DEA81AD}" type="datetime1">
               <a:rPr lang="zh-TW" altLang="en-US" smtClean="0"/>
               <a:pPr/>
-              <a:t>2020/5/25</a:t>
+              <a:t>2020/6/29</a:t>
             </a:fld>
             <a:endParaRPr lang="zh-TW" altLang="en-US"/>
           </a:p>
@@ -3678,7 +3680,7 @@
             <a:fld id="{C389EDC9-19E3-47AC-9C57-C6A24DEA81AD}" type="datetime1">
               <a:rPr lang="zh-TW" altLang="en-US" smtClean="0"/>
               <a:pPr/>
-              <a:t>2020/5/25</a:t>
+              <a:t>2020/6/29</a:t>
             </a:fld>
             <a:endParaRPr lang="zh-TW" altLang="en-US"/>
           </a:p>
@@ -4056,7 +4058,7 @@
             <a:fld id="{A4F910E6-8D00-4BAF-8C48-9688E0B449D3}" type="datetime1">
               <a:rPr lang="zh-TW" altLang="en-US" smtClean="0"/>
               <a:pPr/>
-              <a:t>2020/5/25</a:t>
+              <a:t>2020/6/29</a:t>
             </a:fld>
             <a:endParaRPr lang="zh-TW" altLang="en-US"/>
           </a:p>
@@ -4088,6 +4090,569 @@
               <a:t>11</a:t>
             </a:fld>
             <a:endParaRPr lang="zh-TW" altLang="en-US"/>
+          </a:p>
+        </p:txBody>
+      </p:sp>
+      <p:sp>
+        <p:nvSpPr>
+          <p:cNvPr id="7" name="Rectangle 6">
+            <a:extLst>
+              <a:ext uri="{FF2B5EF4-FFF2-40B4-BE49-F238E27FC236}">
+                <a16:creationId xmlns:a16="http://schemas.microsoft.com/office/drawing/2014/main" id="{DED18FF8-2410-434B-B911-ED184CC84886}"/>
+              </a:ext>
+            </a:extLst>
+          </p:cNvPr>
+          <p:cNvSpPr/>
+          <p:nvPr/>
+        </p:nvSpPr>
+        <p:spPr>
+          <a:xfrm>
+            <a:off x="5148064" y="3356992"/>
+            <a:ext cx="1656184" cy="432048"/>
+          </a:xfrm>
+          <a:prstGeom prst="rect">
+            <a:avLst/>
+          </a:prstGeom>
+          <a:solidFill>
+            <a:schemeClr val="accent2">
+              <a:lumMod val="75000"/>
+            </a:schemeClr>
+          </a:solidFill>
+        </p:spPr>
+        <p:style>
+          <a:lnRef idx="2">
+            <a:schemeClr val="accent1">
+              <a:shade val="50000"/>
+            </a:schemeClr>
+          </a:lnRef>
+          <a:fillRef idx="1">
+            <a:schemeClr val="accent1"/>
+          </a:fillRef>
+          <a:effectRef idx="0">
+            <a:schemeClr val="accent1"/>
+          </a:effectRef>
+          <a:fontRef idx="minor">
+            <a:schemeClr val="lt1"/>
+          </a:fontRef>
+        </p:style>
+        <p:txBody>
+          <a:bodyPr rtlCol="0" anchor="ctr"/>
+          <a:lstStyle/>
+          <a:p>
+            <a:pPr algn="ctr"/>
+            <a:r>
+              <a:rPr lang="en-US" dirty="0" err="1"/>
+              <a:t>AppComponent</a:t>
+            </a:r>
+            <a:endParaRPr lang="en-US" dirty="0"/>
+          </a:p>
+        </p:txBody>
+      </p:sp>
+      <p:sp>
+        <p:nvSpPr>
+          <p:cNvPr id="8" name="Rectangle 7">
+            <a:extLst>
+              <a:ext uri="{FF2B5EF4-FFF2-40B4-BE49-F238E27FC236}">
+                <a16:creationId xmlns:a16="http://schemas.microsoft.com/office/drawing/2014/main" id="{A75B35ED-51DD-4E7D-AFF2-6A807BF3D6F4}"/>
+              </a:ext>
+            </a:extLst>
+          </p:cNvPr>
+          <p:cNvSpPr/>
+          <p:nvPr/>
+        </p:nvSpPr>
+        <p:spPr>
+          <a:xfrm>
+            <a:off x="5698106" y="4164216"/>
+            <a:ext cx="556100" cy="404246"/>
+          </a:xfrm>
+          <a:prstGeom prst="rect">
+            <a:avLst/>
+          </a:prstGeom>
+          <a:solidFill>
+            <a:srgbClr val="92D050"/>
+          </a:solidFill>
+        </p:spPr>
+        <p:style>
+          <a:lnRef idx="2">
+            <a:schemeClr val="accent1">
+              <a:shade val="50000"/>
+            </a:schemeClr>
+          </a:lnRef>
+          <a:fillRef idx="1">
+            <a:schemeClr val="accent1"/>
+          </a:fillRef>
+          <a:effectRef idx="0">
+            <a:schemeClr val="accent1"/>
+          </a:effectRef>
+          <a:fontRef idx="minor">
+            <a:schemeClr val="lt1"/>
+          </a:fontRef>
+        </p:style>
+        <p:txBody>
+          <a:bodyPr rtlCol="0" anchor="ctr"/>
+          <a:lstStyle/>
+          <a:p>
+            <a:pPr algn="ctr"/>
+            <a:r>
+              <a:rPr lang="en-US" dirty="0"/>
+              <a:t>C</a:t>
+            </a:r>
+          </a:p>
+        </p:txBody>
+      </p:sp>
+      <p:cxnSp>
+        <p:nvCxnSpPr>
+          <p:cNvPr id="9" name="Connector: Elbow 8">
+            <a:extLst>
+              <a:ext uri="{FF2B5EF4-FFF2-40B4-BE49-F238E27FC236}">
+                <a16:creationId xmlns:a16="http://schemas.microsoft.com/office/drawing/2014/main" id="{F9BE7035-65A9-41F9-B726-E9052395BFDA}"/>
+              </a:ext>
+            </a:extLst>
+          </p:cNvPr>
+          <p:cNvCxnSpPr>
+            <a:cxnSpLocks/>
+            <a:stCxn id="7" idx="2"/>
+            <a:endCxn id="8" idx="0"/>
+          </p:cNvCxnSpPr>
+          <p:nvPr/>
+        </p:nvCxnSpPr>
+        <p:spPr>
+          <a:xfrm rot="5400000">
+            <a:off x="5788568" y="3976628"/>
+            <a:ext cx="375176" cy="12700"/>
+          </a:xfrm>
+          <a:prstGeom prst="bentConnector3">
+            <a:avLst/>
+          </a:prstGeom>
+          <a:ln>
+            <a:tailEnd type="triangle"/>
+          </a:ln>
+        </p:spPr>
+        <p:style>
+          <a:lnRef idx="1">
+            <a:schemeClr val="accent1"/>
+          </a:lnRef>
+          <a:fillRef idx="0">
+            <a:schemeClr val="accent1"/>
+          </a:fillRef>
+          <a:effectRef idx="0">
+            <a:schemeClr val="accent1"/>
+          </a:effectRef>
+          <a:fontRef idx="minor">
+            <a:schemeClr val="tx1"/>
+          </a:fontRef>
+        </p:style>
+      </p:cxnSp>
+      <p:sp>
+        <p:nvSpPr>
+          <p:cNvPr id="10" name="Rectangle 9">
+            <a:extLst>
+              <a:ext uri="{FF2B5EF4-FFF2-40B4-BE49-F238E27FC236}">
+                <a16:creationId xmlns:a16="http://schemas.microsoft.com/office/drawing/2014/main" id="{69A945EE-2F65-439D-A4DF-B58696046A1A}"/>
+              </a:ext>
+            </a:extLst>
+          </p:cNvPr>
+          <p:cNvSpPr/>
+          <p:nvPr/>
+        </p:nvSpPr>
+        <p:spPr>
+          <a:xfrm>
+            <a:off x="5698106" y="4895226"/>
+            <a:ext cx="556100" cy="404246"/>
+          </a:xfrm>
+          <a:prstGeom prst="rect">
+            <a:avLst/>
+          </a:prstGeom>
+          <a:solidFill>
+            <a:srgbClr val="92D050"/>
+          </a:solidFill>
+        </p:spPr>
+        <p:style>
+          <a:lnRef idx="2">
+            <a:schemeClr val="accent1">
+              <a:shade val="50000"/>
+            </a:schemeClr>
+          </a:lnRef>
+          <a:fillRef idx="1">
+            <a:schemeClr val="accent1"/>
+          </a:fillRef>
+          <a:effectRef idx="0">
+            <a:schemeClr val="accent1"/>
+          </a:effectRef>
+          <a:fontRef idx="minor">
+            <a:schemeClr val="lt1"/>
+          </a:fontRef>
+        </p:style>
+        <p:txBody>
+          <a:bodyPr rtlCol="0" anchor="ctr"/>
+          <a:lstStyle/>
+          <a:p>
+            <a:pPr algn="ctr"/>
+            <a:r>
+              <a:rPr lang="en-US" dirty="0"/>
+              <a:t>E</a:t>
+            </a:r>
+          </a:p>
+        </p:txBody>
+      </p:sp>
+      <p:sp>
+        <p:nvSpPr>
+          <p:cNvPr id="11" name="Rectangle 10">
+            <a:extLst>
+              <a:ext uri="{FF2B5EF4-FFF2-40B4-BE49-F238E27FC236}">
+                <a16:creationId xmlns:a16="http://schemas.microsoft.com/office/drawing/2014/main" id="{E4A7C03B-B4E4-44CB-AECB-9BC8B97FF6BF}"/>
+              </a:ext>
+            </a:extLst>
+          </p:cNvPr>
+          <p:cNvSpPr/>
+          <p:nvPr/>
+        </p:nvSpPr>
+        <p:spPr>
+          <a:xfrm>
+            <a:off x="5698106" y="5626236"/>
+            <a:ext cx="556100" cy="404246"/>
+          </a:xfrm>
+          <a:prstGeom prst="rect">
+            <a:avLst/>
+          </a:prstGeom>
+          <a:solidFill>
+            <a:srgbClr val="0070C0"/>
+          </a:solidFill>
+        </p:spPr>
+        <p:style>
+          <a:lnRef idx="2">
+            <a:schemeClr val="accent1">
+              <a:shade val="50000"/>
+            </a:schemeClr>
+          </a:lnRef>
+          <a:fillRef idx="1">
+            <a:schemeClr val="accent1"/>
+          </a:fillRef>
+          <a:effectRef idx="0">
+            <a:schemeClr val="accent1"/>
+          </a:effectRef>
+          <a:fontRef idx="minor">
+            <a:schemeClr val="lt1"/>
+          </a:fontRef>
+        </p:style>
+        <p:txBody>
+          <a:bodyPr rtlCol="0" anchor="ctr"/>
+          <a:lstStyle/>
+          <a:p>
+            <a:pPr algn="ctr"/>
+            <a:r>
+              <a:rPr lang="en-US" dirty="0"/>
+              <a:t>F</a:t>
+            </a:r>
+          </a:p>
+        </p:txBody>
+      </p:sp>
+      <p:cxnSp>
+        <p:nvCxnSpPr>
+          <p:cNvPr id="12" name="Connector: Elbow 11">
+            <a:extLst>
+              <a:ext uri="{FF2B5EF4-FFF2-40B4-BE49-F238E27FC236}">
+                <a16:creationId xmlns:a16="http://schemas.microsoft.com/office/drawing/2014/main" id="{3BB563A9-4787-4997-8E3B-40F341738ACD}"/>
+              </a:ext>
+            </a:extLst>
+          </p:cNvPr>
+          <p:cNvCxnSpPr>
+            <a:cxnSpLocks/>
+            <a:stCxn id="8" idx="2"/>
+            <a:endCxn id="10" idx="0"/>
+          </p:cNvCxnSpPr>
+          <p:nvPr/>
+        </p:nvCxnSpPr>
+        <p:spPr>
+          <a:xfrm rot="5400000">
+            <a:off x="5812774" y="4731844"/>
+            <a:ext cx="326764" cy="12700"/>
+          </a:xfrm>
+          <a:prstGeom prst="bentConnector3">
+            <a:avLst/>
+          </a:prstGeom>
+          <a:ln>
+            <a:tailEnd type="triangle"/>
+          </a:ln>
+        </p:spPr>
+        <p:style>
+          <a:lnRef idx="1">
+            <a:schemeClr val="accent1"/>
+          </a:lnRef>
+          <a:fillRef idx="0">
+            <a:schemeClr val="accent1"/>
+          </a:fillRef>
+          <a:effectRef idx="0">
+            <a:schemeClr val="accent1"/>
+          </a:effectRef>
+          <a:fontRef idx="minor">
+            <a:schemeClr val="tx1"/>
+          </a:fontRef>
+        </p:style>
+      </p:cxnSp>
+      <p:cxnSp>
+        <p:nvCxnSpPr>
+          <p:cNvPr id="13" name="Connector: Elbow 12">
+            <a:extLst>
+              <a:ext uri="{FF2B5EF4-FFF2-40B4-BE49-F238E27FC236}">
+                <a16:creationId xmlns:a16="http://schemas.microsoft.com/office/drawing/2014/main" id="{00B66619-56C6-45FA-9A16-08C4AB76BABB}"/>
+              </a:ext>
+            </a:extLst>
+          </p:cNvPr>
+          <p:cNvCxnSpPr>
+            <a:cxnSpLocks/>
+            <a:stCxn id="10" idx="2"/>
+            <a:endCxn id="11" idx="0"/>
+          </p:cNvCxnSpPr>
+          <p:nvPr/>
+        </p:nvCxnSpPr>
+        <p:spPr>
+          <a:xfrm rot="5400000">
+            <a:off x="5812774" y="5462854"/>
+            <a:ext cx="326764" cy="12700"/>
+          </a:xfrm>
+          <a:prstGeom prst="bentConnector3">
+            <a:avLst/>
+          </a:prstGeom>
+          <a:ln>
+            <a:tailEnd type="triangle"/>
+          </a:ln>
+        </p:spPr>
+        <p:style>
+          <a:lnRef idx="1">
+            <a:schemeClr val="accent1"/>
+          </a:lnRef>
+          <a:fillRef idx="0">
+            <a:schemeClr val="accent1"/>
+          </a:fillRef>
+          <a:effectRef idx="0">
+            <a:schemeClr val="accent1"/>
+          </a:effectRef>
+          <a:fontRef idx="minor">
+            <a:schemeClr val="tx1"/>
+          </a:fontRef>
+        </p:style>
+      </p:cxnSp>
+      <p:sp>
+        <p:nvSpPr>
+          <p:cNvPr id="14" name="Rectangle 13">
+            <a:extLst>
+              <a:ext uri="{FF2B5EF4-FFF2-40B4-BE49-F238E27FC236}">
+                <a16:creationId xmlns:a16="http://schemas.microsoft.com/office/drawing/2014/main" id="{4F55FF4E-6794-474F-878E-64AFE040DC69}"/>
+              </a:ext>
+            </a:extLst>
+          </p:cNvPr>
+          <p:cNvSpPr/>
+          <p:nvPr/>
+        </p:nvSpPr>
+        <p:spPr>
+          <a:xfrm>
+            <a:off x="7014240" y="3378955"/>
+            <a:ext cx="1152128" cy="300431"/>
+          </a:xfrm>
+          <a:prstGeom prst="rect">
+            <a:avLst/>
+          </a:prstGeom>
+          <a:solidFill>
+            <a:srgbClr val="00B0F0"/>
+          </a:solidFill>
+        </p:spPr>
+        <p:style>
+          <a:lnRef idx="2">
+            <a:schemeClr val="accent1">
+              <a:shade val="50000"/>
+            </a:schemeClr>
+          </a:lnRef>
+          <a:fillRef idx="1">
+            <a:schemeClr val="accent1"/>
+          </a:fillRef>
+          <a:effectRef idx="0">
+            <a:schemeClr val="accent1"/>
+          </a:effectRef>
+          <a:fontRef idx="minor">
+            <a:schemeClr val="lt1"/>
+          </a:fontRef>
+        </p:style>
+        <p:txBody>
+          <a:bodyPr rtlCol="0" anchor="ctr"/>
+          <a:lstStyle/>
+          <a:p>
+            <a:pPr algn="ctr"/>
+            <a:r>
+              <a:rPr lang="en-US" dirty="0"/>
+              <a:t>username</a:t>
+            </a:r>
+          </a:p>
+        </p:txBody>
+      </p:sp>
+      <p:sp>
+        <p:nvSpPr>
+          <p:cNvPr id="15" name="Rectangle 14">
+            <a:extLst>
+              <a:ext uri="{FF2B5EF4-FFF2-40B4-BE49-F238E27FC236}">
+                <a16:creationId xmlns:a16="http://schemas.microsoft.com/office/drawing/2014/main" id="{E58FF93E-2222-4C03-96F1-C1E02A5CBFAB}"/>
+              </a:ext>
+            </a:extLst>
+          </p:cNvPr>
+          <p:cNvSpPr/>
+          <p:nvPr/>
+        </p:nvSpPr>
+        <p:spPr>
+          <a:xfrm>
+            <a:off x="6259732" y="3870163"/>
+            <a:ext cx="910704" cy="300431"/>
+          </a:xfrm>
+          <a:prstGeom prst="rect">
+            <a:avLst/>
+          </a:prstGeom>
+          <a:noFill/>
+          <a:ln>
+            <a:noFill/>
+          </a:ln>
+        </p:spPr>
+        <p:style>
+          <a:lnRef idx="2">
+            <a:schemeClr val="accent1">
+              <a:shade val="50000"/>
+            </a:schemeClr>
+          </a:lnRef>
+          <a:fillRef idx="1">
+            <a:schemeClr val="accent1"/>
+          </a:fillRef>
+          <a:effectRef idx="0">
+            <a:schemeClr val="accent1"/>
+          </a:effectRef>
+          <a:fontRef idx="minor">
+            <a:schemeClr val="lt1"/>
+          </a:fontRef>
+        </p:style>
+        <p:txBody>
+          <a:bodyPr rtlCol="0" anchor="ctr"/>
+          <a:lstStyle/>
+          <a:p>
+            <a:pPr algn="ctr"/>
+            <a:r>
+              <a:rPr lang="en-US" sz="1400" dirty="0">
+                <a:solidFill>
+                  <a:schemeClr val="tx1"/>
+                </a:solidFill>
+              </a:rPr>
+              <a:t>username</a:t>
+            </a:r>
+          </a:p>
+        </p:txBody>
+      </p:sp>
+      <p:sp>
+        <p:nvSpPr>
+          <p:cNvPr id="16" name="Rectangle 15">
+            <a:extLst>
+              <a:ext uri="{FF2B5EF4-FFF2-40B4-BE49-F238E27FC236}">
+                <a16:creationId xmlns:a16="http://schemas.microsoft.com/office/drawing/2014/main" id="{80E64A9B-29BB-452C-BE22-2D4AB3D3DEB3}"/>
+              </a:ext>
+            </a:extLst>
+          </p:cNvPr>
+          <p:cNvSpPr/>
+          <p:nvPr/>
+        </p:nvSpPr>
+        <p:spPr>
+          <a:xfrm>
+            <a:off x="6254206" y="4515470"/>
+            <a:ext cx="910704" cy="300431"/>
+          </a:xfrm>
+          <a:prstGeom prst="rect">
+            <a:avLst/>
+          </a:prstGeom>
+          <a:noFill/>
+          <a:ln>
+            <a:noFill/>
+          </a:ln>
+        </p:spPr>
+        <p:style>
+          <a:lnRef idx="2">
+            <a:schemeClr val="accent1">
+              <a:shade val="50000"/>
+            </a:schemeClr>
+          </a:lnRef>
+          <a:fillRef idx="1">
+            <a:schemeClr val="accent1"/>
+          </a:fillRef>
+          <a:effectRef idx="0">
+            <a:schemeClr val="accent1"/>
+          </a:effectRef>
+          <a:fontRef idx="minor">
+            <a:schemeClr val="lt1"/>
+          </a:fontRef>
+        </p:style>
+        <p:txBody>
+          <a:bodyPr rtlCol="0" anchor="ctr"/>
+          <a:lstStyle/>
+          <a:p>
+            <a:pPr algn="ctr"/>
+            <a:r>
+              <a:rPr lang="en-US" sz="1400" dirty="0">
+                <a:solidFill>
+                  <a:schemeClr val="tx1"/>
+                </a:solidFill>
+              </a:rPr>
+              <a:t>username</a:t>
+            </a:r>
+          </a:p>
+        </p:txBody>
+      </p:sp>
+      <p:sp>
+        <p:nvSpPr>
+          <p:cNvPr id="17" name="Rectangle 16">
+            <a:extLst>
+              <a:ext uri="{FF2B5EF4-FFF2-40B4-BE49-F238E27FC236}">
+                <a16:creationId xmlns:a16="http://schemas.microsoft.com/office/drawing/2014/main" id="{6CCD1566-A14D-4C7B-96B6-F958FACDF8B1}"/>
+              </a:ext>
+            </a:extLst>
+          </p:cNvPr>
+          <p:cNvSpPr/>
+          <p:nvPr/>
+        </p:nvSpPr>
+        <p:spPr>
+          <a:xfrm>
+            <a:off x="6254206" y="5347992"/>
+            <a:ext cx="910704" cy="300431"/>
+          </a:xfrm>
+          <a:prstGeom prst="rect">
+            <a:avLst/>
+          </a:prstGeom>
+          <a:noFill/>
+          <a:ln>
+            <a:noFill/>
+          </a:ln>
+        </p:spPr>
+        <p:style>
+          <a:lnRef idx="2">
+            <a:schemeClr val="accent1">
+              <a:shade val="50000"/>
+            </a:schemeClr>
+          </a:lnRef>
+          <a:fillRef idx="1">
+            <a:schemeClr val="accent1"/>
+          </a:fillRef>
+          <a:effectRef idx="0">
+            <a:schemeClr val="accent1"/>
+          </a:effectRef>
+          <a:fontRef idx="minor">
+            <a:schemeClr val="lt1"/>
+          </a:fontRef>
+        </p:style>
+        <p:txBody>
+          <a:bodyPr rtlCol="0" anchor="ctr"/>
+          <a:lstStyle/>
+          <a:p>
+            <a:pPr algn="ctr"/>
+            <a:r>
+              <a:rPr lang="en-US" sz="1400" dirty="0">
+                <a:solidFill>
+                  <a:schemeClr val="tx1"/>
+                </a:solidFill>
+              </a:rPr>
+              <a:t>username</a:t>
+            </a:r>
           </a:p>
         </p:txBody>
       </p:sp>
@@ -4180,7 +4745,7 @@
             <a:fld id="{C389EDC9-19E3-47AC-9C57-C6A24DEA81AD}" type="datetime1">
               <a:rPr lang="zh-TW" altLang="en-US" smtClean="0"/>
               <a:pPr/>
-              <a:t>2020/5/25</a:t>
+              <a:t>2020/6/29</a:t>
             </a:fld>
             <a:endParaRPr lang="zh-TW" altLang="en-US"/>
           </a:p>
@@ -4417,25 +4982,7 @@
                 </a:solidFill>
                 <a:latin typeface="+mj-lt"/>
               </a:rPr>
-              <a:t>1. </a:t>
-            </a:r>
-            <a:r>
-              <a:rPr lang="en-US" altLang="zh-TW" sz="1800" dirty="0" err="1">
-                <a:solidFill>
-                  <a:schemeClr val="tx1"/>
-                </a:solidFill>
-                <a:latin typeface="+mj-lt"/>
-              </a:rPr>
-              <a:t>userCreate</a:t>
-            </a:r>
-            <a:r>
-              <a:rPr lang="en-US" altLang="zh-TW" sz="1800" dirty="0">
-                <a:solidFill>
-                  <a:schemeClr val="tx1"/>
-                </a:solidFill>
-                <a:latin typeface="+mj-lt"/>
-              </a:rPr>
-              <a:t> Conext.js</a:t>
+              <a:t>1. userConext.js</a:t>
             </a:r>
           </a:p>
           <a:p>
@@ -4557,7 +5104,7 @@
             <a:fld id="{A4F910E6-8D00-4BAF-8C48-9688E0B449D3}" type="datetime1">
               <a:rPr lang="zh-TW" altLang="en-US" smtClean="0"/>
               <a:pPr/>
-              <a:t>2020/5/25</a:t>
+              <a:t>2020/6/29</a:t>
             </a:fld>
             <a:endParaRPr lang="zh-TW" altLang="en-US"/>
           </a:p>
@@ -4709,6 +5256,7 @@
             </a:extLst>
           </p:cNvPr>
           <p:cNvCxnSpPr>
+            <a:cxnSpLocks/>
             <a:stCxn id="12" idx="2"/>
             <a:endCxn id="17" idx="0"/>
           </p:cNvCxnSpPr>
@@ -4855,6 +5403,7 @@
             </a:extLst>
           </p:cNvPr>
           <p:cNvCxnSpPr>
+            <a:cxnSpLocks/>
             <a:stCxn id="17" idx="2"/>
             <a:endCxn id="20" idx="0"/>
           </p:cNvCxnSpPr>
@@ -5187,6 +5736,58 @@
           </a:ln>
         </p:spPr>
       </p:pic>
+      <p:sp>
+        <p:nvSpPr>
+          <p:cNvPr id="8" name="Rectangle 7">
+            <a:extLst>
+              <a:ext uri="{FF2B5EF4-FFF2-40B4-BE49-F238E27FC236}">
+                <a16:creationId xmlns:a16="http://schemas.microsoft.com/office/drawing/2014/main" id="{E6915BE0-C751-4C72-8C89-8DD1E725AA24}"/>
+              </a:ext>
+            </a:extLst>
+          </p:cNvPr>
+          <p:cNvSpPr/>
+          <p:nvPr/>
+        </p:nvSpPr>
+        <p:spPr>
+          <a:xfrm>
+            <a:off x="1907704" y="4797152"/>
+            <a:ext cx="2448272" cy="299592"/>
+          </a:xfrm>
+          <a:prstGeom prst="rect">
+            <a:avLst/>
+          </a:prstGeom>
+          <a:noFill/>
+          <a:ln>
+            <a:solidFill>
+              <a:srgbClr val="C00000"/>
+            </a:solidFill>
+          </a:ln>
+        </p:spPr>
+        <p:style>
+          <a:lnRef idx="2">
+            <a:schemeClr val="accent1">
+              <a:shade val="50000"/>
+            </a:schemeClr>
+          </a:lnRef>
+          <a:fillRef idx="1">
+            <a:schemeClr val="accent1"/>
+          </a:fillRef>
+          <a:effectRef idx="0">
+            <a:schemeClr val="accent1"/>
+          </a:effectRef>
+          <a:fontRef idx="minor">
+            <a:schemeClr val="lt1"/>
+          </a:fontRef>
+        </p:style>
+        <p:txBody>
+          <a:bodyPr rtlCol="0" anchor="ctr"/>
+          <a:lstStyle/>
+          <a:p>
+            <a:pPr algn="ctr"/>
+            <a:endParaRPr lang="en-US"/>
+          </a:p>
+        </p:txBody>
+      </p:sp>
     </p:spTree>
     <p:extLst>
       <p:ext uri="{BB962C8B-B14F-4D97-AF65-F5344CB8AC3E}">
@@ -5276,7 +5877,7 @@
             <a:fld id="{C389EDC9-19E3-47AC-9C57-C6A24DEA81AD}" type="datetime1">
               <a:rPr lang="zh-TW" altLang="en-US" smtClean="0"/>
               <a:pPr/>
-              <a:t>2020/5/25</a:t>
+              <a:t>2020/6/29</a:t>
             </a:fld>
             <a:endParaRPr lang="zh-TW" altLang="en-US"/>
           </a:p>
@@ -5712,7 +6313,7 @@
             <a:fld id="{A4F910E6-8D00-4BAF-8C48-9688E0B449D3}" type="datetime1">
               <a:rPr lang="zh-TW" altLang="en-US" smtClean="0"/>
               <a:pPr/>
-              <a:t>2020/5/25</a:t>
+              <a:t>2020/6/29</a:t>
             </a:fld>
             <a:endParaRPr lang="zh-TW" altLang="en-US"/>
           </a:p>
@@ -5782,6 +6383,673 @@
           </a:ln>
         </p:spPr>
       </p:pic>
+      <p:sp>
+        <p:nvSpPr>
+          <p:cNvPr id="9" name="Rectangle 8">
+            <a:extLst>
+              <a:ext uri="{FF2B5EF4-FFF2-40B4-BE49-F238E27FC236}">
+                <a16:creationId xmlns:a16="http://schemas.microsoft.com/office/drawing/2014/main" id="{8419D815-A85D-4529-967A-2CB8292B0F36}"/>
+              </a:ext>
+            </a:extLst>
+          </p:cNvPr>
+          <p:cNvSpPr/>
+          <p:nvPr/>
+        </p:nvSpPr>
+        <p:spPr>
+          <a:xfrm>
+            <a:off x="5868144" y="2477933"/>
+            <a:ext cx="1080120" cy="158978"/>
+          </a:xfrm>
+          <a:prstGeom prst="rect">
+            <a:avLst/>
+          </a:prstGeom>
+          <a:noFill/>
+          <a:ln>
+            <a:solidFill>
+              <a:srgbClr val="C00000"/>
+            </a:solidFill>
+          </a:ln>
+        </p:spPr>
+        <p:style>
+          <a:lnRef idx="2">
+            <a:schemeClr val="accent1">
+              <a:shade val="50000"/>
+            </a:schemeClr>
+          </a:lnRef>
+          <a:fillRef idx="1">
+            <a:schemeClr val="accent1"/>
+          </a:fillRef>
+          <a:effectRef idx="0">
+            <a:schemeClr val="accent1"/>
+          </a:effectRef>
+          <a:fontRef idx="minor">
+            <a:schemeClr val="lt1"/>
+          </a:fontRef>
+        </p:style>
+        <p:txBody>
+          <a:bodyPr rtlCol="0" anchor="ctr"/>
+          <a:lstStyle/>
+          <a:p>
+            <a:pPr algn="ctr"/>
+            <a:endParaRPr lang="en-US"/>
+          </a:p>
+        </p:txBody>
+      </p:sp>
+      <p:sp>
+        <p:nvSpPr>
+          <p:cNvPr id="10" name="Rectangle 9">
+            <a:extLst>
+              <a:ext uri="{FF2B5EF4-FFF2-40B4-BE49-F238E27FC236}">
+                <a16:creationId xmlns:a16="http://schemas.microsoft.com/office/drawing/2014/main" id="{02058749-0F75-4F01-9CAA-38662E8C99F5}"/>
+              </a:ext>
+            </a:extLst>
+          </p:cNvPr>
+          <p:cNvSpPr/>
+          <p:nvPr/>
+        </p:nvSpPr>
+        <p:spPr>
+          <a:xfrm>
+            <a:off x="5789826" y="3521368"/>
+            <a:ext cx="2022533" cy="158978"/>
+          </a:xfrm>
+          <a:prstGeom prst="rect">
+            <a:avLst/>
+          </a:prstGeom>
+          <a:noFill/>
+          <a:ln>
+            <a:solidFill>
+              <a:srgbClr val="C00000"/>
+            </a:solidFill>
+          </a:ln>
+        </p:spPr>
+        <p:style>
+          <a:lnRef idx="2">
+            <a:schemeClr val="accent1">
+              <a:shade val="50000"/>
+            </a:schemeClr>
+          </a:lnRef>
+          <a:fillRef idx="1">
+            <a:schemeClr val="accent1"/>
+          </a:fillRef>
+          <a:effectRef idx="0">
+            <a:schemeClr val="accent1"/>
+          </a:effectRef>
+          <a:fontRef idx="minor">
+            <a:schemeClr val="lt1"/>
+          </a:fontRef>
+        </p:style>
+        <p:txBody>
+          <a:bodyPr rtlCol="0" anchor="ctr"/>
+          <a:lstStyle/>
+          <a:p>
+            <a:pPr algn="ctr"/>
+            <a:endParaRPr lang="en-US"/>
+          </a:p>
+        </p:txBody>
+      </p:sp>
+      <p:sp>
+        <p:nvSpPr>
+          <p:cNvPr id="11" name="Rectangle 10">
+            <a:extLst>
+              <a:ext uri="{FF2B5EF4-FFF2-40B4-BE49-F238E27FC236}">
+                <a16:creationId xmlns:a16="http://schemas.microsoft.com/office/drawing/2014/main" id="{6DE581DE-F84D-48E7-BC8B-1F006B782EFD}"/>
+              </a:ext>
+            </a:extLst>
+          </p:cNvPr>
+          <p:cNvSpPr/>
+          <p:nvPr/>
+        </p:nvSpPr>
+        <p:spPr>
+          <a:xfrm>
+            <a:off x="6253567" y="4322087"/>
+            <a:ext cx="1656184" cy="300431"/>
+          </a:xfrm>
+          <a:prstGeom prst="rect">
+            <a:avLst/>
+          </a:prstGeom>
+          <a:solidFill>
+            <a:schemeClr val="accent2">
+              <a:lumMod val="75000"/>
+            </a:schemeClr>
+          </a:solidFill>
+        </p:spPr>
+        <p:style>
+          <a:lnRef idx="2">
+            <a:schemeClr val="accent1">
+              <a:shade val="50000"/>
+            </a:schemeClr>
+          </a:lnRef>
+          <a:fillRef idx="1">
+            <a:schemeClr val="accent1"/>
+          </a:fillRef>
+          <a:effectRef idx="0">
+            <a:schemeClr val="accent1"/>
+          </a:effectRef>
+          <a:fontRef idx="minor">
+            <a:schemeClr val="lt1"/>
+          </a:fontRef>
+        </p:style>
+        <p:txBody>
+          <a:bodyPr rtlCol="0" anchor="ctr"/>
+          <a:lstStyle/>
+          <a:p>
+            <a:pPr algn="ctr"/>
+            <a:r>
+              <a:rPr lang="en-US" dirty="0" err="1"/>
+              <a:t>AppComponent</a:t>
+            </a:r>
+            <a:endParaRPr lang="en-US" dirty="0"/>
+          </a:p>
+        </p:txBody>
+      </p:sp>
+      <p:sp>
+        <p:nvSpPr>
+          <p:cNvPr id="12" name="Rectangle 11">
+            <a:extLst>
+              <a:ext uri="{FF2B5EF4-FFF2-40B4-BE49-F238E27FC236}">
+                <a16:creationId xmlns:a16="http://schemas.microsoft.com/office/drawing/2014/main" id="{BD462C09-72B4-44C8-8814-5877EE5936AA}"/>
+              </a:ext>
+            </a:extLst>
+          </p:cNvPr>
+          <p:cNvSpPr/>
+          <p:nvPr/>
+        </p:nvSpPr>
+        <p:spPr>
+          <a:xfrm>
+            <a:off x="6872853" y="4901222"/>
+            <a:ext cx="417611" cy="318890"/>
+          </a:xfrm>
+          <a:prstGeom prst="rect">
+            <a:avLst/>
+          </a:prstGeom>
+          <a:solidFill>
+            <a:srgbClr val="92D050"/>
+          </a:solidFill>
+        </p:spPr>
+        <p:style>
+          <a:lnRef idx="2">
+            <a:schemeClr val="accent1">
+              <a:shade val="50000"/>
+            </a:schemeClr>
+          </a:lnRef>
+          <a:fillRef idx="1">
+            <a:schemeClr val="accent1"/>
+          </a:fillRef>
+          <a:effectRef idx="0">
+            <a:schemeClr val="accent1"/>
+          </a:effectRef>
+          <a:fontRef idx="minor">
+            <a:schemeClr val="lt1"/>
+          </a:fontRef>
+        </p:style>
+        <p:txBody>
+          <a:bodyPr rtlCol="0" anchor="ctr"/>
+          <a:lstStyle/>
+          <a:p>
+            <a:pPr algn="ctr"/>
+            <a:r>
+              <a:rPr lang="en-US" dirty="0"/>
+              <a:t>C</a:t>
+            </a:r>
+          </a:p>
+        </p:txBody>
+      </p:sp>
+      <p:cxnSp>
+        <p:nvCxnSpPr>
+          <p:cNvPr id="13" name="Connector: Elbow 12">
+            <a:extLst>
+              <a:ext uri="{FF2B5EF4-FFF2-40B4-BE49-F238E27FC236}">
+                <a16:creationId xmlns:a16="http://schemas.microsoft.com/office/drawing/2014/main" id="{84A3B55C-B35B-4103-AD81-A41051ECDD51}"/>
+              </a:ext>
+            </a:extLst>
+          </p:cNvPr>
+          <p:cNvCxnSpPr>
+            <a:cxnSpLocks/>
+            <a:stCxn id="11" idx="2"/>
+            <a:endCxn id="12" idx="0"/>
+          </p:cNvCxnSpPr>
+          <p:nvPr/>
+        </p:nvCxnSpPr>
+        <p:spPr>
+          <a:xfrm rot="5400000">
+            <a:off x="6942307" y="4761870"/>
+            <a:ext cx="278704" cy="12700"/>
+          </a:xfrm>
+          <a:prstGeom prst="bentConnector3">
+            <a:avLst/>
+          </a:prstGeom>
+          <a:ln>
+            <a:tailEnd type="triangle"/>
+          </a:ln>
+        </p:spPr>
+        <p:style>
+          <a:lnRef idx="1">
+            <a:schemeClr val="accent1"/>
+          </a:lnRef>
+          <a:fillRef idx="0">
+            <a:schemeClr val="accent1"/>
+          </a:fillRef>
+          <a:effectRef idx="0">
+            <a:schemeClr val="accent1"/>
+          </a:effectRef>
+          <a:fontRef idx="minor">
+            <a:schemeClr val="tx1"/>
+          </a:fontRef>
+        </p:style>
+      </p:cxnSp>
+      <p:sp>
+        <p:nvSpPr>
+          <p:cNvPr id="14" name="Rectangle 13">
+            <a:extLst>
+              <a:ext uri="{FF2B5EF4-FFF2-40B4-BE49-F238E27FC236}">
+                <a16:creationId xmlns:a16="http://schemas.microsoft.com/office/drawing/2014/main" id="{BB8384DA-4566-4616-B8E5-C97C217A03D0}"/>
+              </a:ext>
+            </a:extLst>
+          </p:cNvPr>
+          <p:cNvSpPr/>
+          <p:nvPr/>
+        </p:nvSpPr>
+        <p:spPr>
+          <a:xfrm>
+            <a:off x="6867551" y="5490370"/>
+            <a:ext cx="417611" cy="300431"/>
+          </a:xfrm>
+          <a:prstGeom prst="rect">
+            <a:avLst/>
+          </a:prstGeom>
+          <a:solidFill>
+            <a:srgbClr val="92D050"/>
+          </a:solidFill>
+        </p:spPr>
+        <p:style>
+          <a:lnRef idx="2">
+            <a:schemeClr val="accent1">
+              <a:shade val="50000"/>
+            </a:schemeClr>
+          </a:lnRef>
+          <a:fillRef idx="1">
+            <a:schemeClr val="accent1"/>
+          </a:fillRef>
+          <a:effectRef idx="0">
+            <a:schemeClr val="accent1"/>
+          </a:effectRef>
+          <a:fontRef idx="minor">
+            <a:schemeClr val="lt1"/>
+          </a:fontRef>
+        </p:style>
+        <p:txBody>
+          <a:bodyPr rtlCol="0" anchor="ctr"/>
+          <a:lstStyle/>
+          <a:p>
+            <a:pPr algn="ctr"/>
+            <a:r>
+              <a:rPr lang="en-US" dirty="0"/>
+              <a:t>E</a:t>
+            </a:r>
+          </a:p>
+        </p:txBody>
+      </p:sp>
+      <p:sp>
+        <p:nvSpPr>
+          <p:cNvPr id="15" name="Rectangle 14">
+            <a:extLst>
+              <a:ext uri="{FF2B5EF4-FFF2-40B4-BE49-F238E27FC236}">
+                <a16:creationId xmlns:a16="http://schemas.microsoft.com/office/drawing/2014/main" id="{3745D1C5-C040-41C2-8448-324160B80767}"/>
+              </a:ext>
+            </a:extLst>
+          </p:cNvPr>
+          <p:cNvSpPr/>
+          <p:nvPr/>
+        </p:nvSpPr>
+        <p:spPr>
+          <a:xfrm>
+            <a:off x="6847633" y="6086351"/>
+            <a:ext cx="455351" cy="259062"/>
+          </a:xfrm>
+          <a:prstGeom prst="rect">
+            <a:avLst/>
+          </a:prstGeom>
+          <a:solidFill>
+            <a:srgbClr val="0070C0"/>
+          </a:solidFill>
+        </p:spPr>
+        <p:style>
+          <a:lnRef idx="2">
+            <a:schemeClr val="accent1">
+              <a:shade val="50000"/>
+            </a:schemeClr>
+          </a:lnRef>
+          <a:fillRef idx="1">
+            <a:schemeClr val="accent1"/>
+          </a:fillRef>
+          <a:effectRef idx="0">
+            <a:schemeClr val="accent1"/>
+          </a:effectRef>
+          <a:fontRef idx="minor">
+            <a:schemeClr val="lt1"/>
+          </a:fontRef>
+        </p:style>
+        <p:txBody>
+          <a:bodyPr rtlCol="0" anchor="ctr"/>
+          <a:lstStyle/>
+          <a:p>
+            <a:pPr algn="ctr"/>
+            <a:r>
+              <a:rPr lang="en-US" dirty="0"/>
+              <a:t>F</a:t>
+            </a:r>
+          </a:p>
+        </p:txBody>
+      </p:sp>
+      <p:cxnSp>
+        <p:nvCxnSpPr>
+          <p:cNvPr id="16" name="Connector: Elbow 15">
+            <a:extLst>
+              <a:ext uri="{FF2B5EF4-FFF2-40B4-BE49-F238E27FC236}">
+                <a16:creationId xmlns:a16="http://schemas.microsoft.com/office/drawing/2014/main" id="{9CB69FF8-0E2F-45ED-AB44-F3B7690220E7}"/>
+              </a:ext>
+            </a:extLst>
+          </p:cNvPr>
+          <p:cNvCxnSpPr>
+            <a:cxnSpLocks/>
+            <a:stCxn id="12" idx="2"/>
+            <a:endCxn id="14" idx="0"/>
+          </p:cNvCxnSpPr>
+          <p:nvPr/>
+        </p:nvCxnSpPr>
+        <p:spPr>
+          <a:xfrm rot="5400000">
+            <a:off x="6943879" y="5352590"/>
+            <a:ext cx="270258" cy="5302"/>
+          </a:xfrm>
+          <a:prstGeom prst="bentConnector3">
+            <a:avLst/>
+          </a:prstGeom>
+          <a:ln>
+            <a:tailEnd type="triangle"/>
+          </a:ln>
+        </p:spPr>
+        <p:style>
+          <a:lnRef idx="1">
+            <a:schemeClr val="accent1"/>
+          </a:lnRef>
+          <a:fillRef idx="0">
+            <a:schemeClr val="accent1"/>
+          </a:fillRef>
+          <a:effectRef idx="0">
+            <a:schemeClr val="accent1"/>
+          </a:effectRef>
+          <a:fontRef idx="minor">
+            <a:schemeClr val="tx1"/>
+          </a:fontRef>
+        </p:style>
+      </p:cxnSp>
+      <p:cxnSp>
+        <p:nvCxnSpPr>
+          <p:cNvPr id="17" name="Connector: Elbow 16">
+            <a:extLst>
+              <a:ext uri="{FF2B5EF4-FFF2-40B4-BE49-F238E27FC236}">
+                <a16:creationId xmlns:a16="http://schemas.microsoft.com/office/drawing/2014/main" id="{19926C35-1BE7-449B-A231-D48911AB96E4}"/>
+              </a:ext>
+            </a:extLst>
+          </p:cNvPr>
+          <p:cNvCxnSpPr>
+            <a:cxnSpLocks/>
+            <a:stCxn id="14" idx="2"/>
+            <a:endCxn id="15" idx="0"/>
+          </p:cNvCxnSpPr>
+          <p:nvPr/>
+        </p:nvCxnSpPr>
+        <p:spPr>
+          <a:xfrm rot="5400000">
+            <a:off x="6928058" y="5938052"/>
+            <a:ext cx="295550" cy="1048"/>
+          </a:xfrm>
+          <a:prstGeom prst="bentConnector3">
+            <a:avLst/>
+          </a:prstGeom>
+          <a:ln>
+            <a:tailEnd type="triangle"/>
+          </a:ln>
+        </p:spPr>
+        <p:style>
+          <a:lnRef idx="1">
+            <a:schemeClr val="accent1"/>
+          </a:lnRef>
+          <a:fillRef idx="0">
+            <a:schemeClr val="accent1"/>
+          </a:fillRef>
+          <a:effectRef idx="0">
+            <a:schemeClr val="accent1"/>
+          </a:effectRef>
+          <a:fontRef idx="minor">
+            <a:schemeClr val="tx1"/>
+          </a:fontRef>
+        </p:style>
+      </p:cxnSp>
+      <p:sp>
+        <p:nvSpPr>
+          <p:cNvPr id="18" name="Rectangle 17">
+            <a:extLst>
+              <a:ext uri="{FF2B5EF4-FFF2-40B4-BE49-F238E27FC236}">
+                <a16:creationId xmlns:a16="http://schemas.microsoft.com/office/drawing/2014/main" id="{7996FF3C-7104-402D-A447-87755D4B47B7}"/>
+              </a:ext>
+            </a:extLst>
+          </p:cNvPr>
+          <p:cNvSpPr/>
+          <p:nvPr/>
+        </p:nvSpPr>
+        <p:spPr>
+          <a:xfrm>
+            <a:off x="7959707" y="4423329"/>
+            <a:ext cx="1152128" cy="300431"/>
+          </a:xfrm>
+          <a:prstGeom prst="rect">
+            <a:avLst/>
+          </a:prstGeom>
+          <a:solidFill>
+            <a:srgbClr val="00B0F0"/>
+          </a:solidFill>
+        </p:spPr>
+        <p:style>
+          <a:lnRef idx="2">
+            <a:schemeClr val="accent1">
+              <a:shade val="50000"/>
+            </a:schemeClr>
+          </a:lnRef>
+          <a:fillRef idx="1">
+            <a:schemeClr val="accent1"/>
+          </a:fillRef>
+          <a:effectRef idx="0">
+            <a:schemeClr val="accent1"/>
+          </a:effectRef>
+          <a:fontRef idx="minor">
+            <a:schemeClr val="lt1"/>
+          </a:fontRef>
+        </p:style>
+        <p:txBody>
+          <a:bodyPr rtlCol="0" anchor="ctr"/>
+          <a:lstStyle/>
+          <a:p>
+            <a:pPr algn="ctr"/>
+            <a:r>
+              <a:rPr lang="en-US" dirty="0"/>
+              <a:t>username</a:t>
+            </a:r>
+          </a:p>
+        </p:txBody>
+      </p:sp>
+      <p:sp>
+        <p:nvSpPr>
+          <p:cNvPr id="19" name="Rectangle 18">
+            <a:extLst>
+              <a:ext uri="{FF2B5EF4-FFF2-40B4-BE49-F238E27FC236}">
+                <a16:creationId xmlns:a16="http://schemas.microsoft.com/office/drawing/2014/main" id="{98082685-E287-4682-B404-86B8C06EDD99}"/>
+              </a:ext>
+            </a:extLst>
+          </p:cNvPr>
+          <p:cNvSpPr/>
+          <p:nvPr/>
+        </p:nvSpPr>
+        <p:spPr>
+          <a:xfrm>
+            <a:off x="7285162" y="4743178"/>
+            <a:ext cx="910704" cy="300431"/>
+          </a:xfrm>
+          <a:prstGeom prst="rect">
+            <a:avLst/>
+          </a:prstGeom>
+          <a:noFill/>
+          <a:ln>
+            <a:noFill/>
+          </a:ln>
+        </p:spPr>
+        <p:style>
+          <a:lnRef idx="2">
+            <a:schemeClr val="accent1">
+              <a:shade val="50000"/>
+            </a:schemeClr>
+          </a:lnRef>
+          <a:fillRef idx="1">
+            <a:schemeClr val="accent1"/>
+          </a:fillRef>
+          <a:effectRef idx="0">
+            <a:schemeClr val="accent1"/>
+          </a:effectRef>
+          <a:fontRef idx="minor">
+            <a:schemeClr val="lt1"/>
+          </a:fontRef>
+        </p:style>
+        <p:txBody>
+          <a:bodyPr rtlCol="0" anchor="ctr"/>
+          <a:lstStyle/>
+          <a:p>
+            <a:pPr algn="ctr"/>
+            <a:r>
+              <a:rPr lang="en-US" sz="1400" dirty="0">
+                <a:solidFill>
+                  <a:schemeClr val="tx1"/>
+                </a:solidFill>
+              </a:rPr>
+              <a:t>username</a:t>
+            </a:r>
+          </a:p>
+        </p:txBody>
+      </p:sp>
+      <p:sp>
+        <p:nvSpPr>
+          <p:cNvPr id="20" name="Rectangle 19">
+            <a:extLst>
+              <a:ext uri="{FF2B5EF4-FFF2-40B4-BE49-F238E27FC236}">
+                <a16:creationId xmlns:a16="http://schemas.microsoft.com/office/drawing/2014/main" id="{6879BF72-4E4B-41E9-B9DA-B8F6AFA0D6C7}"/>
+              </a:ext>
+            </a:extLst>
+          </p:cNvPr>
+          <p:cNvSpPr/>
+          <p:nvPr/>
+        </p:nvSpPr>
+        <p:spPr>
+          <a:xfrm>
+            <a:off x="7334555" y="5269472"/>
+            <a:ext cx="910704" cy="300431"/>
+          </a:xfrm>
+          <a:prstGeom prst="rect">
+            <a:avLst/>
+          </a:prstGeom>
+          <a:noFill/>
+          <a:ln>
+            <a:noFill/>
+          </a:ln>
+        </p:spPr>
+        <p:style>
+          <a:lnRef idx="2">
+            <a:schemeClr val="accent1">
+              <a:shade val="50000"/>
+            </a:schemeClr>
+          </a:lnRef>
+          <a:fillRef idx="1">
+            <a:schemeClr val="accent1"/>
+          </a:fillRef>
+          <a:effectRef idx="0">
+            <a:schemeClr val="accent1"/>
+          </a:effectRef>
+          <a:fontRef idx="minor">
+            <a:schemeClr val="lt1"/>
+          </a:fontRef>
+        </p:style>
+        <p:txBody>
+          <a:bodyPr rtlCol="0" anchor="ctr"/>
+          <a:lstStyle/>
+          <a:p>
+            <a:pPr algn="ctr"/>
+            <a:r>
+              <a:rPr lang="en-US" sz="1400" dirty="0">
+                <a:solidFill>
+                  <a:schemeClr val="tx1"/>
+                </a:solidFill>
+              </a:rPr>
+              <a:t>username</a:t>
+            </a:r>
+          </a:p>
+        </p:txBody>
+      </p:sp>
+      <p:sp>
+        <p:nvSpPr>
+          <p:cNvPr id="21" name="Rectangle 20">
+            <a:extLst>
+              <a:ext uri="{FF2B5EF4-FFF2-40B4-BE49-F238E27FC236}">
+                <a16:creationId xmlns:a16="http://schemas.microsoft.com/office/drawing/2014/main" id="{C2EC327D-ED2D-4D7B-95B2-61DAE624C50F}"/>
+              </a:ext>
+            </a:extLst>
+          </p:cNvPr>
+          <p:cNvSpPr/>
+          <p:nvPr/>
+        </p:nvSpPr>
+        <p:spPr>
+          <a:xfrm>
+            <a:off x="7285162" y="5742677"/>
+            <a:ext cx="910704" cy="300431"/>
+          </a:xfrm>
+          <a:prstGeom prst="rect">
+            <a:avLst/>
+          </a:prstGeom>
+          <a:noFill/>
+          <a:ln>
+            <a:noFill/>
+          </a:ln>
+        </p:spPr>
+        <p:style>
+          <a:lnRef idx="2">
+            <a:schemeClr val="accent1">
+              <a:shade val="50000"/>
+            </a:schemeClr>
+          </a:lnRef>
+          <a:fillRef idx="1">
+            <a:schemeClr val="accent1"/>
+          </a:fillRef>
+          <a:effectRef idx="0">
+            <a:schemeClr val="accent1"/>
+          </a:effectRef>
+          <a:fontRef idx="minor">
+            <a:schemeClr val="lt1"/>
+          </a:fontRef>
+        </p:style>
+        <p:txBody>
+          <a:bodyPr rtlCol="0" anchor="ctr"/>
+          <a:lstStyle/>
+          <a:p>
+            <a:pPr algn="ctr"/>
+            <a:r>
+              <a:rPr lang="en-US" sz="1400" dirty="0">
+                <a:solidFill>
+                  <a:schemeClr val="tx1"/>
+                </a:solidFill>
+              </a:rPr>
+              <a:t>username</a:t>
+            </a:r>
+          </a:p>
+        </p:txBody>
+      </p:sp>
     </p:spTree>
     <p:extLst>
       <p:ext uri="{BB962C8B-B14F-4D97-AF65-F5344CB8AC3E}">
@@ -5871,7 +7139,7 @@
             <a:fld id="{C389EDC9-19E3-47AC-9C57-C6A24DEA81AD}" type="datetime1">
               <a:rPr lang="zh-TW" altLang="en-US" smtClean="0"/>
               <a:pPr/>
-              <a:t>2020/5/25</a:t>
+              <a:t>2020/6/29</a:t>
             </a:fld>
             <a:endParaRPr lang="zh-TW" altLang="en-US"/>
           </a:p>
@@ -6130,9 +7398,9 @@
               <a:t>For our example, we have to consume the username value in </a:t>
             </a:r>
             <a:r>
-              <a:rPr lang="en-US" altLang="zh-TW" sz="1800" dirty="0" err="1">
+              <a:rPr lang="en-US" altLang="zh-TW" sz="1800" b="1" dirty="0" err="1">
                 <a:solidFill>
-                  <a:schemeClr val="tx1"/>
+                  <a:srgbClr val="FF0000"/>
                 </a:solidFill>
                 <a:latin typeface="+mj-lt"/>
               </a:rPr>
@@ -6260,7 +7528,7 @@
             <a:fld id="{A4F910E6-8D00-4BAF-8C48-9688E0B449D3}" type="datetime1">
               <a:rPr lang="zh-TW" altLang="en-US" smtClean="0"/>
               <a:pPr/>
-              <a:t>2020/5/25</a:t>
+              <a:t>2020/6/29</a:t>
             </a:fld>
             <a:endParaRPr lang="zh-TW" altLang="en-US"/>
           </a:p>
@@ -6330,6 +7598,569 @@
           </a:ln>
         </p:spPr>
       </p:pic>
+      <p:sp>
+        <p:nvSpPr>
+          <p:cNvPr id="8" name="Rectangle 7">
+            <a:extLst>
+              <a:ext uri="{FF2B5EF4-FFF2-40B4-BE49-F238E27FC236}">
+                <a16:creationId xmlns:a16="http://schemas.microsoft.com/office/drawing/2014/main" id="{4A553731-6FE1-4920-B7FB-5F27160F114A}"/>
+              </a:ext>
+            </a:extLst>
+          </p:cNvPr>
+          <p:cNvSpPr/>
+          <p:nvPr/>
+        </p:nvSpPr>
+        <p:spPr>
+          <a:xfrm>
+            <a:off x="6228184" y="3937607"/>
+            <a:ext cx="1656184" cy="300431"/>
+          </a:xfrm>
+          <a:prstGeom prst="rect">
+            <a:avLst/>
+          </a:prstGeom>
+          <a:solidFill>
+            <a:schemeClr val="accent2">
+              <a:lumMod val="75000"/>
+            </a:schemeClr>
+          </a:solidFill>
+        </p:spPr>
+        <p:style>
+          <a:lnRef idx="2">
+            <a:schemeClr val="accent1">
+              <a:shade val="50000"/>
+            </a:schemeClr>
+          </a:lnRef>
+          <a:fillRef idx="1">
+            <a:schemeClr val="accent1"/>
+          </a:fillRef>
+          <a:effectRef idx="0">
+            <a:schemeClr val="accent1"/>
+          </a:effectRef>
+          <a:fontRef idx="minor">
+            <a:schemeClr val="lt1"/>
+          </a:fontRef>
+        </p:style>
+        <p:txBody>
+          <a:bodyPr rtlCol="0" anchor="ctr"/>
+          <a:lstStyle/>
+          <a:p>
+            <a:pPr algn="ctr"/>
+            <a:r>
+              <a:rPr lang="en-US" dirty="0" err="1"/>
+              <a:t>AppComponent</a:t>
+            </a:r>
+            <a:endParaRPr lang="en-US" dirty="0"/>
+          </a:p>
+        </p:txBody>
+      </p:sp>
+      <p:sp>
+        <p:nvSpPr>
+          <p:cNvPr id="10" name="Rectangle 9">
+            <a:extLst>
+              <a:ext uri="{FF2B5EF4-FFF2-40B4-BE49-F238E27FC236}">
+                <a16:creationId xmlns:a16="http://schemas.microsoft.com/office/drawing/2014/main" id="{ABC58DB1-CC32-4A2F-A922-8BA41F2363D3}"/>
+              </a:ext>
+            </a:extLst>
+          </p:cNvPr>
+          <p:cNvSpPr/>
+          <p:nvPr/>
+        </p:nvSpPr>
+        <p:spPr>
+          <a:xfrm>
+            <a:off x="6847470" y="4516742"/>
+            <a:ext cx="417611" cy="318890"/>
+          </a:xfrm>
+          <a:prstGeom prst="rect">
+            <a:avLst/>
+          </a:prstGeom>
+          <a:solidFill>
+            <a:srgbClr val="92D050"/>
+          </a:solidFill>
+        </p:spPr>
+        <p:style>
+          <a:lnRef idx="2">
+            <a:schemeClr val="accent1">
+              <a:shade val="50000"/>
+            </a:schemeClr>
+          </a:lnRef>
+          <a:fillRef idx="1">
+            <a:schemeClr val="accent1"/>
+          </a:fillRef>
+          <a:effectRef idx="0">
+            <a:schemeClr val="accent1"/>
+          </a:effectRef>
+          <a:fontRef idx="minor">
+            <a:schemeClr val="lt1"/>
+          </a:fontRef>
+        </p:style>
+        <p:txBody>
+          <a:bodyPr rtlCol="0" anchor="ctr"/>
+          <a:lstStyle/>
+          <a:p>
+            <a:pPr algn="ctr"/>
+            <a:r>
+              <a:rPr lang="en-US" dirty="0"/>
+              <a:t>C</a:t>
+            </a:r>
+          </a:p>
+        </p:txBody>
+      </p:sp>
+      <p:cxnSp>
+        <p:nvCxnSpPr>
+          <p:cNvPr id="11" name="Connector: Elbow 10">
+            <a:extLst>
+              <a:ext uri="{FF2B5EF4-FFF2-40B4-BE49-F238E27FC236}">
+                <a16:creationId xmlns:a16="http://schemas.microsoft.com/office/drawing/2014/main" id="{3CCEEA23-D735-4D5E-82FE-4B1E1777EFED}"/>
+              </a:ext>
+            </a:extLst>
+          </p:cNvPr>
+          <p:cNvCxnSpPr>
+            <a:cxnSpLocks/>
+            <a:stCxn id="8" idx="2"/>
+            <a:endCxn id="10" idx="0"/>
+          </p:cNvCxnSpPr>
+          <p:nvPr/>
+        </p:nvCxnSpPr>
+        <p:spPr>
+          <a:xfrm rot="5400000">
+            <a:off x="6916924" y="4377390"/>
+            <a:ext cx="278704" cy="12700"/>
+          </a:xfrm>
+          <a:prstGeom prst="bentConnector3">
+            <a:avLst/>
+          </a:prstGeom>
+          <a:ln>
+            <a:tailEnd type="triangle"/>
+          </a:ln>
+        </p:spPr>
+        <p:style>
+          <a:lnRef idx="1">
+            <a:schemeClr val="accent1"/>
+          </a:lnRef>
+          <a:fillRef idx="0">
+            <a:schemeClr val="accent1"/>
+          </a:fillRef>
+          <a:effectRef idx="0">
+            <a:schemeClr val="accent1"/>
+          </a:effectRef>
+          <a:fontRef idx="minor">
+            <a:schemeClr val="tx1"/>
+          </a:fontRef>
+        </p:style>
+      </p:cxnSp>
+      <p:sp>
+        <p:nvSpPr>
+          <p:cNvPr id="12" name="Rectangle 11">
+            <a:extLst>
+              <a:ext uri="{FF2B5EF4-FFF2-40B4-BE49-F238E27FC236}">
+                <a16:creationId xmlns:a16="http://schemas.microsoft.com/office/drawing/2014/main" id="{6CA06318-CAED-4C0E-8883-7BE81FD35C94}"/>
+              </a:ext>
+            </a:extLst>
+          </p:cNvPr>
+          <p:cNvSpPr/>
+          <p:nvPr/>
+        </p:nvSpPr>
+        <p:spPr>
+          <a:xfrm>
+            <a:off x="6842168" y="5105890"/>
+            <a:ext cx="417611" cy="300431"/>
+          </a:xfrm>
+          <a:prstGeom prst="rect">
+            <a:avLst/>
+          </a:prstGeom>
+          <a:solidFill>
+            <a:srgbClr val="92D050"/>
+          </a:solidFill>
+        </p:spPr>
+        <p:style>
+          <a:lnRef idx="2">
+            <a:schemeClr val="accent1">
+              <a:shade val="50000"/>
+            </a:schemeClr>
+          </a:lnRef>
+          <a:fillRef idx="1">
+            <a:schemeClr val="accent1"/>
+          </a:fillRef>
+          <a:effectRef idx="0">
+            <a:schemeClr val="accent1"/>
+          </a:effectRef>
+          <a:fontRef idx="minor">
+            <a:schemeClr val="lt1"/>
+          </a:fontRef>
+        </p:style>
+        <p:txBody>
+          <a:bodyPr rtlCol="0" anchor="ctr"/>
+          <a:lstStyle/>
+          <a:p>
+            <a:pPr algn="ctr"/>
+            <a:r>
+              <a:rPr lang="en-US" dirty="0"/>
+              <a:t>E</a:t>
+            </a:r>
+          </a:p>
+        </p:txBody>
+      </p:sp>
+      <p:sp>
+        <p:nvSpPr>
+          <p:cNvPr id="13" name="Rectangle 12">
+            <a:extLst>
+              <a:ext uri="{FF2B5EF4-FFF2-40B4-BE49-F238E27FC236}">
+                <a16:creationId xmlns:a16="http://schemas.microsoft.com/office/drawing/2014/main" id="{9391FB0A-3593-49E4-B38B-A981AAC232C3}"/>
+              </a:ext>
+            </a:extLst>
+          </p:cNvPr>
+          <p:cNvSpPr/>
+          <p:nvPr/>
+        </p:nvSpPr>
+        <p:spPr>
+          <a:xfrm>
+            <a:off x="6822250" y="5701871"/>
+            <a:ext cx="455351" cy="259062"/>
+          </a:xfrm>
+          <a:prstGeom prst="rect">
+            <a:avLst/>
+          </a:prstGeom>
+          <a:solidFill>
+            <a:srgbClr val="0070C0"/>
+          </a:solidFill>
+        </p:spPr>
+        <p:style>
+          <a:lnRef idx="2">
+            <a:schemeClr val="accent1">
+              <a:shade val="50000"/>
+            </a:schemeClr>
+          </a:lnRef>
+          <a:fillRef idx="1">
+            <a:schemeClr val="accent1"/>
+          </a:fillRef>
+          <a:effectRef idx="0">
+            <a:schemeClr val="accent1"/>
+          </a:effectRef>
+          <a:fontRef idx="minor">
+            <a:schemeClr val="lt1"/>
+          </a:fontRef>
+        </p:style>
+        <p:txBody>
+          <a:bodyPr rtlCol="0" anchor="ctr"/>
+          <a:lstStyle/>
+          <a:p>
+            <a:pPr algn="ctr"/>
+            <a:r>
+              <a:rPr lang="en-US" dirty="0"/>
+              <a:t>F</a:t>
+            </a:r>
+          </a:p>
+        </p:txBody>
+      </p:sp>
+      <p:cxnSp>
+        <p:nvCxnSpPr>
+          <p:cNvPr id="14" name="Connector: Elbow 13">
+            <a:extLst>
+              <a:ext uri="{FF2B5EF4-FFF2-40B4-BE49-F238E27FC236}">
+                <a16:creationId xmlns:a16="http://schemas.microsoft.com/office/drawing/2014/main" id="{FC4FD08B-0F39-4142-8342-720FDDAE946D}"/>
+              </a:ext>
+            </a:extLst>
+          </p:cNvPr>
+          <p:cNvCxnSpPr>
+            <a:cxnSpLocks/>
+            <a:stCxn id="10" idx="2"/>
+            <a:endCxn id="12" idx="0"/>
+          </p:cNvCxnSpPr>
+          <p:nvPr/>
+        </p:nvCxnSpPr>
+        <p:spPr>
+          <a:xfrm rot="5400000">
+            <a:off x="6918496" y="4968110"/>
+            <a:ext cx="270258" cy="5302"/>
+          </a:xfrm>
+          <a:prstGeom prst="bentConnector3">
+            <a:avLst/>
+          </a:prstGeom>
+          <a:ln>
+            <a:tailEnd type="triangle"/>
+          </a:ln>
+        </p:spPr>
+        <p:style>
+          <a:lnRef idx="1">
+            <a:schemeClr val="accent1"/>
+          </a:lnRef>
+          <a:fillRef idx="0">
+            <a:schemeClr val="accent1"/>
+          </a:fillRef>
+          <a:effectRef idx="0">
+            <a:schemeClr val="accent1"/>
+          </a:effectRef>
+          <a:fontRef idx="minor">
+            <a:schemeClr val="tx1"/>
+          </a:fontRef>
+        </p:style>
+      </p:cxnSp>
+      <p:cxnSp>
+        <p:nvCxnSpPr>
+          <p:cNvPr id="15" name="Connector: Elbow 14">
+            <a:extLst>
+              <a:ext uri="{FF2B5EF4-FFF2-40B4-BE49-F238E27FC236}">
+                <a16:creationId xmlns:a16="http://schemas.microsoft.com/office/drawing/2014/main" id="{81C71E3F-1B16-41D7-8774-EB696F4C642E}"/>
+              </a:ext>
+            </a:extLst>
+          </p:cNvPr>
+          <p:cNvCxnSpPr>
+            <a:cxnSpLocks/>
+            <a:stCxn id="12" idx="2"/>
+            <a:endCxn id="13" idx="0"/>
+          </p:cNvCxnSpPr>
+          <p:nvPr/>
+        </p:nvCxnSpPr>
+        <p:spPr>
+          <a:xfrm rot="5400000">
+            <a:off x="6902675" y="5553572"/>
+            <a:ext cx="295550" cy="1048"/>
+          </a:xfrm>
+          <a:prstGeom prst="bentConnector3">
+            <a:avLst/>
+          </a:prstGeom>
+          <a:ln>
+            <a:tailEnd type="triangle"/>
+          </a:ln>
+        </p:spPr>
+        <p:style>
+          <a:lnRef idx="1">
+            <a:schemeClr val="accent1"/>
+          </a:lnRef>
+          <a:fillRef idx="0">
+            <a:schemeClr val="accent1"/>
+          </a:fillRef>
+          <a:effectRef idx="0">
+            <a:schemeClr val="accent1"/>
+          </a:effectRef>
+          <a:fontRef idx="minor">
+            <a:schemeClr val="tx1"/>
+          </a:fontRef>
+        </p:style>
+      </p:cxnSp>
+      <p:sp>
+        <p:nvSpPr>
+          <p:cNvPr id="16" name="Rectangle 15">
+            <a:extLst>
+              <a:ext uri="{FF2B5EF4-FFF2-40B4-BE49-F238E27FC236}">
+                <a16:creationId xmlns:a16="http://schemas.microsoft.com/office/drawing/2014/main" id="{ED17E3DE-85A1-4852-BE65-6ED05D577195}"/>
+              </a:ext>
+            </a:extLst>
+          </p:cNvPr>
+          <p:cNvSpPr/>
+          <p:nvPr/>
+        </p:nvSpPr>
+        <p:spPr>
+          <a:xfrm>
+            <a:off x="7934324" y="4038849"/>
+            <a:ext cx="1152128" cy="300431"/>
+          </a:xfrm>
+          <a:prstGeom prst="rect">
+            <a:avLst/>
+          </a:prstGeom>
+          <a:solidFill>
+            <a:srgbClr val="00B0F0"/>
+          </a:solidFill>
+        </p:spPr>
+        <p:style>
+          <a:lnRef idx="2">
+            <a:schemeClr val="accent1">
+              <a:shade val="50000"/>
+            </a:schemeClr>
+          </a:lnRef>
+          <a:fillRef idx="1">
+            <a:schemeClr val="accent1"/>
+          </a:fillRef>
+          <a:effectRef idx="0">
+            <a:schemeClr val="accent1"/>
+          </a:effectRef>
+          <a:fontRef idx="minor">
+            <a:schemeClr val="lt1"/>
+          </a:fontRef>
+        </p:style>
+        <p:txBody>
+          <a:bodyPr rtlCol="0" anchor="ctr"/>
+          <a:lstStyle/>
+          <a:p>
+            <a:pPr algn="ctr"/>
+            <a:r>
+              <a:rPr lang="en-US" dirty="0"/>
+              <a:t>username</a:t>
+            </a:r>
+          </a:p>
+        </p:txBody>
+      </p:sp>
+      <p:sp>
+        <p:nvSpPr>
+          <p:cNvPr id="17" name="Rectangle 16">
+            <a:extLst>
+              <a:ext uri="{FF2B5EF4-FFF2-40B4-BE49-F238E27FC236}">
+                <a16:creationId xmlns:a16="http://schemas.microsoft.com/office/drawing/2014/main" id="{230C2FC8-F527-4FC1-BBA3-25FA13982C22}"/>
+              </a:ext>
+            </a:extLst>
+          </p:cNvPr>
+          <p:cNvSpPr/>
+          <p:nvPr/>
+        </p:nvSpPr>
+        <p:spPr>
+          <a:xfrm>
+            <a:off x="7259779" y="4358698"/>
+            <a:ext cx="910704" cy="300431"/>
+          </a:xfrm>
+          <a:prstGeom prst="rect">
+            <a:avLst/>
+          </a:prstGeom>
+          <a:noFill/>
+          <a:ln>
+            <a:noFill/>
+          </a:ln>
+        </p:spPr>
+        <p:style>
+          <a:lnRef idx="2">
+            <a:schemeClr val="accent1">
+              <a:shade val="50000"/>
+            </a:schemeClr>
+          </a:lnRef>
+          <a:fillRef idx="1">
+            <a:schemeClr val="accent1"/>
+          </a:fillRef>
+          <a:effectRef idx="0">
+            <a:schemeClr val="accent1"/>
+          </a:effectRef>
+          <a:fontRef idx="minor">
+            <a:schemeClr val="lt1"/>
+          </a:fontRef>
+        </p:style>
+        <p:txBody>
+          <a:bodyPr rtlCol="0" anchor="ctr"/>
+          <a:lstStyle/>
+          <a:p>
+            <a:pPr algn="ctr"/>
+            <a:r>
+              <a:rPr lang="en-US" sz="1400" dirty="0">
+                <a:solidFill>
+                  <a:schemeClr val="tx1"/>
+                </a:solidFill>
+              </a:rPr>
+              <a:t>username</a:t>
+            </a:r>
+          </a:p>
+        </p:txBody>
+      </p:sp>
+      <p:sp>
+        <p:nvSpPr>
+          <p:cNvPr id="18" name="Rectangle 17">
+            <a:extLst>
+              <a:ext uri="{FF2B5EF4-FFF2-40B4-BE49-F238E27FC236}">
+                <a16:creationId xmlns:a16="http://schemas.microsoft.com/office/drawing/2014/main" id="{66DE111F-8810-4865-9E1A-401B34802C87}"/>
+              </a:ext>
+            </a:extLst>
+          </p:cNvPr>
+          <p:cNvSpPr/>
+          <p:nvPr/>
+        </p:nvSpPr>
+        <p:spPr>
+          <a:xfrm>
+            <a:off x="7309172" y="4884992"/>
+            <a:ext cx="910704" cy="300431"/>
+          </a:xfrm>
+          <a:prstGeom prst="rect">
+            <a:avLst/>
+          </a:prstGeom>
+          <a:noFill/>
+          <a:ln>
+            <a:noFill/>
+          </a:ln>
+        </p:spPr>
+        <p:style>
+          <a:lnRef idx="2">
+            <a:schemeClr val="accent1">
+              <a:shade val="50000"/>
+            </a:schemeClr>
+          </a:lnRef>
+          <a:fillRef idx="1">
+            <a:schemeClr val="accent1"/>
+          </a:fillRef>
+          <a:effectRef idx="0">
+            <a:schemeClr val="accent1"/>
+          </a:effectRef>
+          <a:fontRef idx="minor">
+            <a:schemeClr val="lt1"/>
+          </a:fontRef>
+        </p:style>
+        <p:txBody>
+          <a:bodyPr rtlCol="0" anchor="ctr"/>
+          <a:lstStyle/>
+          <a:p>
+            <a:pPr algn="ctr"/>
+            <a:r>
+              <a:rPr lang="en-US" sz="1400" dirty="0">
+                <a:solidFill>
+                  <a:schemeClr val="tx1"/>
+                </a:solidFill>
+              </a:rPr>
+              <a:t>username</a:t>
+            </a:r>
+          </a:p>
+        </p:txBody>
+      </p:sp>
+      <p:sp>
+        <p:nvSpPr>
+          <p:cNvPr id="19" name="Rectangle 18">
+            <a:extLst>
+              <a:ext uri="{FF2B5EF4-FFF2-40B4-BE49-F238E27FC236}">
+                <a16:creationId xmlns:a16="http://schemas.microsoft.com/office/drawing/2014/main" id="{FCD6BD10-AA4B-455C-91F6-A00515A010F0}"/>
+              </a:ext>
+            </a:extLst>
+          </p:cNvPr>
+          <p:cNvSpPr/>
+          <p:nvPr/>
+        </p:nvSpPr>
+        <p:spPr>
+          <a:xfrm>
+            <a:off x="7259779" y="5358197"/>
+            <a:ext cx="910704" cy="300431"/>
+          </a:xfrm>
+          <a:prstGeom prst="rect">
+            <a:avLst/>
+          </a:prstGeom>
+          <a:noFill/>
+          <a:ln>
+            <a:noFill/>
+          </a:ln>
+        </p:spPr>
+        <p:style>
+          <a:lnRef idx="2">
+            <a:schemeClr val="accent1">
+              <a:shade val="50000"/>
+            </a:schemeClr>
+          </a:lnRef>
+          <a:fillRef idx="1">
+            <a:schemeClr val="accent1"/>
+          </a:fillRef>
+          <a:effectRef idx="0">
+            <a:schemeClr val="accent1"/>
+          </a:effectRef>
+          <a:fontRef idx="minor">
+            <a:schemeClr val="lt1"/>
+          </a:fontRef>
+        </p:style>
+        <p:txBody>
+          <a:bodyPr rtlCol="0" anchor="ctr"/>
+          <a:lstStyle/>
+          <a:p>
+            <a:pPr algn="ctr"/>
+            <a:r>
+              <a:rPr lang="en-US" sz="1400" dirty="0">
+                <a:solidFill>
+                  <a:schemeClr val="tx1"/>
+                </a:solidFill>
+              </a:rPr>
+              <a:t>username</a:t>
+            </a:r>
+          </a:p>
+        </p:txBody>
+      </p:sp>
     </p:spTree>
     <p:extLst>
       <p:ext uri="{BB962C8B-B14F-4D97-AF65-F5344CB8AC3E}">
@@ -6419,7 +8250,7 @@
             <a:fld id="{C389EDC9-19E3-47AC-9C57-C6A24DEA81AD}" type="datetime1">
               <a:rPr lang="zh-TW" altLang="en-US" smtClean="0"/>
               <a:pPr/>
-              <a:t>2020/5/25</a:t>
+              <a:t>2020/6/29</a:t>
             </a:fld>
             <a:endParaRPr lang="zh-TW" altLang="en-US"/>
           </a:p>
@@ -6742,7 +8573,7 @@
             <a:fld id="{A4F910E6-8D00-4BAF-8C48-9688E0B449D3}" type="datetime1">
               <a:rPr lang="zh-TW" altLang="en-US" smtClean="0"/>
               <a:pPr/>
-              <a:t>2020/5/25</a:t>
+              <a:t>2020/6/29</a:t>
             </a:fld>
             <a:endParaRPr lang="zh-TW" altLang="en-US"/>
           </a:p>
@@ -7055,7 +8886,7 @@
             <a:fld id="{A4F910E6-8D00-4BAF-8C48-9688E0B449D3}" type="datetime1">
               <a:rPr lang="zh-TW" altLang="en-US" smtClean="0"/>
               <a:pPr/>
-              <a:t>2020/5/25</a:t>
+              <a:t>2020/6/29</a:t>
             </a:fld>
             <a:endParaRPr lang="zh-TW" altLang="en-US"/>
           </a:p>
@@ -8187,7 +10018,7 @@
             <a:fld id="{C389EDC9-19E3-47AC-9C57-C6A24DEA81AD}" type="datetime1">
               <a:rPr lang="zh-TW" altLang="en-US" smtClean="0"/>
               <a:pPr/>
-              <a:t>2020/5/25</a:t>
+              <a:t>2020/6/29</a:t>
             </a:fld>
             <a:endParaRPr lang="zh-TW" altLang="en-US"/>
           </a:p>
@@ -8565,7 +10396,7 @@
             <a:fld id="{A4F910E6-8D00-4BAF-8C48-9688E0B449D3}" type="datetime1">
               <a:rPr lang="zh-TW" altLang="en-US" smtClean="0"/>
               <a:pPr/>
-              <a:t>2020/5/25</a:t>
+              <a:t>2020/6/29</a:t>
             </a:fld>
             <a:endParaRPr lang="zh-TW" altLang="en-US"/>
           </a:p>
@@ -9091,6 +10922,399 @@
             <a:off x="0" y="2130425"/>
             <a:ext cx="9144000" cy="1470025"/>
           </a:xfrm>
+          <a:solidFill>
+            <a:srgbClr val="00B0F0"/>
+          </a:solidFill>
+        </p:spPr>
+        <p:txBody>
+          <a:bodyPr>
+            <a:normAutofit/>
+          </a:bodyPr>
+          <a:lstStyle/>
+          <a:p>
+            <a:r>
+              <a:rPr lang="en-US" altLang="zh-TW" sz="4800" b="1" dirty="0">
+                <a:solidFill>
+                  <a:srgbClr val="FFFF00"/>
+                </a:solidFill>
+              </a:rPr>
+              <a:t>39.8 Quiz</a:t>
+            </a:r>
+            <a:endParaRPr lang="zh-TW" altLang="en-US" sz="4800" b="1" dirty="0">
+              <a:solidFill>
+                <a:srgbClr val="FFFF00"/>
+              </a:solidFill>
+            </a:endParaRPr>
+          </a:p>
+        </p:txBody>
+      </p:sp>
+      <p:sp>
+        <p:nvSpPr>
+          <p:cNvPr id="5" name="日期版面配置區 4"/>
+          <p:cNvSpPr>
+            <a:spLocks noGrp="1"/>
+          </p:cNvSpPr>
+          <p:nvPr>
+            <p:ph type="dt" sz="half" idx="10"/>
+          </p:nvPr>
+        </p:nvSpPr>
+        <p:spPr/>
+        <p:txBody>
+          <a:bodyPr/>
+          <a:lstStyle/>
+          <a:p>
+            <a:fld id="{C389EDC9-19E3-47AC-9C57-C6A24DEA81AD}" type="datetime1">
+              <a:rPr lang="zh-TW" altLang="en-US" smtClean="0"/>
+              <a:pPr/>
+              <a:t>2020/6/29</a:t>
+            </a:fld>
+            <a:endParaRPr lang="zh-TW" altLang="en-US"/>
+          </a:p>
+        </p:txBody>
+      </p:sp>
+      <p:sp>
+        <p:nvSpPr>
+          <p:cNvPr id="6" name="投影片編號版面配置區 5"/>
+          <p:cNvSpPr>
+            <a:spLocks noGrp="1"/>
+          </p:cNvSpPr>
+          <p:nvPr>
+            <p:ph type="sldNum" sz="quarter" idx="12"/>
+          </p:nvPr>
+        </p:nvSpPr>
+        <p:spPr/>
+        <p:txBody>
+          <a:bodyPr/>
+          <a:lstStyle/>
+          <a:p>
+            <a:fld id="{E4D7E63D-91F2-4366-A2C4-1B00C9E2590E}" type="slidenum">
+              <a:rPr lang="zh-TW" altLang="en-US" smtClean="0"/>
+              <a:pPr/>
+              <a:t>22</a:t>
+            </a:fld>
+            <a:endParaRPr lang="zh-TW" altLang="en-US"/>
+          </a:p>
+        </p:txBody>
+      </p:sp>
+      <p:pic>
+        <p:nvPicPr>
+          <p:cNvPr id="2050" name="Picture 2"/>
+          <p:cNvPicPr>
+            <a:picLocks noChangeAspect="1" noChangeArrowheads="1"/>
+          </p:cNvPicPr>
+          <p:nvPr/>
+        </p:nvPicPr>
+        <p:blipFill>
+          <a:blip r:embed="rId2" cstate="print"/>
+          <a:srcRect/>
+          <a:stretch>
+            <a:fillRect/>
+          </a:stretch>
+        </p:blipFill>
+        <p:spPr bwMode="auto">
+          <a:xfrm>
+            <a:off x="4283968" y="3717032"/>
+            <a:ext cx="713805" cy="644588"/>
+          </a:xfrm>
+          <a:prstGeom prst="rect">
+            <a:avLst/>
+          </a:prstGeom>
+          <a:noFill/>
+          <a:ln w="9525">
+            <a:noFill/>
+            <a:miter lim="800000"/>
+            <a:headEnd/>
+            <a:tailEnd/>
+          </a:ln>
+        </p:spPr>
+      </p:pic>
+    </p:spTree>
+    <p:extLst>
+      <p:ext uri="{BB962C8B-B14F-4D97-AF65-F5344CB8AC3E}">
+        <p14:creationId xmlns:p14="http://schemas.microsoft.com/office/powerpoint/2010/main" val="1818664908"/>
+      </p:ext>
+    </p:extLst>
+  </p:cSld>
+  <p:clrMapOvr>
+    <a:masterClrMapping/>
+  </p:clrMapOvr>
+</p:sld>
+</file>
+
+<file path=ppt/slides/slide23.xml><?xml version="1.0" encoding="utf-8"?>
+<p:sld xmlns:a="http://schemas.openxmlformats.org/drawingml/2006/main" xmlns:r="http://schemas.openxmlformats.org/officeDocument/2006/relationships" xmlns:p="http://schemas.openxmlformats.org/presentationml/2006/main">
+  <p:cSld>
+    <p:spTree>
+      <p:nvGrpSpPr>
+        <p:cNvPr id="1" name=""/>
+        <p:cNvGrpSpPr/>
+        <p:nvPr/>
+      </p:nvGrpSpPr>
+      <p:grpSpPr>
+        <a:xfrm>
+          <a:off x="0" y="0"/>
+          <a:ext cx="0" cy="0"/>
+          <a:chOff x="0" y="0"/>
+          <a:chExt cx="0" cy="0"/>
+        </a:xfrm>
+      </p:grpSpPr>
+      <p:sp>
+        <p:nvSpPr>
+          <p:cNvPr id="2" name="標題 1"/>
+          <p:cNvSpPr>
+            <a:spLocks noGrp="1"/>
+          </p:cNvSpPr>
+          <p:nvPr>
+            <p:ph type="ctrTitle"/>
+          </p:nvPr>
+        </p:nvSpPr>
+        <p:spPr>
+          <a:xfrm>
+            <a:off x="0" y="1"/>
+            <a:ext cx="9144000" cy="764704"/>
+          </a:xfrm>
+          <a:gradFill flip="none" rotWithShape="1">
+            <a:gsLst>
+              <a:gs pos="0">
+                <a:srgbClr val="C00000">
+                  <a:shade val="30000"/>
+                  <a:satMod val="115000"/>
+                </a:srgbClr>
+              </a:gs>
+              <a:gs pos="50000">
+                <a:srgbClr val="C00000">
+                  <a:shade val="67500"/>
+                  <a:satMod val="115000"/>
+                </a:srgbClr>
+              </a:gs>
+              <a:gs pos="100000">
+                <a:srgbClr val="C00000">
+                  <a:shade val="100000"/>
+                  <a:satMod val="115000"/>
+                </a:srgbClr>
+              </a:gs>
+            </a:gsLst>
+            <a:path path="circle">
+              <a:fillToRect t="100000" r="100000"/>
+            </a:path>
+            <a:tileRect l="-100000" b="-100000"/>
+          </a:gradFill>
+        </p:spPr>
+        <p:txBody>
+          <a:bodyPr>
+            <a:normAutofit/>
+          </a:bodyPr>
+          <a:lstStyle/>
+          <a:p>
+            <a:pPr algn="l"/>
+            <a:r>
+              <a:rPr lang="en-US" altLang="zh-TW" b="1" dirty="0">
+                <a:solidFill>
+                  <a:srgbClr val="FFFF00"/>
+                </a:solidFill>
+              </a:rPr>
+              <a:t>39.8 Quiz</a:t>
+            </a:r>
+            <a:endParaRPr lang="zh-TW" altLang="en-US" b="1" dirty="0">
+              <a:solidFill>
+                <a:srgbClr val="FFFF00"/>
+              </a:solidFill>
+            </a:endParaRPr>
+          </a:p>
+        </p:txBody>
+      </p:sp>
+      <p:sp>
+        <p:nvSpPr>
+          <p:cNvPr id="3" name="副標題 2"/>
+          <p:cNvSpPr>
+            <a:spLocks noGrp="1"/>
+          </p:cNvSpPr>
+          <p:nvPr>
+            <p:ph type="subTitle" idx="1"/>
+          </p:nvPr>
+        </p:nvSpPr>
+        <p:spPr>
+          <a:xfrm>
+            <a:off x="467544" y="1340767"/>
+            <a:ext cx="8219256" cy="2088233"/>
+          </a:xfrm>
+          <a:ln>
+            <a:solidFill>
+              <a:srgbClr val="C00000"/>
+            </a:solidFill>
+          </a:ln>
+        </p:spPr>
+        <p:txBody>
+          <a:bodyPr>
+            <a:noAutofit/>
+          </a:bodyPr>
+          <a:lstStyle/>
+          <a:p>
+            <a:pPr marL="342900" indent="-342900" algn="l">
+              <a:buClr>
+                <a:srgbClr val="0070C0"/>
+              </a:buClr>
+              <a:buSzPct val="80000"/>
+              <a:buFont typeface="Wingdings" pitchFamily="2" charset="2"/>
+              <a:buChar char="u"/>
+            </a:pPr>
+            <a:r>
+              <a:rPr lang="en-US" altLang="zh-TW" sz="1800" b="1" dirty="0">
+                <a:solidFill>
+                  <a:schemeClr val="tx1"/>
+                </a:solidFill>
+                <a:latin typeface="+mj-lt"/>
+              </a:rPr>
+              <a:t>Quiz</a:t>
+            </a:r>
+          </a:p>
+          <a:p>
+            <a:pPr marL="342900" indent="-342900" algn="l">
+              <a:buClr>
+                <a:srgbClr val="0070C0"/>
+              </a:buClr>
+              <a:buSzPct val="80000"/>
+              <a:buFont typeface="Wingdings" pitchFamily="2" charset="2"/>
+              <a:buChar char="u"/>
+            </a:pPr>
+            <a:r>
+              <a:rPr lang="en-US" altLang="zh-TW" sz="1800" dirty="0">
+                <a:solidFill>
+                  <a:schemeClr val="tx1"/>
+                </a:solidFill>
+                <a:latin typeface="+mj-lt"/>
+              </a:rPr>
+              <a:t>1. What is three steps to create </a:t>
+            </a:r>
+            <a:r>
+              <a:rPr lang="en-US" altLang="zh-TW" sz="1800" dirty="0" err="1">
+                <a:solidFill>
+                  <a:schemeClr val="tx1"/>
+                </a:solidFill>
+                <a:latin typeface="+mj-lt"/>
+              </a:rPr>
+              <a:t>conext</a:t>
+            </a:r>
+            <a:r>
+              <a:rPr lang="en-US" altLang="zh-TW" sz="1800" dirty="0">
+                <a:solidFill>
+                  <a:schemeClr val="tx1"/>
+                </a:solidFill>
+                <a:latin typeface="+mj-lt"/>
+              </a:rPr>
+              <a:t>?</a:t>
+            </a:r>
+          </a:p>
+          <a:p>
+            <a:pPr marL="342900" indent="-342900" algn="l">
+              <a:buClr>
+                <a:srgbClr val="0070C0"/>
+              </a:buClr>
+              <a:buSzPct val="80000"/>
+              <a:buFont typeface="Wingdings" pitchFamily="2" charset="2"/>
+              <a:buChar char="u"/>
+            </a:pPr>
+            <a:r>
+              <a:rPr lang="en-US" altLang="zh-TW" sz="1800" dirty="0">
+                <a:solidFill>
+                  <a:schemeClr val="tx1"/>
+                </a:solidFill>
+                <a:latin typeface="+mj-lt"/>
+              </a:rPr>
+              <a:t>Ans:  </a:t>
+            </a:r>
+          </a:p>
+          <a:p>
+            <a:pPr marL="342900" indent="-342900" algn="l">
+              <a:buClr>
+                <a:srgbClr val="0070C0"/>
+              </a:buClr>
+              <a:buSzPct val="80000"/>
+              <a:buFont typeface="+mj-lt"/>
+              <a:buAutoNum type="arabicPeriod"/>
+            </a:pPr>
+            <a:r>
+              <a:rPr lang="en-US" altLang="zh-TW" sz="1800" dirty="0">
+                <a:solidFill>
+                  <a:schemeClr val="tx1"/>
+                </a:solidFill>
+                <a:latin typeface="+mj-lt"/>
+              </a:rPr>
+              <a:t>Create the context for consumer and provider.</a:t>
+            </a:r>
+          </a:p>
+          <a:p>
+            <a:pPr marL="342900" indent="-342900" algn="l">
+              <a:buClr>
+                <a:srgbClr val="0070C0"/>
+              </a:buClr>
+              <a:buSzPct val="80000"/>
+              <a:buFont typeface="+mj-lt"/>
+              <a:buAutoNum type="arabicPeriod"/>
+            </a:pPr>
+            <a:r>
+              <a:rPr lang="en-US" altLang="zh-TW" sz="1800" dirty="0">
+                <a:solidFill>
+                  <a:schemeClr val="tx1"/>
+                </a:solidFill>
+                <a:latin typeface="+mj-lt"/>
+              </a:rPr>
+              <a:t>Provide a context value.</a:t>
+            </a:r>
+          </a:p>
+          <a:p>
+            <a:pPr marL="342900" indent="-342900" algn="l">
+              <a:buClr>
+                <a:srgbClr val="0070C0"/>
+              </a:buClr>
+              <a:buSzPct val="80000"/>
+              <a:buFont typeface="+mj-lt"/>
+              <a:buAutoNum type="arabicPeriod"/>
+            </a:pPr>
+            <a:r>
+              <a:rPr lang="en-US" altLang="zh-TW" sz="1800" dirty="0">
+                <a:solidFill>
+                  <a:schemeClr val="tx1"/>
+                </a:solidFill>
+                <a:latin typeface="+mj-lt"/>
+              </a:rPr>
+              <a:t>Consume the context value in the necessary component.</a:t>
+            </a:r>
+          </a:p>
+          <a:p>
+            <a:pPr marL="342900" indent="-342900" algn="l">
+              <a:buClr>
+                <a:srgbClr val="0070C0"/>
+              </a:buClr>
+              <a:buSzPct val="80000"/>
+              <a:buFont typeface="Wingdings" pitchFamily="2" charset="2"/>
+              <a:buChar char="u"/>
+            </a:pPr>
+            <a:endParaRPr lang="en-US" altLang="zh-TW" sz="1800" b="1" dirty="0">
+              <a:solidFill>
+                <a:schemeClr val="tx1"/>
+              </a:solidFill>
+              <a:latin typeface="+mj-lt"/>
+            </a:endParaRPr>
+          </a:p>
+        </p:txBody>
+      </p:sp>
+      <p:sp>
+        <p:nvSpPr>
+          <p:cNvPr id="4" name="標題 1"/>
+          <p:cNvSpPr txBox="1">
+            <a:spLocks/>
+          </p:cNvSpPr>
+          <p:nvPr/>
+        </p:nvSpPr>
+        <p:spPr>
+          <a:xfrm>
+            <a:off x="0" y="764704"/>
+            <a:ext cx="9144000" cy="398616"/>
+          </a:xfrm>
+          <a:prstGeom prst="rect">
+            <a:avLst/>
+          </a:prstGeom>
           <a:gradFill flip="none" rotWithShape="1">
             <a:gsLst>
               <a:gs pos="0">
@@ -9119,24 +11343,18 @@
           </a:gradFill>
         </p:spPr>
         <p:txBody>
-          <a:bodyPr>
-            <a:normAutofit/>
+          <a:bodyPr vert="horz" lIns="91440" tIns="45720" rIns="91440" bIns="45720" rtlCol="0" anchor="ctr">
+            <a:normAutofit fontScale="92500"/>
           </a:bodyPr>
           <a:lstStyle/>
           <a:p>
             <a:r>
-              <a:rPr lang="en-US" altLang="zh-TW" sz="6000" b="1" dirty="0">
-                <a:solidFill>
-                  <a:srgbClr val="FFFF00"/>
-                </a:solidFill>
+              <a:rPr lang="en-US" sz="1600" dirty="0">
+                <a:hlinkClick r:id="rId2"/>
               </a:rPr>
-              <a:t>End of Chapter</a:t>
-            </a:r>
-            <a:endParaRPr lang="zh-TW" altLang="en-US" sz="6000" b="1" dirty="0">
-              <a:solidFill>
-                <a:srgbClr val="FFFF00"/>
-              </a:solidFill>
-            </a:endParaRPr>
+              <a:t>https://www.youtube.com/watch?v=lTjQjWemKgE&amp;list=PLC3y8-rFHvwgg3vaYJgHGnModB54rxOk3&amp;index=39</a:t>
+            </a:r>
+            <a:endParaRPr lang="en-US" altLang="zh-TW" sz="1600" b="1" i="1" dirty="0"/>
           </a:p>
         </p:txBody>
       </p:sp>
@@ -9150,15 +11368,20 @@
             <p:ph type="dt" sz="half" idx="10"/>
           </p:nvPr>
         </p:nvSpPr>
-        <p:spPr/>
+        <p:spPr>
+          <a:xfrm>
+            <a:off x="457200" y="6356350"/>
+            <a:ext cx="2133600" cy="404246"/>
+          </a:xfrm>
+        </p:spPr>
         <p:txBody>
           <a:bodyPr/>
           <a:lstStyle/>
           <a:p>
-            <a:fld id="{4E46BE27-E923-4EC2-B046-3272AE2A3E5C}" type="datetime1">
+            <a:fld id="{A4F910E6-8D00-4BAF-8C48-9688E0B449D3}" type="datetime1">
               <a:rPr lang="zh-TW" altLang="en-US" smtClean="0"/>
               <a:pPr/>
-              <a:t>2020/5/25</a:t>
+              <a:t>2020/6/29</a:t>
             </a:fld>
             <a:endParaRPr lang="zh-TW" altLang="en-US"/>
           </a:p>
@@ -9174,7 +11397,12 @@
             <p:ph type="sldNum" sz="quarter" idx="12"/>
           </p:nvPr>
         </p:nvSpPr>
-        <p:spPr/>
+        <p:spPr>
+          <a:xfrm>
+            <a:off x="6553200" y="6356350"/>
+            <a:ext cx="2133600" cy="404246"/>
+          </a:xfrm>
+        </p:spPr>
         <p:txBody>
           <a:bodyPr/>
           <a:lstStyle/>
@@ -9182,7 +11410,149 @@
             <a:fld id="{E4D7E63D-91F2-4366-A2C4-1B00C9E2590E}" type="slidenum">
               <a:rPr lang="zh-TW" altLang="en-US" smtClean="0"/>
               <a:pPr/>
-              <a:t>22</a:t>
+              <a:t>23</a:t>
+            </a:fld>
+            <a:endParaRPr lang="zh-TW" altLang="en-US"/>
+          </a:p>
+        </p:txBody>
+      </p:sp>
+    </p:spTree>
+    <p:extLst>
+      <p:ext uri="{BB962C8B-B14F-4D97-AF65-F5344CB8AC3E}">
+        <p14:creationId xmlns:p14="http://schemas.microsoft.com/office/powerpoint/2010/main" val="205798169"/>
+      </p:ext>
+    </p:extLst>
+  </p:cSld>
+  <p:clrMapOvr>
+    <a:masterClrMapping/>
+  </p:clrMapOvr>
+</p:sld>
+</file>
+
+<file path=ppt/slides/slide24.xml><?xml version="1.0" encoding="utf-8"?>
+<p:sld xmlns:a="http://schemas.openxmlformats.org/drawingml/2006/main" xmlns:r="http://schemas.openxmlformats.org/officeDocument/2006/relationships" xmlns:p="http://schemas.openxmlformats.org/presentationml/2006/main">
+  <p:cSld>
+    <p:spTree>
+      <p:nvGrpSpPr>
+        <p:cNvPr id="1" name=""/>
+        <p:cNvGrpSpPr/>
+        <p:nvPr/>
+      </p:nvGrpSpPr>
+      <p:grpSpPr>
+        <a:xfrm>
+          <a:off x="0" y="0"/>
+          <a:ext cx="0" cy="0"/>
+          <a:chOff x="0" y="0"/>
+          <a:chExt cx="0" cy="0"/>
+        </a:xfrm>
+      </p:grpSpPr>
+      <p:sp>
+        <p:nvSpPr>
+          <p:cNvPr id="2" name="標題 1"/>
+          <p:cNvSpPr>
+            <a:spLocks noGrp="1"/>
+          </p:cNvSpPr>
+          <p:nvPr>
+            <p:ph type="ctrTitle"/>
+          </p:nvPr>
+        </p:nvSpPr>
+        <p:spPr>
+          <a:xfrm>
+            <a:off x="0" y="2130425"/>
+            <a:ext cx="9144000" cy="1470025"/>
+          </a:xfrm>
+          <a:gradFill flip="none" rotWithShape="1">
+            <a:gsLst>
+              <a:gs pos="0">
+                <a:srgbClr val="00B0F0">
+                  <a:shade val="30000"/>
+                  <a:satMod val="115000"/>
+                </a:srgbClr>
+              </a:gs>
+              <a:gs pos="50000">
+                <a:srgbClr val="00B0F0">
+                  <a:shade val="67500"/>
+                  <a:satMod val="115000"/>
+                </a:srgbClr>
+              </a:gs>
+              <a:gs pos="100000">
+                <a:srgbClr val="00B0F0">
+                  <a:shade val="100000"/>
+                  <a:satMod val="115000"/>
+                </a:srgbClr>
+              </a:gs>
+            </a:gsLst>
+            <a:path path="circle">
+              <a:fillToRect t="100000" r="100000"/>
+            </a:path>
+            <a:tileRect l="-100000" b="-100000"/>
+          </a:gradFill>
+        </p:spPr>
+        <p:txBody>
+          <a:bodyPr>
+            <a:normAutofit/>
+          </a:bodyPr>
+          <a:lstStyle/>
+          <a:p>
+            <a:r>
+              <a:rPr lang="en-US" altLang="zh-TW" sz="6000" b="1" dirty="0">
+                <a:solidFill>
+                  <a:srgbClr val="FFFF00"/>
+                </a:solidFill>
+              </a:rPr>
+              <a:t>End of Chapter</a:t>
+            </a:r>
+            <a:endParaRPr lang="zh-TW" altLang="en-US" sz="6000" b="1" dirty="0">
+              <a:solidFill>
+                <a:srgbClr val="FFFF00"/>
+              </a:solidFill>
+            </a:endParaRPr>
+          </a:p>
+        </p:txBody>
+      </p:sp>
+      <p:sp>
+        <p:nvSpPr>
+          <p:cNvPr id="5" name="日期版面配置區 4"/>
+          <p:cNvSpPr>
+            <a:spLocks noGrp="1"/>
+          </p:cNvSpPr>
+          <p:nvPr>
+            <p:ph type="dt" sz="half" idx="10"/>
+          </p:nvPr>
+        </p:nvSpPr>
+        <p:spPr/>
+        <p:txBody>
+          <a:bodyPr/>
+          <a:lstStyle/>
+          <a:p>
+            <a:fld id="{4E46BE27-E923-4EC2-B046-3272AE2A3E5C}" type="datetime1">
+              <a:rPr lang="zh-TW" altLang="en-US" smtClean="0"/>
+              <a:pPr/>
+              <a:t>2020/6/29</a:t>
+            </a:fld>
+            <a:endParaRPr lang="zh-TW" altLang="en-US"/>
+          </a:p>
+        </p:txBody>
+      </p:sp>
+      <p:sp>
+        <p:nvSpPr>
+          <p:cNvPr id="6" name="投影片編號版面配置區 5"/>
+          <p:cNvSpPr>
+            <a:spLocks noGrp="1"/>
+          </p:cNvSpPr>
+          <p:nvPr>
+            <p:ph type="sldNum" sz="quarter" idx="12"/>
+          </p:nvPr>
+        </p:nvSpPr>
+        <p:spPr/>
+        <p:txBody>
+          <a:bodyPr/>
+          <a:lstStyle/>
+          <a:p>
+            <a:fld id="{E4D7E63D-91F2-4366-A2C4-1B00C9E2590E}" type="slidenum">
+              <a:rPr lang="zh-TW" altLang="en-US" smtClean="0"/>
+              <a:pPr/>
+              <a:t>24</a:t>
             </a:fld>
             <a:endParaRPr lang="zh-TW" altLang="en-US"/>
           </a:p>
@@ -9464,7 +11834,7 @@
             <a:fld id="{A4F910E6-8D00-4BAF-8C48-9688E0B449D3}" type="datetime1">
               <a:rPr lang="zh-TW" altLang="en-US" smtClean="0"/>
               <a:pPr/>
-              <a:t>2020/5/25</a:t>
+              <a:t>2020/6/29</a:t>
             </a:fld>
             <a:endParaRPr lang="zh-TW" altLang="en-US"/>
           </a:p>
@@ -9798,7 +12168,7 @@
             <a:fld id="{A4F910E6-8D00-4BAF-8C48-9688E0B449D3}" type="datetime1">
               <a:rPr lang="zh-TW" altLang="en-US" smtClean="0"/>
               <a:pPr/>
-              <a:t>2020/5/25</a:t>
+              <a:t>2020/6/29</a:t>
             </a:fld>
             <a:endParaRPr lang="zh-TW" altLang="en-US"/>
           </a:p>
@@ -9847,7 +12217,7 @@
         </p:nvSpPr>
         <p:spPr>
           <a:xfrm>
-            <a:off x="3419872" y="3691576"/>
+            <a:off x="3426856" y="3887916"/>
             <a:ext cx="1656184" cy="432048"/>
           </a:xfrm>
           <a:prstGeom prst="rect">
@@ -9902,8 +12272,8 @@
         </p:nvSpPr>
         <p:spPr>
           <a:xfrm>
-            <a:off x="1259632" y="4890256"/>
-            <a:ext cx="936104" cy="404246"/>
+            <a:off x="2483768" y="4890256"/>
+            <a:ext cx="936104" cy="300431"/>
           </a:xfrm>
           <a:prstGeom prst="rect">
             <a:avLst/>
@@ -9950,6 +12320,7 @@
             </a:extLst>
           </p:cNvPr>
           <p:cNvCxnSpPr>
+            <a:cxnSpLocks/>
             <a:stCxn id="24" idx="2"/>
             <a:endCxn id="26" idx="0"/>
           </p:cNvCxnSpPr>
@@ -9957,8 +12328,8 @@
         </p:nvCxnSpPr>
         <p:spPr>
           <a:xfrm rot="5400000">
-            <a:off x="2604508" y="3246800"/>
-            <a:ext cx="766632" cy="2520280"/>
+            <a:off x="3318238" y="3953546"/>
+            <a:ext cx="570292" cy="1303128"/>
           </a:xfrm>
           <a:prstGeom prst="bentConnector3">
             <a:avLst/>
@@ -9997,7 +12368,7 @@
         <p:spPr>
           <a:xfrm>
             <a:off x="3779912" y="4890256"/>
-            <a:ext cx="936104" cy="404246"/>
+            <a:ext cx="936104" cy="300431"/>
           </a:xfrm>
           <a:prstGeom prst="rect">
             <a:avLst/>
@@ -10044,6 +12415,7 @@
             </a:extLst>
           </p:cNvPr>
           <p:cNvCxnSpPr>
+            <a:cxnSpLocks/>
             <a:stCxn id="24" idx="2"/>
             <a:endCxn id="30" idx="0"/>
           </p:cNvCxnSpPr>
@@ -10051,8 +12423,8 @@
         </p:nvCxnSpPr>
         <p:spPr>
           <a:xfrm rot="5400000">
-            <a:off x="3864648" y="4506940"/>
-            <a:ext cx="766632" cy="12700"/>
+            <a:off x="3966310" y="4601618"/>
+            <a:ext cx="570292" cy="6984"/>
           </a:xfrm>
           <a:prstGeom prst="bentConnector3">
             <a:avLst/>
@@ -10090,8 +12462,8 @@
         </p:nvSpPr>
         <p:spPr>
           <a:xfrm>
-            <a:off x="6300192" y="4890256"/>
-            <a:ext cx="936104" cy="404246"/>
+            <a:off x="5133577" y="4856738"/>
+            <a:ext cx="936104" cy="307137"/>
           </a:xfrm>
           <a:prstGeom prst="rect">
             <a:avLst/>
@@ -10138,6 +12510,7 @@
             </a:extLst>
           </p:cNvPr>
           <p:cNvCxnSpPr>
+            <a:cxnSpLocks/>
             <a:stCxn id="24" idx="2"/>
             <a:endCxn id="32" idx="0"/>
           </p:cNvCxnSpPr>
@@ -10145,8 +12518,8 @@
         </p:nvCxnSpPr>
         <p:spPr>
           <a:xfrm rot="16200000" flipH="1">
-            <a:off x="5124788" y="3246800"/>
-            <a:ext cx="766632" cy="2520280"/>
+            <a:off x="4659901" y="3915010"/>
+            <a:ext cx="536774" cy="1346681"/>
           </a:xfrm>
           <a:prstGeom prst="bentConnector3">
             <a:avLst/>
@@ -10184,8 +12557,8 @@
         </p:nvSpPr>
         <p:spPr>
           <a:xfrm>
-            <a:off x="3779912" y="5699836"/>
-            <a:ext cx="936104" cy="404246"/>
+            <a:off x="3779912" y="5517235"/>
+            <a:ext cx="936104" cy="300431"/>
           </a:xfrm>
           <a:prstGeom prst="rect">
             <a:avLst/>
@@ -10236,8 +12609,8 @@
         </p:nvSpPr>
         <p:spPr>
           <a:xfrm>
-            <a:off x="6300192" y="5689050"/>
-            <a:ext cx="936104" cy="404246"/>
+            <a:off x="5133577" y="5472931"/>
+            <a:ext cx="936104" cy="300431"/>
           </a:xfrm>
           <a:prstGeom prst="rect">
             <a:avLst/>
@@ -10288,8 +12661,8 @@
         </p:nvSpPr>
         <p:spPr>
           <a:xfrm>
-            <a:off x="6300192" y="6481138"/>
-            <a:ext cx="936104" cy="404246"/>
+            <a:off x="5139927" y="6168035"/>
+            <a:ext cx="936104" cy="300431"/>
           </a:xfrm>
           <a:prstGeom prst="rect">
             <a:avLst/>
@@ -10336,6 +12709,7 @@
             </a:extLst>
           </p:cNvPr>
           <p:cNvCxnSpPr>
+            <a:cxnSpLocks/>
             <a:stCxn id="30" idx="2"/>
             <a:endCxn id="34" idx="0"/>
           </p:cNvCxnSpPr>
@@ -10343,8 +12717,8 @@
         </p:nvCxnSpPr>
         <p:spPr>
           <a:xfrm rot="5400000">
-            <a:off x="4045297" y="5497169"/>
-            <a:ext cx="405334" cy="12700"/>
+            <a:off x="4084690" y="5353961"/>
+            <a:ext cx="326548" cy="12700"/>
           </a:xfrm>
           <a:prstGeom prst="bentConnector3">
             <a:avLst/>
@@ -10378,6 +12752,7 @@
             </a:extLst>
           </p:cNvPr>
           <p:cNvCxnSpPr>
+            <a:cxnSpLocks/>
             <a:stCxn id="32" idx="2"/>
             <a:endCxn id="35" idx="0"/>
           </p:cNvCxnSpPr>
@@ -10385,8 +12760,8 @@
         </p:nvCxnSpPr>
         <p:spPr>
           <a:xfrm rot="5400000">
-            <a:off x="6570970" y="5491776"/>
-            <a:ext cx="394548" cy="12700"/>
+            <a:off x="5447101" y="5318403"/>
+            <a:ext cx="309056" cy="12700"/>
           </a:xfrm>
           <a:prstGeom prst="bentConnector3">
             <a:avLst/>
@@ -10420,15 +12795,16 @@
             </a:extLst>
           </p:cNvPr>
           <p:cNvCxnSpPr>
+            <a:cxnSpLocks/>
             <a:stCxn id="35" idx="2"/>
             <a:endCxn id="36" idx="0"/>
           </p:cNvCxnSpPr>
           <p:nvPr/>
         </p:nvCxnSpPr>
         <p:spPr>
-          <a:xfrm rot="5400000">
-            <a:off x="6574323" y="6287217"/>
-            <a:ext cx="387842" cy="12700"/>
+          <a:xfrm rot="16200000" flipH="1">
+            <a:off x="5407468" y="5967523"/>
+            <a:ext cx="394673" cy="6350"/>
           </a:xfrm>
           <a:prstGeom prst="bentConnector3">
             <a:avLst/>
@@ -10466,7 +12842,7 @@
         </p:nvSpPr>
         <p:spPr>
           <a:xfrm>
-            <a:off x="5292080" y="3816842"/>
+            <a:off x="5227056" y="4152061"/>
             <a:ext cx="1152128" cy="300431"/>
           </a:xfrm>
           <a:prstGeom prst="rect">
@@ -10518,7 +12894,7 @@
         </p:nvSpPr>
         <p:spPr>
           <a:xfrm>
-            <a:off x="6861818" y="4596203"/>
+            <a:off x="5695203" y="4562685"/>
             <a:ext cx="910704" cy="300431"/>
           </a:xfrm>
           <a:prstGeom prst="rect">
@@ -10575,7 +12951,7 @@
         </p:nvSpPr>
         <p:spPr>
           <a:xfrm>
-            <a:off x="6856292" y="5329010"/>
+            <a:off x="5803120" y="5190687"/>
             <a:ext cx="910704" cy="300431"/>
           </a:xfrm>
           <a:prstGeom prst="rect">
@@ -10632,7 +13008,7 @@
         </p:nvSpPr>
         <p:spPr>
           <a:xfrm>
-            <a:off x="6856292" y="6121098"/>
+            <a:off x="5695203" y="5840792"/>
             <a:ext cx="910704" cy="300431"/>
           </a:xfrm>
           <a:prstGeom prst="rect">
@@ -10764,7 +13140,7 @@
             <a:fld id="{C389EDC9-19E3-47AC-9C57-C6A24DEA81AD}" type="datetime1">
               <a:rPr lang="zh-TW" altLang="en-US" smtClean="0"/>
               <a:pPr/>
-              <a:t>2020/5/25</a:t>
+              <a:t>2020/6/29</a:t>
             </a:fld>
             <a:endParaRPr lang="zh-TW" altLang="en-US"/>
           </a:p>
@@ -11124,7 +13500,7 @@
             <a:fld id="{A4F910E6-8D00-4BAF-8C48-9688E0B449D3}" type="datetime1">
               <a:rPr lang="zh-TW" altLang="en-US" smtClean="0"/>
               <a:pPr/>
-              <a:t>2020/5/25</a:t>
+              <a:t>2020/6/29</a:t>
             </a:fld>
             <a:endParaRPr lang="zh-TW" altLang="en-US"/>
           </a:p>
@@ -11181,7 +13557,7 @@
         </p:blipFill>
         <p:spPr>
           <a:xfrm>
-            <a:off x="487506" y="2581922"/>
+            <a:off x="488061" y="2543156"/>
             <a:ext cx="4123265" cy="2719286"/>
           </a:xfrm>
           <a:prstGeom prst="rect">
@@ -11216,7 +13592,7 @@
         </p:blipFill>
         <p:spPr>
           <a:xfrm>
-            <a:off x="4704473" y="2581923"/>
+            <a:off x="4975668" y="2592758"/>
             <a:ext cx="3611944" cy="2822636"/>
           </a:xfrm>
           <a:prstGeom prst="rect">
@@ -11229,6 +13605,854 @@
           </a:ln>
         </p:spPr>
       </p:pic>
+      <p:sp>
+        <p:nvSpPr>
+          <p:cNvPr id="9" name="Rectangle 8">
+            <a:extLst>
+              <a:ext uri="{FF2B5EF4-FFF2-40B4-BE49-F238E27FC236}">
+                <a16:creationId xmlns:a16="http://schemas.microsoft.com/office/drawing/2014/main" id="{F5C5AFA9-4EBF-42DF-970E-E4B4D3C46486}"/>
+              </a:ext>
+            </a:extLst>
+          </p:cNvPr>
+          <p:cNvSpPr/>
+          <p:nvPr/>
+        </p:nvSpPr>
+        <p:spPr>
+          <a:xfrm>
+            <a:off x="2739598" y="3789040"/>
+            <a:ext cx="1656184" cy="432048"/>
+          </a:xfrm>
+          <a:prstGeom prst="rect">
+            <a:avLst/>
+          </a:prstGeom>
+          <a:solidFill>
+            <a:schemeClr val="accent2">
+              <a:lumMod val="75000"/>
+            </a:schemeClr>
+          </a:solidFill>
+        </p:spPr>
+        <p:style>
+          <a:lnRef idx="2">
+            <a:schemeClr val="accent1">
+              <a:shade val="50000"/>
+            </a:schemeClr>
+          </a:lnRef>
+          <a:fillRef idx="1">
+            <a:schemeClr val="accent1"/>
+          </a:fillRef>
+          <a:effectRef idx="0">
+            <a:schemeClr val="accent1"/>
+          </a:effectRef>
+          <a:fontRef idx="minor">
+            <a:schemeClr val="lt1"/>
+          </a:fontRef>
+        </p:style>
+        <p:txBody>
+          <a:bodyPr rtlCol="0" anchor="ctr"/>
+          <a:lstStyle/>
+          <a:p>
+            <a:pPr algn="ctr"/>
+            <a:r>
+              <a:rPr lang="en-US" dirty="0" err="1"/>
+              <a:t>AppComponent</a:t>
+            </a:r>
+            <a:endParaRPr lang="en-US" dirty="0"/>
+          </a:p>
+        </p:txBody>
+      </p:sp>
+      <p:sp>
+        <p:nvSpPr>
+          <p:cNvPr id="10" name="Rectangle 9">
+            <a:extLst>
+              <a:ext uri="{FF2B5EF4-FFF2-40B4-BE49-F238E27FC236}">
+                <a16:creationId xmlns:a16="http://schemas.microsoft.com/office/drawing/2014/main" id="{B64D0317-FD76-4DB1-B5F4-B78EEDD17B85}"/>
+              </a:ext>
+            </a:extLst>
+          </p:cNvPr>
+          <p:cNvSpPr/>
+          <p:nvPr/>
+        </p:nvSpPr>
+        <p:spPr>
+          <a:xfrm>
+            <a:off x="2880371" y="4794325"/>
+            <a:ext cx="316072" cy="300431"/>
+          </a:xfrm>
+          <a:prstGeom prst="rect">
+            <a:avLst/>
+          </a:prstGeom>
+          <a:solidFill>
+            <a:srgbClr val="0070C0"/>
+          </a:solidFill>
+        </p:spPr>
+        <p:style>
+          <a:lnRef idx="2">
+            <a:schemeClr val="accent1">
+              <a:shade val="50000"/>
+            </a:schemeClr>
+          </a:lnRef>
+          <a:fillRef idx="1">
+            <a:schemeClr val="accent1"/>
+          </a:fillRef>
+          <a:effectRef idx="0">
+            <a:schemeClr val="accent1"/>
+          </a:effectRef>
+          <a:fontRef idx="minor">
+            <a:schemeClr val="lt1"/>
+          </a:fontRef>
+        </p:style>
+        <p:txBody>
+          <a:bodyPr rtlCol="0" anchor="ctr"/>
+          <a:lstStyle/>
+          <a:p>
+            <a:pPr algn="ctr"/>
+            <a:r>
+              <a:rPr lang="en-US" dirty="0"/>
+              <a:t>A</a:t>
+            </a:r>
+          </a:p>
+        </p:txBody>
+      </p:sp>
+      <p:cxnSp>
+        <p:nvCxnSpPr>
+          <p:cNvPr id="11" name="Connector: Elbow 10">
+            <a:extLst>
+              <a:ext uri="{FF2B5EF4-FFF2-40B4-BE49-F238E27FC236}">
+                <a16:creationId xmlns:a16="http://schemas.microsoft.com/office/drawing/2014/main" id="{68C84D01-68AC-46A4-B411-5C40E627CC58}"/>
+              </a:ext>
+            </a:extLst>
+          </p:cNvPr>
+          <p:cNvCxnSpPr>
+            <a:cxnSpLocks/>
+            <a:stCxn id="9" idx="2"/>
+            <a:endCxn id="10" idx="0"/>
+          </p:cNvCxnSpPr>
+          <p:nvPr/>
+        </p:nvCxnSpPr>
+        <p:spPr>
+          <a:xfrm rot="5400000">
+            <a:off x="3016431" y="4243065"/>
+            <a:ext cx="573237" cy="529283"/>
+          </a:xfrm>
+          <a:prstGeom prst="bentConnector3">
+            <a:avLst/>
+          </a:prstGeom>
+          <a:ln>
+            <a:tailEnd type="triangle"/>
+          </a:ln>
+        </p:spPr>
+        <p:style>
+          <a:lnRef idx="1">
+            <a:schemeClr val="accent1"/>
+          </a:lnRef>
+          <a:fillRef idx="0">
+            <a:schemeClr val="accent1"/>
+          </a:fillRef>
+          <a:effectRef idx="0">
+            <a:schemeClr val="accent1"/>
+          </a:effectRef>
+          <a:fontRef idx="minor">
+            <a:schemeClr val="tx1"/>
+          </a:fontRef>
+        </p:style>
+      </p:cxnSp>
+      <p:sp>
+        <p:nvSpPr>
+          <p:cNvPr id="12" name="Rectangle 11">
+            <a:extLst>
+              <a:ext uri="{FF2B5EF4-FFF2-40B4-BE49-F238E27FC236}">
+                <a16:creationId xmlns:a16="http://schemas.microsoft.com/office/drawing/2014/main" id="{18A039D7-5791-4C55-90F3-1A5CA69B3514}"/>
+              </a:ext>
+            </a:extLst>
+          </p:cNvPr>
+          <p:cNvSpPr/>
+          <p:nvPr/>
+        </p:nvSpPr>
+        <p:spPr>
+          <a:xfrm>
+            <a:off x="3384007" y="4819078"/>
+            <a:ext cx="367366" cy="300431"/>
+          </a:xfrm>
+          <a:prstGeom prst="rect">
+            <a:avLst/>
+          </a:prstGeom>
+          <a:solidFill>
+            <a:srgbClr val="92D050"/>
+          </a:solidFill>
+        </p:spPr>
+        <p:style>
+          <a:lnRef idx="2">
+            <a:schemeClr val="accent1">
+              <a:shade val="50000"/>
+            </a:schemeClr>
+          </a:lnRef>
+          <a:fillRef idx="1">
+            <a:schemeClr val="accent1"/>
+          </a:fillRef>
+          <a:effectRef idx="0">
+            <a:schemeClr val="accent1"/>
+          </a:effectRef>
+          <a:fontRef idx="minor">
+            <a:schemeClr val="lt1"/>
+          </a:fontRef>
+        </p:style>
+        <p:txBody>
+          <a:bodyPr rtlCol="0" anchor="ctr"/>
+          <a:lstStyle/>
+          <a:p>
+            <a:pPr algn="ctr"/>
+            <a:r>
+              <a:rPr lang="en-US" dirty="0"/>
+              <a:t>B</a:t>
+            </a:r>
+          </a:p>
+        </p:txBody>
+      </p:sp>
+      <p:cxnSp>
+        <p:nvCxnSpPr>
+          <p:cNvPr id="13" name="Connector: Elbow 12">
+            <a:extLst>
+              <a:ext uri="{FF2B5EF4-FFF2-40B4-BE49-F238E27FC236}">
+                <a16:creationId xmlns:a16="http://schemas.microsoft.com/office/drawing/2014/main" id="{C7BFF608-7C70-48A9-9B35-3031A08362F8}"/>
+              </a:ext>
+            </a:extLst>
+          </p:cNvPr>
+          <p:cNvCxnSpPr>
+            <a:cxnSpLocks/>
+            <a:stCxn id="9" idx="2"/>
+            <a:endCxn id="12" idx="0"/>
+          </p:cNvCxnSpPr>
+          <p:nvPr/>
+        </p:nvCxnSpPr>
+        <p:spPr>
+          <a:xfrm rot="5400000">
+            <a:off x="3268695" y="4520083"/>
+            <a:ext cx="597990" cy="12700"/>
+          </a:xfrm>
+          <a:prstGeom prst="bentConnector3">
+            <a:avLst/>
+          </a:prstGeom>
+          <a:ln>
+            <a:tailEnd type="triangle"/>
+          </a:ln>
+        </p:spPr>
+        <p:style>
+          <a:lnRef idx="1">
+            <a:schemeClr val="accent1"/>
+          </a:lnRef>
+          <a:fillRef idx="0">
+            <a:schemeClr val="accent1"/>
+          </a:fillRef>
+          <a:effectRef idx="0">
+            <a:schemeClr val="accent1"/>
+          </a:effectRef>
+          <a:fontRef idx="minor">
+            <a:schemeClr val="tx1"/>
+          </a:fontRef>
+        </p:style>
+      </p:cxnSp>
+      <p:sp>
+        <p:nvSpPr>
+          <p:cNvPr id="14" name="Rectangle 13">
+            <a:extLst>
+              <a:ext uri="{FF2B5EF4-FFF2-40B4-BE49-F238E27FC236}">
+                <a16:creationId xmlns:a16="http://schemas.microsoft.com/office/drawing/2014/main" id="{7089BEEE-129C-4F85-B1F7-6450AF81EEE2}"/>
+              </a:ext>
+            </a:extLst>
+          </p:cNvPr>
+          <p:cNvSpPr/>
+          <p:nvPr/>
+        </p:nvSpPr>
+        <p:spPr>
+          <a:xfrm>
+            <a:off x="3938937" y="4803128"/>
+            <a:ext cx="367366" cy="307137"/>
+          </a:xfrm>
+          <a:prstGeom prst="rect">
+            <a:avLst/>
+          </a:prstGeom>
+          <a:solidFill>
+            <a:srgbClr val="92D050"/>
+          </a:solidFill>
+        </p:spPr>
+        <p:style>
+          <a:lnRef idx="2">
+            <a:schemeClr val="accent1">
+              <a:shade val="50000"/>
+            </a:schemeClr>
+          </a:lnRef>
+          <a:fillRef idx="1">
+            <a:schemeClr val="accent1"/>
+          </a:fillRef>
+          <a:effectRef idx="0">
+            <a:schemeClr val="accent1"/>
+          </a:effectRef>
+          <a:fontRef idx="minor">
+            <a:schemeClr val="lt1"/>
+          </a:fontRef>
+        </p:style>
+        <p:txBody>
+          <a:bodyPr rtlCol="0" anchor="ctr"/>
+          <a:lstStyle/>
+          <a:p>
+            <a:pPr algn="ctr"/>
+            <a:r>
+              <a:rPr lang="en-US" dirty="0"/>
+              <a:t>C</a:t>
+            </a:r>
+          </a:p>
+        </p:txBody>
+      </p:sp>
+      <p:cxnSp>
+        <p:nvCxnSpPr>
+          <p:cNvPr id="15" name="Connector: Elbow 14">
+            <a:extLst>
+              <a:ext uri="{FF2B5EF4-FFF2-40B4-BE49-F238E27FC236}">
+                <a16:creationId xmlns:a16="http://schemas.microsoft.com/office/drawing/2014/main" id="{04BC42EE-4F00-4F81-B629-5DA97B8ADD9F}"/>
+              </a:ext>
+            </a:extLst>
+          </p:cNvPr>
+          <p:cNvCxnSpPr>
+            <a:cxnSpLocks/>
+            <a:stCxn id="9" idx="2"/>
+            <a:endCxn id="14" idx="0"/>
+          </p:cNvCxnSpPr>
+          <p:nvPr/>
+        </p:nvCxnSpPr>
+        <p:spPr>
+          <a:xfrm rot="16200000" flipH="1">
+            <a:off x="3554135" y="4234643"/>
+            <a:ext cx="582040" cy="554930"/>
+          </a:xfrm>
+          <a:prstGeom prst="bentConnector3">
+            <a:avLst/>
+          </a:prstGeom>
+          <a:ln>
+            <a:tailEnd type="triangle"/>
+          </a:ln>
+        </p:spPr>
+        <p:style>
+          <a:lnRef idx="1">
+            <a:schemeClr val="accent1"/>
+          </a:lnRef>
+          <a:fillRef idx="0">
+            <a:schemeClr val="accent1"/>
+          </a:fillRef>
+          <a:effectRef idx="0">
+            <a:schemeClr val="accent1"/>
+          </a:effectRef>
+          <a:fontRef idx="minor">
+            <a:schemeClr val="tx1"/>
+          </a:fontRef>
+        </p:style>
+      </p:cxnSp>
+      <p:sp>
+        <p:nvSpPr>
+          <p:cNvPr id="16" name="Rectangle 15">
+            <a:extLst>
+              <a:ext uri="{FF2B5EF4-FFF2-40B4-BE49-F238E27FC236}">
+                <a16:creationId xmlns:a16="http://schemas.microsoft.com/office/drawing/2014/main" id="{6AE1EBE6-63E1-4CD6-B075-B5267FBC7AF1}"/>
+              </a:ext>
+            </a:extLst>
+          </p:cNvPr>
+          <p:cNvSpPr/>
+          <p:nvPr/>
+        </p:nvSpPr>
+        <p:spPr>
+          <a:xfrm>
+            <a:off x="3391241" y="5388247"/>
+            <a:ext cx="365598" cy="300431"/>
+          </a:xfrm>
+          <a:prstGeom prst="rect">
+            <a:avLst/>
+          </a:prstGeom>
+          <a:solidFill>
+            <a:srgbClr val="92D050"/>
+          </a:solidFill>
+        </p:spPr>
+        <p:style>
+          <a:lnRef idx="2">
+            <a:schemeClr val="accent1">
+              <a:shade val="50000"/>
+            </a:schemeClr>
+          </a:lnRef>
+          <a:fillRef idx="1">
+            <a:schemeClr val="accent1"/>
+          </a:fillRef>
+          <a:effectRef idx="0">
+            <a:schemeClr val="accent1"/>
+          </a:effectRef>
+          <a:fontRef idx="minor">
+            <a:schemeClr val="lt1"/>
+          </a:fontRef>
+        </p:style>
+        <p:txBody>
+          <a:bodyPr rtlCol="0" anchor="ctr"/>
+          <a:lstStyle/>
+          <a:p>
+            <a:pPr algn="ctr"/>
+            <a:r>
+              <a:rPr lang="en-US" dirty="0"/>
+              <a:t>D</a:t>
+            </a:r>
+          </a:p>
+        </p:txBody>
+      </p:sp>
+      <p:sp>
+        <p:nvSpPr>
+          <p:cNvPr id="17" name="Rectangle 16">
+            <a:extLst>
+              <a:ext uri="{FF2B5EF4-FFF2-40B4-BE49-F238E27FC236}">
+                <a16:creationId xmlns:a16="http://schemas.microsoft.com/office/drawing/2014/main" id="{5C734132-6515-44AF-A629-E2D18F0A8350}"/>
+              </a:ext>
+            </a:extLst>
+          </p:cNvPr>
+          <p:cNvSpPr/>
+          <p:nvPr/>
+        </p:nvSpPr>
+        <p:spPr>
+          <a:xfrm>
+            <a:off x="3907644" y="5323469"/>
+            <a:ext cx="429952" cy="300431"/>
+          </a:xfrm>
+          <a:prstGeom prst="rect">
+            <a:avLst/>
+          </a:prstGeom>
+          <a:solidFill>
+            <a:srgbClr val="92D050"/>
+          </a:solidFill>
+        </p:spPr>
+        <p:style>
+          <a:lnRef idx="2">
+            <a:schemeClr val="accent1">
+              <a:shade val="50000"/>
+            </a:schemeClr>
+          </a:lnRef>
+          <a:fillRef idx="1">
+            <a:schemeClr val="accent1"/>
+          </a:fillRef>
+          <a:effectRef idx="0">
+            <a:schemeClr val="accent1"/>
+          </a:effectRef>
+          <a:fontRef idx="minor">
+            <a:schemeClr val="lt1"/>
+          </a:fontRef>
+        </p:style>
+        <p:txBody>
+          <a:bodyPr rtlCol="0" anchor="ctr"/>
+          <a:lstStyle/>
+          <a:p>
+            <a:pPr algn="ctr"/>
+            <a:r>
+              <a:rPr lang="en-US" dirty="0"/>
+              <a:t>E</a:t>
+            </a:r>
+          </a:p>
+        </p:txBody>
+      </p:sp>
+      <p:sp>
+        <p:nvSpPr>
+          <p:cNvPr id="18" name="Rectangle 17">
+            <a:extLst>
+              <a:ext uri="{FF2B5EF4-FFF2-40B4-BE49-F238E27FC236}">
+                <a16:creationId xmlns:a16="http://schemas.microsoft.com/office/drawing/2014/main" id="{5B8924D5-833C-4312-94E8-6FD652BA9A47}"/>
+              </a:ext>
+            </a:extLst>
+          </p:cNvPr>
+          <p:cNvSpPr/>
+          <p:nvPr/>
+        </p:nvSpPr>
+        <p:spPr>
+          <a:xfrm>
+            <a:off x="3913994" y="5851477"/>
+            <a:ext cx="429952" cy="300431"/>
+          </a:xfrm>
+          <a:prstGeom prst="rect">
+            <a:avLst/>
+          </a:prstGeom>
+          <a:solidFill>
+            <a:srgbClr val="0070C0"/>
+          </a:solidFill>
+        </p:spPr>
+        <p:style>
+          <a:lnRef idx="2">
+            <a:schemeClr val="accent1">
+              <a:shade val="50000"/>
+            </a:schemeClr>
+          </a:lnRef>
+          <a:fillRef idx="1">
+            <a:schemeClr val="accent1"/>
+          </a:fillRef>
+          <a:effectRef idx="0">
+            <a:schemeClr val="accent1"/>
+          </a:effectRef>
+          <a:fontRef idx="minor">
+            <a:schemeClr val="lt1"/>
+          </a:fontRef>
+        </p:style>
+        <p:txBody>
+          <a:bodyPr rtlCol="0" anchor="ctr"/>
+          <a:lstStyle/>
+          <a:p>
+            <a:pPr algn="ctr"/>
+            <a:r>
+              <a:rPr lang="en-US" dirty="0"/>
+              <a:t>F</a:t>
+            </a:r>
+          </a:p>
+        </p:txBody>
+      </p:sp>
+      <p:cxnSp>
+        <p:nvCxnSpPr>
+          <p:cNvPr id="19" name="Connector: Elbow 18">
+            <a:extLst>
+              <a:ext uri="{FF2B5EF4-FFF2-40B4-BE49-F238E27FC236}">
+                <a16:creationId xmlns:a16="http://schemas.microsoft.com/office/drawing/2014/main" id="{6FDC09A3-8BCE-4D70-9C79-C5D4466778AB}"/>
+              </a:ext>
+            </a:extLst>
+          </p:cNvPr>
+          <p:cNvCxnSpPr>
+            <a:cxnSpLocks/>
+            <a:stCxn id="12" idx="2"/>
+            <a:endCxn id="16" idx="0"/>
+          </p:cNvCxnSpPr>
+          <p:nvPr/>
+        </p:nvCxnSpPr>
+        <p:spPr>
+          <a:xfrm rot="16200000" flipH="1">
+            <a:off x="3436496" y="5250703"/>
+            <a:ext cx="268738" cy="6350"/>
+          </a:xfrm>
+          <a:prstGeom prst="bentConnector3">
+            <a:avLst/>
+          </a:prstGeom>
+          <a:ln>
+            <a:tailEnd type="triangle"/>
+          </a:ln>
+        </p:spPr>
+        <p:style>
+          <a:lnRef idx="1">
+            <a:schemeClr val="accent1"/>
+          </a:lnRef>
+          <a:fillRef idx="0">
+            <a:schemeClr val="accent1"/>
+          </a:fillRef>
+          <a:effectRef idx="0">
+            <a:schemeClr val="accent1"/>
+          </a:effectRef>
+          <a:fontRef idx="minor">
+            <a:schemeClr val="tx1"/>
+          </a:fontRef>
+        </p:style>
+      </p:cxnSp>
+      <p:cxnSp>
+        <p:nvCxnSpPr>
+          <p:cNvPr id="20" name="Connector: Elbow 19">
+            <a:extLst>
+              <a:ext uri="{FF2B5EF4-FFF2-40B4-BE49-F238E27FC236}">
+                <a16:creationId xmlns:a16="http://schemas.microsoft.com/office/drawing/2014/main" id="{41239DC8-0FBD-4814-8512-20FF0311E465}"/>
+              </a:ext>
+            </a:extLst>
+          </p:cNvPr>
+          <p:cNvCxnSpPr>
+            <a:cxnSpLocks/>
+            <a:stCxn id="14" idx="2"/>
+            <a:endCxn id="17" idx="0"/>
+          </p:cNvCxnSpPr>
+          <p:nvPr/>
+        </p:nvCxnSpPr>
+        <p:spPr>
+          <a:xfrm rot="5400000">
+            <a:off x="4016018" y="5216867"/>
+            <a:ext cx="213204" cy="12700"/>
+          </a:xfrm>
+          <a:prstGeom prst="bentConnector3">
+            <a:avLst/>
+          </a:prstGeom>
+          <a:ln>
+            <a:tailEnd type="triangle"/>
+          </a:ln>
+        </p:spPr>
+        <p:style>
+          <a:lnRef idx="1">
+            <a:schemeClr val="accent1"/>
+          </a:lnRef>
+          <a:fillRef idx="0">
+            <a:schemeClr val="accent1"/>
+          </a:fillRef>
+          <a:effectRef idx="0">
+            <a:schemeClr val="accent1"/>
+          </a:effectRef>
+          <a:fontRef idx="minor">
+            <a:schemeClr val="tx1"/>
+          </a:fontRef>
+        </p:style>
+      </p:cxnSp>
+      <p:cxnSp>
+        <p:nvCxnSpPr>
+          <p:cNvPr id="21" name="Connector: Elbow 20">
+            <a:extLst>
+              <a:ext uri="{FF2B5EF4-FFF2-40B4-BE49-F238E27FC236}">
+                <a16:creationId xmlns:a16="http://schemas.microsoft.com/office/drawing/2014/main" id="{5D400705-2BBF-4988-90F1-0F832FBBD205}"/>
+              </a:ext>
+            </a:extLst>
+          </p:cNvPr>
+          <p:cNvCxnSpPr>
+            <a:cxnSpLocks/>
+            <a:stCxn id="17" idx="2"/>
+            <a:endCxn id="18" idx="0"/>
+          </p:cNvCxnSpPr>
+          <p:nvPr/>
+        </p:nvCxnSpPr>
+        <p:spPr>
+          <a:xfrm rot="16200000" flipH="1">
+            <a:off x="4012007" y="5734513"/>
+            <a:ext cx="227577" cy="6350"/>
+          </a:xfrm>
+          <a:prstGeom prst="bentConnector3">
+            <a:avLst/>
+          </a:prstGeom>
+          <a:ln>
+            <a:tailEnd type="triangle"/>
+          </a:ln>
+        </p:spPr>
+        <p:style>
+          <a:lnRef idx="1">
+            <a:schemeClr val="accent1"/>
+          </a:lnRef>
+          <a:fillRef idx="0">
+            <a:schemeClr val="accent1"/>
+          </a:fillRef>
+          <a:effectRef idx="0">
+            <a:schemeClr val="accent1"/>
+          </a:effectRef>
+          <a:fontRef idx="minor">
+            <a:schemeClr val="tx1"/>
+          </a:fontRef>
+        </p:style>
+      </p:cxnSp>
+      <p:sp>
+        <p:nvSpPr>
+          <p:cNvPr id="22" name="Rectangle 21">
+            <a:extLst>
+              <a:ext uri="{FF2B5EF4-FFF2-40B4-BE49-F238E27FC236}">
+                <a16:creationId xmlns:a16="http://schemas.microsoft.com/office/drawing/2014/main" id="{E96828E9-5481-4EB3-93D0-BA1BD0CAD2F9}"/>
+              </a:ext>
+            </a:extLst>
+          </p:cNvPr>
+          <p:cNvSpPr/>
+          <p:nvPr/>
+        </p:nvSpPr>
+        <p:spPr>
+          <a:xfrm>
+            <a:off x="3876605" y="4264561"/>
+            <a:ext cx="1152128" cy="300431"/>
+          </a:xfrm>
+          <a:prstGeom prst="rect">
+            <a:avLst/>
+          </a:prstGeom>
+          <a:solidFill>
+            <a:srgbClr val="00B0F0"/>
+          </a:solidFill>
+        </p:spPr>
+        <p:style>
+          <a:lnRef idx="2">
+            <a:schemeClr val="accent1">
+              <a:shade val="50000"/>
+            </a:schemeClr>
+          </a:lnRef>
+          <a:fillRef idx="1">
+            <a:schemeClr val="accent1"/>
+          </a:fillRef>
+          <a:effectRef idx="0">
+            <a:schemeClr val="accent1"/>
+          </a:effectRef>
+          <a:fontRef idx="minor">
+            <a:schemeClr val="lt1"/>
+          </a:fontRef>
+        </p:style>
+        <p:txBody>
+          <a:bodyPr rtlCol="0" anchor="ctr"/>
+          <a:lstStyle/>
+          <a:p>
+            <a:pPr algn="ctr"/>
+            <a:r>
+              <a:rPr lang="en-US" dirty="0"/>
+              <a:t>username</a:t>
+            </a:r>
+          </a:p>
+        </p:txBody>
+      </p:sp>
+      <p:sp>
+        <p:nvSpPr>
+          <p:cNvPr id="23" name="Rectangle 22">
+            <a:extLst>
+              <a:ext uri="{FF2B5EF4-FFF2-40B4-BE49-F238E27FC236}">
+                <a16:creationId xmlns:a16="http://schemas.microsoft.com/office/drawing/2014/main" id="{CCF4AEBA-EE64-49C1-B00B-85044384CADD}"/>
+              </a:ext>
+            </a:extLst>
+          </p:cNvPr>
+          <p:cNvSpPr/>
+          <p:nvPr/>
+        </p:nvSpPr>
+        <p:spPr>
+          <a:xfrm>
+            <a:off x="4207188" y="4540351"/>
+            <a:ext cx="910704" cy="300431"/>
+          </a:xfrm>
+          <a:prstGeom prst="rect">
+            <a:avLst/>
+          </a:prstGeom>
+          <a:noFill/>
+          <a:ln>
+            <a:noFill/>
+          </a:ln>
+        </p:spPr>
+        <p:style>
+          <a:lnRef idx="2">
+            <a:schemeClr val="accent1">
+              <a:shade val="50000"/>
+            </a:schemeClr>
+          </a:lnRef>
+          <a:fillRef idx="1">
+            <a:schemeClr val="accent1"/>
+          </a:fillRef>
+          <a:effectRef idx="0">
+            <a:schemeClr val="accent1"/>
+          </a:effectRef>
+          <a:fontRef idx="minor">
+            <a:schemeClr val="lt1"/>
+          </a:fontRef>
+        </p:style>
+        <p:txBody>
+          <a:bodyPr rtlCol="0" anchor="ctr"/>
+          <a:lstStyle/>
+          <a:p>
+            <a:pPr algn="ctr"/>
+            <a:r>
+              <a:rPr lang="en-US" sz="1400" dirty="0">
+                <a:solidFill>
+                  <a:schemeClr val="tx1"/>
+                </a:solidFill>
+              </a:rPr>
+              <a:t>username</a:t>
+            </a:r>
+          </a:p>
+        </p:txBody>
+      </p:sp>
+      <p:sp>
+        <p:nvSpPr>
+          <p:cNvPr id="24" name="Rectangle 23">
+            <a:extLst>
+              <a:ext uri="{FF2B5EF4-FFF2-40B4-BE49-F238E27FC236}">
+                <a16:creationId xmlns:a16="http://schemas.microsoft.com/office/drawing/2014/main" id="{CCA5DE12-ACB8-433A-B0C1-5DB1FFA1629D}"/>
+              </a:ext>
+            </a:extLst>
+          </p:cNvPr>
+          <p:cNvSpPr/>
+          <p:nvPr/>
+        </p:nvSpPr>
+        <p:spPr>
+          <a:xfrm>
+            <a:off x="4280505" y="5071817"/>
+            <a:ext cx="910704" cy="300431"/>
+          </a:xfrm>
+          <a:prstGeom prst="rect">
+            <a:avLst/>
+          </a:prstGeom>
+          <a:noFill/>
+          <a:ln>
+            <a:noFill/>
+          </a:ln>
+        </p:spPr>
+        <p:style>
+          <a:lnRef idx="2">
+            <a:schemeClr val="accent1">
+              <a:shade val="50000"/>
+            </a:schemeClr>
+          </a:lnRef>
+          <a:fillRef idx="1">
+            <a:schemeClr val="accent1"/>
+          </a:fillRef>
+          <a:effectRef idx="0">
+            <a:schemeClr val="accent1"/>
+          </a:effectRef>
+          <a:fontRef idx="minor">
+            <a:schemeClr val="lt1"/>
+          </a:fontRef>
+        </p:style>
+        <p:txBody>
+          <a:bodyPr rtlCol="0" anchor="ctr"/>
+          <a:lstStyle/>
+          <a:p>
+            <a:pPr algn="ctr"/>
+            <a:r>
+              <a:rPr lang="en-US" sz="1400" dirty="0">
+                <a:solidFill>
+                  <a:schemeClr val="tx1"/>
+                </a:solidFill>
+              </a:rPr>
+              <a:t>username</a:t>
+            </a:r>
+          </a:p>
+        </p:txBody>
+      </p:sp>
+      <p:sp>
+        <p:nvSpPr>
+          <p:cNvPr id="25" name="Rectangle 24">
+            <a:extLst>
+              <a:ext uri="{FF2B5EF4-FFF2-40B4-BE49-F238E27FC236}">
+                <a16:creationId xmlns:a16="http://schemas.microsoft.com/office/drawing/2014/main" id="{9B9D0F05-7147-41F6-A033-019D87E8E19E}"/>
+              </a:ext>
+            </a:extLst>
+          </p:cNvPr>
+          <p:cNvSpPr/>
+          <p:nvPr/>
+        </p:nvSpPr>
+        <p:spPr>
+          <a:xfrm>
+            <a:off x="4280509" y="5572421"/>
+            <a:ext cx="910704" cy="300431"/>
+          </a:xfrm>
+          <a:prstGeom prst="rect">
+            <a:avLst/>
+          </a:prstGeom>
+          <a:noFill/>
+          <a:ln>
+            <a:noFill/>
+          </a:ln>
+        </p:spPr>
+        <p:style>
+          <a:lnRef idx="2">
+            <a:schemeClr val="accent1">
+              <a:shade val="50000"/>
+            </a:schemeClr>
+          </a:lnRef>
+          <a:fillRef idx="1">
+            <a:schemeClr val="accent1"/>
+          </a:fillRef>
+          <a:effectRef idx="0">
+            <a:schemeClr val="accent1"/>
+          </a:effectRef>
+          <a:fontRef idx="minor">
+            <a:schemeClr val="lt1"/>
+          </a:fontRef>
+        </p:style>
+        <p:txBody>
+          <a:bodyPr rtlCol="0" anchor="ctr"/>
+          <a:lstStyle/>
+          <a:p>
+            <a:pPr algn="ctr"/>
+            <a:r>
+              <a:rPr lang="en-US" sz="1400" dirty="0">
+                <a:solidFill>
+                  <a:schemeClr val="tx1"/>
+                </a:solidFill>
+              </a:rPr>
+              <a:t>username</a:t>
+            </a:r>
+          </a:p>
+        </p:txBody>
+      </p:sp>
     </p:spTree>
     <p:extLst>
       <p:ext uri="{BB962C8B-B14F-4D97-AF65-F5344CB8AC3E}">
@@ -11545,7 +14769,7 @@
             <a:fld id="{A4F910E6-8D00-4BAF-8C48-9688E0B449D3}" type="datetime1">
               <a:rPr lang="zh-TW" altLang="en-US" smtClean="0"/>
               <a:pPr/>
-              <a:t>2020/5/25</a:t>
+              <a:t>2020/6/29</a:t>
             </a:fld>
             <a:endParaRPr lang="zh-TW" altLang="en-US"/>
           </a:p>
@@ -11911,7 +15135,7 @@
             <a:fld id="{A4F910E6-8D00-4BAF-8C48-9688E0B449D3}" type="datetime1">
               <a:rPr lang="zh-TW" altLang="en-US" smtClean="0"/>
               <a:pPr/>
-              <a:t>2020/5/25</a:t>
+              <a:t>2020/6/29</a:t>
             </a:fld>
             <a:endParaRPr lang="zh-TW" altLang="en-US"/>
           </a:p>
@@ -12818,7 +16042,7 @@
             <a:fld id="{A4F910E6-8D00-4BAF-8C48-9688E0B449D3}" type="datetime1">
               <a:rPr lang="zh-TW" altLang="en-US" smtClean="0"/>
               <a:pPr/>
-              <a:t>2020/5/25</a:t>
+              <a:t>2020/6/29</a:t>
             </a:fld>
             <a:endParaRPr lang="zh-TW" altLang="en-US"/>
           </a:p>
@@ -12867,7 +16091,7 @@
         </p:nvSpPr>
         <p:spPr>
           <a:xfrm>
-            <a:off x="5937475" y="1440759"/>
+            <a:off x="5753824" y="1615232"/>
             <a:ext cx="1656184" cy="432048"/>
           </a:xfrm>
           <a:prstGeom prst="rect">
@@ -12923,7 +16147,7 @@
         <p:spPr>
           <a:xfrm>
             <a:off x="6303866" y="2422456"/>
-            <a:ext cx="936104" cy="404246"/>
+            <a:ext cx="556100" cy="404246"/>
           </a:xfrm>
           <a:prstGeom prst="rect">
             <a:avLst/>
@@ -12970,15 +16194,16 @@
             </a:extLst>
           </p:cNvPr>
           <p:cNvCxnSpPr>
+            <a:cxnSpLocks/>
             <a:stCxn id="12" idx="2"/>
             <a:endCxn id="17" idx="0"/>
           </p:cNvCxnSpPr>
           <p:nvPr/>
         </p:nvCxnSpPr>
         <p:spPr>
-          <a:xfrm rot="16200000" flipH="1">
-            <a:off x="6493918" y="2144455"/>
-            <a:ext cx="549649" cy="6351"/>
+          <a:xfrm rot="5400000">
+            <a:off x="6394328" y="2234868"/>
+            <a:ext cx="375176" cy="12700"/>
           </a:xfrm>
           <a:prstGeom prst="bentConnector3">
             <a:avLst/>
@@ -13016,8 +16241,8 @@
         </p:nvSpPr>
         <p:spPr>
           <a:xfrm>
-            <a:off x="6303866" y="3221250"/>
-            <a:ext cx="936104" cy="404246"/>
+            <a:off x="6303866" y="3153466"/>
+            <a:ext cx="556100" cy="404246"/>
           </a:xfrm>
           <a:prstGeom prst="rect">
             <a:avLst/>
@@ -13068,8 +16293,8 @@
         </p:nvSpPr>
         <p:spPr>
           <a:xfrm>
-            <a:off x="6303866" y="4013338"/>
-            <a:ext cx="936104" cy="404246"/>
+            <a:off x="6303866" y="3884476"/>
+            <a:ext cx="556100" cy="404246"/>
           </a:xfrm>
           <a:prstGeom prst="rect">
             <a:avLst/>
@@ -13116,6 +16341,7 @@
             </a:extLst>
           </p:cNvPr>
           <p:cNvCxnSpPr>
+            <a:cxnSpLocks/>
             <a:stCxn id="17" idx="2"/>
             <a:endCxn id="20" idx="0"/>
           </p:cNvCxnSpPr>
@@ -13123,8 +16349,8 @@
         </p:nvCxnSpPr>
         <p:spPr>
           <a:xfrm rot="5400000">
-            <a:off x="6574644" y="3023976"/>
-            <a:ext cx="394548" cy="12700"/>
+            <a:off x="6418534" y="2990084"/>
+            <a:ext cx="326764" cy="12700"/>
           </a:xfrm>
           <a:prstGeom prst="bentConnector3">
             <a:avLst/>
@@ -13158,6 +16384,7 @@
             </a:extLst>
           </p:cNvPr>
           <p:cNvCxnSpPr>
+            <a:cxnSpLocks/>
             <a:stCxn id="20" idx="2"/>
             <a:endCxn id="21" idx="0"/>
           </p:cNvCxnSpPr>
@@ -13165,8 +16392,8 @@
         </p:nvCxnSpPr>
         <p:spPr>
           <a:xfrm rot="5400000">
-            <a:off x="6577997" y="3819417"/>
-            <a:ext cx="387842" cy="12700"/>
+            <a:off x="6418534" y="3721094"/>
+            <a:ext cx="326764" cy="12700"/>
           </a:xfrm>
           <a:prstGeom prst="bentConnector3">
             <a:avLst/>
@@ -13204,7 +16431,7 @@
         </p:nvSpPr>
         <p:spPr>
           <a:xfrm>
-            <a:off x="7672017" y="1607087"/>
+            <a:off x="7620000" y="1637195"/>
             <a:ext cx="1152128" cy="300431"/>
           </a:xfrm>
           <a:prstGeom prst="rect">
@@ -13313,7 +16540,7 @@
         </p:nvSpPr>
         <p:spPr>
           <a:xfrm>
-            <a:off x="6859966" y="2861210"/>
+            <a:off x="6859966" y="2773710"/>
             <a:ext cx="910704" cy="300431"/>
           </a:xfrm>
           <a:prstGeom prst="rect">
@@ -13370,7 +16597,7 @@
         </p:nvSpPr>
         <p:spPr>
           <a:xfrm>
-            <a:off x="6859966" y="3653298"/>
+            <a:off x="6859966" y="3606232"/>
             <a:ext cx="910704" cy="300431"/>
           </a:xfrm>
           <a:prstGeom prst="rect">
